--- a/slides/TP557_4_O_Paradigma_do_Machine_Learning.pptx
+++ b/slides/TP557_4_O_Paradigma_do_Machine_Learning.pptx
@@ -23,7 +23,7 @@
     <p:sldId id="417" r:id="rId11"/>
     <p:sldId id="418" r:id="rId12"/>
     <p:sldId id="420" r:id="rId13"/>
-    <p:sldId id="411" r:id="rId14"/>
+    <p:sldId id="421" r:id="rId14"/>
     <p:sldId id="405" r:id="rId15"/>
     <p:sldId id="293" r:id="rId16"/>
     <p:sldId id="306" r:id="rId17"/>
@@ -291,7 +291,7 @@
           <a:p>
             <a:fld id="{144F1436-6906-4D93-B7A2-786C327BFA14}" type="datetimeFigureOut">
               <a:rPr lang="nl-BE" smtClean="0"/>
-              <a:t>27/07/2023</a:t>
+              <a:t>3/08/2023</a:t>
             </a:fld>
             <a:endParaRPr lang="nl-BE"/>
           </a:p>
@@ -456,7 +456,7 @@
           <a:p>
             <a:fld id="{AA8CD09E-2914-4F47-B6C1-51B2C31814C9}" type="datetimeFigureOut">
               <a:rPr lang="pt-BR" smtClean="0"/>
-              <a:t>27/07/2023</a:t>
+              <a:t>03/08/2023</a:t>
             </a:fld>
             <a:endParaRPr lang="pt-BR"/>
           </a:p>
@@ -1960,7 +1960,7 @@
           <a:p>
             <a:fld id="{63289F7E-B80B-496E-81B4-D396C37C9454}" type="datetimeFigureOut">
               <a:rPr lang="pt-BR" smtClean="0"/>
-              <a:t>27/07/2023</a:t>
+              <a:t>03/08/2023</a:t>
             </a:fld>
             <a:endParaRPr lang="pt-BR"/>
           </a:p>
@@ -2158,7 +2158,7 @@
           <a:p>
             <a:fld id="{63289F7E-B80B-496E-81B4-D396C37C9454}" type="datetimeFigureOut">
               <a:rPr lang="pt-BR" smtClean="0"/>
-              <a:t>27/07/2023</a:t>
+              <a:t>03/08/2023</a:t>
             </a:fld>
             <a:endParaRPr lang="pt-BR"/>
           </a:p>
@@ -2366,7 +2366,7 @@
           <a:p>
             <a:fld id="{63289F7E-B80B-496E-81B4-D396C37C9454}" type="datetimeFigureOut">
               <a:rPr lang="pt-BR" smtClean="0"/>
-              <a:t>27/07/2023</a:t>
+              <a:t>03/08/2023</a:t>
             </a:fld>
             <a:endParaRPr lang="pt-BR"/>
           </a:p>
@@ -2564,7 +2564,7 @@
           <a:p>
             <a:fld id="{63289F7E-B80B-496E-81B4-D396C37C9454}" type="datetimeFigureOut">
               <a:rPr lang="pt-BR" smtClean="0"/>
-              <a:t>27/07/2023</a:t>
+              <a:t>03/08/2023</a:t>
             </a:fld>
             <a:endParaRPr lang="pt-BR"/>
           </a:p>
@@ -2839,7 +2839,7 @@
           <a:p>
             <a:fld id="{63289F7E-B80B-496E-81B4-D396C37C9454}" type="datetimeFigureOut">
               <a:rPr lang="pt-BR" smtClean="0"/>
-              <a:t>27/07/2023</a:t>
+              <a:t>03/08/2023</a:t>
             </a:fld>
             <a:endParaRPr lang="pt-BR"/>
           </a:p>
@@ -3104,7 +3104,7 @@
           <a:p>
             <a:fld id="{63289F7E-B80B-496E-81B4-D396C37C9454}" type="datetimeFigureOut">
               <a:rPr lang="pt-BR" smtClean="0"/>
-              <a:t>27/07/2023</a:t>
+              <a:t>03/08/2023</a:t>
             </a:fld>
             <a:endParaRPr lang="pt-BR"/>
           </a:p>
@@ -3516,7 +3516,7 @@
           <a:p>
             <a:fld id="{63289F7E-B80B-496E-81B4-D396C37C9454}" type="datetimeFigureOut">
               <a:rPr lang="pt-BR" smtClean="0"/>
-              <a:t>27/07/2023</a:t>
+              <a:t>03/08/2023</a:t>
             </a:fld>
             <a:endParaRPr lang="pt-BR"/>
           </a:p>
@@ -3657,7 +3657,7 @@
           <a:p>
             <a:fld id="{63289F7E-B80B-496E-81B4-D396C37C9454}" type="datetimeFigureOut">
               <a:rPr lang="pt-BR" smtClean="0"/>
-              <a:t>27/07/2023</a:t>
+              <a:t>03/08/2023</a:t>
             </a:fld>
             <a:endParaRPr lang="pt-BR"/>
           </a:p>
@@ -3770,7 +3770,7 @@
           <a:p>
             <a:fld id="{63289F7E-B80B-496E-81B4-D396C37C9454}" type="datetimeFigureOut">
               <a:rPr lang="pt-BR" smtClean="0"/>
-              <a:t>27/07/2023</a:t>
+              <a:t>03/08/2023</a:t>
             </a:fld>
             <a:endParaRPr lang="pt-BR"/>
           </a:p>
@@ -4081,7 +4081,7 @@
           <a:p>
             <a:fld id="{63289F7E-B80B-496E-81B4-D396C37C9454}" type="datetimeFigureOut">
               <a:rPr lang="pt-BR" smtClean="0"/>
-              <a:t>27/07/2023</a:t>
+              <a:t>03/08/2023</a:t>
             </a:fld>
             <a:endParaRPr lang="pt-BR"/>
           </a:p>
@@ -4369,7 +4369,7 @@
           <a:p>
             <a:fld id="{63289F7E-B80B-496E-81B4-D396C37C9454}" type="datetimeFigureOut">
               <a:rPr lang="pt-BR" smtClean="0"/>
-              <a:t>27/07/2023</a:t>
+              <a:t>03/08/2023</a:t>
             </a:fld>
             <a:endParaRPr lang="pt-BR"/>
           </a:p>
@@ -4610,7 +4610,7 @@
           <a:p>
             <a:fld id="{63289F7E-B80B-496E-81B4-D396C37C9454}" type="datetimeFigureOut">
               <a:rPr lang="pt-BR" smtClean="0"/>
-              <a:t>27/07/2023</a:t>
+              <a:t>03/08/2023</a:t>
             </a:fld>
             <a:endParaRPr lang="pt-BR"/>
           </a:p>
@@ -7179,7 +7179,7 @@
           <a:p>
             <a:r>
               <a:rPr lang="pt-BR" dirty="0"/>
-              <a:t>Inferência e generalização</a:t>
+              <a:t>Generalização</a:t>
             </a:r>
             <a:endParaRPr lang="en-US" dirty="0"/>
           </a:p>
@@ -7202,28 +7202,20 @@
           </a:xfrm>
         </p:spPr>
         <p:txBody>
-          <a:bodyPr/>
+          <a:bodyPr>
+            <a:normAutofit lnSpcReduction="10000"/>
+          </a:bodyPr>
           <a:lstStyle/>
           <a:p>
             <a:r>
               <a:rPr lang="pt-BR" dirty="0"/>
-              <a:t>Através de </a:t>
-            </a:r>
-            <a:r>
-              <a:rPr lang="pt-BR" b="1" i="1" dirty="0"/>
-              <a:t>treinamento</a:t>
-            </a:r>
+              <a:t>Porém, não basta que o algoritmo de ML aprenda um modelo que faça o mapeamento apenas para os dados do conjunto de treinamento.</a:t>
+            </a:r>
+          </a:p>
+          <a:p>
             <a:r>
               <a:rPr lang="pt-BR" dirty="0"/>
-              <a:t> (i.e., do aprendizado) com um </a:t>
-            </a:r>
-            <a:r>
-              <a:rPr lang="pt-BR" b="1" i="1" dirty="0"/>
-              <a:t>conjunto de dados</a:t>
-            </a:r>
-            <a:r>
-              <a:rPr lang="pt-BR" dirty="0"/>
-              <a:t>, o </a:t>
+              <a:t>O </a:t>
             </a:r>
             <a:r>
               <a:rPr lang="pt-BR" b="1" i="1" dirty="0"/>
@@ -7231,11 +7223,11 @@
             </a:r>
             <a:r>
               <a:rPr lang="pt-BR" dirty="0"/>
-              <a:t> de ML </a:t>
+              <a:t> de ML deve </a:t>
             </a:r>
             <a:r>
               <a:rPr lang="pt-BR" b="1" i="1" dirty="0"/>
-              <a:t>aprende</a:t>
+              <a:t>treinar</a:t>
             </a:r>
             <a:r>
               <a:rPr lang="pt-BR" dirty="0"/>
@@ -7247,15 +7239,15 @@
             </a:r>
             <a:r>
               <a:rPr lang="pt-BR" dirty="0"/>
-              <a:t> (i.e., as regras ou mapeamento) que </a:t>
+              <a:t> que </a:t>
             </a:r>
             <a:r>
               <a:rPr lang="pt-BR" b="1" i="1" dirty="0"/>
-              <a:t>reproduz os resultados esperados</a:t>
+              <a:t>aprenda</a:t>
             </a:r>
             <a:r>
               <a:rPr lang="pt-BR" dirty="0"/>
-              <a:t> e, o </a:t>
+              <a:t> uma </a:t>
             </a:r>
             <a:r>
               <a:rPr lang="pt-BR" b="1" i="1" dirty="0">
@@ -7263,11 +7255,11 @@
                   <a:srgbClr val="00B050"/>
                 </a:solidFill>
               </a:rPr>
-              <a:t>mais importante</a:t>
+              <a:t>solução geral</a:t>
             </a:r>
             <a:r>
               <a:rPr lang="pt-BR" dirty="0"/>
-              <a:t>, </a:t>
+              <a:t>, ou seja, que </a:t>
             </a:r>
             <a:r>
               <a:rPr lang="pt-BR" b="1" i="1" dirty="0">
@@ -7275,45 +7267,12 @@
                   <a:srgbClr val="00B050"/>
                 </a:solidFill>
               </a:rPr>
-              <a:t>generaliza</a:t>
-            </a:r>
-            <a:r>
-              <a:rPr lang="pt-BR" dirty="0">
-                <a:solidFill>
-                  <a:srgbClr val="00B050"/>
-                </a:solidFill>
-              </a:rPr>
-              <a:t> </a:t>
-            </a:r>
-            <a:r>
-              <a:rPr lang="pt-BR" b="1" i="1" dirty="0">
-                <a:solidFill>
-                  <a:srgbClr val="00B050"/>
-                </a:solidFill>
-              </a:rPr>
-              <a:t>para</a:t>
-            </a:r>
-            <a:r>
-              <a:rPr lang="pt-BR" dirty="0">
-                <a:solidFill>
-                  <a:srgbClr val="00B050"/>
-                </a:solidFill>
-              </a:rPr>
-              <a:t> </a:t>
-            </a:r>
-            <a:r>
-              <a:rPr lang="pt-BR" b="1" i="1" dirty="0">
-                <a:solidFill>
-                  <a:srgbClr val="00B050"/>
-                </a:solidFill>
-              </a:rPr>
-              <a:t>entradas não vistas durante o treinamento</a:t>
+              <a:t>generalize para entradas não vistas durante o treinamento</a:t>
             </a:r>
             <a:r>
               <a:rPr lang="pt-BR" dirty="0"/>
               <a:t>.</a:t>
             </a:r>
-            <a:endParaRPr lang="en-US" dirty="0"/>
           </a:p>
         </p:txBody>
       </p:sp>
@@ -7365,7 +7324,15 @@
                   <a:schemeClr val="tx1"/>
                 </a:solidFill>
               </a:rPr>
-              <a:t>Computador com modelo de ML treinado</a:t>
+              <a:t>Computador com modelo de ML </a:t>
+            </a:r>
+            <a:r>
+              <a:rPr lang="pt-BR" b="1" i="1" dirty="0">
+                <a:solidFill>
+                  <a:srgbClr val="00B0F0"/>
+                </a:solidFill>
+              </a:rPr>
+              <a:t>treinado</a:t>
             </a:r>
           </a:p>
         </p:txBody>
@@ -7568,7 +7535,7 @@
                       <a:srgbClr val="00B050"/>
                     </a:solidFill>
                   </a:rPr>
-                  <a:t>Qual é a estimativa de picolés vendidos quando a temperatura é de </a:t>
+                  <a:t>Qual é a estimativa de paletas vendidas quando a temperatura é de </a:t>
                 </a:r>
                 <a14:m>
                   <m:oMath xmlns:m="http://schemas.openxmlformats.org/officeDocument/2006/math">
@@ -7620,7 +7587,7 @@
                 <a:avLst/>
               </a:prstGeom>
               <a:blipFill>
-                <a:blip r:embed="rId4"/>
+                <a:blip r:embed="rId3"/>
                 <a:stretch>
                   <a:fillRect t="-1653" b="-8264"/>
                 </a:stretch>
@@ -7761,7 +7728,7 @@
             <p:nvPr/>
           </p:nvPicPr>
           <p:blipFill rotWithShape="1">
-            <a:blip r:embed="rId5">
+            <a:blip r:embed="rId4">
               <a:extLst>
                 <a:ext uri="{28A0092B-C50C-407E-A947-70E740481C1C}">
                   <a14:useLocalDpi xmlns:a14="http://schemas.microsoft.com/office/drawing/2010/main" val="0"/>
@@ -8027,7 +7994,7 @@
               <p:nvPr/>
             </p:nvPicPr>
             <p:blipFill rotWithShape="1">
-              <a:blip r:embed="rId6" cstate="print">
+              <a:blip r:embed="rId5" cstate="print">
                 <a:extLst>
                   <a:ext uri="{28A0092B-C50C-407E-A947-70E740481C1C}">
                     <a14:useLocalDpi xmlns:a14="http://schemas.microsoft.com/office/drawing/2010/main" val="0"/>
@@ -8289,7 +8256,7 @@
     </p:spTree>
     <p:extLst>
       <p:ext uri="{BB962C8B-B14F-4D97-AF65-F5344CB8AC3E}">
-        <p14:creationId xmlns:p14="http://schemas.microsoft.com/office/powerpoint/2010/main" val="3698421460"/>
+        <p14:creationId xmlns:p14="http://schemas.microsoft.com/office/powerpoint/2010/main" val="1939698329"/>
       </p:ext>
     </p:extLst>
   </p:cSld>

--- a/slides/TP557_4_O_Paradigma_do_Machine_Learning.pptx
+++ b/slides/TP557_4_O_Paradigma_do_Machine_Learning.pptx
@@ -5,10 +5,10 @@
     <p:sldMasterId id="2147483648" r:id="rId1"/>
   </p:sldMasterIdLst>
   <p:notesMasterIdLst>
-    <p:notesMasterId r:id="rId28"/>
+    <p:notesMasterId r:id="rId29"/>
   </p:notesMasterIdLst>
   <p:handoutMasterIdLst>
-    <p:handoutMasterId r:id="rId29"/>
+    <p:handoutMasterId r:id="rId30"/>
   </p:handoutMasterIdLst>
   <p:sldIdLst>
     <p:sldId id="256" r:id="rId2"/>
@@ -18,25 +18,26 @@
     <p:sldId id="422" r:id="rId6"/>
     <p:sldId id="423" r:id="rId7"/>
     <p:sldId id="413" r:id="rId8"/>
-    <p:sldId id="414" r:id="rId9"/>
-    <p:sldId id="412" r:id="rId10"/>
-    <p:sldId id="424" r:id="rId11"/>
-    <p:sldId id="415" r:id="rId12"/>
-    <p:sldId id="416" r:id="rId13"/>
-    <p:sldId id="426" r:id="rId14"/>
-    <p:sldId id="425" r:id="rId15"/>
-    <p:sldId id="417" r:id="rId16"/>
-    <p:sldId id="427" r:id="rId17"/>
-    <p:sldId id="428" r:id="rId18"/>
-    <p:sldId id="429" r:id="rId19"/>
-    <p:sldId id="418" r:id="rId20"/>
-    <p:sldId id="420" r:id="rId21"/>
-    <p:sldId id="421" r:id="rId22"/>
-    <p:sldId id="430" r:id="rId23"/>
-    <p:sldId id="405" r:id="rId24"/>
-    <p:sldId id="293" r:id="rId25"/>
-    <p:sldId id="306" r:id="rId26"/>
-    <p:sldId id="419" r:id="rId27"/>
+    <p:sldId id="431" r:id="rId9"/>
+    <p:sldId id="414" r:id="rId10"/>
+    <p:sldId id="412" r:id="rId11"/>
+    <p:sldId id="424" r:id="rId12"/>
+    <p:sldId id="415" r:id="rId13"/>
+    <p:sldId id="416" r:id="rId14"/>
+    <p:sldId id="426" r:id="rId15"/>
+    <p:sldId id="425" r:id="rId16"/>
+    <p:sldId id="417" r:id="rId17"/>
+    <p:sldId id="427" r:id="rId18"/>
+    <p:sldId id="428" r:id="rId19"/>
+    <p:sldId id="429" r:id="rId20"/>
+    <p:sldId id="418" r:id="rId21"/>
+    <p:sldId id="420" r:id="rId22"/>
+    <p:sldId id="421" r:id="rId23"/>
+    <p:sldId id="430" r:id="rId24"/>
+    <p:sldId id="405" r:id="rId25"/>
+    <p:sldId id="293" r:id="rId26"/>
+    <p:sldId id="306" r:id="rId27"/>
+    <p:sldId id="419" r:id="rId28"/>
   </p:sldIdLst>
   <p:sldSz cx="12192000" cy="6858000"/>
   <p:notesSz cx="7315200" cy="9601200"/>
@@ -300,7 +301,7 @@
           <a:p>
             <a:fld id="{144F1436-6906-4D93-B7A2-786C327BFA14}" type="datetimeFigureOut">
               <a:rPr lang="nl-BE" smtClean="0"/>
-              <a:t>16/08/2023</a:t>
+              <a:t>22/08/2023</a:t>
             </a:fld>
             <a:endParaRPr lang="nl-BE"/>
           </a:p>
@@ -465,7 +466,7 @@
           <a:p>
             <a:fld id="{AA8CD09E-2914-4F47-B6C1-51B2C31814C9}" type="datetimeFigureOut">
               <a:rPr lang="pt-BR" smtClean="0"/>
-              <a:t>16/08/2023</a:t>
+              <a:t>22/08/2023</a:t>
             </a:fld>
             <a:endParaRPr lang="pt-BR"/>
           </a:p>
@@ -884,7 +885,7 @@
           <a:p>
             <a:fld id="{6FC8D850-966F-45A6-8DE7-15B891E7D40D}" type="slidenum">
               <a:rPr lang="pt-BR" smtClean="0"/>
-              <a:t>14</a:t>
+              <a:t>15</a:t>
             </a:fld>
             <a:endParaRPr lang="pt-BR"/>
           </a:p>
@@ -1004,7 +1005,7 @@
           <a:p>
             <a:fld id="{6FC8D850-966F-45A6-8DE7-15B891E7D40D}" type="slidenum">
               <a:rPr lang="pt-BR" smtClean="0"/>
-              <a:t>15</a:t>
+              <a:t>16</a:t>
             </a:fld>
             <a:endParaRPr lang="pt-BR"/>
           </a:p>
@@ -1124,7 +1125,7 @@
           <a:p>
             <a:fld id="{6FC8D850-966F-45A6-8DE7-15B891E7D40D}" type="slidenum">
               <a:rPr lang="pt-BR" smtClean="0"/>
-              <a:t>16</a:t>
+              <a:t>17</a:t>
             </a:fld>
             <a:endParaRPr lang="pt-BR"/>
           </a:p>
@@ -1244,7 +1245,7 @@
           <a:p>
             <a:fld id="{6FC8D850-966F-45A6-8DE7-15B891E7D40D}" type="slidenum">
               <a:rPr lang="pt-BR" smtClean="0"/>
-              <a:t>17</a:t>
+              <a:t>18</a:t>
             </a:fld>
             <a:endParaRPr lang="pt-BR"/>
           </a:p>
@@ -1364,7 +1365,7 @@
           <a:p>
             <a:fld id="{6FC8D850-966F-45A6-8DE7-15B891E7D40D}" type="slidenum">
               <a:rPr lang="pt-BR" smtClean="0"/>
-              <a:t>18</a:t>
+              <a:t>19</a:t>
             </a:fld>
             <a:endParaRPr lang="pt-BR"/>
           </a:p>
@@ -1484,7 +1485,7 @@
           <a:p>
             <a:fld id="{6FC8D850-966F-45A6-8DE7-15B891E7D40D}" type="slidenum">
               <a:rPr lang="pt-BR" smtClean="0"/>
-              <a:t>19</a:t>
+              <a:t>20</a:t>
             </a:fld>
             <a:endParaRPr lang="pt-BR"/>
           </a:p>
@@ -1687,7 +1688,7 @@
           <a:p>
             <a:fld id="{6FC8D850-966F-45A6-8DE7-15B891E7D40D}" type="slidenum">
               <a:rPr lang="pt-BR" smtClean="0"/>
-              <a:t>21</a:t>
+              <a:t>22</a:t>
             </a:fld>
             <a:endParaRPr lang="pt-BR"/>
           </a:p>
@@ -1890,7 +1891,7 @@
           <a:p>
             <a:fld id="{6FC8D850-966F-45A6-8DE7-15B891E7D40D}" type="slidenum">
               <a:rPr lang="pt-BR" smtClean="0"/>
-              <a:t>22</a:t>
+              <a:t>23</a:t>
             </a:fld>
             <a:endParaRPr lang="pt-BR"/>
           </a:p>
@@ -2558,7 +2559,7 @@
           <a:p>
             <a:fld id="{6FC8D850-966F-45A6-8DE7-15B891E7D40D}" type="slidenum">
               <a:rPr lang="pt-BR" smtClean="0"/>
-              <a:t>9</a:t>
+              <a:t>10</a:t>
             </a:fld>
             <a:endParaRPr lang="pt-BR"/>
           </a:p>
@@ -2663,7 +2664,7 @@
           <a:p>
             <a:fld id="{6FC8D850-966F-45A6-8DE7-15B891E7D40D}" type="slidenum">
               <a:rPr lang="pt-BR" smtClean="0"/>
-              <a:t>10</a:t>
+              <a:t>11</a:t>
             </a:fld>
             <a:endParaRPr lang="pt-BR"/>
           </a:p>
@@ -2750,7 +2751,7 @@
           <a:p>
             <a:fld id="{6FC8D850-966F-45A6-8DE7-15B891E7D40D}" type="slidenum">
               <a:rPr lang="pt-BR" smtClean="0"/>
-              <a:t>12</a:t>
+              <a:t>13</a:t>
             </a:fld>
             <a:endParaRPr lang="pt-BR"/>
           </a:p>
@@ -2837,7 +2838,7 @@
           <a:p>
             <a:fld id="{6FC8D850-966F-45A6-8DE7-15B891E7D40D}" type="slidenum">
               <a:rPr lang="pt-BR" smtClean="0"/>
-              <a:t>13</a:t>
+              <a:t>14</a:t>
             </a:fld>
             <a:endParaRPr lang="pt-BR"/>
           </a:p>
@@ -3003,7 +3004,7 @@
           <a:p>
             <a:fld id="{63289F7E-B80B-496E-81B4-D396C37C9454}" type="datetimeFigureOut">
               <a:rPr lang="pt-BR" smtClean="0"/>
-              <a:t>16/08/2023</a:t>
+              <a:t>22/08/2023</a:t>
             </a:fld>
             <a:endParaRPr lang="pt-BR"/>
           </a:p>
@@ -3201,7 +3202,7 @@
           <a:p>
             <a:fld id="{63289F7E-B80B-496E-81B4-D396C37C9454}" type="datetimeFigureOut">
               <a:rPr lang="pt-BR" smtClean="0"/>
-              <a:t>16/08/2023</a:t>
+              <a:t>22/08/2023</a:t>
             </a:fld>
             <a:endParaRPr lang="pt-BR"/>
           </a:p>
@@ -3409,7 +3410,7 @@
           <a:p>
             <a:fld id="{63289F7E-B80B-496E-81B4-D396C37C9454}" type="datetimeFigureOut">
               <a:rPr lang="pt-BR" smtClean="0"/>
-              <a:t>16/08/2023</a:t>
+              <a:t>22/08/2023</a:t>
             </a:fld>
             <a:endParaRPr lang="pt-BR"/>
           </a:p>
@@ -3607,7 +3608,7 @@
           <a:p>
             <a:fld id="{63289F7E-B80B-496E-81B4-D396C37C9454}" type="datetimeFigureOut">
               <a:rPr lang="pt-BR" smtClean="0"/>
-              <a:t>16/08/2023</a:t>
+              <a:t>22/08/2023</a:t>
             </a:fld>
             <a:endParaRPr lang="pt-BR"/>
           </a:p>
@@ -3882,7 +3883,7 @@
           <a:p>
             <a:fld id="{63289F7E-B80B-496E-81B4-D396C37C9454}" type="datetimeFigureOut">
               <a:rPr lang="pt-BR" smtClean="0"/>
-              <a:t>16/08/2023</a:t>
+              <a:t>22/08/2023</a:t>
             </a:fld>
             <a:endParaRPr lang="pt-BR"/>
           </a:p>
@@ -4147,7 +4148,7 @@
           <a:p>
             <a:fld id="{63289F7E-B80B-496E-81B4-D396C37C9454}" type="datetimeFigureOut">
               <a:rPr lang="pt-BR" smtClean="0"/>
-              <a:t>16/08/2023</a:t>
+              <a:t>22/08/2023</a:t>
             </a:fld>
             <a:endParaRPr lang="pt-BR"/>
           </a:p>
@@ -4559,7 +4560,7 @@
           <a:p>
             <a:fld id="{63289F7E-B80B-496E-81B4-D396C37C9454}" type="datetimeFigureOut">
               <a:rPr lang="pt-BR" smtClean="0"/>
-              <a:t>16/08/2023</a:t>
+              <a:t>22/08/2023</a:t>
             </a:fld>
             <a:endParaRPr lang="pt-BR"/>
           </a:p>
@@ -4700,7 +4701,7 @@
           <a:p>
             <a:fld id="{63289F7E-B80B-496E-81B4-D396C37C9454}" type="datetimeFigureOut">
               <a:rPr lang="pt-BR" smtClean="0"/>
-              <a:t>16/08/2023</a:t>
+              <a:t>22/08/2023</a:t>
             </a:fld>
             <a:endParaRPr lang="pt-BR"/>
           </a:p>
@@ -4813,7 +4814,7 @@
           <a:p>
             <a:fld id="{63289F7E-B80B-496E-81B4-D396C37C9454}" type="datetimeFigureOut">
               <a:rPr lang="pt-BR" smtClean="0"/>
-              <a:t>16/08/2023</a:t>
+              <a:t>22/08/2023</a:t>
             </a:fld>
             <a:endParaRPr lang="pt-BR"/>
           </a:p>
@@ -5124,7 +5125,7 @@
           <a:p>
             <a:fld id="{63289F7E-B80B-496E-81B4-D396C37C9454}" type="datetimeFigureOut">
               <a:rPr lang="pt-BR" smtClean="0"/>
-              <a:t>16/08/2023</a:t>
+              <a:t>22/08/2023</a:t>
             </a:fld>
             <a:endParaRPr lang="pt-BR"/>
           </a:p>
@@ -5412,7 +5413,7 @@
           <a:p>
             <a:fld id="{63289F7E-B80B-496E-81B4-D396C37C9454}" type="datetimeFigureOut">
               <a:rPr lang="pt-BR" smtClean="0"/>
-              <a:t>16/08/2023</a:t>
+              <a:t>22/08/2023</a:t>
             </a:fld>
             <a:endParaRPr lang="pt-BR"/>
           </a:p>
@@ -5653,7 +5654,7 @@
           <a:p>
             <a:fld id="{63289F7E-B80B-496E-81B4-D396C37C9454}" type="datetimeFigureOut">
               <a:rPr lang="pt-BR" smtClean="0"/>
-              <a:t>16/08/2023</a:t>
+              <a:t>22/08/2023</a:t>
             </a:fld>
             <a:endParaRPr lang="pt-BR"/>
           </a:p>
@@ -6417,7 +6418,41 @@
           <a:p>
             <a:r>
               <a:rPr lang="pt-BR" dirty="0"/>
-              <a:t>Como a máquina apende?</a:t>
+              <a:t>“</a:t>
+            </a:r>
+            <a:r>
+              <a:rPr lang="pt-BR" dirty="0">
+                <a:solidFill>
+                  <a:srgbClr val="00B0F0"/>
+                </a:solidFill>
+              </a:rPr>
+              <a:t>... </a:t>
+            </a:r>
+            <a:r>
+              <a:rPr lang="pt-BR" b="1" i="1" dirty="0">
+                <a:solidFill>
+                  <a:srgbClr val="00B0F0"/>
+                </a:solidFill>
+              </a:rPr>
+              <a:t>aprender sem serem explicitamente programados</a:t>
+            </a:r>
+            <a:r>
+              <a:rPr lang="pt-BR" dirty="0">
+                <a:solidFill>
+                  <a:srgbClr val="00B0F0"/>
+                </a:solidFill>
+              </a:rPr>
+              <a:t>.</a:t>
+            </a:r>
+            <a:r>
+              <a:rPr lang="pt-BR" dirty="0"/>
+              <a:t>”</a:t>
+            </a:r>
+          </a:p>
+          <a:p>
+            <a:r>
+              <a:rPr lang="pt-BR" dirty="0"/>
+              <a:t>Esse trecho pode ser entendido se reorganizarmos a figura anterior.</a:t>
             </a:r>
           </a:p>
           <a:p>
@@ -6427,7 +6462,23 @@
             </a:pPr>
             <a:r>
               <a:rPr lang="pt-BR" dirty="0"/>
-              <a:t>Através de treinamento com o conjunto de experiências prévias (chamado de </a:t>
+              <a:t>E se ao invés de tentarmos </a:t>
+            </a:r>
+            <a:r>
+              <a:rPr lang="pt-BR" b="1" i="1" dirty="0"/>
+              <a:t>descobrir as regras que agem sobre os dados para gerar as respostas</a:t>
+            </a:r>
+            <a:r>
+              <a:rPr lang="pt-BR" dirty="0"/>
+              <a:t>, fizermos o </a:t>
+            </a:r>
+            <a:r>
+              <a:rPr lang="pt-BR" b="1" i="1" dirty="0"/>
+              <a:t>contrário</a:t>
+            </a:r>
+            <a:r>
+              <a:rPr lang="pt-BR" dirty="0"/>
+              <a:t>? Ou seja, </a:t>
             </a:r>
             <a:r>
               <a:rPr lang="pt-BR" b="1" i="1" dirty="0">
@@ -6435,80 +6486,16 @@
                   <a:srgbClr val="00B050"/>
                 </a:solidFill>
               </a:rPr>
-              <a:t>conjunto de treinamento</a:t>
+              <a:t>fornecer as respostas e os dados a um computador e deixar que ele descubra as regras </a:t>
             </a:r>
             <a:r>
               <a:rPr lang="pt-BR" dirty="0"/>
-              <a:t>).</a:t>
-            </a:r>
-          </a:p>
-          <a:p>
-            <a:pPr lvl="1">
-              <a:buFont typeface="Wingdings" panose="05000000000000000000" pitchFamily="2" charset="2"/>
-              <a:buChar char="§"/>
-            </a:pPr>
-            <a:r>
-              <a:rPr lang="pt-BR" dirty="0"/>
-              <a:t>Durante o treinamento, o </a:t>
-            </a:r>
-            <a:r>
-              <a:rPr lang="pt-BR" b="1" i="1" dirty="0">
-                <a:solidFill>
-                  <a:srgbClr val="00B050"/>
-                </a:solidFill>
-              </a:rPr>
-              <a:t>conjunto de treinamento </a:t>
-            </a:r>
-            <a:r>
-              <a:rPr lang="pt-BR" dirty="0"/>
-              <a:t>é </a:t>
-            </a:r>
-            <a:r>
-              <a:rPr lang="pt-BR" b="1" i="1" dirty="0">
-                <a:solidFill>
-                  <a:srgbClr val="00B050"/>
-                </a:solidFill>
-              </a:rPr>
-              <a:t>apresentado ao modelo diversas vezes</a:t>
-            </a:r>
-            <a:r>
-              <a:rPr lang="pt-BR" dirty="0"/>
-              <a:t>.</a:t>
-            </a:r>
-          </a:p>
-          <a:p>
-            <a:pPr lvl="1">
-              <a:buFont typeface="Wingdings" panose="05000000000000000000" pitchFamily="2" charset="2"/>
-              <a:buChar char="§"/>
-            </a:pPr>
-            <a:r>
-              <a:rPr lang="pt-BR" dirty="0"/>
-              <a:t>Com isso, o modelo vai </a:t>
-            </a:r>
-            <a:r>
-              <a:rPr lang="pt-BR" b="1" i="1" dirty="0">
-                <a:solidFill>
-                  <a:srgbClr val="00B050"/>
-                </a:solidFill>
-              </a:rPr>
-              <a:t>iterativamente</a:t>
-            </a:r>
-            <a:r>
-              <a:rPr lang="pt-BR" dirty="0"/>
-              <a:t> aprendendo um </a:t>
-            </a:r>
-            <a:r>
-              <a:rPr lang="pt-BR" b="1" i="1" dirty="0">
-                <a:solidFill>
-                  <a:srgbClr val="00B050"/>
-                </a:solidFill>
-              </a:rPr>
-              <a:t>mapeamento</a:t>
-            </a:r>
-            <a:r>
-              <a:rPr lang="pt-BR" dirty="0"/>
-              <a:t> das entradas nas saídas esperadas.</a:t>
-            </a:r>
+              <a:t>que geram as saídas (i.e., um mapeamento das entradas nas respostas)?</a:t>
+            </a:r>
+          </a:p>
+          <a:p>
+            <a:pPr lvl="1"/>
+            <a:endParaRPr lang="pt-BR" dirty="0"/>
           </a:p>
           <a:p>
             <a:endParaRPr lang="pt-BR" dirty="0"/>
@@ -7090,7 +7077,7 @@
           <a:p>
             <a:r>
               <a:rPr lang="pt-BR" b="1" i="1" dirty="0"/>
-              <a:t>Conjunto de dados de treinamento = experiências prévias.</a:t>
+              <a:t>Experiências prévias = conjunto de dados de treinamento.</a:t>
             </a:r>
             <a:endParaRPr lang="en-US" b="1" i="1" dirty="0"/>
           </a:p>
@@ -7242,7 +7229,7 @@
           <p:cNvPr id="4" name="CaixaDeTexto 3">
             <a:extLst>
               <a:ext uri="{FF2B5EF4-FFF2-40B4-BE49-F238E27FC236}">
-                <a16:creationId xmlns:a16="http://schemas.microsoft.com/office/drawing/2014/main" id="{98068076-4E20-BD13-5DD9-53EA22D54B5F}"/>
+                <a16:creationId xmlns:a16="http://schemas.microsoft.com/office/drawing/2014/main" id="{DE5956E9-5B6F-E4EF-1B3E-DD6D1765046F}"/>
               </a:ext>
             </a:extLst>
           </p:cNvPr>
@@ -7288,6 +7275,943 @@
     </p:spTree>
     <p:extLst>
       <p:ext uri="{BB962C8B-B14F-4D97-AF65-F5344CB8AC3E}">
+        <p14:creationId xmlns:p14="http://schemas.microsoft.com/office/powerpoint/2010/main" val="1993742439"/>
+      </p:ext>
+    </p:extLst>
+  </p:cSld>
+  <p:clrMapOvr>
+    <a:masterClrMapping/>
+  </p:clrMapOvr>
+</p:sld>
+</file>
+
+<file path=ppt/slides/slide11.xml><?xml version="1.0" encoding="utf-8"?>
+<p:sld xmlns:a="http://schemas.openxmlformats.org/drawingml/2006/main" xmlns:r="http://schemas.openxmlformats.org/officeDocument/2006/relationships" xmlns:p="http://schemas.openxmlformats.org/presentationml/2006/main">
+  <p:cSld>
+    <p:spTree>
+      <p:nvGrpSpPr>
+        <p:cNvPr id="1" name=""/>
+        <p:cNvGrpSpPr/>
+        <p:nvPr/>
+      </p:nvGrpSpPr>
+      <p:grpSpPr>
+        <a:xfrm>
+          <a:off x="0" y="0"/>
+          <a:ext cx="0" cy="0"/>
+          <a:chOff x="0" y="0"/>
+          <a:chExt cx="0" cy="0"/>
+        </a:xfrm>
+      </p:grpSpPr>
+      <p:sp>
+        <p:nvSpPr>
+          <p:cNvPr id="2" name="Title 1"/>
+          <p:cNvSpPr>
+            <a:spLocks noGrp="1"/>
+          </p:cNvSpPr>
+          <p:nvPr>
+            <p:ph type="title"/>
+          </p:nvPr>
+        </p:nvSpPr>
+        <p:spPr/>
+        <p:txBody>
+          <a:bodyPr/>
+          <a:lstStyle/>
+          <a:p>
+            <a:r>
+              <a:rPr lang="pt-BR" dirty="0"/>
+              <a:t>O paradigma do aprendizado de máquina</a:t>
+            </a:r>
+          </a:p>
+        </p:txBody>
+      </p:sp>
+      <p:sp>
+        <p:nvSpPr>
+          <p:cNvPr id="3" name="Content Placeholder 2"/>
+          <p:cNvSpPr>
+            <a:spLocks noGrp="1"/>
+          </p:cNvSpPr>
+          <p:nvPr>
+            <p:ph idx="1"/>
+          </p:nvPr>
+        </p:nvSpPr>
+        <p:spPr>
+          <a:xfrm>
+            <a:off x="5952809" y="1825624"/>
+            <a:ext cx="6091707" cy="5032375"/>
+          </a:xfrm>
+        </p:spPr>
+        <p:txBody>
+          <a:bodyPr>
+            <a:normAutofit/>
+          </a:bodyPr>
+          <a:lstStyle/>
+          <a:p>
+            <a:r>
+              <a:rPr lang="pt-BR" dirty="0"/>
+              <a:t>Como a máquina apende?</a:t>
+            </a:r>
+          </a:p>
+          <a:p>
+            <a:pPr lvl="1">
+              <a:buFont typeface="Wingdings" panose="05000000000000000000" pitchFamily="2" charset="2"/>
+              <a:buChar char="§"/>
+            </a:pPr>
+            <a:r>
+              <a:rPr lang="pt-BR" dirty="0"/>
+              <a:t>Através de treinamento com um </a:t>
+            </a:r>
+            <a:r>
+              <a:rPr lang="pt-BR" b="1" i="1" dirty="0"/>
+              <a:t>conjunto de experiências prévias </a:t>
+            </a:r>
+            <a:r>
+              <a:rPr lang="pt-BR" dirty="0"/>
+              <a:t>(chamado de </a:t>
+            </a:r>
+            <a:r>
+              <a:rPr lang="pt-BR" b="1" i="1" dirty="0">
+                <a:solidFill>
+                  <a:srgbClr val="00B050"/>
+                </a:solidFill>
+              </a:rPr>
+              <a:t>conjunto de treinamento</a:t>
+            </a:r>
+            <a:r>
+              <a:rPr lang="pt-BR" dirty="0"/>
+              <a:t>).</a:t>
+            </a:r>
+          </a:p>
+          <a:p>
+            <a:pPr lvl="1">
+              <a:buFont typeface="Wingdings" panose="05000000000000000000" pitchFamily="2" charset="2"/>
+              <a:buChar char="§"/>
+            </a:pPr>
+            <a:r>
+              <a:rPr lang="pt-BR" dirty="0"/>
+              <a:t>Durante o treinamento, o </a:t>
+            </a:r>
+            <a:r>
+              <a:rPr lang="pt-BR" b="1" i="1" dirty="0">
+                <a:solidFill>
+                  <a:srgbClr val="00B050"/>
+                </a:solidFill>
+              </a:rPr>
+              <a:t>conjunto de treinamento </a:t>
+            </a:r>
+            <a:r>
+              <a:rPr lang="pt-BR" dirty="0"/>
+              <a:t>é </a:t>
+            </a:r>
+            <a:r>
+              <a:rPr lang="pt-BR" b="1" i="1" dirty="0">
+                <a:solidFill>
+                  <a:srgbClr val="00B050"/>
+                </a:solidFill>
+              </a:rPr>
+              <a:t>apresentado ao modelo diversas vezes </a:t>
+            </a:r>
+            <a:r>
+              <a:rPr lang="pt-BR" dirty="0"/>
+              <a:t>(chamada de </a:t>
+            </a:r>
+            <a:r>
+              <a:rPr lang="pt-BR" b="1" i="1" dirty="0">
+                <a:solidFill>
+                  <a:srgbClr val="00B050"/>
+                </a:solidFill>
+              </a:rPr>
+              <a:t>épocas</a:t>
+            </a:r>
+            <a:r>
+              <a:rPr lang="pt-BR" dirty="0"/>
+              <a:t>).</a:t>
+            </a:r>
+          </a:p>
+          <a:p>
+            <a:pPr lvl="1">
+              <a:buFont typeface="Wingdings" panose="05000000000000000000" pitchFamily="2" charset="2"/>
+              <a:buChar char="§"/>
+            </a:pPr>
+            <a:r>
+              <a:rPr lang="pt-BR" dirty="0"/>
+              <a:t>Com isso, o modelo vai </a:t>
+            </a:r>
+            <a:r>
+              <a:rPr lang="pt-BR" b="1" i="1" dirty="0">
+                <a:solidFill>
+                  <a:srgbClr val="00B050"/>
+                </a:solidFill>
+              </a:rPr>
+              <a:t>iterativamente se atualizando</a:t>
+            </a:r>
+            <a:r>
+              <a:rPr lang="pt-BR" dirty="0"/>
+              <a:t> e </a:t>
+            </a:r>
+            <a:r>
+              <a:rPr lang="pt-BR" b="1" i="1" dirty="0">
+                <a:solidFill>
+                  <a:srgbClr val="00B050"/>
+                </a:solidFill>
+              </a:rPr>
+              <a:t>aprendendo</a:t>
+            </a:r>
+            <a:r>
+              <a:rPr lang="pt-BR" dirty="0"/>
+              <a:t> um </a:t>
+            </a:r>
+            <a:r>
+              <a:rPr lang="pt-BR" b="1" i="1" dirty="0">
+                <a:solidFill>
+                  <a:srgbClr val="00B050"/>
+                </a:solidFill>
+              </a:rPr>
+              <a:t>mapeamento</a:t>
+            </a:r>
+            <a:r>
+              <a:rPr lang="pt-BR" dirty="0"/>
+              <a:t> das entradas nas saídas esperadas.</a:t>
+            </a:r>
+          </a:p>
+          <a:p>
+            <a:endParaRPr lang="pt-BR" dirty="0"/>
+          </a:p>
+        </p:txBody>
+      </p:sp>
+      <p:sp>
+        <p:nvSpPr>
+          <p:cNvPr id="13" name="Rectangle 12"/>
+          <p:cNvSpPr/>
+          <p:nvPr/>
+        </p:nvSpPr>
+        <p:spPr>
+          <a:xfrm>
+            <a:off x="2038075" y="3429000"/>
+            <a:ext cx="1910443" cy="849086"/>
+          </a:xfrm>
+          <a:prstGeom prst="rect">
+            <a:avLst/>
+          </a:prstGeom>
+          <a:noFill/>
+          <a:ln>
+            <a:solidFill>
+              <a:schemeClr val="tx1"/>
+            </a:solidFill>
+          </a:ln>
+        </p:spPr>
+        <p:style>
+          <a:lnRef idx="2">
+            <a:schemeClr val="accent1">
+              <a:shade val="50000"/>
+            </a:schemeClr>
+          </a:lnRef>
+          <a:fillRef idx="1">
+            <a:schemeClr val="accent1"/>
+          </a:fillRef>
+          <a:effectRef idx="0">
+            <a:schemeClr val="accent1"/>
+          </a:effectRef>
+          <a:fontRef idx="minor">
+            <a:schemeClr val="lt1"/>
+          </a:fontRef>
+        </p:style>
+        <p:txBody>
+          <a:bodyPr rtlCol="0" anchor="ctr"/>
+          <a:lstStyle/>
+          <a:p>
+            <a:pPr algn="ctr"/>
+            <a:r>
+              <a:rPr lang="pt-BR" dirty="0">
+                <a:solidFill>
+                  <a:schemeClr val="tx1"/>
+                </a:solidFill>
+              </a:rPr>
+              <a:t>Computador</a:t>
+            </a:r>
+          </a:p>
+        </p:txBody>
+      </p:sp>
+      <p:sp>
+        <p:nvSpPr>
+          <p:cNvPr id="14" name="TextBox 13"/>
+          <p:cNvSpPr txBox="1"/>
+          <p:nvPr/>
+        </p:nvSpPr>
+        <p:spPr>
+          <a:xfrm>
+            <a:off x="2077277" y="2666413"/>
+            <a:ext cx="1832038" cy="646331"/>
+          </a:xfrm>
+          <a:prstGeom prst="rect">
+            <a:avLst/>
+          </a:prstGeom>
+          <a:noFill/>
+        </p:spPr>
+        <p:txBody>
+          <a:bodyPr wrap="square" rtlCol="0">
+            <a:spAutoFit/>
+          </a:bodyPr>
+          <a:lstStyle/>
+          <a:p>
+            <a:pPr algn="ctr"/>
+            <a:r>
+              <a:rPr lang="pt-BR" b="1" dirty="0"/>
+              <a:t>Aprendizado de Máquina</a:t>
+            </a:r>
+          </a:p>
+        </p:txBody>
+      </p:sp>
+      <p:cxnSp>
+        <p:nvCxnSpPr>
+          <p:cNvPr id="15" name="Straight Arrow Connector 14"/>
+          <p:cNvCxnSpPr>
+            <a:cxnSpLocks/>
+          </p:cNvCxnSpPr>
+          <p:nvPr/>
+        </p:nvCxnSpPr>
+        <p:spPr>
+          <a:xfrm>
+            <a:off x="1569666" y="3608615"/>
+            <a:ext cx="468000" cy="0"/>
+          </a:xfrm>
+          <a:prstGeom prst="straightConnector1">
+            <a:avLst/>
+          </a:prstGeom>
+          <a:ln w="19050">
+            <a:tailEnd type="triangle"/>
+          </a:ln>
+        </p:spPr>
+        <p:style>
+          <a:lnRef idx="1">
+            <a:schemeClr val="accent1"/>
+          </a:lnRef>
+          <a:fillRef idx="0">
+            <a:schemeClr val="accent1"/>
+          </a:fillRef>
+          <a:effectRef idx="0">
+            <a:schemeClr val="accent1"/>
+          </a:effectRef>
+          <a:fontRef idx="minor">
+            <a:schemeClr val="tx1"/>
+          </a:fontRef>
+        </p:style>
+      </p:cxnSp>
+      <p:cxnSp>
+        <p:nvCxnSpPr>
+          <p:cNvPr id="16" name="Straight Arrow Connector 15"/>
+          <p:cNvCxnSpPr>
+            <a:cxnSpLocks/>
+          </p:cNvCxnSpPr>
+          <p:nvPr/>
+        </p:nvCxnSpPr>
+        <p:spPr>
+          <a:xfrm>
+            <a:off x="1569666" y="4103915"/>
+            <a:ext cx="468000" cy="0"/>
+          </a:xfrm>
+          <a:prstGeom prst="straightConnector1">
+            <a:avLst/>
+          </a:prstGeom>
+          <a:ln w="19050">
+            <a:tailEnd type="triangle"/>
+          </a:ln>
+        </p:spPr>
+        <p:style>
+          <a:lnRef idx="1">
+            <a:schemeClr val="accent1"/>
+          </a:lnRef>
+          <a:fillRef idx="0">
+            <a:schemeClr val="accent1"/>
+          </a:fillRef>
+          <a:effectRef idx="0">
+            <a:schemeClr val="accent1"/>
+          </a:effectRef>
+          <a:fontRef idx="minor">
+            <a:schemeClr val="tx1"/>
+          </a:fontRef>
+        </p:style>
+      </p:cxnSp>
+      <mc:AlternateContent xmlns:mc="http://schemas.openxmlformats.org/markup-compatibility/2006">
+        <mc:Choice xmlns:a14="http://schemas.microsoft.com/office/drawing/2010/main" Requires="a14">
+          <p:sp>
+            <p:nvSpPr>
+              <p:cNvPr id="17" name="TextBox 16"/>
+              <p:cNvSpPr txBox="1"/>
+              <p:nvPr/>
+            </p:nvSpPr>
+            <p:spPr>
+              <a:xfrm>
+                <a:off x="509531" y="3268629"/>
+                <a:ext cx="1039586" cy="584775"/>
+              </a:xfrm>
+              <a:prstGeom prst="rect">
+                <a:avLst/>
+              </a:prstGeom>
+              <a:noFill/>
+            </p:spPr>
+            <p:txBody>
+              <a:bodyPr wrap="square" rtlCol="0">
+                <a:spAutoFit/>
+              </a:bodyPr>
+              <a:lstStyle/>
+              <a:p>
+                <a:pPr algn="ctr"/>
+                <a:r>
+                  <a:rPr lang="pt-BR" dirty="0"/>
+                  <a:t>Entradas</a:t>
+                </a:r>
+              </a:p>
+              <a:p>
+                <a:pPr algn="ctr"/>
+                <a:r>
+                  <a:rPr lang="pt-BR" sz="1400" dirty="0"/>
+                  <a:t>e.g., </a:t>
+                </a:r>
+                <a14:m>
+                  <m:oMath xmlns:m="http://schemas.openxmlformats.org/officeDocument/2006/math">
+                    <m:r>
+                      <a:rPr lang="pt-BR" sz="1400" i="1">
+                        <a:latin typeface="Cambria Math" panose="02040503050406030204" pitchFamily="18" charset="0"/>
+                      </a:rPr>
+                      <m:t>𝑥</m:t>
+                    </m:r>
+                  </m:oMath>
+                </a14:m>
+                <a:endParaRPr lang="pt-BR" sz="1400" dirty="0"/>
+              </a:p>
+            </p:txBody>
+          </p:sp>
+        </mc:Choice>
+        <mc:Fallback>
+          <p:sp>
+            <p:nvSpPr>
+              <p:cNvPr id="17" name="TextBox 16"/>
+              <p:cNvSpPr txBox="1">
+                <a:spLocks noRot="1" noChangeAspect="1" noMove="1" noResize="1" noEditPoints="1" noAdjustHandles="1" noChangeArrowheads="1" noChangeShapeType="1" noTextEdit="1"/>
+              </p:cNvSpPr>
+              <p:nvPr/>
+            </p:nvSpPr>
+            <p:spPr>
+              <a:xfrm>
+                <a:off x="509531" y="3268629"/>
+                <a:ext cx="1039586" cy="584775"/>
+              </a:xfrm>
+              <a:prstGeom prst="rect">
+                <a:avLst/>
+              </a:prstGeom>
+              <a:blipFill>
+                <a:blip r:embed="rId3"/>
+                <a:stretch>
+                  <a:fillRect l="-4118" t="-5208" r="-2941" b="-10417"/>
+                </a:stretch>
+              </a:blipFill>
+            </p:spPr>
+            <p:txBody>
+              <a:bodyPr/>
+              <a:lstStyle/>
+              <a:p>
+                <a:r>
+                  <a:rPr lang="pt-BR">
+                    <a:noFill/>
+                  </a:rPr>
+                  <a:t> </a:t>
+                </a:r>
+              </a:p>
+            </p:txBody>
+          </p:sp>
+        </mc:Fallback>
+      </mc:AlternateContent>
+      <mc:AlternateContent xmlns:mc="http://schemas.openxmlformats.org/markup-compatibility/2006">
+        <mc:Choice xmlns:a14="http://schemas.microsoft.com/office/drawing/2010/main" Requires="a14">
+          <p:sp>
+            <p:nvSpPr>
+              <p:cNvPr id="18" name="TextBox 17"/>
+              <p:cNvSpPr txBox="1"/>
+              <p:nvPr/>
+            </p:nvSpPr>
+            <p:spPr>
+              <a:xfrm>
+                <a:off x="238826" y="3769539"/>
+                <a:ext cx="1512176" cy="861774"/>
+              </a:xfrm>
+              <a:prstGeom prst="rect">
+                <a:avLst/>
+              </a:prstGeom>
+              <a:noFill/>
+            </p:spPr>
+            <p:txBody>
+              <a:bodyPr wrap="square" rtlCol="0">
+                <a:spAutoFit/>
+              </a:bodyPr>
+              <a:lstStyle/>
+              <a:p>
+                <a:pPr algn="ctr"/>
+                <a:r>
+                  <a:rPr lang="pt-BR" dirty="0"/>
+                  <a:t>Resultados esperados</a:t>
+                </a:r>
+              </a:p>
+              <a:p>
+                <a:pPr algn="ctr"/>
+                <a:r>
+                  <a:rPr lang="pt-BR" sz="1400" dirty="0"/>
+                  <a:t>e.g., </a:t>
+                </a:r>
+                <a14:m>
+                  <m:oMath xmlns:m="http://schemas.openxmlformats.org/officeDocument/2006/math">
+                    <m:r>
+                      <a:rPr lang="pt-BR" sz="1400" i="1">
+                        <a:latin typeface="Cambria Math" panose="02040503050406030204" pitchFamily="18" charset="0"/>
+                      </a:rPr>
+                      <m:t>𝑦</m:t>
+                    </m:r>
+                    <m:r>
+                      <a:rPr lang="pt-BR" sz="1400" i="1">
+                        <a:latin typeface="Cambria Math" panose="02040503050406030204" pitchFamily="18" charset="0"/>
+                      </a:rPr>
+                      <m:t>=</m:t>
+                    </m:r>
+                    <m:r>
+                      <a:rPr lang="pt-BR" sz="1400" i="1">
+                        <a:latin typeface="Cambria Math" panose="02040503050406030204" pitchFamily="18" charset="0"/>
+                      </a:rPr>
+                      <m:t>𝑓</m:t>
+                    </m:r>
+                    <m:d>
+                      <m:dPr>
+                        <m:ctrlPr>
+                          <a:rPr lang="pt-BR" sz="1400" i="1">
+                            <a:latin typeface="Cambria Math" panose="02040503050406030204" pitchFamily="18" charset="0"/>
+                          </a:rPr>
+                        </m:ctrlPr>
+                      </m:dPr>
+                      <m:e>
+                        <m:r>
+                          <a:rPr lang="pt-BR" sz="1400" i="1">
+                            <a:latin typeface="Cambria Math" panose="02040503050406030204" pitchFamily="18" charset="0"/>
+                          </a:rPr>
+                          <m:t>𝑥</m:t>
+                        </m:r>
+                      </m:e>
+                    </m:d>
+                  </m:oMath>
+                </a14:m>
+                <a:endParaRPr lang="pt-BR" dirty="0"/>
+              </a:p>
+            </p:txBody>
+          </p:sp>
+        </mc:Choice>
+        <mc:Fallback>
+          <p:sp>
+            <p:nvSpPr>
+              <p:cNvPr id="18" name="TextBox 17"/>
+              <p:cNvSpPr txBox="1">
+                <a:spLocks noRot="1" noChangeAspect="1" noMove="1" noResize="1" noEditPoints="1" noAdjustHandles="1" noChangeArrowheads="1" noChangeShapeType="1" noTextEdit="1"/>
+              </p:cNvSpPr>
+              <p:nvPr/>
+            </p:nvSpPr>
+            <p:spPr>
+              <a:xfrm>
+                <a:off x="238826" y="3769539"/>
+                <a:ext cx="1512176" cy="861774"/>
+              </a:xfrm>
+              <a:prstGeom prst="rect">
+                <a:avLst/>
+              </a:prstGeom>
+              <a:blipFill>
+                <a:blip r:embed="rId4"/>
+                <a:stretch>
+                  <a:fillRect t="-3521" b="-6338"/>
+                </a:stretch>
+              </a:blipFill>
+            </p:spPr>
+            <p:txBody>
+              <a:bodyPr/>
+              <a:lstStyle/>
+              <a:p>
+                <a:r>
+                  <a:rPr lang="pt-BR">
+                    <a:noFill/>
+                  </a:rPr>
+                  <a:t> </a:t>
+                </a:r>
+              </a:p>
+            </p:txBody>
+          </p:sp>
+        </mc:Fallback>
+      </mc:AlternateContent>
+      <p:cxnSp>
+        <p:nvCxnSpPr>
+          <p:cNvPr id="19" name="Straight Arrow Connector 18"/>
+          <p:cNvCxnSpPr>
+            <a:cxnSpLocks/>
+            <a:stCxn id="13" idx="3"/>
+          </p:cNvCxnSpPr>
+          <p:nvPr/>
+        </p:nvCxnSpPr>
+        <p:spPr>
+          <a:xfrm>
+            <a:off x="3948518" y="3853543"/>
+            <a:ext cx="296824" cy="0"/>
+          </a:xfrm>
+          <a:prstGeom prst="straightConnector1">
+            <a:avLst/>
+          </a:prstGeom>
+          <a:ln w="19050">
+            <a:tailEnd type="triangle"/>
+          </a:ln>
+        </p:spPr>
+        <p:style>
+          <a:lnRef idx="1">
+            <a:schemeClr val="accent1"/>
+          </a:lnRef>
+          <a:fillRef idx="0">
+            <a:schemeClr val="accent1"/>
+          </a:fillRef>
+          <a:effectRef idx="0">
+            <a:schemeClr val="accent1"/>
+          </a:effectRef>
+          <a:fontRef idx="minor">
+            <a:schemeClr val="tx1"/>
+          </a:fontRef>
+        </p:style>
+      </p:cxnSp>
+      <p:sp>
+        <p:nvSpPr>
+          <p:cNvPr id="6" name="Retângulo 5"/>
+          <p:cNvSpPr/>
+          <p:nvPr/>
+        </p:nvSpPr>
+        <p:spPr>
+          <a:xfrm>
+            <a:off x="919933" y="4866390"/>
+            <a:ext cx="2722316" cy="369332"/>
+          </a:xfrm>
+          <a:prstGeom prst="rect">
+            <a:avLst/>
+          </a:prstGeom>
+        </p:spPr>
+        <p:txBody>
+          <a:bodyPr wrap="square">
+            <a:spAutoFit/>
+          </a:bodyPr>
+          <a:lstStyle/>
+          <a:p>
+            <a:r>
+              <a:rPr lang="pt-BR" b="1" i="1" dirty="0"/>
+              <a:t>Conjunto de treinamento</a:t>
+            </a:r>
+            <a:endParaRPr lang="en-US" b="1" i="1" dirty="0"/>
+          </a:p>
+        </p:txBody>
+      </p:sp>
+      <p:cxnSp>
+        <p:nvCxnSpPr>
+          <p:cNvPr id="24" name="Conector de seta reta 23"/>
+          <p:cNvCxnSpPr>
+            <a:cxnSpLocks/>
+            <a:stCxn id="21" idx="4"/>
+          </p:cNvCxnSpPr>
+          <p:nvPr/>
+        </p:nvCxnSpPr>
+        <p:spPr>
+          <a:xfrm>
+            <a:off x="994292" y="4703907"/>
+            <a:ext cx="464241" cy="218140"/>
+          </a:xfrm>
+          <a:prstGeom prst="straightConnector1">
+            <a:avLst/>
+          </a:prstGeom>
+          <a:ln w="28575">
+            <a:solidFill>
+              <a:srgbClr val="FF0000"/>
+            </a:solidFill>
+            <a:tailEnd type="triangle"/>
+          </a:ln>
+        </p:spPr>
+        <p:style>
+          <a:lnRef idx="1">
+            <a:schemeClr val="accent1"/>
+          </a:lnRef>
+          <a:fillRef idx="0">
+            <a:schemeClr val="accent1"/>
+          </a:fillRef>
+          <a:effectRef idx="0">
+            <a:schemeClr val="accent1"/>
+          </a:effectRef>
+          <a:fontRef idx="minor">
+            <a:schemeClr val="tx1"/>
+          </a:fontRef>
+        </p:style>
+      </p:cxnSp>
+      <p:sp>
+        <p:nvSpPr>
+          <p:cNvPr id="22" name="Texto explicativo retangular 21"/>
+          <p:cNvSpPr/>
+          <p:nvPr/>
+        </p:nvSpPr>
+        <p:spPr>
+          <a:xfrm>
+            <a:off x="4391933" y="2812460"/>
+            <a:ext cx="1169418" cy="422029"/>
+          </a:xfrm>
+          <a:prstGeom prst="wedgeRectCallout">
+            <a:avLst>
+              <a:gd name="adj1" fmla="val 2399"/>
+              <a:gd name="adj2" fmla="val 143350"/>
+            </a:avLst>
+          </a:prstGeom>
+          <a:noFill/>
+        </p:spPr>
+        <p:style>
+          <a:lnRef idx="2">
+            <a:schemeClr val="accent1">
+              <a:shade val="50000"/>
+            </a:schemeClr>
+          </a:lnRef>
+          <a:fillRef idx="1">
+            <a:schemeClr val="accent1"/>
+          </a:fillRef>
+          <a:effectRef idx="0">
+            <a:schemeClr val="accent1"/>
+          </a:effectRef>
+          <a:fontRef idx="minor">
+            <a:schemeClr val="lt1"/>
+          </a:fontRef>
+        </p:style>
+        <p:txBody>
+          <a:bodyPr rtlCol="0" anchor="ctr"/>
+          <a:lstStyle/>
+          <a:p>
+            <a:pPr algn="ctr"/>
+            <a:r>
+              <a:rPr lang="pt-BR" sz="1400" dirty="0">
+                <a:solidFill>
+                  <a:schemeClr val="tx1"/>
+                </a:solidFill>
+              </a:rPr>
+              <a:t>Resultado do treinamento</a:t>
+            </a:r>
+            <a:endParaRPr lang="en-US" sz="1400" dirty="0">
+              <a:solidFill>
+                <a:schemeClr val="tx1"/>
+              </a:solidFill>
+            </a:endParaRPr>
+          </a:p>
+        </p:txBody>
+      </p:sp>
+      <p:sp>
+        <p:nvSpPr>
+          <p:cNvPr id="21" name="Elipse 20"/>
+          <p:cNvSpPr/>
+          <p:nvPr/>
+        </p:nvSpPr>
+        <p:spPr>
+          <a:xfrm>
+            <a:off x="113863" y="3268629"/>
+            <a:ext cx="1760857" cy="1435278"/>
+          </a:xfrm>
+          <a:prstGeom prst="ellipse">
+            <a:avLst/>
+          </a:prstGeom>
+          <a:noFill/>
+          <a:ln w="28575">
+            <a:solidFill>
+              <a:srgbClr val="FF0000"/>
+            </a:solidFill>
+          </a:ln>
+        </p:spPr>
+        <p:style>
+          <a:lnRef idx="2">
+            <a:schemeClr val="accent1">
+              <a:shade val="50000"/>
+            </a:schemeClr>
+          </a:lnRef>
+          <a:fillRef idx="1">
+            <a:schemeClr val="accent1"/>
+          </a:fillRef>
+          <a:effectRef idx="0">
+            <a:schemeClr val="accent1"/>
+          </a:effectRef>
+          <a:fontRef idx="minor">
+            <a:schemeClr val="lt1"/>
+          </a:fontRef>
+        </p:style>
+        <p:txBody>
+          <a:bodyPr rtlCol="0" anchor="ctr"/>
+          <a:lstStyle/>
+          <a:p>
+            <a:pPr algn="ctr"/>
+            <a:endParaRPr lang="en-US"/>
+          </a:p>
+        </p:txBody>
+      </p:sp>
+      <mc:AlternateContent xmlns:mc="http://schemas.openxmlformats.org/markup-compatibility/2006">
+        <mc:Choice xmlns:a14="http://schemas.microsoft.com/office/drawing/2010/main" Requires="a14">
+          <p:sp>
+            <p:nvSpPr>
+              <p:cNvPr id="23" name="TextBox 19">
+                <a:extLst>
+                  <a:ext uri="{FF2B5EF4-FFF2-40B4-BE49-F238E27FC236}">
+                    <a16:creationId xmlns:a16="http://schemas.microsoft.com/office/drawing/2014/main" id="{27EFCC52-B7B8-453A-D5C5-BFACC0B89FEF}"/>
+                  </a:ext>
+                </a:extLst>
+              </p:cNvPr>
+              <p:cNvSpPr txBox="1"/>
+              <p:nvPr/>
+            </p:nvSpPr>
+            <p:spPr>
+              <a:xfrm>
+                <a:off x="4033547" y="3582730"/>
+                <a:ext cx="2063951" cy="584775"/>
+              </a:xfrm>
+              <a:prstGeom prst="rect">
+                <a:avLst/>
+              </a:prstGeom>
+              <a:noFill/>
+            </p:spPr>
+            <p:txBody>
+              <a:bodyPr wrap="square" rtlCol="0">
+                <a:spAutoFit/>
+              </a:bodyPr>
+              <a:lstStyle/>
+              <a:p>
+                <a:pPr algn="ctr"/>
+                <a:r>
+                  <a:rPr lang="pt-BR" b="1" dirty="0">
+                    <a:solidFill>
+                      <a:srgbClr val="FF0000"/>
+                    </a:solidFill>
+                  </a:rPr>
+                  <a:t>Modelo de ML</a:t>
+                </a:r>
+              </a:p>
+              <a:p>
+                <a:pPr algn="ctr"/>
+                <a:r>
+                  <a:rPr lang="pt-BR" sz="1400" dirty="0" err="1"/>
+                  <a:t>e.</a:t>
+                </a:r>
+                <a:r>
+                  <a:rPr lang="pt-BR" sz="1400" dirty="0"/>
+                  <a:t>g., </a:t>
+                </a:r>
+                <a14:m>
+                  <m:oMath xmlns:m="http://schemas.openxmlformats.org/officeDocument/2006/math">
+                    <m:r>
+                      <a:rPr lang="pt-BR" sz="1400" i="1">
+                        <a:latin typeface="Cambria Math" panose="02040503050406030204" pitchFamily="18" charset="0"/>
+                      </a:rPr>
+                      <m:t>𝑦</m:t>
+                    </m:r>
+                    <m:r>
+                      <a:rPr lang="pt-BR" sz="1400" i="1">
+                        <a:latin typeface="Cambria Math" panose="02040503050406030204" pitchFamily="18" charset="0"/>
+                      </a:rPr>
+                      <m:t>=</m:t>
+                    </m:r>
+                    <m:r>
+                      <a:rPr lang="pt-BR" sz="1400" i="1">
+                        <a:latin typeface="Cambria Math" panose="02040503050406030204" pitchFamily="18" charset="0"/>
+                      </a:rPr>
+                      <m:t>𝑓</m:t>
+                    </m:r>
+                    <m:d>
+                      <m:dPr>
+                        <m:ctrlPr>
+                          <a:rPr lang="pt-BR" sz="1400" i="1">
+                            <a:latin typeface="Cambria Math" panose="02040503050406030204" pitchFamily="18" charset="0"/>
+                          </a:rPr>
+                        </m:ctrlPr>
+                      </m:dPr>
+                      <m:e>
+                        <m:r>
+                          <a:rPr lang="pt-BR" sz="1400" i="1">
+                            <a:latin typeface="Cambria Math" panose="02040503050406030204" pitchFamily="18" charset="0"/>
+                          </a:rPr>
+                          <m:t>𝑥</m:t>
+                        </m:r>
+                      </m:e>
+                    </m:d>
+                    <m:r>
+                      <a:rPr lang="pt-BR" sz="1400" i="1">
+                        <a:latin typeface="Cambria Math" panose="02040503050406030204" pitchFamily="18" charset="0"/>
+                      </a:rPr>
+                      <m:t>=</m:t>
+                    </m:r>
+                    <m:r>
+                      <a:rPr lang="pt-BR" sz="1400" i="1">
+                        <a:latin typeface="Cambria Math" panose="02040503050406030204" pitchFamily="18" charset="0"/>
+                      </a:rPr>
+                      <m:t>𝑎</m:t>
+                    </m:r>
+                    <m:r>
+                      <a:rPr lang="pt-BR" sz="1400" i="1">
+                        <a:latin typeface="Cambria Math" panose="02040503050406030204" pitchFamily="18" charset="0"/>
+                      </a:rPr>
+                      <m:t>+</m:t>
+                    </m:r>
+                    <m:r>
+                      <a:rPr lang="pt-BR" sz="1400" i="1">
+                        <a:latin typeface="Cambria Math" panose="02040503050406030204" pitchFamily="18" charset="0"/>
+                      </a:rPr>
+                      <m:t>𝑏𝑥</m:t>
+                    </m:r>
+                  </m:oMath>
+                </a14:m>
+                <a:endParaRPr lang="pt-BR" sz="1400" dirty="0"/>
+              </a:p>
+            </p:txBody>
+          </p:sp>
+        </mc:Choice>
+        <mc:Fallback>
+          <p:sp>
+            <p:nvSpPr>
+              <p:cNvPr id="23" name="TextBox 19">
+                <a:extLst>
+                  <a:ext uri="{FF2B5EF4-FFF2-40B4-BE49-F238E27FC236}">
+                    <a16:creationId xmlns:a16="http://schemas.microsoft.com/office/drawing/2014/main" id="{27EFCC52-B7B8-453A-D5C5-BFACC0B89FEF}"/>
+                  </a:ext>
+                </a:extLst>
+              </p:cNvPr>
+              <p:cNvSpPr txBox="1">
+                <a:spLocks noRot="1" noChangeAspect="1" noMove="1" noResize="1" noEditPoints="1" noAdjustHandles="1" noChangeArrowheads="1" noChangeShapeType="1" noTextEdit="1"/>
+              </p:cNvSpPr>
+              <p:nvPr/>
+            </p:nvSpPr>
+            <p:spPr>
+              <a:xfrm>
+                <a:off x="4033547" y="3582730"/>
+                <a:ext cx="2063951" cy="584775"/>
+              </a:xfrm>
+              <a:prstGeom prst="rect">
+                <a:avLst/>
+              </a:prstGeom>
+              <a:blipFill>
+                <a:blip r:embed="rId5"/>
+                <a:stretch>
+                  <a:fillRect t="-6250" b="-9375"/>
+                </a:stretch>
+              </a:blipFill>
+            </p:spPr>
+            <p:txBody>
+              <a:bodyPr/>
+              <a:lstStyle/>
+              <a:p>
+                <a:r>
+                  <a:rPr lang="pt-BR">
+                    <a:noFill/>
+                  </a:rPr>
+                  <a:t> </a:t>
+                </a:r>
+              </a:p>
+            </p:txBody>
+          </p:sp>
+        </mc:Fallback>
+      </mc:AlternateContent>
+    </p:spTree>
+    <p:extLst>
+      <p:ext uri="{BB962C8B-B14F-4D97-AF65-F5344CB8AC3E}">
         <p14:creationId xmlns:p14="http://schemas.microsoft.com/office/powerpoint/2010/main" val="2103591579"/>
       </p:ext>
     </p:extLst>
@@ -7298,7 +8222,7 @@
 </p:sld>
 </file>
 
-<file path=ppt/slides/slide11.xml><?xml version="1.0" encoding="utf-8"?>
+<file path=ppt/slides/slide12.xml><?xml version="1.0" encoding="utf-8"?>
 <p:sld xmlns:a="http://schemas.openxmlformats.org/drawingml/2006/main" xmlns:r="http://schemas.openxmlformats.org/officeDocument/2006/relationships" xmlns:p="http://schemas.openxmlformats.org/presentationml/2006/main">
   <p:cSld>
     <p:spTree>
@@ -7473,7 +8397,7 @@
         <p:spPr>
           <a:xfrm>
             <a:off x="838200" y="4943475"/>
-            <a:ext cx="4829175" cy="923330"/>
+            <a:ext cx="5079715" cy="923330"/>
           </a:xfrm>
           <a:prstGeom prst="rect">
             <a:avLst/>
@@ -7501,7 +8425,7 @@
             </a:r>
             <a:r>
               <a:rPr lang="pt-BR" dirty="0"/>
-              <a:t> nos dados que </a:t>
+              <a:t> nos dados de diferentes sensores que </a:t>
             </a:r>
             <a:r>
               <a:rPr lang="pt-BR" b="1" i="1" dirty="0">
@@ -7531,7 +8455,7 @@
 </p:sld>
 </file>
 
-<file path=ppt/slides/slide12.xml><?xml version="1.0" encoding="utf-8"?>
+<file path=ppt/slides/slide13.xml><?xml version="1.0" encoding="utf-8"?>
 <p:sld xmlns:a="http://schemas.openxmlformats.org/drawingml/2006/main" xmlns:r="http://schemas.openxmlformats.org/officeDocument/2006/relationships" xmlns:p="http://schemas.openxmlformats.org/presentationml/2006/main">
   <p:cSld>
     <p:spTree>
@@ -8478,7 +9402,7 @@
 </p:sld>
 </file>
 
-<file path=ppt/slides/slide13.xml><?xml version="1.0" encoding="utf-8"?>
+<file path=ppt/slides/slide14.xml><?xml version="1.0" encoding="utf-8"?>
 <p:sld xmlns:a="http://schemas.openxmlformats.org/drawingml/2006/main" xmlns:r="http://schemas.openxmlformats.org/officeDocument/2006/relationships" xmlns:p="http://schemas.openxmlformats.org/presentationml/2006/main">
   <p:cSld>
     <p:spTree>
@@ -8523,8 +9447,8 @@
           </a:p>
         </p:txBody>
       </p:sp>
-      <mc:AlternateContent xmlns:mc="http://schemas.openxmlformats.org/markup-compatibility/2006">
-        <mc:Choice xmlns:a14="http://schemas.microsoft.com/office/drawing/2010/main" Requires="a14">
+      <mc:AlternateContent xmlns:mc="http://schemas.openxmlformats.org/markup-compatibility/2006" xmlns:a14="http://schemas.microsoft.com/office/drawing/2010/main">
+        <mc:Choice Requires="a14">
           <p:sp>
             <p:nvSpPr>
               <p:cNvPr id="3" name="Espaço Reservado para Conteúdo 2">
@@ -8633,7 +9557,7 @@
             </p:txBody>
           </p:sp>
         </mc:Choice>
-        <mc:Fallback>
+        <mc:Fallback xmlns="">
           <p:sp>
             <p:nvSpPr>
               <p:cNvPr id="3" name="Espaço Reservado para Conteúdo 2">
@@ -9586,7 +10510,7 @@
 </p:sld>
 </file>
 
-<file path=ppt/slides/slide14.xml><?xml version="1.0" encoding="utf-8"?>
+<file path=ppt/slides/slide15.xml><?xml version="1.0" encoding="utf-8"?>
 <p:sld xmlns:a="http://schemas.openxmlformats.org/drawingml/2006/main" xmlns:r="http://schemas.openxmlformats.org/officeDocument/2006/relationships" xmlns:p="http://schemas.openxmlformats.org/presentationml/2006/main">
   <p:cSld>
     <p:spTree>
@@ -9631,8 +10555,8 @@
           </a:p>
         </p:txBody>
       </p:sp>
-      <mc:AlternateContent xmlns:mc="http://schemas.openxmlformats.org/markup-compatibility/2006">
-        <mc:Choice xmlns:a14="http://schemas.microsoft.com/office/drawing/2010/main" Requires="a14">
+      <mc:AlternateContent xmlns:mc="http://schemas.openxmlformats.org/markup-compatibility/2006" xmlns:a14="http://schemas.microsoft.com/office/drawing/2010/main">
+        <mc:Choice Requires="a14">
           <p:sp>
             <p:nvSpPr>
               <p:cNvPr id="3" name="Espaço Reservado para Conteúdo 2">
@@ -9713,7 +10637,7 @@
             </p:txBody>
           </p:sp>
         </mc:Choice>
-        <mc:Fallback>
+        <mc:Fallback xmlns="">
           <p:sp>
             <p:nvSpPr>
               <p:cNvPr id="3" name="Espaço Reservado para Conteúdo 2">
@@ -10666,7 +11590,7 @@
 </p:sld>
 </file>
 
-<file path=ppt/slides/slide15.xml><?xml version="1.0" encoding="utf-8"?>
+<file path=ppt/slides/slide16.xml><?xml version="1.0" encoding="utf-8"?>
 <p:sld xmlns:a="http://schemas.openxmlformats.org/drawingml/2006/main" xmlns:r="http://schemas.openxmlformats.org/officeDocument/2006/relationships" xmlns:p="http://schemas.openxmlformats.org/presentationml/2006/main">
   <p:cSld>
     <p:spTree>
@@ -11697,7 +12621,7 @@
 </p:sld>
 </file>
 
-<file path=ppt/slides/slide16.xml><?xml version="1.0" encoding="utf-8"?>
+<file path=ppt/slides/slide17.xml><?xml version="1.0" encoding="utf-8"?>
 <p:sld xmlns:a="http://schemas.openxmlformats.org/drawingml/2006/main" xmlns:r="http://schemas.openxmlformats.org/officeDocument/2006/relationships" xmlns:p="http://schemas.openxmlformats.org/presentationml/2006/main">
   <p:cSld>
     <p:spTree>
@@ -12734,7 +13658,7 @@
 </p:sld>
 </file>
 
-<file path=ppt/slides/slide17.xml><?xml version="1.0" encoding="utf-8"?>
+<file path=ppt/slides/slide18.xml><?xml version="1.0" encoding="utf-8"?>
 <p:sld xmlns:a="http://schemas.openxmlformats.org/drawingml/2006/main" xmlns:r="http://schemas.openxmlformats.org/officeDocument/2006/relationships" xmlns:p="http://schemas.openxmlformats.org/presentationml/2006/main">
   <p:cSld>
     <p:spTree>
@@ -13784,7 +14708,7 @@
 </p:sld>
 </file>
 
-<file path=ppt/slides/slide18.xml><?xml version="1.0" encoding="utf-8"?>
+<file path=ppt/slides/slide19.xml><?xml version="1.0" encoding="utf-8"?>
 <p:sld xmlns:a="http://schemas.openxmlformats.org/drawingml/2006/main" xmlns:r="http://schemas.openxmlformats.org/officeDocument/2006/relationships" xmlns:p="http://schemas.openxmlformats.org/presentationml/2006/main">
   <p:cSld>
     <p:spTree>
@@ -14787,7 +15711,168 @@
 </p:sld>
 </file>
 
-<file path=ppt/slides/slide19.xml><?xml version="1.0" encoding="utf-8"?>
+<file path=ppt/slides/slide2.xml><?xml version="1.0" encoding="utf-8"?>
+<p:sld xmlns:a="http://schemas.openxmlformats.org/drawingml/2006/main" xmlns:r="http://schemas.openxmlformats.org/officeDocument/2006/relationships" xmlns:p="http://schemas.openxmlformats.org/presentationml/2006/main">
+  <p:cSld>
+    <p:spTree>
+      <p:nvGrpSpPr>
+        <p:cNvPr id="1" name=""/>
+        <p:cNvGrpSpPr/>
+        <p:nvPr/>
+      </p:nvGrpSpPr>
+      <p:grpSpPr>
+        <a:xfrm>
+          <a:off x="0" y="0"/>
+          <a:ext cx="0" cy="0"/>
+          <a:chOff x="0" y="0"/>
+          <a:chExt cx="0" cy="0"/>
+        </a:xfrm>
+      </p:grpSpPr>
+      <p:sp>
+        <p:nvSpPr>
+          <p:cNvPr id="2" name="Título 1">
+            <a:extLst>
+              <a:ext uri="{FF2B5EF4-FFF2-40B4-BE49-F238E27FC236}">
+                <a16:creationId xmlns:a16="http://schemas.microsoft.com/office/drawing/2014/main" id="{EECB3FED-5D1A-7084-5333-A3B2FA75F608}"/>
+              </a:ext>
+            </a:extLst>
+          </p:cNvPr>
+          <p:cNvSpPr>
+            <a:spLocks noGrp="1"/>
+          </p:cNvSpPr>
+          <p:nvPr>
+            <p:ph type="title"/>
+          </p:nvPr>
+        </p:nvSpPr>
+        <p:spPr/>
+        <p:txBody>
+          <a:bodyPr/>
+          <a:lstStyle/>
+          <a:p>
+            <a:r>
+              <a:rPr lang="pt-BR" dirty="0"/>
+              <a:t>O que vamos ver?</a:t>
+            </a:r>
+          </a:p>
+        </p:txBody>
+      </p:sp>
+      <p:sp>
+        <p:nvSpPr>
+          <p:cNvPr id="3" name="Espaço Reservado para Conteúdo 2">
+            <a:extLst>
+              <a:ext uri="{FF2B5EF4-FFF2-40B4-BE49-F238E27FC236}">
+                <a16:creationId xmlns:a16="http://schemas.microsoft.com/office/drawing/2014/main" id="{25FE7774-7186-A846-D8DE-518B2CBF4EBD}"/>
+              </a:ext>
+            </a:extLst>
+          </p:cNvPr>
+          <p:cNvSpPr>
+            <a:spLocks noGrp="1"/>
+          </p:cNvSpPr>
+          <p:nvPr>
+            <p:ph idx="1"/>
+          </p:nvPr>
+        </p:nvSpPr>
+        <p:spPr>
+          <a:xfrm>
+            <a:off x="838199" y="1825624"/>
+            <a:ext cx="10929257" cy="5032376"/>
+          </a:xfrm>
+        </p:spPr>
+        <p:txBody>
+          <a:bodyPr>
+            <a:normAutofit/>
+          </a:bodyPr>
+          <a:lstStyle/>
+          <a:p>
+            <a:r>
+              <a:rPr lang="pt-BR" dirty="0"/>
+              <a:t>Neste tópico vamos explorar o que o </a:t>
+            </a:r>
+            <a:r>
+              <a:rPr lang="pt-BR" b="1" i="1" dirty="0">
+                <a:solidFill>
+                  <a:srgbClr val="00B050"/>
+                </a:solidFill>
+              </a:rPr>
+              <a:t>aprendizado de máquina </a:t>
+            </a:r>
+            <a:r>
+              <a:rPr lang="pt-BR" dirty="0"/>
+              <a:t>realmente é em um nível mais fundamental.</a:t>
+            </a:r>
+          </a:p>
+          <a:p>
+            <a:r>
+              <a:rPr lang="pt-BR" dirty="0"/>
+              <a:t>Basicamente, o que vamos discutir é um </a:t>
+            </a:r>
+            <a:r>
+              <a:rPr lang="pt-BR" b="1" i="1" dirty="0">
+                <a:solidFill>
+                  <a:srgbClr val="00B050"/>
+                </a:solidFill>
+              </a:rPr>
+              <a:t>novo paradigma</a:t>
+            </a:r>
+            <a:r>
+              <a:rPr lang="pt-BR" dirty="0"/>
+              <a:t>, onde </a:t>
+            </a:r>
+            <a:r>
+              <a:rPr lang="pt-BR" b="1" i="1" dirty="0"/>
+              <a:t>ao invés de programar uma solução </a:t>
+            </a:r>
+            <a:r>
+              <a:rPr lang="pt-BR" dirty="0"/>
+              <a:t>para um determinado problema, vamos </a:t>
+            </a:r>
+            <a:r>
+              <a:rPr lang="pt-BR" b="1" i="1" dirty="0"/>
+              <a:t>ensinar um computador a aprender a solução </a:t>
+            </a:r>
+            <a:r>
+              <a:rPr lang="pt-BR" dirty="0"/>
+              <a:t>através de experiências prévias.</a:t>
+            </a:r>
+          </a:p>
+          <a:p>
+            <a:r>
+              <a:rPr lang="pt-BR" dirty="0"/>
+              <a:t>Esse novo paradigma tem o potencial para </a:t>
+            </a:r>
+            <a:r>
+              <a:rPr lang="pt-BR" b="1" i="1" dirty="0"/>
+              <a:t>resolver problemas que </a:t>
+            </a:r>
+            <a:r>
+              <a:rPr lang="pt-BR" b="1" i="1" dirty="0">
+                <a:solidFill>
+                  <a:srgbClr val="00B050"/>
+                </a:solidFill>
+              </a:rPr>
+              <a:t>não podem ou são muito difíceis de serem resolvidos programaticamente</a:t>
+            </a:r>
+            <a:r>
+              <a:rPr lang="pt-BR" dirty="0"/>
+              <a:t>.</a:t>
+            </a:r>
+          </a:p>
+        </p:txBody>
+      </p:sp>
+    </p:spTree>
+    <p:extLst>
+      <p:ext uri="{BB962C8B-B14F-4D97-AF65-F5344CB8AC3E}">
+        <p14:creationId xmlns:p14="http://schemas.microsoft.com/office/powerpoint/2010/main" val="529739951"/>
+      </p:ext>
+    </p:extLst>
+  </p:cSld>
+  <p:clrMapOvr>
+    <a:masterClrMapping/>
+  </p:clrMapOvr>
+</p:sld>
+</file>
+
+<file path=ppt/slides/slide20.xml><?xml version="1.0" encoding="utf-8"?>
 <p:sld xmlns:a="http://schemas.openxmlformats.org/drawingml/2006/main" xmlns:r="http://schemas.openxmlformats.org/officeDocument/2006/relationships" xmlns:p="http://schemas.openxmlformats.org/presentationml/2006/main">
   <p:cSld>
     <p:spTree>
@@ -14996,164 +16081,7 @@
 </p:sld>
 </file>
 
-<file path=ppt/slides/slide2.xml><?xml version="1.0" encoding="utf-8"?>
-<p:sld xmlns:a="http://schemas.openxmlformats.org/drawingml/2006/main" xmlns:r="http://schemas.openxmlformats.org/officeDocument/2006/relationships" xmlns:p="http://schemas.openxmlformats.org/presentationml/2006/main">
-  <p:cSld>
-    <p:spTree>
-      <p:nvGrpSpPr>
-        <p:cNvPr id="1" name=""/>
-        <p:cNvGrpSpPr/>
-        <p:nvPr/>
-      </p:nvGrpSpPr>
-      <p:grpSpPr>
-        <a:xfrm>
-          <a:off x="0" y="0"/>
-          <a:ext cx="0" cy="0"/>
-          <a:chOff x="0" y="0"/>
-          <a:chExt cx="0" cy="0"/>
-        </a:xfrm>
-      </p:grpSpPr>
-      <p:sp>
-        <p:nvSpPr>
-          <p:cNvPr id="2" name="Título 1">
-            <a:extLst>
-              <a:ext uri="{FF2B5EF4-FFF2-40B4-BE49-F238E27FC236}">
-                <a16:creationId xmlns:a16="http://schemas.microsoft.com/office/drawing/2014/main" id="{EECB3FED-5D1A-7084-5333-A3B2FA75F608}"/>
-              </a:ext>
-            </a:extLst>
-          </p:cNvPr>
-          <p:cNvSpPr>
-            <a:spLocks noGrp="1"/>
-          </p:cNvSpPr>
-          <p:nvPr>
-            <p:ph type="title"/>
-          </p:nvPr>
-        </p:nvSpPr>
-        <p:spPr/>
-        <p:txBody>
-          <a:bodyPr/>
-          <a:lstStyle/>
-          <a:p>
-            <a:r>
-              <a:rPr lang="pt-BR" dirty="0"/>
-              <a:t>O que vamos ver?</a:t>
-            </a:r>
-          </a:p>
-        </p:txBody>
-      </p:sp>
-      <p:sp>
-        <p:nvSpPr>
-          <p:cNvPr id="3" name="Espaço Reservado para Conteúdo 2">
-            <a:extLst>
-              <a:ext uri="{FF2B5EF4-FFF2-40B4-BE49-F238E27FC236}">
-                <a16:creationId xmlns:a16="http://schemas.microsoft.com/office/drawing/2014/main" id="{25FE7774-7186-A846-D8DE-518B2CBF4EBD}"/>
-              </a:ext>
-            </a:extLst>
-          </p:cNvPr>
-          <p:cNvSpPr>
-            <a:spLocks noGrp="1"/>
-          </p:cNvSpPr>
-          <p:nvPr>
-            <p:ph idx="1"/>
-          </p:nvPr>
-        </p:nvSpPr>
-        <p:spPr>
-          <a:xfrm>
-            <a:off x="838199" y="1825624"/>
-            <a:ext cx="10929257" cy="5032376"/>
-          </a:xfrm>
-        </p:spPr>
-        <p:txBody>
-          <a:bodyPr>
-            <a:normAutofit/>
-          </a:bodyPr>
-          <a:lstStyle/>
-          <a:p>
-            <a:r>
-              <a:rPr lang="pt-BR" dirty="0"/>
-              <a:t>Neste tópico vamos explorar o que o </a:t>
-            </a:r>
-            <a:r>
-              <a:rPr lang="pt-BR" b="1" i="1" dirty="0">
-                <a:solidFill>
-                  <a:srgbClr val="00B050"/>
-                </a:solidFill>
-              </a:rPr>
-              <a:t>aprendizado de máquina </a:t>
-            </a:r>
-            <a:r>
-              <a:rPr lang="pt-BR" dirty="0"/>
-              <a:t>realmente é em um nível mais fundamental.</a:t>
-            </a:r>
-          </a:p>
-          <a:p>
-            <a:r>
-              <a:rPr lang="pt-BR" dirty="0"/>
-              <a:t>Basicamente, o que vamos discutir é um </a:t>
-            </a:r>
-            <a:r>
-              <a:rPr lang="pt-BR" b="1" i="1" dirty="0"/>
-              <a:t>novo paradigma</a:t>
-            </a:r>
-            <a:r>
-              <a:rPr lang="pt-BR" dirty="0"/>
-              <a:t>, onde </a:t>
-            </a:r>
-            <a:r>
-              <a:rPr lang="pt-BR" b="1" i="1" dirty="0"/>
-              <a:t>ao invés de programar uma solução </a:t>
-            </a:r>
-            <a:r>
-              <a:rPr lang="pt-BR" dirty="0"/>
-              <a:t>para um determinado problema, vamos </a:t>
-            </a:r>
-            <a:r>
-              <a:rPr lang="pt-BR" b="1" i="1" dirty="0"/>
-              <a:t>ensinar um computador a aprender a solução </a:t>
-            </a:r>
-            <a:r>
-              <a:rPr lang="pt-BR" dirty="0"/>
-              <a:t>através de experiências prévias.</a:t>
-            </a:r>
-          </a:p>
-          <a:p>
-            <a:r>
-              <a:rPr lang="pt-BR" dirty="0"/>
-              <a:t>Esse novo paradigma tem o potencial para </a:t>
-            </a:r>
-            <a:r>
-              <a:rPr lang="pt-BR" b="1" i="1" dirty="0"/>
-              <a:t>resolver problemas que </a:t>
-            </a:r>
-            <a:r>
-              <a:rPr lang="pt-BR" b="1" i="1" dirty="0">
-                <a:solidFill>
-                  <a:srgbClr val="00B050"/>
-                </a:solidFill>
-              </a:rPr>
-              <a:t>não podem ou são muito difíceis de serem resolvidos programaticamente</a:t>
-            </a:r>
-            <a:r>
-              <a:rPr lang="pt-BR" dirty="0"/>
-              <a:t>.</a:t>
-            </a:r>
-          </a:p>
-        </p:txBody>
-      </p:sp>
-    </p:spTree>
-    <p:extLst>
-      <p:ext uri="{BB962C8B-B14F-4D97-AF65-F5344CB8AC3E}">
-        <p14:creationId xmlns:p14="http://schemas.microsoft.com/office/powerpoint/2010/main" val="529739951"/>
-      </p:ext>
-    </p:extLst>
-  </p:cSld>
-  <p:clrMapOvr>
-    <a:masterClrMapping/>
-  </p:clrMapOvr>
-</p:sld>
-</file>
-
-<file path=ppt/slides/slide20.xml><?xml version="1.0" encoding="utf-8"?>
+<file path=ppt/slides/slide21.xml><?xml version="1.0" encoding="utf-8"?>
 <p:sld xmlns:a="http://schemas.openxmlformats.org/drawingml/2006/main" xmlns:r="http://schemas.openxmlformats.org/officeDocument/2006/relationships" xmlns:p="http://schemas.openxmlformats.org/presentationml/2006/main">
   <p:cSld>
     <p:spTree>
@@ -15898,7 +16826,7 @@
 </p:sld>
 </file>
 
-<file path=ppt/slides/slide21.xml><?xml version="1.0" encoding="utf-8"?>
+<file path=ppt/slides/slide22.xml><?xml version="1.0" encoding="utf-8"?>
 <p:sld xmlns:a="http://schemas.openxmlformats.org/drawingml/2006/main" xmlns:r="http://schemas.openxmlformats.org/officeDocument/2006/relationships" xmlns:p="http://schemas.openxmlformats.org/presentationml/2006/main">
   <p:cSld>
     <p:spTree>
@@ -16595,7 +17523,7 @@
 </p:sld>
 </file>
 
-<file path=ppt/slides/slide22.xml><?xml version="1.0" encoding="utf-8"?>
+<file path=ppt/slides/slide23.xml><?xml version="1.0" encoding="utf-8"?>
 <p:sld xmlns:a="http://schemas.openxmlformats.org/drawingml/2006/main" xmlns:r="http://schemas.openxmlformats.org/officeDocument/2006/relationships" xmlns:p="http://schemas.openxmlformats.org/presentationml/2006/main">
   <p:cSld>
     <p:spTree>
@@ -16885,8 +17813,8 @@
             </a:p>
           </p:txBody>
         </p:sp>
-        <mc:AlternateContent xmlns:mc="http://schemas.openxmlformats.org/markup-compatibility/2006">
-          <mc:Choice xmlns:a14="http://schemas.microsoft.com/office/drawing/2010/main" Requires="a14">
+        <mc:AlternateContent xmlns:mc="http://schemas.openxmlformats.org/markup-compatibility/2006" xmlns:a14="http://schemas.microsoft.com/office/drawing/2010/main">
+          <mc:Choice Requires="a14">
             <p:sp>
               <p:nvSpPr>
                 <p:cNvPr id="27" name="CaixaDeTexto 26">
@@ -16950,7 +17878,7 @@
               </p:txBody>
             </p:sp>
           </mc:Choice>
-          <mc:Fallback>
+          <mc:Fallback xmlns="">
             <p:sp>
               <p:nvSpPr>
                 <p:cNvPr id="27" name="CaixaDeTexto 26">
@@ -17698,7 +18626,7 @@
 </p:sld>
 </file>
 
-<file path=ppt/slides/slide23.xml><?xml version="1.0" encoding="utf-8"?>
+<file path=ppt/slides/slide24.xml><?xml version="1.0" encoding="utf-8"?>
 <p:sld xmlns:a="http://schemas.openxmlformats.org/drawingml/2006/main" xmlns:r="http://schemas.openxmlformats.org/officeDocument/2006/relationships" xmlns:p="http://schemas.openxmlformats.org/presentationml/2006/main">
   <p:cSld>
     <p:spTree>
@@ -17785,92 +18713,6 @@
     <p:extLst>
       <p:ext uri="{BB962C8B-B14F-4D97-AF65-F5344CB8AC3E}">
         <p14:creationId xmlns:p14="http://schemas.microsoft.com/office/powerpoint/2010/main" val="2918520294"/>
-      </p:ext>
-    </p:extLst>
-  </p:cSld>
-  <p:clrMapOvr>
-    <a:masterClrMapping/>
-  </p:clrMapOvr>
-</p:sld>
-</file>
-
-<file path=ppt/slides/slide24.xml><?xml version="1.0" encoding="utf-8"?>
-<p:sld xmlns:a="http://schemas.openxmlformats.org/drawingml/2006/main" xmlns:r="http://schemas.openxmlformats.org/officeDocument/2006/relationships" xmlns:p="http://schemas.openxmlformats.org/presentationml/2006/main">
-  <p:cSld>
-    <p:spTree>
-      <p:nvGrpSpPr>
-        <p:cNvPr id="1" name=""/>
-        <p:cNvGrpSpPr/>
-        <p:nvPr/>
-      </p:nvGrpSpPr>
-      <p:grpSpPr>
-        <a:xfrm>
-          <a:off x="0" y="0"/>
-          <a:ext cx="0" cy="0"/>
-          <a:chOff x="0" y="0"/>
-          <a:chExt cx="0" cy="0"/>
-        </a:xfrm>
-      </p:grpSpPr>
-      <p:sp>
-        <p:nvSpPr>
-          <p:cNvPr id="4" name="Título 1">
-            <a:extLst>
-              <a:ext uri="{FF2B5EF4-FFF2-40B4-BE49-F238E27FC236}">
-                <a16:creationId xmlns:a16="http://schemas.microsoft.com/office/drawing/2014/main" id="{32666AC8-2E17-4DB4-B0F5-60C640CCFD2E}"/>
-              </a:ext>
-            </a:extLst>
-          </p:cNvPr>
-          <p:cNvSpPr txBox="1">
-            <a:spLocks/>
-          </p:cNvSpPr>
-          <p:nvPr/>
-        </p:nvSpPr>
-        <p:spPr>
-          <a:xfrm>
-            <a:off x="1431533" y="2720526"/>
-            <a:ext cx="9144000" cy="1029541"/>
-          </a:xfrm>
-          <a:prstGeom prst="rect">
-            <a:avLst/>
-          </a:prstGeom>
-        </p:spPr>
-        <p:txBody>
-          <a:bodyPr vert="horz" lIns="91440" tIns="45720" rIns="91440" bIns="45720" rtlCol="0" anchor="ctr">
-            <a:normAutofit/>
-          </a:bodyPr>
-          <a:lstStyle>
-            <a:lvl1pPr algn="l" defTabSz="914400" rtl="0" eaLnBrk="1" latinLnBrk="0" hangingPunct="1">
-              <a:lnSpc>
-                <a:spcPct val="90000"/>
-              </a:lnSpc>
-              <a:spcBef>
-                <a:spcPct val="0"/>
-              </a:spcBef>
-              <a:buNone/>
-              <a:defRPr sz="4400" kern="1200">
-                <a:solidFill>
-                  <a:schemeClr val="tx1"/>
-                </a:solidFill>
-                <a:latin typeface="+mj-lt"/>
-                <a:ea typeface="+mj-ea"/>
-                <a:cs typeface="+mj-cs"/>
-              </a:defRPr>
-            </a:lvl1pPr>
-          </a:lstStyle>
-          <a:p>
-            <a:pPr algn="ctr"/>
-            <a:r>
-              <a:rPr lang="pt-BR" sz="6600" dirty="0"/>
-              <a:t>Perguntas?</a:t>
-            </a:r>
-            <a:endParaRPr lang="pt-BR" sz="6600" b="1" i="1" dirty="0"/>
-          </a:p>
-        </p:txBody>
-      </p:sp>
-    </p:spTree>
-    <p:extLst>
-      <p:ext uri="{BB962C8B-B14F-4D97-AF65-F5344CB8AC3E}">
-        <p14:creationId xmlns:p14="http://schemas.microsoft.com/office/powerpoint/2010/main" val="1975981511"/>
       </p:ext>
     </p:extLst>
   </p:cSld>
@@ -17947,6 +18789,92 @@
             <a:pPr algn="ctr"/>
             <a:r>
               <a:rPr lang="pt-BR" sz="6600" dirty="0"/>
+              <a:t>Perguntas?</a:t>
+            </a:r>
+            <a:endParaRPr lang="pt-BR" sz="6600" b="1" i="1" dirty="0"/>
+          </a:p>
+        </p:txBody>
+      </p:sp>
+    </p:spTree>
+    <p:extLst>
+      <p:ext uri="{BB962C8B-B14F-4D97-AF65-F5344CB8AC3E}">
+        <p14:creationId xmlns:p14="http://schemas.microsoft.com/office/powerpoint/2010/main" val="1975981511"/>
+      </p:ext>
+    </p:extLst>
+  </p:cSld>
+  <p:clrMapOvr>
+    <a:masterClrMapping/>
+  </p:clrMapOvr>
+</p:sld>
+</file>
+
+<file path=ppt/slides/slide26.xml><?xml version="1.0" encoding="utf-8"?>
+<p:sld xmlns:a="http://schemas.openxmlformats.org/drawingml/2006/main" xmlns:r="http://schemas.openxmlformats.org/officeDocument/2006/relationships" xmlns:p="http://schemas.openxmlformats.org/presentationml/2006/main">
+  <p:cSld>
+    <p:spTree>
+      <p:nvGrpSpPr>
+        <p:cNvPr id="1" name=""/>
+        <p:cNvGrpSpPr/>
+        <p:nvPr/>
+      </p:nvGrpSpPr>
+      <p:grpSpPr>
+        <a:xfrm>
+          <a:off x="0" y="0"/>
+          <a:ext cx="0" cy="0"/>
+          <a:chOff x="0" y="0"/>
+          <a:chExt cx="0" cy="0"/>
+        </a:xfrm>
+      </p:grpSpPr>
+      <p:sp>
+        <p:nvSpPr>
+          <p:cNvPr id="4" name="Título 1">
+            <a:extLst>
+              <a:ext uri="{FF2B5EF4-FFF2-40B4-BE49-F238E27FC236}">
+                <a16:creationId xmlns:a16="http://schemas.microsoft.com/office/drawing/2014/main" id="{32666AC8-2E17-4DB4-B0F5-60C640CCFD2E}"/>
+              </a:ext>
+            </a:extLst>
+          </p:cNvPr>
+          <p:cNvSpPr txBox="1">
+            <a:spLocks/>
+          </p:cNvSpPr>
+          <p:nvPr/>
+        </p:nvSpPr>
+        <p:spPr>
+          <a:xfrm>
+            <a:off x="1431533" y="2720526"/>
+            <a:ext cx="9144000" cy="1029541"/>
+          </a:xfrm>
+          <a:prstGeom prst="rect">
+            <a:avLst/>
+          </a:prstGeom>
+        </p:spPr>
+        <p:txBody>
+          <a:bodyPr vert="horz" lIns="91440" tIns="45720" rIns="91440" bIns="45720" rtlCol="0" anchor="ctr">
+            <a:normAutofit/>
+          </a:bodyPr>
+          <a:lstStyle>
+            <a:lvl1pPr algn="l" defTabSz="914400" rtl="0" eaLnBrk="1" latinLnBrk="0" hangingPunct="1">
+              <a:lnSpc>
+                <a:spcPct val="90000"/>
+              </a:lnSpc>
+              <a:spcBef>
+                <a:spcPct val="0"/>
+              </a:spcBef>
+              <a:buNone/>
+              <a:defRPr sz="4400" kern="1200">
+                <a:solidFill>
+                  <a:schemeClr val="tx1"/>
+                </a:solidFill>
+                <a:latin typeface="+mj-lt"/>
+                <a:ea typeface="+mj-ea"/>
+                <a:cs typeface="+mj-cs"/>
+              </a:defRPr>
+            </a:lvl1pPr>
+          </a:lstStyle>
+          <a:p>
+            <a:pPr algn="ctr"/>
+            <a:r>
+              <a:rPr lang="pt-BR" sz="6600" dirty="0"/>
               <a:t>Obrigado!</a:t>
             </a:r>
             <a:endParaRPr lang="pt-BR" sz="6600" b="1" i="1" dirty="0"/>
@@ -17966,7 +18894,7 @@
 </p:sld>
 </file>
 
-<file path=ppt/slides/slide26.xml><?xml version="1.0" encoding="utf-8"?>
+<file path=ppt/slides/slide27.xml><?xml version="1.0" encoding="utf-8"?>
 <p:sld xmlns:a="http://schemas.openxmlformats.org/drawingml/2006/main" xmlns:r="http://schemas.openxmlformats.org/officeDocument/2006/relationships" xmlns:p="http://schemas.openxmlformats.org/presentationml/2006/main">
   <p:cSld>
     <p:spTree>
@@ -18861,7 +19789,7 @@
           <a:p>
             <a:r>
               <a:rPr lang="pt-BR" dirty="0"/>
-              <a:t>O que é o Aprendizado de Máquina?</a:t>
+              <a:t>O que é o aprendizado de máquina?</a:t>
             </a:r>
             <a:endParaRPr lang="en-US" dirty="0"/>
           </a:p>
@@ -19258,7 +20186,27 @@
           <a:p>
             <a:r>
               <a:rPr lang="pt-BR" dirty="0"/>
-              <a:t>Na programação tradicional, o programador analisa um problema e cria um código (ou programa) para resolvê-lo.</a:t>
+              <a:t>Na programação tradicional, o </a:t>
+            </a:r>
+            <a:r>
+              <a:rPr lang="pt-BR" b="1" i="1" dirty="0"/>
+              <a:t>programador</a:t>
+            </a:r>
+            <a:r>
+              <a:rPr lang="pt-BR" dirty="0"/>
+              <a:t> </a:t>
+            </a:r>
+            <a:r>
+              <a:rPr lang="pt-BR" b="1" i="1" dirty="0">
+                <a:solidFill>
+                  <a:srgbClr val="00B050"/>
+                </a:solidFill>
+              </a:rPr>
+              <a:t>analisa um problema e cria um código </a:t>
+            </a:r>
+            <a:r>
+              <a:rPr lang="pt-BR" dirty="0"/>
+              <a:t>(ou programa) para resolvê-lo.</a:t>
             </a:r>
           </a:p>
           <a:p>
@@ -22289,8 +23237,8 @@
         </p:nvSpPr>
         <p:spPr>
           <a:xfrm>
-            <a:off x="6976152" y="1690688"/>
-            <a:ext cx="5146591" cy="5167312"/>
+            <a:off x="6709026" y="1690688"/>
+            <a:ext cx="5413718" cy="5167312"/>
           </a:xfrm>
         </p:spPr>
         <p:txBody>
@@ -22321,7 +23269,59 @@
             </a:r>
             <a:r>
               <a:rPr lang="pt-BR" b="1" i="1" dirty="0"/>
-              <a:t>detecte atividades como andar, correr e pedalar</a:t>
+              <a:t>detecte atividades </a:t>
+            </a:r>
+            <a:r>
+              <a:rPr lang="pt-BR" dirty="0"/>
+              <a:t>como</a:t>
+            </a:r>
+            <a:r>
+              <a:rPr lang="pt-BR" b="1" i="1" dirty="0"/>
+              <a:t> </a:t>
+            </a:r>
+            <a:r>
+              <a:rPr lang="pt-BR" b="1" i="1" dirty="0">
+                <a:solidFill>
+                  <a:srgbClr val="00B050"/>
+                </a:solidFill>
+              </a:rPr>
+              <a:t>andar</a:t>
+            </a:r>
+            <a:r>
+              <a:rPr lang="pt-BR" dirty="0"/>
+              <a:t>,</a:t>
+            </a:r>
+            <a:r>
+              <a:rPr lang="pt-BR" b="1" i="1" dirty="0"/>
+              <a:t> </a:t>
+            </a:r>
+            <a:r>
+              <a:rPr lang="pt-BR" b="1" i="1" dirty="0">
+                <a:solidFill>
+                  <a:srgbClr val="00B050"/>
+                </a:solidFill>
+              </a:rPr>
+              <a:t>correr</a:t>
+            </a:r>
+            <a:r>
+              <a:rPr lang="pt-BR" b="1" i="1" dirty="0"/>
+              <a:t> </a:t>
+            </a:r>
+            <a:r>
+              <a:rPr lang="pt-BR" dirty="0"/>
+              <a:t>e</a:t>
+            </a:r>
+            <a:r>
+              <a:rPr lang="pt-BR" b="1" i="1" dirty="0"/>
+              <a:t> </a:t>
+            </a:r>
+            <a:r>
+              <a:rPr lang="pt-BR" b="1" i="1" dirty="0">
+                <a:solidFill>
+                  <a:srgbClr val="00B050"/>
+                </a:solidFill>
+              </a:rPr>
+              <a:t>pedalar</a:t>
             </a:r>
             <a:r>
               <a:rPr lang="pt-BR" dirty="0"/>
@@ -22334,7 +23334,11 @@
               <a:t>Nesse caso, o programador analisaria o problema e diria que podemos usar a </a:t>
             </a:r>
             <a:r>
-              <a:rPr lang="pt-BR" b="1" i="1" dirty="0"/>
+              <a:rPr lang="pt-BR" b="1" i="1" dirty="0">
+                <a:solidFill>
+                  <a:srgbClr val="00B050"/>
+                </a:solidFill>
+              </a:rPr>
               <a:t>velocidade</a:t>
             </a:r>
             <a:r>
@@ -22376,7 +23380,7 @@
         </p:nvGrpSpPr>
         <p:grpSpPr>
           <a:xfrm>
-            <a:off x="69256" y="2169974"/>
+            <a:off x="202820" y="2169974"/>
             <a:ext cx="6258891" cy="3022512"/>
             <a:chOff x="0" y="1672582"/>
             <a:chExt cx="6749149" cy="3259256"/>
@@ -22470,6 +23474,104 @@
           </p:spPr>
         </p:pic>
       </p:grpSp>
+      <p:sp>
+        <p:nvSpPr>
+          <p:cNvPr id="4" name="Seta: para Baixo 3">
+            <a:extLst>
+              <a:ext uri="{FF2B5EF4-FFF2-40B4-BE49-F238E27FC236}">
+                <a16:creationId xmlns:a16="http://schemas.microsoft.com/office/drawing/2014/main" id="{B4DA719F-6F45-C612-A552-97B47CA60E54}"/>
+              </a:ext>
+            </a:extLst>
+          </p:cNvPr>
+          <p:cNvSpPr/>
+          <p:nvPr/>
+        </p:nvSpPr>
+        <p:spPr>
+          <a:xfrm rot="16200000">
+            <a:off x="2136952" y="3371393"/>
+            <a:ext cx="236305" cy="297950"/>
+          </a:xfrm>
+          <a:prstGeom prst="downArrow">
+            <a:avLst/>
+          </a:prstGeom>
+          <a:solidFill>
+            <a:srgbClr val="FF0000"/>
+          </a:solidFill>
+        </p:spPr>
+        <p:style>
+          <a:lnRef idx="2">
+            <a:schemeClr val="accent2">
+              <a:shade val="15000"/>
+            </a:schemeClr>
+          </a:lnRef>
+          <a:fillRef idx="1">
+            <a:schemeClr val="accent2"/>
+          </a:fillRef>
+          <a:effectRef idx="0">
+            <a:schemeClr val="accent2"/>
+          </a:effectRef>
+          <a:fontRef idx="minor">
+            <a:schemeClr val="lt1"/>
+          </a:fontRef>
+        </p:style>
+        <p:txBody>
+          <a:bodyPr rtlCol="0" anchor="ctr"/>
+          <a:lstStyle/>
+          <a:p>
+            <a:pPr algn="ctr"/>
+            <a:endParaRPr lang="pt-BR" dirty="0"/>
+          </a:p>
+        </p:txBody>
+      </p:sp>
+      <p:sp>
+        <p:nvSpPr>
+          <p:cNvPr id="6" name="Seta: para Baixo 5">
+            <a:extLst>
+              <a:ext uri="{FF2B5EF4-FFF2-40B4-BE49-F238E27FC236}">
+                <a16:creationId xmlns:a16="http://schemas.microsoft.com/office/drawing/2014/main" id="{982B6F84-8C0A-F6E4-D597-872BB3C6DF22}"/>
+              </a:ext>
+            </a:extLst>
+          </p:cNvPr>
+          <p:cNvSpPr/>
+          <p:nvPr/>
+        </p:nvSpPr>
+        <p:spPr>
+          <a:xfrm rot="16200000">
+            <a:off x="4427962" y="3371393"/>
+            <a:ext cx="236305" cy="297950"/>
+          </a:xfrm>
+          <a:prstGeom prst="downArrow">
+            <a:avLst/>
+          </a:prstGeom>
+          <a:solidFill>
+            <a:srgbClr val="FF0000"/>
+          </a:solidFill>
+        </p:spPr>
+        <p:style>
+          <a:lnRef idx="2">
+            <a:schemeClr val="accent2">
+              <a:shade val="15000"/>
+            </a:schemeClr>
+          </a:lnRef>
+          <a:fillRef idx="1">
+            <a:schemeClr val="accent2"/>
+          </a:fillRef>
+          <a:effectRef idx="0">
+            <a:schemeClr val="accent2"/>
+          </a:effectRef>
+          <a:fontRef idx="minor">
+            <a:schemeClr val="lt1"/>
+          </a:fontRef>
+        </p:style>
+        <p:txBody>
+          <a:bodyPr rtlCol="0" anchor="ctr"/>
+          <a:lstStyle/>
+          <a:p>
+            <a:pPr algn="ctr"/>
+            <a:endParaRPr lang="pt-BR" dirty="0"/>
+          </a:p>
+        </p:txBody>
+      </p:sp>
     </p:spTree>
     <p:extLst>
       <p:ext uri="{BB962C8B-B14F-4D97-AF65-F5344CB8AC3E}">
@@ -22546,13 +23648,13 @@
         </p:nvSpPr>
         <p:spPr>
           <a:xfrm>
-            <a:off x="6618514" y="1690688"/>
-            <a:ext cx="5504230" cy="5167312"/>
+            <a:off x="7099442" y="1690688"/>
+            <a:ext cx="5023301" cy="5167312"/>
           </a:xfrm>
         </p:spPr>
         <p:txBody>
           <a:bodyPr>
-            <a:normAutofit lnSpcReduction="10000"/>
+            <a:normAutofit/>
           </a:bodyPr>
           <a:lstStyle/>
           <a:p>
@@ -22573,6 +23675,232 @@
               <a:t>, como poderíamos identificar essa atividade?</a:t>
             </a:r>
           </a:p>
+        </p:txBody>
+      </p:sp>
+      <p:grpSp>
+        <p:nvGrpSpPr>
+          <p:cNvPr id="10" name="Agrupar 9">
+            <a:extLst>
+              <a:ext uri="{FF2B5EF4-FFF2-40B4-BE49-F238E27FC236}">
+                <a16:creationId xmlns:a16="http://schemas.microsoft.com/office/drawing/2014/main" id="{E6BE4743-3C61-AD20-5644-76B635B7F260}"/>
+              </a:ext>
+            </a:extLst>
+          </p:cNvPr>
+          <p:cNvGrpSpPr>
+            <a:grpSpLocks noChangeAspect="1"/>
+          </p:cNvGrpSpPr>
+          <p:nvPr/>
+        </p:nvGrpSpPr>
+        <p:grpSpPr>
+          <a:xfrm>
+            <a:off x="98030" y="2420042"/>
+            <a:ext cx="6912748" cy="2686214"/>
+            <a:chOff x="0" y="1672582"/>
+            <a:chExt cx="8387452" cy="3259256"/>
+          </a:xfrm>
+        </p:grpSpPr>
+        <p:pic>
+          <p:nvPicPr>
+            <p:cNvPr id="5" name="Imagem 4">
+              <a:extLst>
+                <a:ext uri="{FF2B5EF4-FFF2-40B4-BE49-F238E27FC236}">
+                  <a16:creationId xmlns:a16="http://schemas.microsoft.com/office/drawing/2014/main" id="{3DDF97E4-A0BE-B8B6-AC86-B7FD47E96CCE}"/>
+                </a:ext>
+              </a:extLst>
+            </p:cNvPr>
+            <p:cNvPicPr>
+              <a:picLocks noChangeAspect="1"/>
+            </p:cNvPicPr>
+            <p:nvPr/>
+          </p:nvPicPr>
+          <p:blipFill rotWithShape="1">
+            <a:blip r:embed="rId2"/>
+            <a:srcRect r="81786"/>
+            <a:stretch/>
+          </p:blipFill>
+          <p:spPr>
+            <a:xfrm>
+              <a:off x="0" y="1672582"/>
+              <a:ext cx="2220686" cy="3241150"/>
+            </a:xfrm>
+            <a:prstGeom prst="rect">
+              <a:avLst/>
+            </a:prstGeom>
+          </p:spPr>
+        </p:pic>
+        <p:pic>
+          <p:nvPicPr>
+            <p:cNvPr id="6" name="Imagem 5">
+              <a:extLst>
+                <a:ext uri="{FF2B5EF4-FFF2-40B4-BE49-F238E27FC236}">
+                  <a16:creationId xmlns:a16="http://schemas.microsoft.com/office/drawing/2014/main" id="{7A6EC6EF-821D-9118-6748-01EAB046CC0F}"/>
+                </a:ext>
+              </a:extLst>
+            </p:cNvPr>
+            <p:cNvPicPr>
+              <a:picLocks noChangeAspect="1"/>
+            </p:cNvPicPr>
+            <p:nvPr/>
+          </p:nvPicPr>
+          <p:blipFill rotWithShape="1">
+            <a:blip r:embed="rId2"/>
+            <a:srcRect l="89732"/>
+            <a:stretch/>
+          </p:blipFill>
+          <p:spPr>
+            <a:xfrm>
+              <a:off x="7135595" y="1672582"/>
+              <a:ext cx="1251857" cy="3241150"/>
+            </a:xfrm>
+            <a:prstGeom prst="rect">
+              <a:avLst/>
+            </a:prstGeom>
+          </p:spPr>
+        </p:pic>
+        <p:pic>
+          <p:nvPicPr>
+            <p:cNvPr id="7" name="Imagem 6">
+              <a:extLst>
+                <a:ext uri="{FF2B5EF4-FFF2-40B4-BE49-F238E27FC236}">
+                  <a16:creationId xmlns:a16="http://schemas.microsoft.com/office/drawing/2014/main" id="{3578A7AB-C96B-1A18-011E-428B8A543367}"/>
+                </a:ext>
+              </a:extLst>
+            </p:cNvPr>
+            <p:cNvPicPr>
+              <a:picLocks noChangeAspect="1"/>
+            </p:cNvPicPr>
+            <p:nvPr/>
+          </p:nvPicPr>
+          <p:blipFill rotWithShape="1">
+            <a:blip r:embed="rId2"/>
+            <a:srcRect l="31697" r="52857"/>
+            <a:stretch/>
+          </p:blipFill>
+          <p:spPr>
+            <a:xfrm>
+              <a:off x="2607132" y="1690688"/>
+              <a:ext cx="1883228" cy="3241150"/>
+            </a:xfrm>
+            <a:prstGeom prst="rect">
+              <a:avLst/>
+            </a:prstGeom>
+          </p:spPr>
+        </p:pic>
+        <p:pic>
+          <p:nvPicPr>
+            <p:cNvPr id="8" name="Imagem 7">
+              <a:extLst>
+                <a:ext uri="{FF2B5EF4-FFF2-40B4-BE49-F238E27FC236}">
+                  <a16:creationId xmlns:a16="http://schemas.microsoft.com/office/drawing/2014/main" id="{D2F08DCC-A613-B284-5DDE-3A2147E22AF5}"/>
+                </a:ext>
+              </a:extLst>
+            </p:cNvPr>
+            <p:cNvPicPr>
+              <a:picLocks noChangeAspect="1"/>
+            </p:cNvPicPr>
+            <p:nvPr/>
+          </p:nvPicPr>
+          <p:blipFill rotWithShape="1">
+            <a:blip r:embed="rId2"/>
+            <a:srcRect l="60714" r="23929"/>
+            <a:stretch/>
+          </p:blipFill>
+          <p:spPr>
+            <a:xfrm>
+              <a:off x="4876806" y="1672582"/>
+              <a:ext cx="1872343" cy="3241150"/>
+            </a:xfrm>
+            <a:prstGeom prst="rect">
+              <a:avLst/>
+            </a:prstGeom>
+          </p:spPr>
+        </p:pic>
+      </p:grpSp>
+    </p:spTree>
+    <p:extLst>
+      <p:ext uri="{BB962C8B-B14F-4D97-AF65-F5344CB8AC3E}">
+        <p14:creationId xmlns:p14="http://schemas.microsoft.com/office/powerpoint/2010/main" val="2197337138"/>
+      </p:ext>
+    </p:extLst>
+  </p:cSld>
+  <p:clrMapOvr>
+    <a:masterClrMapping/>
+  </p:clrMapOvr>
+</p:sld>
+</file>
+
+<file path=ppt/slides/slide9.xml><?xml version="1.0" encoding="utf-8"?>
+<p:sld xmlns:a="http://schemas.openxmlformats.org/drawingml/2006/main" xmlns:r="http://schemas.openxmlformats.org/officeDocument/2006/relationships" xmlns:p="http://schemas.openxmlformats.org/presentationml/2006/main">
+  <p:cSld>
+    <p:spTree>
+      <p:nvGrpSpPr>
+        <p:cNvPr id="1" name=""/>
+        <p:cNvGrpSpPr/>
+        <p:nvPr/>
+      </p:nvGrpSpPr>
+      <p:grpSpPr>
+        <a:xfrm>
+          <a:off x="0" y="0"/>
+          <a:ext cx="0" cy="0"/>
+          <a:chOff x="0" y="0"/>
+          <a:chExt cx="0" cy="0"/>
+        </a:xfrm>
+      </p:grpSpPr>
+      <p:sp>
+        <p:nvSpPr>
+          <p:cNvPr id="2" name="Título 1">
+            <a:extLst>
+              <a:ext uri="{FF2B5EF4-FFF2-40B4-BE49-F238E27FC236}">
+                <a16:creationId xmlns:a16="http://schemas.microsoft.com/office/drawing/2014/main" id="{E1859D24-083B-4F12-23CB-CA788AD2D8EC}"/>
+              </a:ext>
+            </a:extLst>
+          </p:cNvPr>
+          <p:cNvSpPr>
+            <a:spLocks noGrp="1"/>
+          </p:cNvSpPr>
+          <p:nvPr>
+            <p:ph type="title"/>
+          </p:nvPr>
+        </p:nvSpPr>
+        <p:spPr/>
+        <p:txBody>
+          <a:bodyPr/>
+          <a:lstStyle/>
+          <a:p>
+            <a:r>
+              <a:rPr lang="pt-BR" dirty="0"/>
+              <a:t>Programação tradicional</a:t>
+            </a:r>
+          </a:p>
+        </p:txBody>
+      </p:sp>
+      <p:sp>
+        <p:nvSpPr>
+          <p:cNvPr id="3" name="Espaço Reservado para Conteúdo 2">
+            <a:extLst>
+              <a:ext uri="{FF2B5EF4-FFF2-40B4-BE49-F238E27FC236}">
+                <a16:creationId xmlns:a16="http://schemas.microsoft.com/office/drawing/2014/main" id="{B712A549-DCD5-9C7D-3A1F-F4CB938CF177}"/>
+              </a:ext>
+            </a:extLst>
+          </p:cNvPr>
+          <p:cNvSpPr>
+            <a:spLocks noGrp="1"/>
+          </p:cNvSpPr>
+          <p:nvPr>
+            <p:ph idx="1"/>
+          </p:nvPr>
+        </p:nvSpPr>
+        <p:spPr>
+          <a:xfrm>
+            <a:off x="7222733" y="1690688"/>
+            <a:ext cx="4900010" cy="5167312"/>
+          </a:xfrm>
+        </p:spPr>
+        <p:txBody>
+          <a:bodyPr>
+            <a:normAutofit/>
+          </a:bodyPr>
+          <a:lstStyle/>
           <a:p>
             <a:r>
               <a:rPr lang="pt-BR" dirty="0"/>
@@ -22638,7 +23966,7 @@
         <p:grpSpPr>
           <a:xfrm>
             <a:off x="149400" y="2420042"/>
-            <a:ext cx="6264000" cy="2434118"/>
+            <a:ext cx="6833430" cy="2655392"/>
             <a:chOff x="0" y="1672582"/>
             <a:chExt cx="8387452" cy="3259256"/>
           </a:xfrm>
@@ -22764,981 +24092,6 @@
     <p:extLst>
       <p:ext uri="{BB962C8B-B14F-4D97-AF65-F5344CB8AC3E}">
         <p14:creationId xmlns:p14="http://schemas.microsoft.com/office/powerpoint/2010/main" val="195948511"/>
-      </p:ext>
-    </p:extLst>
-  </p:cSld>
-  <p:clrMapOvr>
-    <a:masterClrMapping/>
-  </p:clrMapOvr>
-</p:sld>
-</file>
-
-<file path=ppt/slides/slide9.xml><?xml version="1.0" encoding="utf-8"?>
-<p:sld xmlns:a="http://schemas.openxmlformats.org/drawingml/2006/main" xmlns:r="http://schemas.openxmlformats.org/officeDocument/2006/relationships" xmlns:p="http://schemas.openxmlformats.org/presentationml/2006/main">
-  <p:cSld>
-    <p:spTree>
-      <p:nvGrpSpPr>
-        <p:cNvPr id="1" name=""/>
-        <p:cNvGrpSpPr/>
-        <p:nvPr/>
-      </p:nvGrpSpPr>
-      <p:grpSpPr>
-        <a:xfrm>
-          <a:off x="0" y="0"/>
-          <a:ext cx="0" cy="0"/>
-          <a:chOff x="0" y="0"/>
-          <a:chExt cx="0" cy="0"/>
-        </a:xfrm>
-      </p:grpSpPr>
-      <p:pic>
-        <p:nvPicPr>
-          <p:cNvPr id="30" name="Picture 2">
-            <a:extLst>
-              <a:ext uri="{FF2B5EF4-FFF2-40B4-BE49-F238E27FC236}">
-                <a16:creationId xmlns:a16="http://schemas.microsoft.com/office/drawing/2014/main" id="{20B49BBC-21C6-6EB6-B7DD-2A4E71AD1EE8}"/>
-              </a:ext>
-            </a:extLst>
-          </p:cNvPr>
-          <p:cNvPicPr>
-            <a:picLocks noChangeAspect="1" noChangeArrowheads="1"/>
-          </p:cNvPicPr>
-          <p:nvPr/>
-        </p:nvPicPr>
-        <p:blipFill rotWithShape="1">
-          <a:blip r:embed="rId3">
-            <a:extLst>
-              <a:ext uri="{28A0092B-C50C-407E-A947-70E740481C1C}">
-                <a14:useLocalDpi xmlns:a14="http://schemas.microsoft.com/office/drawing/2010/main" val="0"/>
-              </a:ext>
-            </a:extLst>
-          </a:blip>
-          <a:srcRect l="616" r="1714"/>
-          <a:stretch/>
-        </p:blipFill>
-        <p:spPr bwMode="auto">
-          <a:xfrm>
-            <a:off x="772828" y="4585535"/>
-            <a:ext cx="2979222" cy="2095623"/>
-          </a:xfrm>
-          <a:prstGeom prst="rect">
-            <a:avLst/>
-          </a:prstGeom>
-          <a:noFill/>
-          <a:extLst>
-            <a:ext uri="{909E8E84-426E-40DD-AFC4-6F175D3DCCD1}">
-              <a14:hiddenFill xmlns:a14="http://schemas.microsoft.com/office/drawing/2010/main">
-                <a:solidFill>
-                  <a:srgbClr val="FFFFFF"/>
-                </a:solidFill>
-              </a14:hiddenFill>
-            </a:ext>
-          </a:extLst>
-        </p:spPr>
-      </p:pic>
-      <p:sp>
-        <p:nvSpPr>
-          <p:cNvPr id="2" name="Title 1"/>
-          <p:cNvSpPr>
-            <a:spLocks noGrp="1"/>
-          </p:cNvSpPr>
-          <p:nvPr>
-            <p:ph type="title"/>
-          </p:nvPr>
-        </p:nvSpPr>
-        <p:spPr/>
-        <p:txBody>
-          <a:bodyPr/>
-          <a:lstStyle/>
-          <a:p>
-            <a:r>
-              <a:rPr lang="pt-BR" dirty="0"/>
-              <a:t>O paradigma do aprendizado de máquina</a:t>
-            </a:r>
-          </a:p>
-        </p:txBody>
-      </p:sp>
-      <p:sp>
-        <p:nvSpPr>
-          <p:cNvPr id="3" name="Content Placeholder 2"/>
-          <p:cNvSpPr>
-            <a:spLocks noGrp="1"/>
-          </p:cNvSpPr>
-          <p:nvPr>
-            <p:ph idx="1"/>
-          </p:nvPr>
-        </p:nvSpPr>
-        <p:spPr>
-          <a:xfrm>
-            <a:off x="838200" y="1825625"/>
-            <a:ext cx="11206316" cy="2692338"/>
-          </a:xfrm>
-        </p:spPr>
-        <p:txBody>
-          <a:bodyPr>
-            <a:normAutofit/>
-          </a:bodyPr>
-          <a:lstStyle/>
-          <a:p>
-            <a:r>
-              <a:rPr lang="pt-BR" dirty="0"/>
-              <a:t>“</a:t>
-            </a:r>
-            <a:r>
-              <a:rPr lang="pt-BR" dirty="0">
-                <a:solidFill>
-                  <a:srgbClr val="00B0F0"/>
-                </a:solidFill>
-              </a:rPr>
-              <a:t>... </a:t>
-            </a:r>
-            <a:r>
-              <a:rPr lang="pt-BR" b="1" i="1" dirty="0">
-                <a:solidFill>
-                  <a:srgbClr val="00B0F0"/>
-                </a:solidFill>
-              </a:rPr>
-              <a:t>aprender sem serem explicitamente programados</a:t>
-            </a:r>
-            <a:r>
-              <a:rPr lang="pt-BR" dirty="0">
-                <a:solidFill>
-                  <a:srgbClr val="00B0F0"/>
-                </a:solidFill>
-              </a:rPr>
-              <a:t>.</a:t>
-            </a:r>
-            <a:r>
-              <a:rPr lang="pt-BR" dirty="0"/>
-              <a:t>”</a:t>
-            </a:r>
-          </a:p>
-          <a:p>
-            <a:r>
-              <a:rPr lang="pt-BR" dirty="0"/>
-              <a:t>Esse trecho pode ser entendido se reorganizarmos a figura anterior.</a:t>
-            </a:r>
-          </a:p>
-          <a:p>
-            <a:pPr lvl="1">
-              <a:buFont typeface="Wingdings" panose="05000000000000000000" pitchFamily="2" charset="2"/>
-              <a:buChar char="§"/>
-            </a:pPr>
-            <a:r>
-              <a:rPr lang="pt-BR" dirty="0"/>
-              <a:t>E se ao invés tentarmos </a:t>
-            </a:r>
-            <a:r>
-              <a:rPr lang="pt-BR" b="1" i="1" dirty="0"/>
-              <a:t>descobrir as regras que agem sobre os dados para gerar as respostas</a:t>
-            </a:r>
-            <a:r>
-              <a:rPr lang="pt-BR" dirty="0"/>
-              <a:t>, fizermos o </a:t>
-            </a:r>
-            <a:r>
-              <a:rPr lang="pt-BR" b="1" i="1" dirty="0"/>
-              <a:t>contrário</a:t>
-            </a:r>
-            <a:r>
-              <a:rPr lang="pt-BR" dirty="0"/>
-              <a:t>? Ou seja, </a:t>
-            </a:r>
-            <a:r>
-              <a:rPr lang="pt-BR" b="1" i="1" dirty="0">
-                <a:solidFill>
-                  <a:srgbClr val="00B050"/>
-                </a:solidFill>
-              </a:rPr>
-              <a:t>fornecer as respostas e os dados a um computador e deixar que ele descubra as regras </a:t>
-            </a:r>
-            <a:r>
-              <a:rPr lang="pt-BR" dirty="0"/>
-              <a:t>que geram as saídas (i.e., um mapeamento das entradas nas respostas)?</a:t>
-            </a:r>
-          </a:p>
-          <a:p>
-            <a:pPr lvl="1"/>
-            <a:endParaRPr lang="pt-BR" dirty="0"/>
-          </a:p>
-          <a:p>
-            <a:endParaRPr lang="pt-BR" dirty="0"/>
-          </a:p>
-        </p:txBody>
-      </p:sp>
-      <p:sp>
-        <p:nvSpPr>
-          <p:cNvPr id="13" name="Rectangle 12"/>
-          <p:cNvSpPr/>
-          <p:nvPr/>
-        </p:nvSpPr>
-        <p:spPr>
-          <a:xfrm>
-            <a:off x="5788138" y="5120871"/>
-            <a:ext cx="1910443" cy="849086"/>
-          </a:xfrm>
-          <a:prstGeom prst="rect">
-            <a:avLst/>
-          </a:prstGeom>
-          <a:noFill/>
-          <a:ln>
-            <a:solidFill>
-              <a:schemeClr val="tx1"/>
-            </a:solidFill>
-          </a:ln>
-        </p:spPr>
-        <p:style>
-          <a:lnRef idx="2">
-            <a:schemeClr val="accent1">
-              <a:shade val="50000"/>
-            </a:schemeClr>
-          </a:lnRef>
-          <a:fillRef idx="1">
-            <a:schemeClr val="accent1"/>
-          </a:fillRef>
-          <a:effectRef idx="0">
-            <a:schemeClr val="accent1"/>
-          </a:effectRef>
-          <a:fontRef idx="minor">
-            <a:schemeClr val="lt1"/>
-          </a:fontRef>
-        </p:style>
-        <p:txBody>
-          <a:bodyPr rtlCol="0" anchor="ctr"/>
-          <a:lstStyle/>
-          <a:p>
-            <a:pPr algn="ctr"/>
-            <a:r>
-              <a:rPr lang="pt-BR" dirty="0">
-                <a:solidFill>
-                  <a:schemeClr val="tx1"/>
-                </a:solidFill>
-              </a:rPr>
-              <a:t>Computador</a:t>
-            </a:r>
-          </a:p>
-        </p:txBody>
-      </p:sp>
-      <p:sp>
-        <p:nvSpPr>
-          <p:cNvPr id="14" name="TextBox 13"/>
-          <p:cNvSpPr txBox="1"/>
-          <p:nvPr/>
-        </p:nvSpPr>
-        <p:spPr>
-          <a:xfrm>
-            <a:off x="4960139" y="4589285"/>
-            <a:ext cx="3524518" cy="461665"/>
-          </a:xfrm>
-          <a:prstGeom prst="rect">
-            <a:avLst/>
-          </a:prstGeom>
-          <a:noFill/>
-        </p:spPr>
-        <p:txBody>
-          <a:bodyPr wrap="square" rtlCol="0">
-            <a:spAutoFit/>
-          </a:bodyPr>
-          <a:lstStyle/>
-          <a:p>
-            <a:pPr algn="ctr"/>
-            <a:r>
-              <a:rPr lang="pt-BR" sz="2400" b="1" dirty="0"/>
-              <a:t>Aprendizado de Máquina</a:t>
-            </a:r>
-          </a:p>
-        </p:txBody>
-      </p:sp>
-      <p:cxnSp>
-        <p:nvCxnSpPr>
-          <p:cNvPr id="15" name="Straight Arrow Connector 14"/>
-          <p:cNvCxnSpPr>
-            <a:cxnSpLocks/>
-          </p:cNvCxnSpPr>
-          <p:nvPr/>
-        </p:nvCxnSpPr>
-        <p:spPr>
-          <a:xfrm>
-            <a:off x="4960138" y="5300486"/>
-            <a:ext cx="828000" cy="0"/>
-          </a:xfrm>
-          <a:prstGeom prst="straightConnector1">
-            <a:avLst/>
-          </a:prstGeom>
-          <a:ln w="19050">
-            <a:tailEnd type="triangle"/>
-          </a:ln>
-        </p:spPr>
-        <p:style>
-          <a:lnRef idx="1">
-            <a:schemeClr val="accent1"/>
-          </a:lnRef>
-          <a:fillRef idx="0">
-            <a:schemeClr val="accent1"/>
-          </a:fillRef>
-          <a:effectRef idx="0">
-            <a:schemeClr val="accent1"/>
-          </a:effectRef>
-          <a:fontRef idx="minor">
-            <a:schemeClr val="tx1"/>
-          </a:fontRef>
-        </p:style>
-      </p:cxnSp>
-      <p:cxnSp>
-        <p:nvCxnSpPr>
-          <p:cNvPr id="16" name="Straight Arrow Connector 15"/>
-          <p:cNvCxnSpPr>
-            <a:cxnSpLocks/>
-          </p:cNvCxnSpPr>
-          <p:nvPr/>
-        </p:nvCxnSpPr>
-        <p:spPr>
-          <a:xfrm>
-            <a:off x="4960138" y="5795786"/>
-            <a:ext cx="828000" cy="0"/>
-          </a:xfrm>
-          <a:prstGeom prst="straightConnector1">
-            <a:avLst/>
-          </a:prstGeom>
-          <a:ln w="19050">
-            <a:tailEnd type="triangle"/>
-          </a:ln>
-        </p:spPr>
-        <p:style>
-          <a:lnRef idx="1">
-            <a:schemeClr val="accent1"/>
-          </a:lnRef>
-          <a:fillRef idx="0">
-            <a:schemeClr val="accent1"/>
-          </a:fillRef>
-          <a:effectRef idx="0">
-            <a:schemeClr val="accent1"/>
-          </a:effectRef>
-          <a:fontRef idx="minor">
-            <a:schemeClr val="tx1"/>
-          </a:fontRef>
-        </p:style>
-      </p:cxnSp>
-      <mc:AlternateContent xmlns:mc="http://schemas.openxmlformats.org/markup-compatibility/2006" xmlns:a14="http://schemas.microsoft.com/office/drawing/2010/main">
-        <mc:Choice Requires="a14">
-          <p:sp>
-            <p:nvSpPr>
-              <p:cNvPr id="17" name="TextBox 16"/>
-              <p:cNvSpPr txBox="1"/>
-              <p:nvPr/>
-            </p:nvSpPr>
-            <p:spPr>
-              <a:xfrm>
-                <a:off x="3920552" y="5001596"/>
-                <a:ext cx="1039586" cy="584775"/>
-              </a:xfrm>
-              <a:prstGeom prst="rect">
-                <a:avLst/>
-              </a:prstGeom>
-              <a:noFill/>
-            </p:spPr>
-            <p:txBody>
-              <a:bodyPr wrap="square" rtlCol="0">
-                <a:spAutoFit/>
-              </a:bodyPr>
-              <a:lstStyle/>
-              <a:p>
-                <a:pPr algn="ctr"/>
-                <a:r>
-                  <a:rPr lang="pt-BR" dirty="0"/>
-                  <a:t>Entradas</a:t>
-                </a:r>
-              </a:p>
-              <a:p>
-                <a:pPr algn="ctr"/>
-                <a:r>
-                  <a:rPr lang="pt-BR" sz="1400" dirty="0"/>
-                  <a:t>e.g., </a:t>
-                </a:r>
-                <a14:m>
-                  <m:oMath xmlns:m="http://schemas.openxmlformats.org/officeDocument/2006/math">
-                    <m:r>
-                      <a:rPr lang="pt-BR" sz="1400" i="1">
-                        <a:latin typeface="Cambria Math" panose="02040503050406030204" pitchFamily="18" charset="0"/>
-                      </a:rPr>
-                      <m:t>𝑥</m:t>
-                    </m:r>
-                  </m:oMath>
-                </a14:m>
-                <a:endParaRPr lang="pt-BR" sz="1400" dirty="0"/>
-              </a:p>
-            </p:txBody>
-          </p:sp>
-        </mc:Choice>
-        <mc:Fallback xmlns="">
-          <p:sp>
-            <p:nvSpPr>
-              <p:cNvPr id="17" name="TextBox 16"/>
-              <p:cNvSpPr txBox="1">
-                <a:spLocks noRot="1" noChangeAspect="1" noMove="1" noResize="1" noEditPoints="1" noAdjustHandles="1" noChangeArrowheads="1" noChangeShapeType="1" noTextEdit="1"/>
-              </p:cNvSpPr>
-              <p:nvPr/>
-            </p:nvSpPr>
-            <p:spPr>
-              <a:xfrm>
-                <a:off x="3920552" y="5001596"/>
-                <a:ext cx="1039586" cy="584775"/>
-              </a:xfrm>
-              <a:prstGeom prst="rect">
-                <a:avLst/>
-              </a:prstGeom>
-              <a:blipFill>
-                <a:blip r:embed="rId4"/>
-                <a:stretch>
-                  <a:fillRect l="-3509" t="-5208" r="-2924" b="-10417"/>
-                </a:stretch>
-              </a:blipFill>
-            </p:spPr>
-            <p:txBody>
-              <a:bodyPr/>
-              <a:lstStyle/>
-              <a:p>
-                <a:r>
-                  <a:rPr lang="pt-BR">
-                    <a:noFill/>
-                  </a:rPr>
-                  <a:t> </a:t>
-                </a:r>
-              </a:p>
-            </p:txBody>
-          </p:sp>
-        </mc:Fallback>
-      </mc:AlternateContent>
-      <mc:AlternateContent xmlns:mc="http://schemas.openxmlformats.org/markup-compatibility/2006" xmlns:a14="http://schemas.microsoft.com/office/drawing/2010/main">
-        <mc:Choice Requires="a14">
-          <p:sp>
-            <p:nvSpPr>
-              <p:cNvPr id="18" name="TextBox 17"/>
-              <p:cNvSpPr txBox="1"/>
-              <p:nvPr/>
-            </p:nvSpPr>
-            <p:spPr>
-              <a:xfrm>
-                <a:off x="3649847" y="5502506"/>
-                <a:ext cx="1512176" cy="861774"/>
-              </a:xfrm>
-              <a:prstGeom prst="rect">
-                <a:avLst/>
-              </a:prstGeom>
-              <a:noFill/>
-            </p:spPr>
-            <p:txBody>
-              <a:bodyPr wrap="square" rtlCol="0">
-                <a:spAutoFit/>
-              </a:bodyPr>
-              <a:lstStyle/>
-              <a:p>
-                <a:pPr algn="ctr"/>
-                <a:r>
-                  <a:rPr lang="pt-BR" dirty="0"/>
-                  <a:t>Resultados esperados</a:t>
-                </a:r>
-              </a:p>
-              <a:p>
-                <a:pPr algn="ctr"/>
-                <a:r>
-                  <a:rPr lang="pt-BR" sz="1400" dirty="0"/>
-                  <a:t>e.g., </a:t>
-                </a:r>
-                <a14:m>
-                  <m:oMath xmlns:m="http://schemas.openxmlformats.org/officeDocument/2006/math">
-                    <m:r>
-                      <a:rPr lang="pt-BR" sz="1400" i="1">
-                        <a:latin typeface="Cambria Math" panose="02040503050406030204" pitchFamily="18" charset="0"/>
-                      </a:rPr>
-                      <m:t>𝑦</m:t>
-                    </m:r>
-                    <m:r>
-                      <a:rPr lang="pt-BR" sz="1400" i="1">
-                        <a:latin typeface="Cambria Math" panose="02040503050406030204" pitchFamily="18" charset="0"/>
-                      </a:rPr>
-                      <m:t>=</m:t>
-                    </m:r>
-                    <m:r>
-                      <a:rPr lang="pt-BR" sz="1400" i="1">
-                        <a:latin typeface="Cambria Math" panose="02040503050406030204" pitchFamily="18" charset="0"/>
-                      </a:rPr>
-                      <m:t>𝑓</m:t>
-                    </m:r>
-                    <m:d>
-                      <m:dPr>
-                        <m:ctrlPr>
-                          <a:rPr lang="pt-BR" sz="1400" i="1">
-                            <a:latin typeface="Cambria Math" panose="02040503050406030204" pitchFamily="18" charset="0"/>
-                          </a:rPr>
-                        </m:ctrlPr>
-                      </m:dPr>
-                      <m:e>
-                        <m:r>
-                          <a:rPr lang="pt-BR" sz="1400" i="1">
-                            <a:latin typeface="Cambria Math" panose="02040503050406030204" pitchFamily="18" charset="0"/>
-                          </a:rPr>
-                          <m:t>𝑥</m:t>
-                        </m:r>
-                      </m:e>
-                    </m:d>
-                  </m:oMath>
-                </a14:m>
-                <a:endParaRPr lang="pt-BR" dirty="0"/>
-              </a:p>
-            </p:txBody>
-          </p:sp>
-        </mc:Choice>
-        <mc:Fallback xmlns="">
-          <p:sp>
-            <p:nvSpPr>
-              <p:cNvPr id="18" name="TextBox 17"/>
-              <p:cNvSpPr txBox="1">
-                <a:spLocks noRot="1" noChangeAspect="1" noMove="1" noResize="1" noEditPoints="1" noAdjustHandles="1" noChangeArrowheads="1" noChangeShapeType="1" noTextEdit="1"/>
-              </p:cNvSpPr>
-              <p:nvPr/>
-            </p:nvSpPr>
-            <p:spPr>
-              <a:xfrm>
-                <a:off x="3649847" y="5502506"/>
-                <a:ext cx="1512176" cy="861774"/>
-              </a:xfrm>
-              <a:prstGeom prst="rect">
-                <a:avLst/>
-              </a:prstGeom>
-              <a:blipFill>
-                <a:blip r:embed="rId5"/>
-                <a:stretch>
-                  <a:fillRect t="-4255" b="-6383"/>
-                </a:stretch>
-              </a:blipFill>
-            </p:spPr>
-            <p:txBody>
-              <a:bodyPr/>
-              <a:lstStyle/>
-              <a:p>
-                <a:r>
-                  <a:rPr lang="pt-BR">
-                    <a:noFill/>
-                  </a:rPr>
-                  <a:t> </a:t>
-                </a:r>
-              </a:p>
-            </p:txBody>
-          </p:sp>
-        </mc:Fallback>
-      </mc:AlternateContent>
-      <p:cxnSp>
-        <p:nvCxnSpPr>
-          <p:cNvPr id="19" name="Straight Arrow Connector 18"/>
-          <p:cNvCxnSpPr>
-            <a:cxnSpLocks/>
-          </p:cNvCxnSpPr>
-          <p:nvPr/>
-        </p:nvCxnSpPr>
-        <p:spPr>
-          <a:xfrm>
-            <a:off x="7698581" y="5545414"/>
-            <a:ext cx="828000" cy="0"/>
-          </a:xfrm>
-          <a:prstGeom prst="straightConnector1">
-            <a:avLst/>
-          </a:prstGeom>
-          <a:ln w="19050">
-            <a:tailEnd type="triangle"/>
-          </a:ln>
-        </p:spPr>
-        <p:style>
-          <a:lnRef idx="1">
-            <a:schemeClr val="accent1"/>
-          </a:lnRef>
-          <a:fillRef idx="0">
-            <a:schemeClr val="accent1"/>
-          </a:fillRef>
-          <a:effectRef idx="0">
-            <a:schemeClr val="accent1"/>
-          </a:effectRef>
-          <a:fontRef idx="minor">
-            <a:schemeClr val="tx1"/>
-          </a:fontRef>
-        </p:style>
-      </p:cxnSp>
-      <mc:AlternateContent xmlns:mc="http://schemas.openxmlformats.org/markup-compatibility/2006" xmlns:a14="http://schemas.microsoft.com/office/drawing/2010/main">
-        <mc:Choice Requires="a14">
-          <p:sp>
-            <p:nvSpPr>
-              <p:cNvPr id="20" name="TextBox 19"/>
-              <p:cNvSpPr txBox="1"/>
-              <p:nvPr/>
-            </p:nvSpPr>
-            <p:spPr>
-              <a:xfrm>
-                <a:off x="8514180" y="5097669"/>
-                <a:ext cx="2712410" cy="861774"/>
-              </a:xfrm>
-              <a:prstGeom prst="rect">
-                <a:avLst/>
-              </a:prstGeom>
-              <a:noFill/>
-            </p:spPr>
-            <p:txBody>
-              <a:bodyPr wrap="square" rtlCol="0">
-                <a:spAutoFit/>
-              </a:bodyPr>
-              <a:lstStyle/>
-              <a:p>
-                <a:pPr algn="ctr"/>
-                <a:r>
-                  <a:rPr lang="pt-BR" dirty="0"/>
-                  <a:t>Programa = </a:t>
-                </a:r>
-                <a:r>
-                  <a:rPr lang="pt-BR" b="1" dirty="0">
-                    <a:solidFill>
-                      <a:srgbClr val="FF0000"/>
-                    </a:solidFill>
-                  </a:rPr>
-                  <a:t>Modelo de Aprendizado de Máquina</a:t>
-                </a:r>
-              </a:p>
-              <a:p>
-                <a:pPr algn="ctr"/>
-                <a:r>
-                  <a:rPr lang="pt-BR" sz="1400" dirty="0" err="1"/>
-                  <a:t>e.</a:t>
-                </a:r>
-                <a:r>
-                  <a:rPr lang="pt-BR" sz="1400" dirty="0"/>
-                  <a:t>g., </a:t>
-                </a:r>
-                <a14:m>
-                  <m:oMath xmlns:m="http://schemas.openxmlformats.org/officeDocument/2006/math">
-                    <m:r>
-                      <a:rPr lang="pt-BR" sz="1400" i="1">
-                        <a:latin typeface="Cambria Math" panose="02040503050406030204" pitchFamily="18" charset="0"/>
-                      </a:rPr>
-                      <m:t>𝑦</m:t>
-                    </m:r>
-                    <m:r>
-                      <a:rPr lang="pt-BR" sz="1400" i="1">
-                        <a:latin typeface="Cambria Math" panose="02040503050406030204" pitchFamily="18" charset="0"/>
-                      </a:rPr>
-                      <m:t>=</m:t>
-                    </m:r>
-                    <m:r>
-                      <a:rPr lang="pt-BR" sz="1400" i="1">
-                        <a:latin typeface="Cambria Math" panose="02040503050406030204" pitchFamily="18" charset="0"/>
-                      </a:rPr>
-                      <m:t>𝑓</m:t>
-                    </m:r>
-                    <m:d>
-                      <m:dPr>
-                        <m:ctrlPr>
-                          <a:rPr lang="pt-BR" sz="1400" i="1">
-                            <a:latin typeface="Cambria Math" panose="02040503050406030204" pitchFamily="18" charset="0"/>
-                          </a:rPr>
-                        </m:ctrlPr>
-                      </m:dPr>
-                      <m:e>
-                        <m:r>
-                          <a:rPr lang="pt-BR" sz="1400" i="1">
-                            <a:latin typeface="Cambria Math" panose="02040503050406030204" pitchFamily="18" charset="0"/>
-                          </a:rPr>
-                          <m:t>𝑥</m:t>
-                        </m:r>
-                      </m:e>
-                    </m:d>
-                    <m:r>
-                      <a:rPr lang="pt-BR" sz="1400" i="1">
-                        <a:latin typeface="Cambria Math" panose="02040503050406030204" pitchFamily="18" charset="0"/>
-                      </a:rPr>
-                      <m:t>=</m:t>
-                    </m:r>
-                    <m:r>
-                      <a:rPr lang="pt-BR" sz="1400" i="1">
-                        <a:latin typeface="Cambria Math" panose="02040503050406030204" pitchFamily="18" charset="0"/>
-                      </a:rPr>
-                      <m:t>𝑎</m:t>
-                    </m:r>
-                    <m:r>
-                      <a:rPr lang="pt-BR" sz="1400" i="1">
-                        <a:latin typeface="Cambria Math" panose="02040503050406030204" pitchFamily="18" charset="0"/>
-                      </a:rPr>
-                      <m:t>+</m:t>
-                    </m:r>
-                    <m:r>
-                      <a:rPr lang="pt-BR" sz="1400" i="1">
-                        <a:latin typeface="Cambria Math" panose="02040503050406030204" pitchFamily="18" charset="0"/>
-                      </a:rPr>
-                      <m:t>𝑏𝑥</m:t>
-                    </m:r>
-                  </m:oMath>
-                </a14:m>
-                <a:endParaRPr lang="pt-BR" sz="1400" dirty="0"/>
-              </a:p>
-            </p:txBody>
-          </p:sp>
-        </mc:Choice>
-        <mc:Fallback xmlns="">
-          <p:sp>
-            <p:nvSpPr>
-              <p:cNvPr id="20" name="TextBox 19"/>
-              <p:cNvSpPr txBox="1">
-                <a:spLocks noRot="1" noChangeAspect="1" noMove="1" noResize="1" noEditPoints="1" noAdjustHandles="1" noChangeArrowheads="1" noChangeShapeType="1" noTextEdit="1"/>
-              </p:cNvSpPr>
-              <p:nvPr/>
-            </p:nvSpPr>
-            <p:spPr>
-              <a:xfrm>
-                <a:off x="8514180" y="5097669"/>
-                <a:ext cx="2712410" cy="861774"/>
-              </a:xfrm>
-              <a:prstGeom prst="rect">
-                <a:avLst/>
-              </a:prstGeom>
-              <a:blipFill>
-                <a:blip r:embed="rId6"/>
-                <a:stretch>
-                  <a:fillRect t="-3521" b="-6338"/>
-                </a:stretch>
-              </a:blipFill>
-            </p:spPr>
-            <p:txBody>
-              <a:bodyPr/>
-              <a:lstStyle/>
-              <a:p>
-                <a:r>
-                  <a:rPr lang="pt-BR">
-                    <a:noFill/>
-                  </a:rPr>
-                  <a:t> </a:t>
-                </a:r>
-              </a:p>
-            </p:txBody>
-          </p:sp>
-        </mc:Fallback>
-      </mc:AlternateContent>
-      <p:sp>
-        <p:nvSpPr>
-          <p:cNvPr id="6" name="Retângulo 5"/>
-          <p:cNvSpPr/>
-          <p:nvPr/>
-        </p:nvSpPr>
-        <p:spPr>
-          <a:xfrm>
-            <a:off x="5250429" y="6311826"/>
-            <a:ext cx="5720990" cy="369332"/>
-          </a:xfrm>
-          <a:prstGeom prst="rect">
-            <a:avLst/>
-          </a:prstGeom>
-        </p:spPr>
-        <p:txBody>
-          <a:bodyPr wrap="square">
-            <a:spAutoFit/>
-          </a:bodyPr>
-          <a:lstStyle/>
-          <a:p>
-            <a:r>
-              <a:rPr lang="pt-BR" b="1" i="1" dirty="0"/>
-              <a:t>Conjunto de dados de treinamento = experiências prévias.</a:t>
-            </a:r>
-            <a:endParaRPr lang="en-US" b="1" i="1" dirty="0"/>
-          </a:p>
-        </p:txBody>
-      </p:sp>
-      <p:cxnSp>
-        <p:nvCxnSpPr>
-          <p:cNvPr id="24" name="Conector de seta reta 23"/>
-          <p:cNvCxnSpPr>
-            <a:stCxn id="21" idx="4"/>
-            <a:endCxn id="6" idx="1"/>
-          </p:cNvCxnSpPr>
-          <p:nvPr/>
-        </p:nvCxnSpPr>
-        <p:spPr>
-          <a:xfrm>
-            <a:off x="4416473" y="6398694"/>
-            <a:ext cx="833956" cy="97798"/>
-          </a:xfrm>
-          <a:prstGeom prst="straightConnector1">
-            <a:avLst/>
-          </a:prstGeom>
-          <a:ln w="28575">
-            <a:solidFill>
-              <a:srgbClr val="FF0000"/>
-            </a:solidFill>
-            <a:tailEnd type="triangle"/>
-          </a:ln>
-        </p:spPr>
-        <p:style>
-          <a:lnRef idx="1">
-            <a:schemeClr val="accent1"/>
-          </a:lnRef>
-          <a:fillRef idx="0">
-            <a:schemeClr val="accent1"/>
-          </a:fillRef>
-          <a:effectRef idx="0">
-            <a:schemeClr val="accent1"/>
-          </a:effectRef>
-          <a:fontRef idx="minor">
-            <a:schemeClr val="tx1"/>
-          </a:fontRef>
-        </p:style>
-      </p:cxnSp>
-      <p:sp>
-        <p:nvSpPr>
-          <p:cNvPr id="22" name="Texto explicativo retangular 21"/>
-          <p:cNvSpPr/>
-          <p:nvPr/>
-        </p:nvSpPr>
-        <p:spPr>
-          <a:xfrm>
-            <a:off x="9185121" y="4463756"/>
-            <a:ext cx="1169418" cy="422029"/>
-          </a:xfrm>
-          <a:prstGeom prst="wedgeRectCallout">
-            <a:avLst>
-              <a:gd name="adj1" fmla="val -44165"/>
-              <a:gd name="adj2" fmla="val 111702"/>
-            </a:avLst>
-          </a:prstGeom>
-          <a:noFill/>
-        </p:spPr>
-        <p:style>
-          <a:lnRef idx="2">
-            <a:schemeClr val="accent1">
-              <a:shade val="50000"/>
-            </a:schemeClr>
-          </a:lnRef>
-          <a:fillRef idx="1">
-            <a:schemeClr val="accent1"/>
-          </a:fillRef>
-          <a:effectRef idx="0">
-            <a:schemeClr val="accent1"/>
-          </a:effectRef>
-          <a:fontRef idx="minor">
-            <a:schemeClr val="lt1"/>
-          </a:fontRef>
-        </p:style>
-        <p:txBody>
-          <a:bodyPr rtlCol="0" anchor="ctr"/>
-          <a:lstStyle/>
-          <a:p>
-            <a:pPr algn="ctr"/>
-            <a:r>
-              <a:rPr lang="pt-BR" sz="1400" dirty="0">
-                <a:solidFill>
-                  <a:schemeClr val="tx1"/>
-                </a:solidFill>
-              </a:rPr>
-              <a:t>Resultado do treinamento</a:t>
-            </a:r>
-            <a:endParaRPr lang="en-US" sz="1400" dirty="0">
-              <a:solidFill>
-                <a:schemeClr val="tx1"/>
-              </a:solidFill>
-            </a:endParaRPr>
-          </a:p>
-        </p:txBody>
-      </p:sp>
-      <p:sp>
-        <p:nvSpPr>
-          <p:cNvPr id="21" name="Elipse 20"/>
-          <p:cNvSpPr/>
-          <p:nvPr/>
-        </p:nvSpPr>
-        <p:spPr>
-          <a:xfrm>
-            <a:off x="3385440" y="4963416"/>
-            <a:ext cx="2062066" cy="1435278"/>
-          </a:xfrm>
-          <a:prstGeom prst="ellipse">
-            <a:avLst/>
-          </a:prstGeom>
-          <a:noFill/>
-          <a:ln w="28575">
-            <a:solidFill>
-              <a:srgbClr val="FF0000"/>
-            </a:solidFill>
-          </a:ln>
-        </p:spPr>
-        <p:style>
-          <a:lnRef idx="2">
-            <a:schemeClr val="accent1">
-              <a:shade val="50000"/>
-            </a:schemeClr>
-          </a:lnRef>
-          <a:fillRef idx="1">
-            <a:schemeClr val="accent1"/>
-          </a:fillRef>
-          <a:effectRef idx="0">
-            <a:schemeClr val="accent1"/>
-          </a:effectRef>
-          <a:fontRef idx="minor">
-            <a:schemeClr val="lt1"/>
-          </a:fontRef>
-        </p:style>
-        <p:txBody>
-          <a:bodyPr rtlCol="0" anchor="ctr"/>
-          <a:lstStyle/>
-          <a:p>
-            <a:pPr algn="ctr"/>
-            <a:endParaRPr lang="en-US"/>
-          </a:p>
-        </p:txBody>
-      </p:sp>
-      <p:sp>
-        <p:nvSpPr>
-          <p:cNvPr id="4" name="CaixaDeTexto 3">
-            <a:extLst>
-              <a:ext uri="{FF2B5EF4-FFF2-40B4-BE49-F238E27FC236}">
-                <a16:creationId xmlns:a16="http://schemas.microsoft.com/office/drawing/2014/main" id="{DE5956E9-5B6F-E4EF-1B3E-DD6D1765046F}"/>
-              </a:ext>
-            </a:extLst>
-          </p:cNvPr>
-          <p:cNvSpPr txBox="1"/>
-          <p:nvPr/>
-        </p:nvSpPr>
-        <p:spPr>
-          <a:xfrm>
-            <a:off x="1109609" y="4374407"/>
-            <a:ext cx="2540238" cy="338554"/>
-          </a:xfrm>
-          <a:prstGeom prst="rect">
-            <a:avLst/>
-          </a:prstGeom>
-          <a:noFill/>
-        </p:spPr>
-        <p:txBody>
-          <a:bodyPr wrap="square" rtlCol="0">
-            <a:spAutoFit/>
-          </a:bodyPr>
-          <a:lstStyle/>
-          <a:p>
-            <a:pPr algn="ctr"/>
-            <a:r>
-              <a:rPr lang="pt-BR" sz="1600" b="1" dirty="0" err="1">
-                <a:solidFill>
-                  <a:srgbClr val="7030A0"/>
-                </a:solidFill>
-              </a:rPr>
-              <a:t>Paleteria</a:t>
-            </a:r>
-            <a:r>
-              <a:rPr lang="pt-BR" sz="1600" b="1" dirty="0">
-                <a:solidFill>
-                  <a:srgbClr val="7030A0"/>
-                </a:solidFill>
-              </a:rPr>
-              <a:t> Mexicana</a:t>
-            </a:r>
-          </a:p>
-        </p:txBody>
-      </p:sp>
-    </p:spTree>
-    <p:extLst>
-      <p:ext uri="{BB962C8B-B14F-4D97-AF65-F5344CB8AC3E}">
-        <p14:creationId xmlns:p14="http://schemas.microsoft.com/office/powerpoint/2010/main" val="1993742439"/>
       </p:ext>
     </p:extLst>
   </p:cSld>

--- a/slides/TP557_4_O_Paradigma_do_Machine_Learning.pptx
+++ b/slides/TP557_4_O_Paradigma_do_Machine_Learning.pptx
@@ -29,11 +29,11 @@
     <p:sldId id="417" r:id="rId17"/>
     <p:sldId id="427" r:id="rId18"/>
     <p:sldId id="428" r:id="rId19"/>
-    <p:sldId id="429" r:id="rId20"/>
-    <p:sldId id="418" r:id="rId21"/>
-    <p:sldId id="420" r:id="rId22"/>
-    <p:sldId id="421" r:id="rId23"/>
-    <p:sldId id="430" r:id="rId24"/>
+    <p:sldId id="418" r:id="rId20"/>
+    <p:sldId id="420" r:id="rId21"/>
+    <p:sldId id="421" r:id="rId22"/>
+    <p:sldId id="430" r:id="rId23"/>
+    <p:sldId id="432" r:id="rId24"/>
     <p:sldId id="405" r:id="rId25"/>
     <p:sldId id="293" r:id="rId26"/>
     <p:sldId id="306" r:id="rId27"/>
@@ -1202,6 +1202,16 @@
           </a:p>
           <a:p>
             <a:pPr algn="l"/>
+            <a:endParaRPr lang="pt-BR" b="0" i="0" dirty="0">
+              <a:solidFill>
+                <a:srgbClr val="374151"/>
+              </a:solidFill>
+              <a:effectLst/>
+              <a:latin typeface="Söhne"/>
+            </a:endParaRPr>
+          </a:p>
+          <a:p>
+            <a:pPr algn="l"/>
             <a:r>
               <a:rPr lang="pt-BR" b="0" i="0" dirty="0">
                 <a:solidFill>
@@ -1212,6 +1222,16 @@
               </a:rPr>
               <a:t>Em outras palavras, quando encontramos uma série de eventos ou situações semelhantes no passado e, com base nessas observações, inferimos que um padrão ou generalização é válido para situações futuras semelhantes, estamos usando o raciocínio indutivo. Essa forma de raciocínio é fundamental em nossa vida cotidiana e também desempenha um papel importante no método científico.</a:t>
             </a:r>
+          </a:p>
+          <a:p>
+            <a:pPr algn="l"/>
+            <a:endParaRPr lang="pt-BR" b="0" i="0" dirty="0">
+              <a:solidFill>
+                <a:srgbClr val="374151"/>
+              </a:solidFill>
+              <a:effectLst/>
+              <a:latin typeface="Söhne"/>
+            </a:endParaRPr>
           </a:p>
           <a:p>
             <a:pPr algn="l"/>
@@ -1322,6 +1342,16 @@
           </a:p>
           <a:p>
             <a:pPr algn="l"/>
+            <a:endParaRPr lang="pt-BR" b="0" i="0" dirty="0">
+              <a:solidFill>
+                <a:srgbClr val="374151"/>
+              </a:solidFill>
+              <a:effectLst/>
+              <a:latin typeface="Söhne"/>
+            </a:endParaRPr>
+          </a:p>
+          <a:p>
+            <a:pPr algn="l"/>
             <a:r>
               <a:rPr lang="pt-BR" b="0" i="0" dirty="0">
                 <a:solidFill>
@@ -1332,6 +1362,16 @@
               </a:rPr>
               <a:t>Em outras palavras, quando encontramos uma série de eventos ou situações semelhantes no passado e, com base nessas observações, inferimos que um padrão ou generalização é válido para situações futuras semelhantes, estamos usando o raciocínio indutivo. Essa forma de raciocínio é fundamental em nossa vida cotidiana e também desempenha um papel importante no método científico.</a:t>
             </a:r>
+          </a:p>
+          <a:p>
+            <a:pPr algn="l"/>
+            <a:endParaRPr lang="pt-BR" b="0" i="0" dirty="0">
+              <a:solidFill>
+                <a:srgbClr val="374151"/>
+              </a:solidFill>
+              <a:effectLst/>
+              <a:latin typeface="Söhne"/>
+            </a:endParaRPr>
           </a:p>
           <a:p>
             <a:pPr algn="l"/>
@@ -1374,7 +1414,7 @@
     </p:spTree>
     <p:extLst>
       <p:ext uri="{BB962C8B-B14F-4D97-AF65-F5344CB8AC3E}">
-        <p14:creationId xmlns:p14="http://schemas.microsoft.com/office/powerpoint/2010/main" val="859425296"/>
+        <p14:creationId xmlns:p14="http://schemas.microsoft.com/office/powerpoint/2010/main" val="2932114005"/>
       </p:ext>
     </p:extLst>
   </p:cSld>
@@ -1437,8 +1477,18 @@
                 <a:effectLst/>
                 <a:latin typeface="Söhne"/>
               </a:rPr>
-              <a:t>Quando se resolve um problema desconhecido com base em experiências prévias, isso é chamado de "raciocínio indutivo". O raciocínio indutivo é um processo mental pelo qual chegamos a conclusões gerais a partir de observações específicas ou experiências passadas.</a:t>
-            </a:r>
+              <a:t>No contexto de aprendizado de máquina, a generalização refere-se à capacidade de um modelo treinado em um conjunto de dados específico de realizar predições precisas e acuradas em dados que nunca foram vistos durante o processo de treinamento.</a:t>
+            </a:r>
+          </a:p>
+          <a:p>
+            <a:pPr algn="l"/>
+            <a:endParaRPr lang="pt-BR" b="0" i="0" dirty="0">
+              <a:solidFill>
+                <a:srgbClr val="374151"/>
+              </a:solidFill>
+              <a:effectLst/>
+              <a:latin typeface="Söhne"/>
+            </a:endParaRPr>
           </a:p>
           <a:p>
             <a:pPr algn="l"/>
@@ -1450,8 +1500,18 @@
                 <a:effectLst/>
                 <a:latin typeface="Söhne"/>
               </a:rPr>
-              <a:t>Em outras palavras, quando encontramos uma série de eventos ou situações semelhantes no passado e, com base nessas observações, inferimos que um padrão ou generalização é válido para situações futuras semelhantes, estamos usando o raciocínio indutivo. Essa forma de raciocínio é fundamental em nossa vida cotidiana e também desempenha um papel importante no método científico.</a:t>
-            </a:r>
+              <a:t>Quando um modelo é treinado em um conjunto de dados, ele busca aprender padrões e regras que governam os relacionamentos entre as entradas e as saídas desse conjunto. A generalização ocorre quando o modelo consegue aplicar esse conhecimento aprendido para fazer predições em novos dados que não foram usados durante o treinamento. Em outras palavras, um modelo generalizado é capaz de "generalizar" o conhecimento adquirido com o conjunto de treinamento para realizar previsões precisas em situações desconhecidas.</a:t>
+            </a:r>
+          </a:p>
+          <a:p>
+            <a:pPr algn="l"/>
+            <a:endParaRPr lang="pt-BR" b="0" i="0" dirty="0">
+              <a:solidFill>
+                <a:srgbClr val="374151"/>
+              </a:solidFill>
+              <a:effectLst/>
+              <a:latin typeface="Söhne"/>
+            </a:endParaRPr>
           </a:p>
           <a:p>
             <a:pPr algn="l"/>
@@ -1463,8 +1523,91 @@
                 <a:effectLst/>
                 <a:latin typeface="Söhne"/>
               </a:rPr>
-              <a:t>No entanto, é importante notar que o raciocínio indutivo não fornece garantias absolutas de que uma conclusão será sempre verdadeira. As generalizações feitas com base em raciocínio indutivo estão sujeitas a exceções, e é possível que as conclusões estejam incorretas em algumas situações. Apesar disso, o raciocínio indutivo é uma ferramenta valiosa para lidar com situações desconhecidas, permitindo-nos tomar decisões informadas com base em nossa experiência passada.</a:t>
-            </a:r>
+              <a:t>A generalização é um aspecto crítico do aprendizado de máquina, pois o objetivo é que o modelo seja capaz de lidar efetivamente com dados do mundo real, que podem ser diferentes ou conter variações em relação ao conjunto de treinamento. Um modelo que generaliza bem evita problemas de </a:t>
+            </a:r>
+            <a:r>
+              <a:rPr lang="pt-BR" b="0" i="0" dirty="0" err="1">
+                <a:solidFill>
+                  <a:srgbClr val="374151"/>
+                </a:solidFill>
+                <a:effectLst/>
+                <a:latin typeface="Söhne"/>
+              </a:rPr>
+              <a:t>superajuste</a:t>
+            </a:r>
+            <a:r>
+              <a:rPr lang="pt-BR" b="0" i="0" dirty="0">
+                <a:solidFill>
+                  <a:srgbClr val="374151"/>
+                </a:solidFill>
+                <a:effectLst/>
+                <a:latin typeface="Söhne"/>
+              </a:rPr>
+              <a:t> (</a:t>
+            </a:r>
+            <a:r>
+              <a:rPr lang="pt-BR" b="0" i="0" dirty="0" err="1">
+                <a:solidFill>
+                  <a:srgbClr val="374151"/>
+                </a:solidFill>
+                <a:effectLst/>
+                <a:latin typeface="Söhne"/>
+              </a:rPr>
+              <a:t>overfitting</a:t>
+            </a:r>
+            <a:r>
+              <a:rPr lang="pt-BR" b="0" i="0" dirty="0">
+                <a:solidFill>
+                  <a:srgbClr val="374151"/>
+                </a:solidFill>
+                <a:effectLst/>
+                <a:latin typeface="Söhne"/>
+              </a:rPr>
+              <a:t>), onde ele se torna muito específico para o conjunto de treinamento e tem um desempenho inferior em novos dados, ou problemas de </a:t>
+            </a:r>
+            <a:r>
+              <a:rPr lang="pt-BR" b="0" i="0" dirty="0" err="1">
+                <a:solidFill>
+                  <a:srgbClr val="374151"/>
+                </a:solidFill>
+                <a:effectLst/>
+                <a:latin typeface="Söhne"/>
+              </a:rPr>
+              <a:t>subajuste</a:t>
+            </a:r>
+            <a:r>
+              <a:rPr lang="pt-BR" b="0" i="0" dirty="0">
+                <a:solidFill>
+                  <a:srgbClr val="374151"/>
+                </a:solidFill>
+                <a:effectLst/>
+                <a:latin typeface="Söhne"/>
+              </a:rPr>
+              <a:t> (</a:t>
+            </a:r>
+            <a:r>
+              <a:rPr lang="pt-BR" b="0" i="0" dirty="0" err="1">
+                <a:solidFill>
+                  <a:srgbClr val="374151"/>
+                </a:solidFill>
+                <a:effectLst/>
+                <a:latin typeface="Söhne"/>
+              </a:rPr>
+              <a:t>underfitting</a:t>
+            </a:r>
+            <a:r>
+              <a:rPr lang="pt-BR" b="0" i="0" dirty="0">
+                <a:solidFill>
+                  <a:srgbClr val="374151"/>
+                </a:solidFill>
+                <a:effectLst/>
+                <a:latin typeface="Söhne"/>
+              </a:rPr>
+              <a:t>), onde ele não captura adequadamente os padrões do conjunto de treinamento e também não tem um desempenho satisfatório em novos dados.</a:t>
+            </a:r>
+          </a:p>
+          <a:p>
+            <a:endParaRPr lang="pt-BR" dirty="0"/>
           </a:p>
         </p:txBody>
       </p:sp>
@@ -1485,7 +1628,7 @@
           <a:p>
             <a:fld id="{6FC8D850-966F-45A6-8DE7-15B891E7D40D}" type="slidenum">
               <a:rPr lang="pt-BR" smtClean="0"/>
-              <a:t>20</a:t>
+              <a:t>21</a:t>
             </a:fld>
             <a:endParaRPr lang="pt-BR"/>
           </a:p>
@@ -1494,7 +1637,7 @@
     </p:spTree>
     <p:extLst>
       <p:ext uri="{BB962C8B-B14F-4D97-AF65-F5344CB8AC3E}">
-        <p14:creationId xmlns:p14="http://schemas.microsoft.com/office/powerpoint/2010/main" val="2932114005"/>
+        <p14:creationId xmlns:p14="http://schemas.microsoft.com/office/powerpoint/2010/main" val="1829632381"/>
       </p:ext>
     </p:extLst>
   </p:cSld>
@@ -1562,6 +1705,16 @@
           </a:p>
           <a:p>
             <a:pPr algn="l"/>
+            <a:endParaRPr lang="pt-BR" b="0" i="0" dirty="0">
+              <a:solidFill>
+                <a:srgbClr val="374151"/>
+              </a:solidFill>
+              <a:effectLst/>
+              <a:latin typeface="Söhne"/>
+            </a:endParaRPr>
+          </a:p>
+          <a:p>
+            <a:pPr algn="l"/>
             <a:r>
               <a:rPr lang="pt-BR" b="0" i="0" dirty="0">
                 <a:solidFill>
@@ -1572,6 +1725,16 @@
               </a:rPr>
               <a:t>Quando um modelo é treinado em um conjunto de dados, ele busca aprender padrões e regras que governam os relacionamentos entre as entradas e as saídas desse conjunto. A generalização ocorre quando o modelo consegue aplicar esse conhecimento aprendido para fazer predições em novos dados que não foram usados durante o treinamento. Em outras palavras, um modelo generalizado é capaz de "generalizar" o conhecimento adquirido com o conjunto de treinamento para realizar previsões precisas em situações desconhecidas.</a:t>
             </a:r>
+          </a:p>
+          <a:p>
+            <a:pPr algn="l"/>
+            <a:endParaRPr lang="pt-BR" b="0" i="0" dirty="0">
+              <a:solidFill>
+                <a:srgbClr val="374151"/>
+              </a:solidFill>
+              <a:effectLst/>
+              <a:latin typeface="Söhne"/>
+            </a:endParaRPr>
           </a:p>
           <a:p>
             <a:pPr algn="l"/>
@@ -1697,7 +1860,7 @@
     </p:spTree>
     <p:extLst>
       <p:ext uri="{BB962C8B-B14F-4D97-AF65-F5344CB8AC3E}">
-        <p14:creationId xmlns:p14="http://schemas.microsoft.com/office/powerpoint/2010/main" val="1829632381"/>
+        <p14:creationId xmlns:p14="http://schemas.microsoft.com/office/powerpoint/2010/main" val="1728993040"/>
       </p:ext>
     </p:extLst>
   </p:cSld>
@@ -1765,6 +1928,16 @@
           </a:p>
           <a:p>
             <a:pPr algn="l"/>
+            <a:endParaRPr lang="pt-BR" b="0" i="0" dirty="0">
+              <a:solidFill>
+                <a:srgbClr val="374151"/>
+              </a:solidFill>
+              <a:effectLst/>
+              <a:latin typeface="Söhne"/>
+            </a:endParaRPr>
+          </a:p>
+          <a:p>
+            <a:pPr algn="l"/>
             <a:r>
               <a:rPr lang="pt-BR" b="0" i="0" dirty="0">
                 <a:solidFill>
@@ -1775,6 +1948,16 @@
               </a:rPr>
               <a:t>Quando um modelo é treinado em um conjunto de dados, ele busca aprender padrões e regras que governam os relacionamentos entre as entradas e as saídas desse conjunto. A generalização ocorre quando o modelo consegue aplicar esse conhecimento aprendido para fazer predições em novos dados que não foram usados durante o treinamento. Em outras palavras, um modelo generalizado é capaz de "generalizar" o conhecimento adquirido com o conjunto de treinamento para realizar previsões precisas em situações desconhecidas.</a:t>
             </a:r>
+          </a:p>
+          <a:p>
+            <a:pPr algn="l"/>
+            <a:endParaRPr lang="pt-BR" b="0" i="0" dirty="0">
+              <a:solidFill>
+                <a:srgbClr val="374151"/>
+              </a:solidFill>
+              <a:effectLst/>
+              <a:latin typeface="Söhne"/>
+            </a:endParaRPr>
           </a:p>
           <a:p>
             <a:pPr algn="l"/>
@@ -1900,7 +2083,7 @@
     </p:spTree>
     <p:extLst>
       <p:ext uri="{BB962C8B-B14F-4D97-AF65-F5344CB8AC3E}">
-        <p14:creationId xmlns:p14="http://schemas.microsoft.com/office/powerpoint/2010/main" val="1728993040"/>
+        <p14:creationId xmlns:p14="http://schemas.microsoft.com/office/powerpoint/2010/main" val="2643679924"/>
       </p:ext>
     </p:extLst>
   </p:cSld>
@@ -7631,8 +7814,8 @@
           </a:fontRef>
         </p:style>
       </p:cxnSp>
-      <mc:AlternateContent xmlns:mc="http://schemas.openxmlformats.org/markup-compatibility/2006">
-        <mc:Choice xmlns:a14="http://schemas.microsoft.com/office/drawing/2010/main" Requires="a14">
+      <mc:AlternateContent xmlns:mc="http://schemas.openxmlformats.org/markup-compatibility/2006" xmlns:a14="http://schemas.microsoft.com/office/drawing/2010/main">
+        <mc:Choice Requires="a14">
           <p:sp>
             <p:nvSpPr>
               <p:cNvPr id="17" name="TextBox 16"/>
@@ -7682,7 +7865,7 @@
             </p:txBody>
           </p:sp>
         </mc:Choice>
-        <mc:Fallback>
+        <mc:Fallback xmlns="">
           <p:sp>
             <p:nvSpPr>
               <p:cNvPr id="17" name="TextBox 16"/>
@@ -7721,8 +7904,8 @@
           </p:sp>
         </mc:Fallback>
       </mc:AlternateContent>
-      <mc:AlternateContent xmlns:mc="http://schemas.openxmlformats.org/markup-compatibility/2006">
-        <mc:Choice xmlns:a14="http://schemas.microsoft.com/office/drawing/2010/main" Requires="a14">
+      <mc:AlternateContent xmlns:mc="http://schemas.openxmlformats.org/markup-compatibility/2006" xmlns:a14="http://schemas.microsoft.com/office/drawing/2010/main">
+        <mc:Choice Requires="a14">
           <p:sp>
             <p:nvSpPr>
               <p:cNvPr id="18" name="TextBox 17"/>
@@ -7801,7 +7984,7 @@
             </p:txBody>
           </p:sp>
         </mc:Choice>
-        <mc:Fallback>
+        <mc:Fallback xmlns="">
           <p:sp>
             <p:nvSpPr>
               <p:cNvPr id="18" name="TextBox 17"/>
@@ -8046,8 +8229,8 @@
           </a:p>
         </p:txBody>
       </p:sp>
-      <mc:AlternateContent xmlns:mc="http://schemas.openxmlformats.org/markup-compatibility/2006">
-        <mc:Choice xmlns:a14="http://schemas.microsoft.com/office/drawing/2010/main" Requires="a14">
+      <mc:AlternateContent xmlns:mc="http://schemas.openxmlformats.org/markup-compatibility/2006" xmlns:a14="http://schemas.microsoft.com/office/drawing/2010/main">
+        <mc:Choice Requires="a14">
           <p:sp>
             <p:nvSpPr>
               <p:cNvPr id="23" name="TextBox 19">
@@ -8164,7 +8347,7 @@
             </p:txBody>
           </p:sp>
         </mc:Choice>
-        <mc:Fallback>
+        <mc:Fallback xmlns="">
           <p:sp>
             <p:nvSpPr>
               <p:cNvPr id="23" name="TextBox 19">
@@ -8335,7 +8518,7 @@
             </a:r>
             <a:r>
               <a:rPr lang="pt-BR" dirty="0"/>
-              <a:t>(i.e., dados dos sensores e rótulos), o computador </a:t>
+              <a:t>(i.e., dados dos sensores e rótulos), o computador pode</a:t>
             </a:r>
             <a:r>
               <a:rPr lang="pt-BR" b="1" i="1" dirty="0">
@@ -8343,11 +8526,11 @@
                   <a:srgbClr val="00B050"/>
                 </a:solidFill>
               </a:rPr>
-              <a:t>pode descobrir regras que identificam as atividades</a:t>
+              <a:t> descobrir regras que identificam as atividades</a:t>
             </a:r>
             <a:r>
               <a:rPr lang="pt-BR" dirty="0"/>
-              <a:t>: caminhar, correr, pedalar ou até mesmo jogar golfe.</a:t>
+              <a:t>: caminhar, correr, pedalar e até mesmo jogar golfe.</a:t>
             </a:r>
           </a:p>
         </p:txBody>
@@ -8533,6 +8716,48 @@
               <a:t>Vamos ver como o treinamento da máquina (i.e., dos modelos) funciona em alto nível.</a:t>
             </a:r>
           </a:p>
+          <a:p>
+            <a:r>
+              <a:rPr lang="pt-BR" dirty="0"/>
+              <a:t>Essa explicação em alto nível nos </a:t>
+            </a:r>
+            <a:r>
+              <a:rPr lang="pt-BR" b="1" i="1" dirty="0">
+                <a:solidFill>
+                  <a:srgbClr val="00B050"/>
+                </a:solidFill>
+              </a:rPr>
+              <a:t>dará a base </a:t>
+            </a:r>
+            <a:r>
+              <a:rPr lang="pt-BR" dirty="0"/>
+              <a:t>para o entendimento do </a:t>
+            </a:r>
+            <a:r>
+              <a:rPr lang="pt-BR" b="1" i="1" dirty="0">
+                <a:solidFill>
+                  <a:srgbClr val="00B050"/>
+                </a:solidFill>
+              </a:rPr>
+              <a:t>algoritmo</a:t>
+            </a:r>
+            <a:r>
+              <a:rPr lang="pt-BR" dirty="0"/>
+              <a:t> por trás do </a:t>
+            </a:r>
+            <a:r>
+              <a:rPr lang="pt-BR" b="1" i="1" dirty="0">
+                <a:solidFill>
+                  <a:srgbClr val="00B050"/>
+                </a:solidFill>
+              </a:rPr>
+              <a:t>treinamento de muitos modelos de ML</a:t>
+            </a:r>
+            <a:r>
+              <a:rPr lang="pt-BR" dirty="0"/>
+              <a:t>.</a:t>
+            </a:r>
+          </a:p>
         </p:txBody>
       </p:sp>
       <p:grpSp>
@@ -8555,6 +8780,64 @@
             <a:chExt cx="4730868" cy="3031571"/>
           </a:xfrm>
         </p:grpSpPr>
+        <p:sp>
+          <p:nvSpPr>
+            <p:cNvPr id="25" name="Retângulo 24">
+              <a:extLst>
+                <a:ext uri="{FF2B5EF4-FFF2-40B4-BE49-F238E27FC236}">
+                  <a16:creationId xmlns:a16="http://schemas.microsoft.com/office/drawing/2014/main" id="{5E781219-D9F8-C3D2-6311-373A6032B12A}"/>
+                </a:ext>
+              </a:extLst>
+            </p:cNvPr>
+            <p:cNvSpPr/>
+            <p:nvPr/>
+          </p:nvSpPr>
+          <p:spPr>
+            <a:xfrm>
+              <a:off x="425788" y="3029858"/>
+              <a:ext cx="463575" cy="1935842"/>
+            </a:xfrm>
+            <a:prstGeom prst="rect">
+              <a:avLst/>
+            </a:prstGeom>
+            <a:solidFill>
+              <a:schemeClr val="accent1">
+                <a:alpha val="41000"/>
+              </a:schemeClr>
+            </a:solidFill>
+            <a:ln>
+              <a:solidFill>
+                <a:schemeClr val="accent1">
+                  <a:shade val="15000"/>
+                </a:schemeClr>
+              </a:solidFill>
+            </a:ln>
+          </p:spPr>
+          <p:style>
+            <a:lnRef idx="2">
+              <a:schemeClr val="accent1">
+                <a:shade val="15000"/>
+              </a:schemeClr>
+            </a:lnRef>
+            <a:fillRef idx="1">
+              <a:schemeClr val="accent1"/>
+            </a:fillRef>
+            <a:effectRef idx="0">
+              <a:schemeClr val="accent1"/>
+            </a:effectRef>
+            <a:fontRef idx="minor">
+              <a:schemeClr val="lt1"/>
+            </a:fontRef>
+          </p:style>
+          <p:txBody>
+            <a:bodyPr rtlCol="0" anchor="ctr"/>
+            <a:lstStyle/>
+            <a:p>
+              <a:pPr algn="ctr"/>
+              <a:endParaRPr lang="pt-BR" dirty="0"/>
+            </a:p>
+          </p:txBody>
+        </p:sp>
         <p:sp>
           <p:nvSpPr>
             <p:cNvPr id="6" name="Rectangle 12">
@@ -8757,8 +9040,8 @@
             </a:p>
           </p:txBody>
         </p:sp>
-        <mc:AlternateContent xmlns:mc="http://schemas.openxmlformats.org/markup-compatibility/2006" xmlns:a14="http://schemas.microsoft.com/office/drawing/2010/main">
-          <mc:Choice Requires="a14">
+        <mc:AlternateContent xmlns:mc="http://schemas.openxmlformats.org/markup-compatibility/2006">
+          <mc:Choice xmlns:a14="http://schemas.microsoft.com/office/drawing/2010/main" Requires="a14">
             <p:sp>
               <p:nvSpPr>
                 <p:cNvPr id="11" name="CaixaDeTexto 10">
@@ -8795,10 +9078,106 @@
                       </m:oMathParaPr>
                       <m:oMath xmlns:m="http://schemas.openxmlformats.org/officeDocument/2006/math">
                         <m:r>
-                          <a:rPr lang="pt-BR" sz="2400" i="1" smtClean="0">
+                          <a:rPr lang="pt-BR" sz="2400" b="1" i="1" smtClean="0">
                             <a:latin typeface="Cambria Math" panose="02040503050406030204" pitchFamily="18" charset="0"/>
                           </a:rPr>
-                          <m:t>𝑥</m:t>
+                          <m:t>𝒙</m:t>
+                        </m:r>
+                      </m:oMath>
+                    </m:oMathPara>
+                  </a14:m>
+                  <a:endParaRPr lang="pt-BR" sz="2400" b="1" dirty="0"/>
+                </a:p>
+              </p:txBody>
+            </p:sp>
+          </mc:Choice>
+          <mc:Fallback>
+            <p:sp>
+              <p:nvSpPr>
+                <p:cNvPr id="11" name="CaixaDeTexto 10">
+                  <a:extLst>
+                    <a:ext uri="{FF2B5EF4-FFF2-40B4-BE49-F238E27FC236}">
+                      <a16:creationId xmlns:a16="http://schemas.microsoft.com/office/drawing/2014/main" id="{5288BD09-DF15-9DAC-F0A9-2A5E8A55D030}"/>
+                    </a:ext>
+                  </a:extLst>
+                </p:cNvPr>
+                <p:cNvSpPr txBox="1">
+                  <a:spLocks noRot="1" noChangeAspect="1" noMove="1" noResize="1" noEditPoints="1" noAdjustHandles="1" noChangeArrowheads="1" noChangeShapeType="1" noTextEdit="1"/>
+                </p:cNvSpPr>
+                <p:nvPr/>
+              </p:nvSpPr>
+              <p:spPr>
+                <a:xfrm flipH="1">
+                  <a:off x="436587" y="3162012"/>
+                  <a:ext cx="467999" cy="461665"/>
+                </a:xfrm>
+                <a:prstGeom prst="rect">
+                  <a:avLst/>
+                </a:prstGeom>
+                <a:blipFill>
+                  <a:blip r:embed="rId3"/>
+                  <a:stretch>
+                    <a:fillRect/>
+                  </a:stretch>
+                </a:blipFill>
+              </p:spPr>
+              <p:txBody>
+                <a:bodyPr/>
+                <a:lstStyle/>
+                <a:p>
+                  <a:r>
+                    <a:rPr lang="pt-BR">
+                      <a:noFill/>
+                    </a:rPr>
+                    <a:t> </a:t>
+                  </a:r>
+                </a:p>
+              </p:txBody>
+            </p:sp>
+          </mc:Fallback>
+        </mc:AlternateContent>
+        <mc:AlternateContent xmlns:mc="http://schemas.openxmlformats.org/markup-compatibility/2006" xmlns:a14="http://schemas.microsoft.com/office/drawing/2010/main">
+          <mc:Choice Requires="a14">
+            <p:sp>
+              <p:nvSpPr>
+                <p:cNvPr id="12" name="CaixaDeTexto 11">
+                  <a:extLst>
+                    <a:ext uri="{FF2B5EF4-FFF2-40B4-BE49-F238E27FC236}">
+                      <a16:creationId xmlns:a16="http://schemas.microsoft.com/office/drawing/2014/main" id="{120EB5AF-A158-F20A-7D5F-DC34312E5153}"/>
+                    </a:ext>
+                  </a:extLst>
+                </p:cNvPr>
+                <p:cNvSpPr txBox="1"/>
+                <p:nvPr/>
+              </p:nvSpPr>
+              <p:spPr>
+                <a:xfrm flipH="1">
+                  <a:off x="425788" y="4367212"/>
+                  <a:ext cx="467999" cy="461665"/>
+                </a:xfrm>
+                <a:prstGeom prst="rect">
+                  <a:avLst/>
+                </a:prstGeom>
+                <a:noFill/>
+              </p:spPr>
+              <p:txBody>
+                <a:bodyPr wrap="square">
+                  <a:spAutoFit/>
+                </a:bodyPr>
+                <a:lstStyle/>
+                <a:p>
+                  <a:pPr/>
+                  <a14:m>
+                    <m:oMathPara xmlns:m="http://schemas.openxmlformats.org/officeDocument/2006/math">
+                      <m:oMathParaPr>
+                        <m:jc m:val="center"/>
+                      </m:oMathParaPr>
+                      <m:oMath xmlns:m="http://schemas.openxmlformats.org/officeDocument/2006/math">
+                        <m:r>
+                          <a:rPr lang="pt-BR" sz="2400" b="0" i="1" smtClean="0">
+                            <a:latin typeface="Cambria Math" panose="02040503050406030204" pitchFamily="18" charset="0"/>
+                          </a:rPr>
+                          <m:t>𝑦</m:t>
                         </m:r>
                       </m:oMath>
                     </m:oMathPara>
@@ -8809,6 +9188,990 @@
             </p:sp>
           </mc:Choice>
           <mc:Fallback xmlns="">
+            <p:sp>
+              <p:nvSpPr>
+                <p:cNvPr id="12" name="CaixaDeTexto 11">
+                  <a:extLst>
+                    <a:ext uri="{FF2B5EF4-FFF2-40B4-BE49-F238E27FC236}">
+                      <a16:creationId xmlns:a16="http://schemas.microsoft.com/office/drawing/2014/main" id="{120EB5AF-A158-F20A-7D5F-DC34312E5153}"/>
+                    </a:ext>
+                  </a:extLst>
+                </p:cNvPr>
+                <p:cNvSpPr txBox="1">
+                  <a:spLocks noRot="1" noChangeAspect="1" noMove="1" noResize="1" noEditPoints="1" noAdjustHandles="1" noChangeArrowheads="1" noChangeShapeType="1" noTextEdit="1"/>
+                </p:cNvSpPr>
+                <p:nvPr/>
+              </p:nvSpPr>
+              <p:spPr>
+                <a:xfrm flipH="1">
+                  <a:off x="425788" y="4367212"/>
+                  <a:ext cx="467999" cy="461665"/>
+                </a:xfrm>
+                <a:prstGeom prst="rect">
+                  <a:avLst/>
+                </a:prstGeom>
+                <a:blipFill>
+                  <a:blip r:embed="rId5"/>
+                  <a:stretch>
+                    <a:fillRect b="-10526"/>
+                  </a:stretch>
+                </a:blipFill>
+              </p:spPr>
+              <p:txBody>
+                <a:bodyPr/>
+                <a:lstStyle/>
+                <a:p>
+                  <a:r>
+                    <a:rPr lang="pt-BR">
+                      <a:noFill/>
+                    </a:rPr>
+                    <a:t> </a:t>
+                  </a:r>
+                </a:p>
+              </p:txBody>
+            </p:sp>
+          </mc:Fallback>
+        </mc:AlternateContent>
+        <mc:AlternateContent xmlns:mc="http://schemas.openxmlformats.org/markup-compatibility/2006" xmlns:a14="http://schemas.microsoft.com/office/drawing/2010/main">
+          <mc:Choice Requires="a14">
+            <p:sp>
+              <p:nvSpPr>
+                <p:cNvPr id="13" name="CaixaDeTexto 12">
+                  <a:extLst>
+                    <a:ext uri="{FF2B5EF4-FFF2-40B4-BE49-F238E27FC236}">
+                      <a16:creationId xmlns:a16="http://schemas.microsoft.com/office/drawing/2014/main" id="{0DD5471C-A64B-2523-03B6-5429998A9CAA}"/>
+                    </a:ext>
+                  </a:extLst>
+                </p:cNvPr>
+                <p:cNvSpPr txBox="1"/>
+                <p:nvPr/>
+              </p:nvSpPr>
+              <p:spPr>
+                <a:xfrm flipH="1">
+                  <a:off x="2656972" y="3008452"/>
+                  <a:ext cx="467999" cy="461665"/>
+                </a:xfrm>
+                <a:prstGeom prst="rect">
+                  <a:avLst/>
+                </a:prstGeom>
+                <a:noFill/>
+              </p:spPr>
+              <p:txBody>
+                <a:bodyPr wrap="square">
+                  <a:spAutoFit/>
+                </a:bodyPr>
+                <a:lstStyle/>
+                <a:p>
+                  <a:pPr/>
+                  <a14:m>
+                    <m:oMathPara xmlns:m="http://schemas.openxmlformats.org/officeDocument/2006/math">
+                      <m:oMathParaPr>
+                        <m:jc m:val="center"/>
+                      </m:oMathParaPr>
+                      <m:oMath xmlns:m="http://schemas.openxmlformats.org/officeDocument/2006/math">
+                        <m:acc>
+                          <m:accPr>
+                            <m:chr m:val="̂"/>
+                            <m:ctrlPr>
+                              <a:rPr lang="pt-BR" sz="2400" b="0" i="1" smtClean="0">
+                                <a:latin typeface="Cambria Math" panose="02040503050406030204" pitchFamily="18" charset="0"/>
+                              </a:rPr>
+                            </m:ctrlPr>
+                          </m:accPr>
+                          <m:e>
+                            <m:r>
+                              <a:rPr lang="pt-BR" sz="2400" b="0" i="1" smtClean="0">
+                                <a:latin typeface="Cambria Math" panose="02040503050406030204" pitchFamily="18" charset="0"/>
+                              </a:rPr>
+                              <m:t>𝑦</m:t>
+                            </m:r>
+                          </m:e>
+                        </m:acc>
+                      </m:oMath>
+                    </m:oMathPara>
+                  </a14:m>
+                  <a:endParaRPr lang="pt-BR" sz="2400" dirty="0"/>
+                </a:p>
+              </p:txBody>
+            </p:sp>
+          </mc:Choice>
+          <mc:Fallback xmlns="">
+            <p:sp>
+              <p:nvSpPr>
+                <p:cNvPr id="13" name="CaixaDeTexto 12">
+                  <a:extLst>
+                    <a:ext uri="{FF2B5EF4-FFF2-40B4-BE49-F238E27FC236}">
+                      <a16:creationId xmlns:a16="http://schemas.microsoft.com/office/drawing/2014/main" id="{0DD5471C-A64B-2523-03B6-5429998A9CAA}"/>
+                    </a:ext>
+                  </a:extLst>
+                </p:cNvPr>
+                <p:cNvSpPr txBox="1">
+                  <a:spLocks noRot="1" noChangeAspect="1" noMove="1" noResize="1" noEditPoints="1" noAdjustHandles="1" noChangeArrowheads="1" noChangeShapeType="1" noTextEdit="1"/>
+                </p:cNvSpPr>
+                <p:nvPr/>
+              </p:nvSpPr>
+              <p:spPr>
+                <a:xfrm flipH="1">
+                  <a:off x="2656972" y="3008452"/>
+                  <a:ext cx="467999" cy="461665"/>
+                </a:xfrm>
+                <a:prstGeom prst="rect">
+                  <a:avLst/>
+                </a:prstGeom>
+                <a:blipFill>
+                  <a:blip r:embed="rId6"/>
+                  <a:stretch>
+                    <a:fillRect t="-4000" r="-24675" b="-10667"/>
+                  </a:stretch>
+                </a:blipFill>
+              </p:spPr>
+              <p:txBody>
+                <a:bodyPr/>
+                <a:lstStyle/>
+                <a:p>
+                  <a:r>
+                    <a:rPr lang="pt-BR">
+                      <a:noFill/>
+                    </a:rPr>
+                    <a:t> </a:t>
+                  </a:r>
+                </a:p>
+              </p:txBody>
+            </p:sp>
+          </mc:Fallback>
+        </mc:AlternateContent>
+        <p:cxnSp>
+          <p:nvCxnSpPr>
+            <p:cNvPr id="16" name="Conector: Angulado 15">
+              <a:extLst>
+                <a:ext uri="{FF2B5EF4-FFF2-40B4-BE49-F238E27FC236}">
+                  <a16:creationId xmlns:a16="http://schemas.microsoft.com/office/drawing/2014/main" id="{3FAEDAB4-1B8D-7870-9AD3-B92809EB1C85}"/>
+                </a:ext>
+              </a:extLst>
+            </p:cNvPr>
+            <p:cNvCxnSpPr>
+              <a:cxnSpLocks/>
+              <a:stCxn id="12" idx="1"/>
+              <a:endCxn id="9" idx="2"/>
+            </p:cNvCxnSpPr>
+            <p:nvPr/>
+          </p:nvCxnSpPr>
+          <p:spPr>
+            <a:xfrm flipV="1">
+              <a:off x="893787" y="3878943"/>
+              <a:ext cx="2986115" cy="719102"/>
+            </a:xfrm>
+            <a:prstGeom prst="bentConnector2">
+              <a:avLst/>
+            </a:prstGeom>
+            <a:ln>
+              <a:tailEnd type="triangle"/>
+            </a:ln>
+          </p:spPr>
+          <p:style>
+            <a:lnRef idx="1">
+              <a:schemeClr val="accent1"/>
+            </a:lnRef>
+            <a:fillRef idx="0">
+              <a:schemeClr val="accent1"/>
+            </a:fillRef>
+            <a:effectRef idx="0">
+              <a:schemeClr val="accent1"/>
+            </a:effectRef>
+            <a:fontRef idx="minor">
+              <a:schemeClr val="tx1"/>
+            </a:fontRef>
+          </p:style>
+        </p:cxnSp>
+        <p:cxnSp>
+          <p:nvCxnSpPr>
+            <p:cNvPr id="21" name="Conector: Angulado 20">
+              <a:extLst>
+                <a:ext uri="{FF2B5EF4-FFF2-40B4-BE49-F238E27FC236}">
+                  <a16:creationId xmlns:a16="http://schemas.microsoft.com/office/drawing/2014/main" id="{D673CECA-B641-12AA-8739-E88867B97027}"/>
+                </a:ext>
+              </a:extLst>
+            </p:cNvPr>
+            <p:cNvCxnSpPr>
+              <a:stCxn id="9" idx="3"/>
+            </p:cNvCxnSpPr>
+            <p:nvPr/>
+          </p:nvCxnSpPr>
+          <p:spPr>
+            <a:xfrm flipH="1" flipV="1">
+              <a:off x="2663083" y="2378075"/>
+              <a:ext cx="1825228" cy="1076325"/>
+            </a:xfrm>
+            <a:prstGeom prst="bentConnector3">
+              <a:avLst>
+                <a:gd name="adj1" fmla="val -12524"/>
+              </a:avLst>
+            </a:prstGeom>
+            <a:ln>
+              <a:prstDash val="dash"/>
+              <a:headEnd type="none" w="med" len="med"/>
+              <a:tailEnd type="none" w="med" len="med"/>
+            </a:ln>
+          </p:spPr>
+          <p:style>
+            <a:lnRef idx="1">
+              <a:schemeClr val="accent1"/>
+            </a:lnRef>
+            <a:fillRef idx="0">
+              <a:schemeClr val="accent1"/>
+            </a:fillRef>
+            <a:effectRef idx="0">
+              <a:schemeClr val="accent1"/>
+            </a:effectRef>
+            <a:fontRef idx="minor">
+              <a:schemeClr val="tx1"/>
+            </a:fontRef>
+          </p:style>
+        </p:cxnSp>
+        <p:cxnSp>
+          <p:nvCxnSpPr>
+            <p:cNvPr id="23" name="Conector reto 22">
+              <a:extLst>
+                <a:ext uri="{FF2B5EF4-FFF2-40B4-BE49-F238E27FC236}">
+                  <a16:creationId xmlns:a16="http://schemas.microsoft.com/office/drawing/2014/main" id="{8398CC8E-EF21-D29C-8F65-6D07E0E1EE67}"/>
+                </a:ext>
+              </a:extLst>
+            </p:cNvPr>
+            <p:cNvCxnSpPr/>
+            <p:nvPr/>
+          </p:nvCxnSpPr>
+          <p:spPr>
+            <a:xfrm flipH="1">
+              <a:off x="1450107" y="2378075"/>
+              <a:ext cx="1212396" cy="1743075"/>
+            </a:xfrm>
+            <a:prstGeom prst="line">
+              <a:avLst/>
+            </a:prstGeom>
+            <a:ln>
+              <a:prstDash val="dash"/>
+              <a:headEnd type="none" w="med" len="med"/>
+              <a:tailEnd type="triangle" w="med" len="med"/>
+            </a:ln>
+          </p:spPr>
+          <p:style>
+            <a:lnRef idx="1">
+              <a:schemeClr val="accent1"/>
+            </a:lnRef>
+            <a:fillRef idx="0">
+              <a:schemeClr val="accent1"/>
+            </a:fillRef>
+            <a:effectRef idx="0">
+              <a:schemeClr val="accent1"/>
+            </a:effectRef>
+            <a:fontRef idx="minor">
+              <a:schemeClr val="tx1"/>
+            </a:fontRef>
+          </p:style>
+        </p:cxnSp>
+        <p:sp>
+          <p:nvSpPr>
+            <p:cNvPr id="24" name="CaixaDeTexto 23">
+              <a:extLst>
+                <a:ext uri="{FF2B5EF4-FFF2-40B4-BE49-F238E27FC236}">
+                  <a16:creationId xmlns:a16="http://schemas.microsoft.com/office/drawing/2014/main" id="{A983C952-9622-7311-DD7F-BBE088C3FA5C}"/>
+                </a:ext>
+              </a:extLst>
+            </p:cNvPr>
+            <p:cNvSpPr txBox="1"/>
+            <p:nvPr/>
+          </p:nvSpPr>
+          <p:spPr>
+            <a:xfrm>
+              <a:off x="893787" y="4074825"/>
+              <a:ext cx="1309262" cy="276999"/>
+            </a:xfrm>
+            <a:prstGeom prst="rect">
+              <a:avLst/>
+            </a:prstGeom>
+            <a:noFill/>
+          </p:spPr>
+          <p:txBody>
+            <a:bodyPr wrap="square" rtlCol="0">
+              <a:spAutoFit/>
+            </a:bodyPr>
+            <a:lstStyle/>
+            <a:p>
+              <a:pPr algn="ctr"/>
+              <a:r>
+                <a:rPr lang="pt-BR" sz="1200" dirty="0"/>
+                <a:t>Ajuste do modelo</a:t>
+              </a:r>
+            </a:p>
+          </p:txBody>
+        </p:sp>
+        <p:sp>
+          <p:nvSpPr>
+            <p:cNvPr id="26" name="CaixaDeTexto 25">
+              <a:extLst>
+                <a:ext uri="{FF2B5EF4-FFF2-40B4-BE49-F238E27FC236}">
+                  <a16:creationId xmlns:a16="http://schemas.microsoft.com/office/drawing/2014/main" id="{A6C5BE65-AEB1-25A0-ECFE-36046A8635E7}"/>
+                </a:ext>
+              </a:extLst>
+            </p:cNvPr>
+            <p:cNvSpPr txBox="1"/>
+            <p:nvPr/>
+          </p:nvSpPr>
+          <p:spPr>
+            <a:xfrm>
+              <a:off x="157187" y="4947981"/>
+              <a:ext cx="1047413" cy="461665"/>
+            </a:xfrm>
+            <a:prstGeom prst="rect">
+              <a:avLst/>
+            </a:prstGeom>
+            <a:noFill/>
+          </p:spPr>
+          <p:txBody>
+            <a:bodyPr wrap="square" rtlCol="0">
+              <a:spAutoFit/>
+            </a:bodyPr>
+            <a:lstStyle/>
+            <a:p>
+              <a:pPr algn="ctr"/>
+              <a:r>
+                <a:rPr lang="pt-BR" sz="1200" dirty="0"/>
+                <a:t>Conjunto de treinamento</a:t>
+              </a:r>
+            </a:p>
+          </p:txBody>
+        </p:sp>
+        <p:sp>
+          <p:nvSpPr>
+            <p:cNvPr id="27" name="CaixaDeTexto 26">
+              <a:extLst>
+                <a:ext uri="{FF2B5EF4-FFF2-40B4-BE49-F238E27FC236}">
+                  <a16:creationId xmlns:a16="http://schemas.microsoft.com/office/drawing/2014/main" id="{0794D333-1DB6-18B2-56CE-2B802E73EEEE}"/>
+                </a:ext>
+              </a:extLst>
+            </p:cNvPr>
+            <p:cNvSpPr txBox="1"/>
+            <p:nvPr/>
+          </p:nvSpPr>
+          <p:spPr>
+            <a:xfrm>
+              <a:off x="2578608" y="3490140"/>
+              <a:ext cx="692886" cy="276999"/>
+            </a:xfrm>
+            <a:prstGeom prst="rect">
+              <a:avLst/>
+            </a:prstGeom>
+            <a:noFill/>
+          </p:spPr>
+          <p:txBody>
+            <a:bodyPr wrap="square" rtlCol="0">
+              <a:spAutoFit/>
+            </a:bodyPr>
+            <a:lstStyle/>
+            <a:p>
+              <a:pPr algn="ctr"/>
+              <a:r>
+                <a:rPr lang="pt-BR" sz="1200" dirty="0"/>
+                <a:t>palpite</a:t>
+              </a:r>
+            </a:p>
+          </p:txBody>
+        </p:sp>
+        <p:sp>
+          <p:nvSpPr>
+            <p:cNvPr id="33" name="CaixaDeTexto 32">
+              <a:extLst>
+                <a:ext uri="{FF2B5EF4-FFF2-40B4-BE49-F238E27FC236}">
+                  <a16:creationId xmlns:a16="http://schemas.microsoft.com/office/drawing/2014/main" id="{5951DD9B-3496-28D4-FA71-CD2BFAF52EDB}"/>
+                </a:ext>
+              </a:extLst>
+            </p:cNvPr>
+            <p:cNvSpPr txBox="1"/>
+            <p:nvPr/>
+          </p:nvSpPr>
+          <p:spPr>
+            <a:xfrm>
+              <a:off x="4433138" y="3443383"/>
+              <a:ext cx="454917" cy="276999"/>
+            </a:xfrm>
+            <a:prstGeom prst="rect">
+              <a:avLst/>
+            </a:prstGeom>
+            <a:noFill/>
+          </p:spPr>
+          <p:txBody>
+            <a:bodyPr wrap="square" rtlCol="0">
+              <a:spAutoFit/>
+            </a:bodyPr>
+            <a:lstStyle/>
+            <a:p>
+              <a:pPr algn="ctr"/>
+              <a:r>
+                <a:rPr lang="pt-BR" sz="1200" dirty="0"/>
+                <a:t>erro</a:t>
+              </a:r>
+            </a:p>
+          </p:txBody>
+        </p:sp>
+      </p:grpSp>
+    </p:spTree>
+    <p:extLst>
+      <p:ext uri="{BB962C8B-B14F-4D97-AF65-F5344CB8AC3E}">
+        <p14:creationId xmlns:p14="http://schemas.microsoft.com/office/powerpoint/2010/main" val="1811871843"/>
+      </p:ext>
+    </p:extLst>
+  </p:cSld>
+  <p:clrMapOvr>
+    <a:masterClrMapping/>
+  </p:clrMapOvr>
+</p:sld>
+</file>
+
+<file path=ppt/slides/slide14.xml><?xml version="1.0" encoding="utf-8"?>
+<p:sld xmlns:a="http://schemas.openxmlformats.org/drawingml/2006/main" xmlns:r="http://schemas.openxmlformats.org/officeDocument/2006/relationships" xmlns:p="http://schemas.openxmlformats.org/presentationml/2006/main">
+  <p:cSld>
+    <p:spTree>
+      <p:nvGrpSpPr>
+        <p:cNvPr id="1" name=""/>
+        <p:cNvGrpSpPr/>
+        <p:nvPr/>
+      </p:nvGrpSpPr>
+      <p:grpSpPr>
+        <a:xfrm>
+          <a:off x="0" y="0"/>
+          <a:ext cx="0" cy="0"/>
+          <a:chOff x="0" y="0"/>
+          <a:chExt cx="0" cy="0"/>
+        </a:xfrm>
+      </p:grpSpPr>
+      <p:sp>
+        <p:nvSpPr>
+          <p:cNvPr id="2" name="Título 1">
+            <a:extLst>
+              <a:ext uri="{FF2B5EF4-FFF2-40B4-BE49-F238E27FC236}">
+                <a16:creationId xmlns:a16="http://schemas.microsoft.com/office/drawing/2014/main" id="{BEAAC63C-303B-CC7F-1D4F-8D765EB8B09B}"/>
+              </a:ext>
+            </a:extLst>
+          </p:cNvPr>
+          <p:cNvSpPr>
+            <a:spLocks noGrp="1"/>
+          </p:cNvSpPr>
+          <p:nvPr>
+            <p:ph type="title"/>
+          </p:nvPr>
+        </p:nvSpPr>
+        <p:spPr/>
+        <p:txBody>
+          <a:bodyPr/>
+          <a:lstStyle/>
+          <a:p>
+            <a:r>
+              <a:rPr lang="pt-BR" dirty="0"/>
+              <a:t>Treinamento da máquina (ou modelo de ML)</a:t>
+            </a:r>
+          </a:p>
+        </p:txBody>
+      </p:sp>
+      <mc:AlternateContent xmlns:mc="http://schemas.openxmlformats.org/markup-compatibility/2006">
+        <mc:Choice xmlns:a14="http://schemas.microsoft.com/office/drawing/2010/main" Requires="a14">
+          <p:sp>
+            <p:nvSpPr>
+              <p:cNvPr id="3" name="Espaço Reservado para Conteúdo 2">
+                <a:extLst>
+                  <a:ext uri="{FF2B5EF4-FFF2-40B4-BE49-F238E27FC236}">
+                    <a16:creationId xmlns:a16="http://schemas.microsoft.com/office/drawing/2014/main" id="{62A3C305-4461-D25D-82D9-0C9F42995D65}"/>
+                  </a:ext>
+                </a:extLst>
+              </p:cNvPr>
+              <p:cNvSpPr>
+                <a:spLocks noGrp="1"/>
+              </p:cNvSpPr>
+              <p:nvPr>
+                <p:ph idx="1"/>
+              </p:nvPr>
+            </p:nvSpPr>
+            <p:spPr>
+              <a:xfrm>
+                <a:off x="6049699" y="1825624"/>
+                <a:ext cx="5985114" cy="5032376"/>
+              </a:xfrm>
+            </p:spPr>
+            <p:txBody>
+              <a:bodyPr>
+                <a:normAutofit/>
+              </a:bodyPr>
+              <a:lstStyle/>
+              <a:p>
+                <a:r>
+                  <a:rPr lang="pt-BR" dirty="0"/>
+                  <a:t>Primeiro, o computador (ou modelo de ML) faz um </a:t>
+                </a:r>
+                <a:r>
+                  <a:rPr lang="pt-BR" b="1" i="1" dirty="0">
+                    <a:solidFill>
+                      <a:srgbClr val="00B050"/>
+                    </a:solidFill>
+                  </a:rPr>
+                  <a:t>mapeamento</a:t>
+                </a:r>
+                <a:r>
+                  <a:rPr lang="pt-BR" b="1" i="1" dirty="0"/>
+                  <a:t> </a:t>
+                </a:r>
+                <a:r>
+                  <a:rPr lang="pt-BR" b="1" i="1" dirty="0">
+                    <a:solidFill>
+                      <a:srgbClr val="00B050"/>
+                    </a:solidFill>
+                  </a:rPr>
+                  <a:t>aleatório</a:t>
+                </a:r>
+                <a:r>
+                  <a:rPr lang="pt-BR" b="1" i="1" dirty="0"/>
+                  <a:t> </a:t>
+                </a:r>
+                <a:r>
+                  <a:rPr lang="pt-BR" dirty="0"/>
+                  <a:t>da entrada, </a:t>
+                </a:r>
+                <a14:m>
+                  <m:oMath xmlns:m="http://schemas.openxmlformats.org/officeDocument/2006/math">
+                    <m:r>
+                      <a:rPr lang="pt-BR" b="1" i="1" smtClean="0">
+                        <a:latin typeface="Cambria Math" panose="02040503050406030204" pitchFamily="18" charset="0"/>
+                      </a:rPr>
+                      <m:t>𝒙</m:t>
+                    </m:r>
+                  </m:oMath>
+                </a14:m>
+                <a:r>
+                  <a:rPr lang="pt-BR" dirty="0"/>
+                  <a:t>, em um valor de saída, </a:t>
+                </a:r>
+                <a14:m>
+                  <m:oMath xmlns:m="http://schemas.openxmlformats.org/officeDocument/2006/math">
+                    <m:acc>
+                      <m:accPr>
+                        <m:chr m:val="̂"/>
+                        <m:ctrlPr>
+                          <a:rPr lang="pt-BR" i="1" smtClean="0">
+                            <a:latin typeface="Cambria Math" panose="02040503050406030204" pitchFamily="18" charset="0"/>
+                          </a:rPr>
+                        </m:ctrlPr>
+                      </m:accPr>
+                      <m:e>
+                        <m:r>
+                          <a:rPr lang="pt-BR" b="0" i="1" smtClean="0">
+                            <a:latin typeface="Cambria Math" panose="02040503050406030204" pitchFamily="18" charset="0"/>
+                          </a:rPr>
+                          <m:t>𝑦</m:t>
+                        </m:r>
+                      </m:e>
+                    </m:acc>
+                  </m:oMath>
+                </a14:m>
+                <a:r>
+                  <a:rPr lang="pt-BR" dirty="0"/>
+                  <a:t>.</a:t>
+                </a:r>
+              </a:p>
+              <a:p>
+                <a:r>
+                  <a:rPr lang="pt-BR" dirty="0"/>
+                  <a:t>Ou seja, o modelo dá um </a:t>
+                </a:r>
+                <a:r>
+                  <a:rPr lang="pt-BR" b="1" i="1" dirty="0">
+                    <a:solidFill>
+                      <a:srgbClr val="00B050"/>
+                    </a:solidFill>
+                  </a:rPr>
+                  <a:t>palpite</a:t>
+                </a:r>
+                <a:r>
+                  <a:rPr lang="pt-BR" dirty="0"/>
+                  <a:t> sobre qual deve ser a saída para aquela entrada.</a:t>
+                </a:r>
+              </a:p>
+            </p:txBody>
+          </p:sp>
+        </mc:Choice>
+        <mc:Fallback>
+          <p:sp>
+            <p:nvSpPr>
+              <p:cNvPr id="3" name="Espaço Reservado para Conteúdo 2">
+                <a:extLst>
+                  <a:ext uri="{FF2B5EF4-FFF2-40B4-BE49-F238E27FC236}">
+                    <a16:creationId xmlns:a16="http://schemas.microsoft.com/office/drawing/2014/main" id="{62A3C305-4461-D25D-82D9-0C9F42995D65}"/>
+                  </a:ext>
+                </a:extLst>
+              </p:cNvPr>
+              <p:cNvSpPr>
+                <a:spLocks noGrp="1" noRot="1" noChangeAspect="1" noMove="1" noResize="1" noEditPoints="1" noAdjustHandles="1" noChangeArrowheads="1" noChangeShapeType="1" noTextEdit="1"/>
+              </p:cNvSpPr>
+              <p:nvPr>
+                <p:ph idx="1"/>
+              </p:nvPr>
+            </p:nvSpPr>
+            <p:spPr>
+              <a:xfrm>
+                <a:off x="6049699" y="1825624"/>
+                <a:ext cx="5985114" cy="5032376"/>
+              </a:xfrm>
+              <a:blipFill>
+                <a:blip r:embed="rId3"/>
+                <a:stretch>
+                  <a:fillRect l="-1833" t="-1937" r="-1324"/>
+                </a:stretch>
+              </a:blipFill>
+            </p:spPr>
+            <p:txBody>
+              <a:bodyPr/>
+              <a:lstStyle/>
+              <a:p>
+                <a:r>
+                  <a:rPr lang="pt-BR">
+                    <a:noFill/>
+                  </a:rPr>
+                  <a:t> </a:t>
+                </a:r>
+              </a:p>
+            </p:txBody>
+          </p:sp>
+        </mc:Fallback>
+      </mc:AlternateContent>
+      <p:grpSp>
+        <p:nvGrpSpPr>
+          <p:cNvPr id="34" name="Agrupar 33">
+            <a:extLst>
+              <a:ext uri="{FF2B5EF4-FFF2-40B4-BE49-F238E27FC236}">
+                <a16:creationId xmlns:a16="http://schemas.microsoft.com/office/drawing/2014/main" id="{C99055CE-2A30-8E13-5578-E4E0AB4F26C3}"/>
+              </a:ext>
+            </a:extLst>
+          </p:cNvPr>
+          <p:cNvGrpSpPr/>
+          <p:nvPr/>
+        </p:nvGrpSpPr>
+        <p:grpSpPr>
+          <a:xfrm>
+            <a:off x="732540" y="2398623"/>
+            <a:ext cx="4730868" cy="3031571"/>
+            <a:chOff x="157187" y="2378075"/>
+            <a:chExt cx="4730868" cy="3031571"/>
+          </a:xfrm>
+        </p:grpSpPr>
+        <p:sp>
+          <p:nvSpPr>
+            <p:cNvPr id="25" name="Retângulo 24">
+              <a:extLst>
+                <a:ext uri="{FF2B5EF4-FFF2-40B4-BE49-F238E27FC236}">
+                  <a16:creationId xmlns:a16="http://schemas.microsoft.com/office/drawing/2014/main" id="{5E781219-D9F8-C3D2-6311-373A6032B12A}"/>
+                </a:ext>
+              </a:extLst>
+            </p:cNvPr>
+            <p:cNvSpPr/>
+            <p:nvPr/>
+          </p:nvSpPr>
+          <p:spPr>
+            <a:xfrm>
+              <a:off x="425788" y="3029858"/>
+              <a:ext cx="463575" cy="1935842"/>
+            </a:xfrm>
+            <a:prstGeom prst="rect">
+              <a:avLst/>
+            </a:prstGeom>
+            <a:solidFill>
+              <a:schemeClr val="accent1">
+                <a:alpha val="41000"/>
+              </a:schemeClr>
+            </a:solidFill>
+            <a:ln>
+              <a:solidFill>
+                <a:schemeClr val="accent1">
+                  <a:shade val="15000"/>
+                </a:schemeClr>
+              </a:solidFill>
+            </a:ln>
+          </p:spPr>
+          <p:style>
+            <a:lnRef idx="2">
+              <a:schemeClr val="accent1">
+                <a:shade val="15000"/>
+              </a:schemeClr>
+            </a:lnRef>
+            <a:fillRef idx="1">
+              <a:schemeClr val="accent1"/>
+            </a:fillRef>
+            <a:effectRef idx="0">
+              <a:schemeClr val="accent1"/>
+            </a:effectRef>
+            <a:fontRef idx="minor">
+              <a:schemeClr val="lt1"/>
+            </a:fontRef>
+          </p:style>
+          <p:txBody>
+            <a:bodyPr rtlCol="0" anchor="ctr"/>
+            <a:lstStyle/>
+            <a:p>
+              <a:pPr algn="ctr"/>
+              <a:endParaRPr lang="pt-BR" dirty="0"/>
+            </a:p>
+          </p:txBody>
+        </p:sp>
+        <p:sp>
+          <p:nvSpPr>
+            <p:cNvPr id="6" name="Rectangle 12">
+              <a:extLst>
+                <a:ext uri="{FF2B5EF4-FFF2-40B4-BE49-F238E27FC236}">
+                  <a16:creationId xmlns:a16="http://schemas.microsoft.com/office/drawing/2014/main" id="{E7853E63-2A92-3519-5D05-A785F4AA7AB1}"/>
+                </a:ext>
+              </a:extLst>
+            </p:cNvPr>
+            <p:cNvSpPr/>
+            <p:nvPr/>
+          </p:nvSpPr>
+          <p:spPr>
+            <a:xfrm>
+              <a:off x="1361788" y="3029857"/>
+              <a:ext cx="1216819" cy="849086"/>
+            </a:xfrm>
+            <a:prstGeom prst="rect">
+              <a:avLst/>
+            </a:prstGeom>
+            <a:noFill/>
+            <a:ln>
+              <a:solidFill>
+                <a:schemeClr val="tx1"/>
+              </a:solidFill>
+            </a:ln>
+          </p:spPr>
+          <p:style>
+            <a:lnRef idx="2">
+              <a:schemeClr val="accent1">
+                <a:shade val="50000"/>
+              </a:schemeClr>
+            </a:lnRef>
+            <a:fillRef idx="1">
+              <a:schemeClr val="accent1"/>
+            </a:fillRef>
+            <a:effectRef idx="0">
+              <a:schemeClr val="accent1"/>
+            </a:effectRef>
+            <a:fontRef idx="minor">
+              <a:schemeClr val="lt1"/>
+            </a:fontRef>
+          </p:style>
+          <p:txBody>
+            <a:bodyPr rtlCol="0" anchor="ctr"/>
+            <a:lstStyle/>
+            <a:p>
+              <a:pPr algn="ctr"/>
+              <a:r>
+                <a:rPr lang="pt-BR" dirty="0">
+                  <a:solidFill>
+                    <a:schemeClr val="tx1"/>
+                  </a:solidFill>
+                </a:rPr>
+                <a:t>Modelo de ML</a:t>
+              </a:r>
+            </a:p>
+          </p:txBody>
+        </p:sp>
+        <p:cxnSp>
+          <p:nvCxnSpPr>
+            <p:cNvPr id="7" name="Straight Arrow Connector 14">
+              <a:extLst>
+                <a:ext uri="{FF2B5EF4-FFF2-40B4-BE49-F238E27FC236}">
+                  <a16:creationId xmlns:a16="http://schemas.microsoft.com/office/drawing/2014/main" id="{A9257D97-965C-8425-2635-FF993FEB273B}"/>
+                </a:ext>
+              </a:extLst>
+            </p:cNvPr>
+            <p:cNvCxnSpPr>
+              <a:cxnSpLocks/>
+            </p:cNvCxnSpPr>
+            <p:nvPr/>
+          </p:nvCxnSpPr>
+          <p:spPr>
+            <a:xfrm>
+              <a:off x="893787" y="3471233"/>
+              <a:ext cx="468000" cy="0"/>
+            </a:xfrm>
+            <a:prstGeom prst="straightConnector1">
+              <a:avLst/>
+            </a:prstGeom>
+            <a:ln w="19050">
+              <a:tailEnd type="triangle"/>
+            </a:ln>
+          </p:spPr>
+          <p:style>
+            <a:lnRef idx="1">
+              <a:schemeClr val="accent1"/>
+            </a:lnRef>
+            <a:fillRef idx="0">
+              <a:schemeClr val="accent1"/>
+            </a:fillRef>
+            <a:effectRef idx="0">
+              <a:schemeClr val="accent1"/>
+            </a:effectRef>
+            <a:fontRef idx="minor">
+              <a:schemeClr val="tx1"/>
+            </a:fontRef>
+          </p:style>
+        </p:cxnSp>
+        <p:cxnSp>
+          <p:nvCxnSpPr>
+            <p:cNvPr id="8" name="Straight Arrow Connector 14">
+              <a:extLst>
+                <a:ext uri="{FF2B5EF4-FFF2-40B4-BE49-F238E27FC236}">
+                  <a16:creationId xmlns:a16="http://schemas.microsoft.com/office/drawing/2014/main" id="{81279072-2FCD-B9AC-98AF-9E1381EA4C61}"/>
+                </a:ext>
+              </a:extLst>
+            </p:cNvPr>
+            <p:cNvCxnSpPr>
+              <a:cxnSpLocks/>
+              <a:stCxn id="6" idx="3"/>
+              <a:endCxn id="9" idx="1"/>
+            </p:cNvCxnSpPr>
+            <p:nvPr/>
+          </p:nvCxnSpPr>
+          <p:spPr>
+            <a:xfrm>
+              <a:off x="2578607" y="3454400"/>
+              <a:ext cx="692886" cy="0"/>
+            </a:xfrm>
+            <a:prstGeom prst="straightConnector1">
+              <a:avLst/>
+            </a:prstGeom>
+            <a:ln w="19050">
+              <a:tailEnd type="triangle"/>
+            </a:ln>
+          </p:spPr>
+          <p:style>
+            <a:lnRef idx="1">
+              <a:schemeClr val="accent1"/>
+            </a:lnRef>
+            <a:fillRef idx="0">
+              <a:schemeClr val="accent1"/>
+            </a:fillRef>
+            <a:effectRef idx="0">
+              <a:schemeClr val="accent1"/>
+            </a:effectRef>
+            <a:fontRef idx="minor">
+              <a:schemeClr val="tx1"/>
+            </a:fontRef>
+          </p:style>
+        </p:cxnSp>
+        <p:sp>
+          <p:nvSpPr>
+            <p:cNvPr id="9" name="Rectangle 12">
+              <a:extLst>
+                <a:ext uri="{FF2B5EF4-FFF2-40B4-BE49-F238E27FC236}">
+                  <a16:creationId xmlns:a16="http://schemas.microsoft.com/office/drawing/2014/main" id="{3DC3166C-018F-F1AF-A692-954F8C6F39F2}"/>
+                </a:ext>
+              </a:extLst>
+            </p:cNvPr>
+            <p:cNvSpPr/>
+            <p:nvPr/>
+          </p:nvSpPr>
+          <p:spPr>
+            <a:xfrm>
+              <a:off x="3271493" y="3029857"/>
+              <a:ext cx="1216818" cy="849086"/>
+            </a:xfrm>
+            <a:prstGeom prst="rect">
+              <a:avLst/>
+            </a:prstGeom>
+            <a:noFill/>
+            <a:ln>
+              <a:solidFill>
+                <a:schemeClr val="tx1"/>
+              </a:solidFill>
+            </a:ln>
+          </p:spPr>
+          <p:style>
+            <a:lnRef idx="2">
+              <a:schemeClr val="accent1">
+                <a:shade val="50000"/>
+              </a:schemeClr>
+            </a:lnRef>
+            <a:fillRef idx="1">
+              <a:schemeClr val="accent1"/>
+            </a:fillRef>
+            <a:effectRef idx="0">
+              <a:schemeClr val="accent1"/>
+            </a:effectRef>
+            <a:fontRef idx="minor">
+              <a:schemeClr val="lt1"/>
+            </a:fontRef>
+          </p:style>
+          <p:txBody>
+            <a:bodyPr rtlCol="0" anchor="ctr"/>
+            <a:lstStyle/>
+            <a:p>
+              <a:pPr algn="ctr"/>
+              <a:r>
+                <a:rPr lang="pt-BR" dirty="0">
+                  <a:solidFill>
+                    <a:schemeClr val="tx1"/>
+                  </a:solidFill>
+                </a:rPr>
+                <a:t>Função de erro</a:t>
+              </a:r>
+            </a:p>
+          </p:txBody>
+        </p:sp>
+        <mc:AlternateContent xmlns:mc="http://schemas.openxmlformats.org/markup-compatibility/2006">
+          <mc:Choice xmlns:a14="http://schemas.microsoft.com/office/drawing/2010/main" Requires="a14">
+            <p:sp>
+              <p:nvSpPr>
+                <p:cNvPr id="11" name="CaixaDeTexto 10">
+                  <a:extLst>
+                    <a:ext uri="{FF2B5EF4-FFF2-40B4-BE49-F238E27FC236}">
+                      <a16:creationId xmlns:a16="http://schemas.microsoft.com/office/drawing/2014/main" id="{5288BD09-DF15-9DAC-F0A9-2A5E8A55D030}"/>
+                    </a:ext>
+                  </a:extLst>
+                </p:cNvPr>
+                <p:cNvSpPr txBox="1"/>
+                <p:nvPr/>
+              </p:nvSpPr>
+              <p:spPr>
+                <a:xfrm flipH="1">
+                  <a:off x="436587" y="3162012"/>
+                  <a:ext cx="467999" cy="461665"/>
+                </a:xfrm>
+                <a:prstGeom prst="rect">
+                  <a:avLst/>
+                </a:prstGeom>
+                <a:noFill/>
+              </p:spPr>
+              <p:txBody>
+                <a:bodyPr wrap="square">
+                  <a:spAutoFit/>
+                </a:bodyPr>
+                <a:lstStyle/>
+                <a:p>
+                  <a:pPr/>
+                  <a14:m>
+                    <m:oMathPara xmlns:m="http://schemas.openxmlformats.org/officeDocument/2006/math">
+                      <m:oMathParaPr>
+                        <m:jc m:val="center"/>
+                      </m:oMathParaPr>
+                      <m:oMath xmlns:m="http://schemas.openxmlformats.org/officeDocument/2006/math">
+                        <m:r>
+                          <a:rPr lang="pt-BR" sz="2400" b="1" i="1" smtClean="0">
+                            <a:latin typeface="Cambria Math" panose="02040503050406030204" pitchFamily="18" charset="0"/>
+                          </a:rPr>
+                          <m:t>𝒙</m:t>
+                        </m:r>
+                      </m:oMath>
+                    </m:oMathPara>
+                  </a14:m>
+                  <a:endParaRPr lang="pt-BR" sz="2400" b="1" dirty="0"/>
+                </a:p>
+              </p:txBody>
+            </p:sp>
+          </mc:Choice>
+          <mc:Fallback>
             <p:sp>
               <p:nvSpPr>
                 <p:cNvPr id="11" name="CaixaDeTexto 10">
@@ -9224,1130 +10587,6 @@
         </p:sp>
         <p:sp>
           <p:nvSpPr>
-            <p:cNvPr id="25" name="Retângulo 24">
-              <a:extLst>
-                <a:ext uri="{FF2B5EF4-FFF2-40B4-BE49-F238E27FC236}">
-                  <a16:creationId xmlns:a16="http://schemas.microsoft.com/office/drawing/2014/main" id="{5E781219-D9F8-C3D2-6311-373A6032B12A}"/>
-                </a:ext>
-              </a:extLst>
-            </p:cNvPr>
-            <p:cNvSpPr/>
-            <p:nvPr/>
-          </p:nvSpPr>
-          <p:spPr>
-            <a:xfrm>
-              <a:off x="425788" y="3029858"/>
-              <a:ext cx="463575" cy="1935842"/>
-            </a:xfrm>
-            <a:prstGeom prst="rect">
-              <a:avLst/>
-            </a:prstGeom>
-            <a:solidFill>
-              <a:schemeClr val="accent1">
-                <a:alpha val="41000"/>
-              </a:schemeClr>
-            </a:solidFill>
-            <a:ln>
-              <a:solidFill>
-                <a:schemeClr val="accent1">
-                  <a:shade val="15000"/>
-                </a:schemeClr>
-              </a:solidFill>
-            </a:ln>
-          </p:spPr>
-          <p:style>
-            <a:lnRef idx="2">
-              <a:schemeClr val="accent1">
-                <a:shade val="15000"/>
-              </a:schemeClr>
-            </a:lnRef>
-            <a:fillRef idx="1">
-              <a:schemeClr val="accent1"/>
-            </a:fillRef>
-            <a:effectRef idx="0">
-              <a:schemeClr val="accent1"/>
-            </a:effectRef>
-            <a:fontRef idx="minor">
-              <a:schemeClr val="lt1"/>
-            </a:fontRef>
-          </p:style>
-          <p:txBody>
-            <a:bodyPr rtlCol="0" anchor="ctr"/>
-            <a:lstStyle/>
-            <a:p>
-              <a:pPr algn="ctr"/>
-              <a:endParaRPr lang="pt-BR" dirty="0"/>
-            </a:p>
-          </p:txBody>
-        </p:sp>
-        <p:sp>
-          <p:nvSpPr>
-            <p:cNvPr id="26" name="CaixaDeTexto 25">
-              <a:extLst>
-                <a:ext uri="{FF2B5EF4-FFF2-40B4-BE49-F238E27FC236}">
-                  <a16:creationId xmlns:a16="http://schemas.microsoft.com/office/drawing/2014/main" id="{A6C5BE65-AEB1-25A0-ECFE-36046A8635E7}"/>
-                </a:ext>
-              </a:extLst>
-            </p:cNvPr>
-            <p:cNvSpPr txBox="1"/>
-            <p:nvPr/>
-          </p:nvSpPr>
-          <p:spPr>
-            <a:xfrm>
-              <a:off x="157187" y="4947981"/>
-              <a:ext cx="1047413" cy="461665"/>
-            </a:xfrm>
-            <a:prstGeom prst="rect">
-              <a:avLst/>
-            </a:prstGeom>
-            <a:noFill/>
-          </p:spPr>
-          <p:txBody>
-            <a:bodyPr wrap="square" rtlCol="0">
-              <a:spAutoFit/>
-            </a:bodyPr>
-            <a:lstStyle/>
-            <a:p>
-              <a:pPr algn="ctr"/>
-              <a:r>
-                <a:rPr lang="pt-BR" sz="1200" dirty="0"/>
-                <a:t>Conjunto de treinamento</a:t>
-              </a:r>
-            </a:p>
-          </p:txBody>
-        </p:sp>
-        <p:sp>
-          <p:nvSpPr>
-            <p:cNvPr id="27" name="CaixaDeTexto 26">
-              <a:extLst>
-                <a:ext uri="{FF2B5EF4-FFF2-40B4-BE49-F238E27FC236}">
-                  <a16:creationId xmlns:a16="http://schemas.microsoft.com/office/drawing/2014/main" id="{0794D333-1DB6-18B2-56CE-2B802E73EEEE}"/>
-                </a:ext>
-              </a:extLst>
-            </p:cNvPr>
-            <p:cNvSpPr txBox="1"/>
-            <p:nvPr/>
-          </p:nvSpPr>
-          <p:spPr>
-            <a:xfrm>
-              <a:off x="2578608" y="3490140"/>
-              <a:ext cx="692886" cy="276999"/>
-            </a:xfrm>
-            <a:prstGeom prst="rect">
-              <a:avLst/>
-            </a:prstGeom>
-            <a:noFill/>
-          </p:spPr>
-          <p:txBody>
-            <a:bodyPr wrap="square" rtlCol="0">
-              <a:spAutoFit/>
-            </a:bodyPr>
-            <a:lstStyle/>
-            <a:p>
-              <a:pPr algn="ctr"/>
-              <a:r>
-                <a:rPr lang="pt-BR" sz="1200" dirty="0"/>
-                <a:t>palpite</a:t>
-              </a:r>
-            </a:p>
-          </p:txBody>
-        </p:sp>
-        <p:sp>
-          <p:nvSpPr>
-            <p:cNvPr id="33" name="CaixaDeTexto 32">
-              <a:extLst>
-                <a:ext uri="{FF2B5EF4-FFF2-40B4-BE49-F238E27FC236}">
-                  <a16:creationId xmlns:a16="http://schemas.microsoft.com/office/drawing/2014/main" id="{5951DD9B-3496-28D4-FA71-CD2BFAF52EDB}"/>
-                </a:ext>
-              </a:extLst>
-            </p:cNvPr>
-            <p:cNvSpPr txBox="1"/>
-            <p:nvPr/>
-          </p:nvSpPr>
-          <p:spPr>
-            <a:xfrm>
-              <a:off x="4433138" y="3443383"/>
-              <a:ext cx="454917" cy="276999"/>
-            </a:xfrm>
-            <a:prstGeom prst="rect">
-              <a:avLst/>
-            </a:prstGeom>
-            <a:noFill/>
-          </p:spPr>
-          <p:txBody>
-            <a:bodyPr wrap="square" rtlCol="0">
-              <a:spAutoFit/>
-            </a:bodyPr>
-            <a:lstStyle/>
-            <a:p>
-              <a:pPr algn="ctr"/>
-              <a:r>
-                <a:rPr lang="pt-BR" sz="1200" dirty="0"/>
-                <a:t>erro</a:t>
-              </a:r>
-            </a:p>
-          </p:txBody>
-        </p:sp>
-      </p:grpSp>
-    </p:spTree>
-    <p:extLst>
-      <p:ext uri="{BB962C8B-B14F-4D97-AF65-F5344CB8AC3E}">
-        <p14:creationId xmlns:p14="http://schemas.microsoft.com/office/powerpoint/2010/main" val="1811871843"/>
-      </p:ext>
-    </p:extLst>
-  </p:cSld>
-  <p:clrMapOvr>
-    <a:masterClrMapping/>
-  </p:clrMapOvr>
-</p:sld>
-</file>
-
-<file path=ppt/slides/slide14.xml><?xml version="1.0" encoding="utf-8"?>
-<p:sld xmlns:a="http://schemas.openxmlformats.org/drawingml/2006/main" xmlns:r="http://schemas.openxmlformats.org/officeDocument/2006/relationships" xmlns:p="http://schemas.openxmlformats.org/presentationml/2006/main">
-  <p:cSld>
-    <p:spTree>
-      <p:nvGrpSpPr>
-        <p:cNvPr id="1" name=""/>
-        <p:cNvGrpSpPr/>
-        <p:nvPr/>
-      </p:nvGrpSpPr>
-      <p:grpSpPr>
-        <a:xfrm>
-          <a:off x="0" y="0"/>
-          <a:ext cx="0" cy="0"/>
-          <a:chOff x="0" y="0"/>
-          <a:chExt cx="0" cy="0"/>
-        </a:xfrm>
-      </p:grpSpPr>
-      <p:sp>
-        <p:nvSpPr>
-          <p:cNvPr id="2" name="Título 1">
-            <a:extLst>
-              <a:ext uri="{FF2B5EF4-FFF2-40B4-BE49-F238E27FC236}">
-                <a16:creationId xmlns:a16="http://schemas.microsoft.com/office/drawing/2014/main" id="{BEAAC63C-303B-CC7F-1D4F-8D765EB8B09B}"/>
-              </a:ext>
-            </a:extLst>
-          </p:cNvPr>
-          <p:cNvSpPr>
-            <a:spLocks noGrp="1"/>
-          </p:cNvSpPr>
-          <p:nvPr>
-            <p:ph type="title"/>
-          </p:nvPr>
-        </p:nvSpPr>
-        <p:spPr/>
-        <p:txBody>
-          <a:bodyPr/>
-          <a:lstStyle/>
-          <a:p>
-            <a:r>
-              <a:rPr lang="pt-BR" dirty="0"/>
-              <a:t>Treinamento da máquina (ou modelo de ML)</a:t>
-            </a:r>
-          </a:p>
-        </p:txBody>
-      </p:sp>
-      <mc:AlternateContent xmlns:mc="http://schemas.openxmlformats.org/markup-compatibility/2006" xmlns:a14="http://schemas.microsoft.com/office/drawing/2010/main">
-        <mc:Choice Requires="a14">
-          <p:sp>
-            <p:nvSpPr>
-              <p:cNvPr id="3" name="Espaço Reservado para Conteúdo 2">
-                <a:extLst>
-                  <a:ext uri="{FF2B5EF4-FFF2-40B4-BE49-F238E27FC236}">
-                    <a16:creationId xmlns:a16="http://schemas.microsoft.com/office/drawing/2014/main" id="{62A3C305-4461-D25D-82D9-0C9F42995D65}"/>
-                  </a:ext>
-                </a:extLst>
-              </p:cNvPr>
-              <p:cNvSpPr>
-                <a:spLocks noGrp="1"/>
-              </p:cNvSpPr>
-              <p:nvPr>
-                <p:ph idx="1"/>
-              </p:nvPr>
-            </p:nvSpPr>
-            <p:spPr>
-              <a:xfrm>
-                <a:off x="6049699" y="1825624"/>
-                <a:ext cx="5985114" cy="5032376"/>
-              </a:xfrm>
-            </p:spPr>
-            <p:txBody>
-              <a:bodyPr>
-                <a:normAutofit/>
-              </a:bodyPr>
-              <a:lstStyle/>
-              <a:p>
-                <a:r>
-                  <a:rPr lang="pt-BR" dirty="0"/>
-                  <a:t>Primeiro, o computador (ou modelo de ML) faz um </a:t>
-                </a:r>
-                <a:r>
-                  <a:rPr lang="pt-BR" b="1" i="1" dirty="0"/>
-                  <a:t>mapeamento </a:t>
-                </a:r>
-                <a:r>
-                  <a:rPr lang="pt-BR" b="1" i="1" dirty="0">
-                    <a:solidFill>
-                      <a:srgbClr val="00B050"/>
-                    </a:solidFill>
-                  </a:rPr>
-                  <a:t>aleatório</a:t>
-                </a:r>
-                <a:r>
-                  <a:rPr lang="pt-BR" b="1" i="1" dirty="0"/>
-                  <a:t> </a:t>
-                </a:r>
-                <a:r>
-                  <a:rPr lang="pt-BR" dirty="0"/>
-                  <a:t>da entrada, </a:t>
-                </a:r>
-                <a14:m>
-                  <m:oMath xmlns:m="http://schemas.openxmlformats.org/officeDocument/2006/math">
-                    <m:r>
-                      <a:rPr lang="pt-BR" b="0" i="1" smtClean="0">
-                        <a:latin typeface="Cambria Math" panose="02040503050406030204" pitchFamily="18" charset="0"/>
-                      </a:rPr>
-                      <m:t>𝑥</m:t>
-                    </m:r>
-                  </m:oMath>
-                </a14:m>
-                <a:r>
-                  <a:rPr lang="pt-BR" dirty="0"/>
-                  <a:t>, em um valor de saída, </a:t>
-                </a:r>
-                <a14:m>
-                  <m:oMath xmlns:m="http://schemas.openxmlformats.org/officeDocument/2006/math">
-                    <m:acc>
-                      <m:accPr>
-                        <m:chr m:val="̂"/>
-                        <m:ctrlPr>
-                          <a:rPr lang="pt-BR" i="1" smtClean="0">
-                            <a:latin typeface="Cambria Math" panose="02040503050406030204" pitchFamily="18" charset="0"/>
-                          </a:rPr>
-                        </m:ctrlPr>
-                      </m:accPr>
-                      <m:e>
-                        <m:r>
-                          <a:rPr lang="pt-BR" b="0" i="1" smtClean="0">
-                            <a:latin typeface="Cambria Math" panose="02040503050406030204" pitchFamily="18" charset="0"/>
-                          </a:rPr>
-                          <m:t>𝑦</m:t>
-                        </m:r>
-                      </m:e>
-                    </m:acc>
-                  </m:oMath>
-                </a14:m>
-                <a:r>
-                  <a:rPr lang="pt-BR" dirty="0"/>
-                  <a:t>, ou seja, dá um </a:t>
-                </a:r>
-                <a:r>
-                  <a:rPr lang="pt-BR" b="1" i="1" dirty="0">
-                    <a:solidFill>
-                      <a:srgbClr val="00B050"/>
-                    </a:solidFill>
-                  </a:rPr>
-                  <a:t>palpite</a:t>
-                </a:r>
-                <a:r>
-                  <a:rPr lang="pt-BR" dirty="0"/>
-                  <a:t> sobre qual deve ser a saída para aquela entrada.</a:t>
-                </a:r>
-              </a:p>
-            </p:txBody>
-          </p:sp>
-        </mc:Choice>
-        <mc:Fallback xmlns="">
-          <p:sp>
-            <p:nvSpPr>
-              <p:cNvPr id="3" name="Espaço Reservado para Conteúdo 2">
-                <a:extLst>
-                  <a:ext uri="{FF2B5EF4-FFF2-40B4-BE49-F238E27FC236}">
-                    <a16:creationId xmlns:a16="http://schemas.microsoft.com/office/drawing/2014/main" id="{62A3C305-4461-D25D-82D9-0C9F42995D65}"/>
-                  </a:ext>
-                </a:extLst>
-              </p:cNvPr>
-              <p:cNvSpPr>
-                <a:spLocks noGrp="1" noRot="1" noChangeAspect="1" noMove="1" noResize="1" noEditPoints="1" noAdjustHandles="1" noChangeArrowheads="1" noChangeShapeType="1" noTextEdit="1"/>
-              </p:cNvSpPr>
-              <p:nvPr>
-                <p:ph idx="1"/>
-              </p:nvPr>
-            </p:nvSpPr>
-            <p:spPr>
-              <a:xfrm>
-                <a:off x="6049699" y="1825624"/>
-                <a:ext cx="5985114" cy="5032376"/>
-              </a:xfrm>
-              <a:blipFill>
-                <a:blip r:embed="rId3"/>
-                <a:stretch>
-                  <a:fillRect l="-1833" t="-1937" r="-1324"/>
-                </a:stretch>
-              </a:blipFill>
-            </p:spPr>
-            <p:txBody>
-              <a:bodyPr/>
-              <a:lstStyle/>
-              <a:p>
-                <a:r>
-                  <a:rPr lang="pt-BR">
-                    <a:noFill/>
-                  </a:rPr>
-                  <a:t> </a:t>
-                </a:r>
-              </a:p>
-            </p:txBody>
-          </p:sp>
-        </mc:Fallback>
-      </mc:AlternateContent>
-      <p:grpSp>
-        <p:nvGrpSpPr>
-          <p:cNvPr id="34" name="Agrupar 33">
-            <a:extLst>
-              <a:ext uri="{FF2B5EF4-FFF2-40B4-BE49-F238E27FC236}">
-                <a16:creationId xmlns:a16="http://schemas.microsoft.com/office/drawing/2014/main" id="{C99055CE-2A30-8E13-5578-E4E0AB4F26C3}"/>
-              </a:ext>
-            </a:extLst>
-          </p:cNvPr>
-          <p:cNvGrpSpPr/>
-          <p:nvPr/>
-        </p:nvGrpSpPr>
-        <p:grpSpPr>
-          <a:xfrm>
-            <a:off x="732540" y="2398623"/>
-            <a:ext cx="4730868" cy="3031571"/>
-            <a:chOff x="157187" y="2378075"/>
-            <a:chExt cx="4730868" cy="3031571"/>
-          </a:xfrm>
-        </p:grpSpPr>
-        <p:sp>
-          <p:nvSpPr>
-            <p:cNvPr id="6" name="Rectangle 12">
-              <a:extLst>
-                <a:ext uri="{FF2B5EF4-FFF2-40B4-BE49-F238E27FC236}">
-                  <a16:creationId xmlns:a16="http://schemas.microsoft.com/office/drawing/2014/main" id="{E7853E63-2A92-3519-5D05-A785F4AA7AB1}"/>
-                </a:ext>
-              </a:extLst>
-            </p:cNvPr>
-            <p:cNvSpPr/>
-            <p:nvPr/>
-          </p:nvSpPr>
-          <p:spPr>
-            <a:xfrm>
-              <a:off x="1361788" y="3029857"/>
-              <a:ext cx="1216819" cy="849086"/>
-            </a:xfrm>
-            <a:prstGeom prst="rect">
-              <a:avLst/>
-            </a:prstGeom>
-            <a:noFill/>
-            <a:ln>
-              <a:solidFill>
-                <a:schemeClr val="tx1"/>
-              </a:solidFill>
-            </a:ln>
-          </p:spPr>
-          <p:style>
-            <a:lnRef idx="2">
-              <a:schemeClr val="accent1">
-                <a:shade val="50000"/>
-              </a:schemeClr>
-            </a:lnRef>
-            <a:fillRef idx="1">
-              <a:schemeClr val="accent1"/>
-            </a:fillRef>
-            <a:effectRef idx="0">
-              <a:schemeClr val="accent1"/>
-            </a:effectRef>
-            <a:fontRef idx="minor">
-              <a:schemeClr val="lt1"/>
-            </a:fontRef>
-          </p:style>
-          <p:txBody>
-            <a:bodyPr rtlCol="0" anchor="ctr"/>
-            <a:lstStyle/>
-            <a:p>
-              <a:pPr algn="ctr"/>
-              <a:r>
-                <a:rPr lang="pt-BR" dirty="0">
-                  <a:solidFill>
-                    <a:schemeClr val="tx1"/>
-                  </a:solidFill>
-                </a:rPr>
-                <a:t>Modelo de ML</a:t>
-              </a:r>
-            </a:p>
-          </p:txBody>
-        </p:sp>
-        <p:cxnSp>
-          <p:nvCxnSpPr>
-            <p:cNvPr id="7" name="Straight Arrow Connector 14">
-              <a:extLst>
-                <a:ext uri="{FF2B5EF4-FFF2-40B4-BE49-F238E27FC236}">
-                  <a16:creationId xmlns:a16="http://schemas.microsoft.com/office/drawing/2014/main" id="{A9257D97-965C-8425-2635-FF993FEB273B}"/>
-                </a:ext>
-              </a:extLst>
-            </p:cNvPr>
-            <p:cNvCxnSpPr>
-              <a:cxnSpLocks/>
-            </p:cNvCxnSpPr>
-            <p:nvPr/>
-          </p:nvCxnSpPr>
-          <p:spPr>
-            <a:xfrm>
-              <a:off x="893787" y="3471233"/>
-              <a:ext cx="468000" cy="0"/>
-            </a:xfrm>
-            <a:prstGeom prst="straightConnector1">
-              <a:avLst/>
-            </a:prstGeom>
-            <a:ln w="19050">
-              <a:tailEnd type="triangle"/>
-            </a:ln>
-          </p:spPr>
-          <p:style>
-            <a:lnRef idx="1">
-              <a:schemeClr val="accent1"/>
-            </a:lnRef>
-            <a:fillRef idx="0">
-              <a:schemeClr val="accent1"/>
-            </a:fillRef>
-            <a:effectRef idx="0">
-              <a:schemeClr val="accent1"/>
-            </a:effectRef>
-            <a:fontRef idx="minor">
-              <a:schemeClr val="tx1"/>
-            </a:fontRef>
-          </p:style>
-        </p:cxnSp>
-        <p:cxnSp>
-          <p:nvCxnSpPr>
-            <p:cNvPr id="8" name="Straight Arrow Connector 14">
-              <a:extLst>
-                <a:ext uri="{FF2B5EF4-FFF2-40B4-BE49-F238E27FC236}">
-                  <a16:creationId xmlns:a16="http://schemas.microsoft.com/office/drawing/2014/main" id="{81279072-2FCD-B9AC-98AF-9E1381EA4C61}"/>
-                </a:ext>
-              </a:extLst>
-            </p:cNvPr>
-            <p:cNvCxnSpPr>
-              <a:cxnSpLocks/>
-              <a:stCxn id="6" idx="3"/>
-              <a:endCxn id="9" idx="1"/>
-            </p:cNvCxnSpPr>
-            <p:nvPr/>
-          </p:nvCxnSpPr>
-          <p:spPr>
-            <a:xfrm>
-              <a:off x="2578607" y="3454400"/>
-              <a:ext cx="692886" cy="0"/>
-            </a:xfrm>
-            <a:prstGeom prst="straightConnector1">
-              <a:avLst/>
-            </a:prstGeom>
-            <a:ln w="19050">
-              <a:tailEnd type="triangle"/>
-            </a:ln>
-          </p:spPr>
-          <p:style>
-            <a:lnRef idx="1">
-              <a:schemeClr val="accent1"/>
-            </a:lnRef>
-            <a:fillRef idx="0">
-              <a:schemeClr val="accent1"/>
-            </a:fillRef>
-            <a:effectRef idx="0">
-              <a:schemeClr val="accent1"/>
-            </a:effectRef>
-            <a:fontRef idx="minor">
-              <a:schemeClr val="tx1"/>
-            </a:fontRef>
-          </p:style>
-        </p:cxnSp>
-        <p:sp>
-          <p:nvSpPr>
-            <p:cNvPr id="9" name="Rectangle 12">
-              <a:extLst>
-                <a:ext uri="{FF2B5EF4-FFF2-40B4-BE49-F238E27FC236}">
-                  <a16:creationId xmlns:a16="http://schemas.microsoft.com/office/drawing/2014/main" id="{3DC3166C-018F-F1AF-A692-954F8C6F39F2}"/>
-                </a:ext>
-              </a:extLst>
-            </p:cNvPr>
-            <p:cNvSpPr/>
-            <p:nvPr/>
-          </p:nvSpPr>
-          <p:spPr>
-            <a:xfrm>
-              <a:off x="3271493" y="3029857"/>
-              <a:ext cx="1216818" cy="849086"/>
-            </a:xfrm>
-            <a:prstGeom prst="rect">
-              <a:avLst/>
-            </a:prstGeom>
-            <a:noFill/>
-            <a:ln>
-              <a:solidFill>
-                <a:schemeClr val="tx1"/>
-              </a:solidFill>
-            </a:ln>
-          </p:spPr>
-          <p:style>
-            <a:lnRef idx="2">
-              <a:schemeClr val="accent1">
-                <a:shade val="50000"/>
-              </a:schemeClr>
-            </a:lnRef>
-            <a:fillRef idx="1">
-              <a:schemeClr val="accent1"/>
-            </a:fillRef>
-            <a:effectRef idx="0">
-              <a:schemeClr val="accent1"/>
-            </a:effectRef>
-            <a:fontRef idx="minor">
-              <a:schemeClr val="lt1"/>
-            </a:fontRef>
-          </p:style>
-          <p:txBody>
-            <a:bodyPr rtlCol="0" anchor="ctr"/>
-            <a:lstStyle/>
-            <a:p>
-              <a:pPr algn="ctr"/>
-              <a:r>
-                <a:rPr lang="pt-BR" dirty="0">
-                  <a:solidFill>
-                    <a:schemeClr val="tx1"/>
-                  </a:solidFill>
-                </a:rPr>
-                <a:t>Função de erro</a:t>
-              </a:r>
-            </a:p>
-          </p:txBody>
-        </p:sp>
-        <mc:AlternateContent xmlns:mc="http://schemas.openxmlformats.org/markup-compatibility/2006" xmlns:a14="http://schemas.microsoft.com/office/drawing/2010/main">
-          <mc:Choice Requires="a14">
-            <p:sp>
-              <p:nvSpPr>
-                <p:cNvPr id="11" name="CaixaDeTexto 10">
-                  <a:extLst>
-                    <a:ext uri="{FF2B5EF4-FFF2-40B4-BE49-F238E27FC236}">
-                      <a16:creationId xmlns:a16="http://schemas.microsoft.com/office/drawing/2014/main" id="{5288BD09-DF15-9DAC-F0A9-2A5E8A55D030}"/>
-                    </a:ext>
-                  </a:extLst>
-                </p:cNvPr>
-                <p:cNvSpPr txBox="1"/>
-                <p:nvPr/>
-              </p:nvSpPr>
-              <p:spPr>
-                <a:xfrm flipH="1">
-                  <a:off x="436587" y="3162012"/>
-                  <a:ext cx="467999" cy="461665"/>
-                </a:xfrm>
-                <a:prstGeom prst="rect">
-                  <a:avLst/>
-                </a:prstGeom>
-                <a:noFill/>
-              </p:spPr>
-              <p:txBody>
-                <a:bodyPr wrap="square">
-                  <a:spAutoFit/>
-                </a:bodyPr>
-                <a:lstStyle/>
-                <a:p>
-                  <a:pPr/>
-                  <a14:m>
-                    <m:oMathPara xmlns:m="http://schemas.openxmlformats.org/officeDocument/2006/math">
-                      <m:oMathParaPr>
-                        <m:jc m:val="center"/>
-                      </m:oMathParaPr>
-                      <m:oMath xmlns:m="http://schemas.openxmlformats.org/officeDocument/2006/math">
-                        <m:r>
-                          <a:rPr lang="pt-BR" sz="2400" i="1" smtClean="0">
-                            <a:latin typeface="Cambria Math" panose="02040503050406030204" pitchFamily="18" charset="0"/>
-                          </a:rPr>
-                          <m:t>𝑥</m:t>
-                        </m:r>
-                      </m:oMath>
-                    </m:oMathPara>
-                  </a14:m>
-                  <a:endParaRPr lang="pt-BR" sz="2400" dirty="0"/>
-                </a:p>
-              </p:txBody>
-            </p:sp>
-          </mc:Choice>
-          <mc:Fallback xmlns="">
-            <p:sp>
-              <p:nvSpPr>
-                <p:cNvPr id="11" name="CaixaDeTexto 10">
-                  <a:extLst>
-                    <a:ext uri="{FF2B5EF4-FFF2-40B4-BE49-F238E27FC236}">
-                      <a16:creationId xmlns:a16="http://schemas.microsoft.com/office/drawing/2014/main" id="{5288BD09-DF15-9DAC-F0A9-2A5E8A55D030}"/>
-                    </a:ext>
-                  </a:extLst>
-                </p:cNvPr>
-                <p:cNvSpPr txBox="1">
-                  <a:spLocks noRot="1" noChangeAspect="1" noMove="1" noResize="1" noEditPoints="1" noAdjustHandles="1" noChangeArrowheads="1" noChangeShapeType="1" noTextEdit="1"/>
-                </p:cNvSpPr>
-                <p:nvPr/>
-              </p:nvSpPr>
-              <p:spPr>
-                <a:xfrm flipH="1">
-                  <a:off x="436587" y="3162012"/>
-                  <a:ext cx="467999" cy="461665"/>
-                </a:xfrm>
-                <a:prstGeom prst="rect">
-                  <a:avLst/>
-                </a:prstGeom>
-                <a:blipFill>
-                  <a:blip r:embed="rId4"/>
-                  <a:stretch>
-                    <a:fillRect/>
-                  </a:stretch>
-                </a:blipFill>
-              </p:spPr>
-              <p:txBody>
-                <a:bodyPr/>
-                <a:lstStyle/>
-                <a:p>
-                  <a:r>
-                    <a:rPr lang="pt-BR">
-                      <a:noFill/>
-                    </a:rPr>
-                    <a:t> </a:t>
-                  </a:r>
-                </a:p>
-              </p:txBody>
-            </p:sp>
-          </mc:Fallback>
-        </mc:AlternateContent>
-        <mc:AlternateContent xmlns:mc="http://schemas.openxmlformats.org/markup-compatibility/2006" xmlns:a14="http://schemas.microsoft.com/office/drawing/2010/main">
-          <mc:Choice Requires="a14">
-            <p:sp>
-              <p:nvSpPr>
-                <p:cNvPr id="12" name="CaixaDeTexto 11">
-                  <a:extLst>
-                    <a:ext uri="{FF2B5EF4-FFF2-40B4-BE49-F238E27FC236}">
-                      <a16:creationId xmlns:a16="http://schemas.microsoft.com/office/drawing/2014/main" id="{120EB5AF-A158-F20A-7D5F-DC34312E5153}"/>
-                    </a:ext>
-                  </a:extLst>
-                </p:cNvPr>
-                <p:cNvSpPr txBox="1"/>
-                <p:nvPr/>
-              </p:nvSpPr>
-              <p:spPr>
-                <a:xfrm flipH="1">
-                  <a:off x="425788" y="4367212"/>
-                  <a:ext cx="467999" cy="461665"/>
-                </a:xfrm>
-                <a:prstGeom prst="rect">
-                  <a:avLst/>
-                </a:prstGeom>
-                <a:noFill/>
-              </p:spPr>
-              <p:txBody>
-                <a:bodyPr wrap="square">
-                  <a:spAutoFit/>
-                </a:bodyPr>
-                <a:lstStyle/>
-                <a:p>
-                  <a:pPr/>
-                  <a14:m>
-                    <m:oMathPara xmlns:m="http://schemas.openxmlformats.org/officeDocument/2006/math">
-                      <m:oMathParaPr>
-                        <m:jc m:val="center"/>
-                      </m:oMathParaPr>
-                      <m:oMath xmlns:m="http://schemas.openxmlformats.org/officeDocument/2006/math">
-                        <m:r>
-                          <a:rPr lang="pt-BR" sz="2400" b="0" i="1" smtClean="0">
-                            <a:latin typeface="Cambria Math" panose="02040503050406030204" pitchFamily="18" charset="0"/>
-                          </a:rPr>
-                          <m:t>𝑦</m:t>
-                        </m:r>
-                      </m:oMath>
-                    </m:oMathPara>
-                  </a14:m>
-                  <a:endParaRPr lang="pt-BR" sz="2400" dirty="0"/>
-                </a:p>
-              </p:txBody>
-            </p:sp>
-          </mc:Choice>
-          <mc:Fallback xmlns="">
-            <p:sp>
-              <p:nvSpPr>
-                <p:cNvPr id="12" name="CaixaDeTexto 11">
-                  <a:extLst>
-                    <a:ext uri="{FF2B5EF4-FFF2-40B4-BE49-F238E27FC236}">
-                      <a16:creationId xmlns:a16="http://schemas.microsoft.com/office/drawing/2014/main" id="{120EB5AF-A158-F20A-7D5F-DC34312E5153}"/>
-                    </a:ext>
-                  </a:extLst>
-                </p:cNvPr>
-                <p:cNvSpPr txBox="1">
-                  <a:spLocks noRot="1" noChangeAspect="1" noMove="1" noResize="1" noEditPoints="1" noAdjustHandles="1" noChangeArrowheads="1" noChangeShapeType="1" noTextEdit="1"/>
-                </p:cNvSpPr>
-                <p:nvPr/>
-              </p:nvSpPr>
-              <p:spPr>
-                <a:xfrm flipH="1">
-                  <a:off x="425788" y="4367212"/>
-                  <a:ext cx="467999" cy="461665"/>
-                </a:xfrm>
-                <a:prstGeom prst="rect">
-                  <a:avLst/>
-                </a:prstGeom>
-                <a:blipFill>
-                  <a:blip r:embed="rId5"/>
-                  <a:stretch>
-                    <a:fillRect b="-10526"/>
-                  </a:stretch>
-                </a:blipFill>
-              </p:spPr>
-              <p:txBody>
-                <a:bodyPr/>
-                <a:lstStyle/>
-                <a:p>
-                  <a:r>
-                    <a:rPr lang="pt-BR">
-                      <a:noFill/>
-                    </a:rPr>
-                    <a:t> </a:t>
-                  </a:r>
-                </a:p>
-              </p:txBody>
-            </p:sp>
-          </mc:Fallback>
-        </mc:AlternateContent>
-        <mc:AlternateContent xmlns:mc="http://schemas.openxmlformats.org/markup-compatibility/2006" xmlns:a14="http://schemas.microsoft.com/office/drawing/2010/main">
-          <mc:Choice Requires="a14">
-            <p:sp>
-              <p:nvSpPr>
-                <p:cNvPr id="13" name="CaixaDeTexto 12">
-                  <a:extLst>
-                    <a:ext uri="{FF2B5EF4-FFF2-40B4-BE49-F238E27FC236}">
-                      <a16:creationId xmlns:a16="http://schemas.microsoft.com/office/drawing/2014/main" id="{0DD5471C-A64B-2523-03B6-5429998A9CAA}"/>
-                    </a:ext>
-                  </a:extLst>
-                </p:cNvPr>
-                <p:cNvSpPr txBox="1"/>
-                <p:nvPr/>
-              </p:nvSpPr>
-              <p:spPr>
-                <a:xfrm flipH="1">
-                  <a:off x="2656972" y="3008452"/>
-                  <a:ext cx="467999" cy="461665"/>
-                </a:xfrm>
-                <a:prstGeom prst="rect">
-                  <a:avLst/>
-                </a:prstGeom>
-                <a:noFill/>
-              </p:spPr>
-              <p:txBody>
-                <a:bodyPr wrap="square">
-                  <a:spAutoFit/>
-                </a:bodyPr>
-                <a:lstStyle/>
-                <a:p>
-                  <a:pPr/>
-                  <a14:m>
-                    <m:oMathPara xmlns:m="http://schemas.openxmlformats.org/officeDocument/2006/math">
-                      <m:oMathParaPr>
-                        <m:jc m:val="center"/>
-                      </m:oMathParaPr>
-                      <m:oMath xmlns:m="http://schemas.openxmlformats.org/officeDocument/2006/math">
-                        <m:acc>
-                          <m:accPr>
-                            <m:chr m:val="̂"/>
-                            <m:ctrlPr>
-                              <a:rPr lang="pt-BR" sz="2400" b="0" i="1" smtClean="0">
-                                <a:latin typeface="Cambria Math" panose="02040503050406030204" pitchFamily="18" charset="0"/>
-                              </a:rPr>
-                            </m:ctrlPr>
-                          </m:accPr>
-                          <m:e>
-                            <m:r>
-                              <a:rPr lang="pt-BR" sz="2400" b="0" i="1" smtClean="0">
-                                <a:latin typeface="Cambria Math" panose="02040503050406030204" pitchFamily="18" charset="0"/>
-                              </a:rPr>
-                              <m:t>𝑦</m:t>
-                            </m:r>
-                          </m:e>
-                        </m:acc>
-                      </m:oMath>
-                    </m:oMathPara>
-                  </a14:m>
-                  <a:endParaRPr lang="pt-BR" sz="2400" dirty="0"/>
-                </a:p>
-              </p:txBody>
-            </p:sp>
-          </mc:Choice>
-          <mc:Fallback xmlns="">
-            <p:sp>
-              <p:nvSpPr>
-                <p:cNvPr id="13" name="CaixaDeTexto 12">
-                  <a:extLst>
-                    <a:ext uri="{FF2B5EF4-FFF2-40B4-BE49-F238E27FC236}">
-                      <a16:creationId xmlns:a16="http://schemas.microsoft.com/office/drawing/2014/main" id="{0DD5471C-A64B-2523-03B6-5429998A9CAA}"/>
-                    </a:ext>
-                  </a:extLst>
-                </p:cNvPr>
-                <p:cNvSpPr txBox="1">
-                  <a:spLocks noRot="1" noChangeAspect="1" noMove="1" noResize="1" noEditPoints="1" noAdjustHandles="1" noChangeArrowheads="1" noChangeShapeType="1" noTextEdit="1"/>
-                </p:cNvSpPr>
-                <p:nvPr/>
-              </p:nvSpPr>
-              <p:spPr>
-                <a:xfrm flipH="1">
-                  <a:off x="2656972" y="3008452"/>
-                  <a:ext cx="467999" cy="461665"/>
-                </a:xfrm>
-                <a:prstGeom prst="rect">
-                  <a:avLst/>
-                </a:prstGeom>
-                <a:blipFill>
-                  <a:blip r:embed="rId6"/>
-                  <a:stretch>
-                    <a:fillRect t="-4000" r="-24675" b="-10667"/>
-                  </a:stretch>
-                </a:blipFill>
-              </p:spPr>
-              <p:txBody>
-                <a:bodyPr/>
-                <a:lstStyle/>
-                <a:p>
-                  <a:r>
-                    <a:rPr lang="pt-BR">
-                      <a:noFill/>
-                    </a:rPr>
-                    <a:t> </a:t>
-                  </a:r>
-                </a:p>
-              </p:txBody>
-            </p:sp>
-          </mc:Fallback>
-        </mc:AlternateContent>
-        <p:cxnSp>
-          <p:nvCxnSpPr>
-            <p:cNvPr id="16" name="Conector: Angulado 15">
-              <a:extLst>
-                <a:ext uri="{FF2B5EF4-FFF2-40B4-BE49-F238E27FC236}">
-                  <a16:creationId xmlns:a16="http://schemas.microsoft.com/office/drawing/2014/main" id="{3FAEDAB4-1B8D-7870-9AD3-B92809EB1C85}"/>
-                </a:ext>
-              </a:extLst>
-            </p:cNvPr>
-            <p:cNvCxnSpPr>
-              <a:cxnSpLocks/>
-              <a:stCxn id="12" idx="1"/>
-              <a:endCxn id="9" idx="2"/>
-            </p:cNvCxnSpPr>
-            <p:nvPr/>
-          </p:nvCxnSpPr>
-          <p:spPr>
-            <a:xfrm flipV="1">
-              <a:off x="893787" y="3878943"/>
-              <a:ext cx="2986115" cy="719102"/>
-            </a:xfrm>
-            <a:prstGeom prst="bentConnector2">
-              <a:avLst/>
-            </a:prstGeom>
-            <a:ln>
-              <a:tailEnd type="triangle"/>
-            </a:ln>
-          </p:spPr>
-          <p:style>
-            <a:lnRef idx="1">
-              <a:schemeClr val="accent1"/>
-            </a:lnRef>
-            <a:fillRef idx="0">
-              <a:schemeClr val="accent1"/>
-            </a:fillRef>
-            <a:effectRef idx="0">
-              <a:schemeClr val="accent1"/>
-            </a:effectRef>
-            <a:fontRef idx="minor">
-              <a:schemeClr val="tx1"/>
-            </a:fontRef>
-          </p:style>
-        </p:cxnSp>
-        <p:cxnSp>
-          <p:nvCxnSpPr>
-            <p:cNvPr id="21" name="Conector: Angulado 20">
-              <a:extLst>
-                <a:ext uri="{FF2B5EF4-FFF2-40B4-BE49-F238E27FC236}">
-                  <a16:creationId xmlns:a16="http://schemas.microsoft.com/office/drawing/2014/main" id="{D673CECA-B641-12AA-8739-E88867B97027}"/>
-                </a:ext>
-              </a:extLst>
-            </p:cNvPr>
-            <p:cNvCxnSpPr>
-              <a:stCxn id="9" idx="3"/>
-            </p:cNvCxnSpPr>
-            <p:nvPr/>
-          </p:nvCxnSpPr>
-          <p:spPr>
-            <a:xfrm flipH="1" flipV="1">
-              <a:off x="2663083" y="2378075"/>
-              <a:ext cx="1825228" cy="1076325"/>
-            </a:xfrm>
-            <a:prstGeom prst="bentConnector3">
-              <a:avLst>
-                <a:gd name="adj1" fmla="val -12524"/>
-              </a:avLst>
-            </a:prstGeom>
-            <a:ln>
-              <a:prstDash val="dash"/>
-              <a:headEnd type="none" w="med" len="med"/>
-              <a:tailEnd type="none" w="med" len="med"/>
-            </a:ln>
-          </p:spPr>
-          <p:style>
-            <a:lnRef idx="1">
-              <a:schemeClr val="accent1"/>
-            </a:lnRef>
-            <a:fillRef idx="0">
-              <a:schemeClr val="accent1"/>
-            </a:fillRef>
-            <a:effectRef idx="0">
-              <a:schemeClr val="accent1"/>
-            </a:effectRef>
-            <a:fontRef idx="minor">
-              <a:schemeClr val="tx1"/>
-            </a:fontRef>
-          </p:style>
-        </p:cxnSp>
-        <p:cxnSp>
-          <p:nvCxnSpPr>
-            <p:cNvPr id="23" name="Conector reto 22">
-              <a:extLst>
-                <a:ext uri="{FF2B5EF4-FFF2-40B4-BE49-F238E27FC236}">
-                  <a16:creationId xmlns:a16="http://schemas.microsoft.com/office/drawing/2014/main" id="{8398CC8E-EF21-D29C-8F65-6D07E0E1EE67}"/>
-                </a:ext>
-              </a:extLst>
-            </p:cNvPr>
-            <p:cNvCxnSpPr/>
-            <p:nvPr/>
-          </p:nvCxnSpPr>
-          <p:spPr>
-            <a:xfrm flipH="1">
-              <a:off x="1450107" y="2378075"/>
-              <a:ext cx="1212396" cy="1743075"/>
-            </a:xfrm>
-            <a:prstGeom prst="line">
-              <a:avLst/>
-            </a:prstGeom>
-            <a:ln>
-              <a:prstDash val="dash"/>
-              <a:headEnd type="none" w="med" len="med"/>
-              <a:tailEnd type="triangle" w="med" len="med"/>
-            </a:ln>
-          </p:spPr>
-          <p:style>
-            <a:lnRef idx="1">
-              <a:schemeClr val="accent1"/>
-            </a:lnRef>
-            <a:fillRef idx="0">
-              <a:schemeClr val="accent1"/>
-            </a:fillRef>
-            <a:effectRef idx="0">
-              <a:schemeClr val="accent1"/>
-            </a:effectRef>
-            <a:fontRef idx="minor">
-              <a:schemeClr val="tx1"/>
-            </a:fontRef>
-          </p:style>
-        </p:cxnSp>
-        <p:sp>
-          <p:nvSpPr>
-            <p:cNvPr id="24" name="CaixaDeTexto 23">
-              <a:extLst>
-                <a:ext uri="{FF2B5EF4-FFF2-40B4-BE49-F238E27FC236}">
-                  <a16:creationId xmlns:a16="http://schemas.microsoft.com/office/drawing/2014/main" id="{A983C952-9622-7311-DD7F-BBE088C3FA5C}"/>
-                </a:ext>
-              </a:extLst>
-            </p:cNvPr>
-            <p:cNvSpPr txBox="1"/>
-            <p:nvPr/>
-          </p:nvSpPr>
-          <p:spPr>
-            <a:xfrm>
-              <a:off x="893787" y="4074825"/>
-              <a:ext cx="1309262" cy="276999"/>
-            </a:xfrm>
-            <a:prstGeom prst="rect">
-              <a:avLst/>
-            </a:prstGeom>
-            <a:noFill/>
-          </p:spPr>
-          <p:txBody>
-            <a:bodyPr wrap="square" rtlCol="0">
-              <a:spAutoFit/>
-            </a:bodyPr>
-            <a:lstStyle/>
-            <a:p>
-              <a:pPr algn="ctr"/>
-              <a:r>
-                <a:rPr lang="pt-BR" sz="1200" dirty="0"/>
-                <a:t>Ajuste do modelo</a:t>
-              </a:r>
-            </a:p>
-          </p:txBody>
-        </p:sp>
-        <p:sp>
-          <p:nvSpPr>
-            <p:cNvPr id="25" name="Retângulo 24">
-              <a:extLst>
-                <a:ext uri="{FF2B5EF4-FFF2-40B4-BE49-F238E27FC236}">
-                  <a16:creationId xmlns:a16="http://schemas.microsoft.com/office/drawing/2014/main" id="{5E781219-D9F8-C3D2-6311-373A6032B12A}"/>
-                </a:ext>
-              </a:extLst>
-            </p:cNvPr>
-            <p:cNvSpPr/>
-            <p:nvPr/>
-          </p:nvSpPr>
-          <p:spPr>
-            <a:xfrm>
-              <a:off x="425788" y="3029858"/>
-              <a:ext cx="463575" cy="1935842"/>
-            </a:xfrm>
-            <a:prstGeom prst="rect">
-              <a:avLst/>
-            </a:prstGeom>
-            <a:solidFill>
-              <a:schemeClr val="accent1">
-                <a:alpha val="41000"/>
-              </a:schemeClr>
-            </a:solidFill>
-            <a:ln>
-              <a:solidFill>
-                <a:schemeClr val="accent1">
-                  <a:shade val="15000"/>
-                </a:schemeClr>
-              </a:solidFill>
-            </a:ln>
-          </p:spPr>
-          <p:style>
-            <a:lnRef idx="2">
-              <a:schemeClr val="accent1">
-                <a:shade val="15000"/>
-              </a:schemeClr>
-            </a:lnRef>
-            <a:fillRef idx="1">
-              <a:schemeClr val="accent1"/>
-            </a:fillRef>
-            <a:effectRef idx="0">
-              <a:schemeClr val="accent1"/>
-            </a:effectRef>
-            <a:fontRef idx="minor">
-              <a:schemeClr val="lt1"/>
-            </a:fontRef>
-          </p:style>
-          <p:txBody>
-            <a:bodyPr rtlCol="0" anchor="ctr"/>
-            <a:lstStyle/>
-            <a:p>
-              <a:pPr algn="ctr"/>
-              <a:endParaRPr lang="pt-BR" dirty="0"/>
-            </a:p>
-          </p:txBody>
-        </p:sp>
-        <p:sp>
-          <p:nvSpPr>
             <p:cNvPr id="26" name="CaixaDeTexto 25">
               <a:extLst>
                 <a:ext uri="{FF2B5EF4-FFF2-40B4-BE49-F238E27FC236}">
@@ -10555,8 +10794,8 @@
           </a:p>
         </p:txBody>
       </p:sp>
-      <mc:AlternateContent xmlns:mc="http://schemas.openxmlformats.org/markup-compatibility/2006" xmlns:a14="http://schemas.microsoft.com/office/drawing/2010/main">
-        <mc:Choice Requires="a14">
+      <mc:AlternateContent xmlns:mc="http://schemas.openxmlformats.org/markup-compatibility/2006">
+        <mc:Choice xmlns:a14="http://schemas.microsoft.com/office/drawing/2010/main" Requires="a14">
           <p:sp>
             <p:nvSpPr>
               <p:cNvPr id="3" name="Espaço Reservado para Conteúdo 2">
@@ -10575,8 +10814,8 @@
             </p:nvSpPr>
             <p:spPr>
               <a:xfrm>
-                <a:off x="6472719" y="1825624"/>
-                <a:ext cx="5562094" cy="5032376"/>
+                <a:off x="6225308" y="1825624"/>
+                <a:ext cx="5809505" cy="5032376"/>
               </a:xfrm>
             </p:spPr>
             <p:txBody>
@@ -10601,7 +10840,7 @@
                 </a14:m>
                 <a:r>
                   <a:rPr lang="pt-BR" dirty="0"/>
-                  <a:t>, (i.e., rótulos), ele </a:t>
+                  <a:t>, (i.e., rótulos), </a:t>
                 </a:r>
                 <a:r>
                   <a:rPr lang="pt-BR" b="1" i="1" dirty="0">
@@ -10609,7 +10848,7 @@
                       <a:srgbClr val="00B050"/>
                     </a:solidFill>
                   </a:rPr>
-                  <a:t>mede o quão bom ou ruim foi esse palpite</a:t>
+                  <a:t>mede-se o quão bom ou ruim foi esse palpite</a:t>
                 </a:r>
                 <a:r>
                   <a:rPr lang="pt-BR" dirty="0"/>
@@ -10637,7 +10876,7 @@
             </p:txBody>
           </p:sp>
         </mc:Choice>
-        <mc:Fallback xmlns="">
+        <mc:Fallback>
           <p:sp>
             <p:nvSpPr>
               <p:cNvPr id="3" name="Espaço Reservado para Conteúdo 2">
@@ -10656,13 +10895,13 @@
             </p:nvSpPr>
             <p:spPr>
               <a:xfrm>
-                <a:off x="6472719" y="1825624"/>
-                <a:ext cx="5562094" cy="5032376"/>
+                <a:off x="6225308" y="1825624"/>
+                <a:ext cx="5809505" cy="5032376"/>
               </a:xfrm>
               <a:blipFill>
                 <a:blip r:embed="rId3"/>
                 <a:stretch>
-                  <a:fillRect l="-1974" t="-1937" r="-2083"/>
+                  <a:fillRect l="-1889" t="-1937" r="-1469"/>
                 </a:stretch>
               </a:blipFill>
             </p:spPr>
@@ -10701,6 +10940,64 @@
             <a:chExt cx="4730868" cy="3031571"/>
           </a:xfrm>
         </p:grpSpPr>
+        <p:sp>
+          <p:nvSpPr>
+            <p:cNvPr id="30" name="Retângulo 29">
+              <a:extLst>
+                <a:ext uri="{FF2B5EF4-FFF2-40B4-BE49-F238E27FC236}">
+                  <a16:creationId xmlns:a16="http://schemas.microsoft.com/office/drawing/2014/main" id="{5457C6EE-71F9-1CB7-6E0E-F9D95D6A2340}"/>
+                </a:ext>
+              </a:extLst>
+            </p:cNvPr>
+            <p:cNvSpPr/>
+            <p:nvPr/>
+          </p:nvSpPr>
+          <p:spPr>
+            <a:xfrm>
+              <a:off x="425788" y="3029858"/>
+              <a:ext cx="463575" cy="1935842"/>
+            </a:xfrm>
+            <a:prstGeom prst="rect">
+              <a:avLst/>
+            </a:prstGeom>
+            <a:solidFill>
+              <a:schemeClr val="accent1">
+                <a:alpha val="41000"/>
+              </a:schemeClr>
+            </a:solidFill>
+            <a:ln>
+              <a:solidFill>
+                <a:schemeClr val="accent1">
+                  <a:shade val="15000"/>
+                </a:schemeClr>
+              </a:solidFill>
+            </a:ln>
+          </p:spPr>
+          <p:style>
+            <a:lnRef idx="2">
+              <a:schemeClr val="accent1">
+                <a:shade val="15000"/>
+              </a:schemeClr>
+            </a:lnRef>
+            <a:fillRef idx="1">
+              <a:schemeClr val="accent1"/>
+            </a:fillRef>
+            <a:effectRef idx="0">
+              <a:schemeClr val="accent1"/>
+            </a:effectRef>
+            <a:fontRef idx="minor">
+              <a:schemeClr val="lt1"/>
+            </a:fontRef>
+          </p:style>
+          <p:txBody>
+            <a:bodyPr rtlCol="0" anchor="ctr"/>
+            <a:lstStyle/>
+            <a:p>
+              <a:pPr algn="ctr"/>
+              <a:endParaRPr lang="pt-BR" dirty="0"/>
+            </a:p>
+          </p:txBody>
+        </p:sp>
         <p:sp>
           <p:nvSpPr>
             <p:cNvPr id="5" name="Rectangle 12">
@@ -10903,8 +11200,8 @@
             </a:p>
           </p:txBody>
         </p:sp>
-        <mc:AlternateContent xmlns:mc="http://schemas.openxmlformats.org/markup-compatibility/2006" xmlns:a14="http://schemas.microsoft.com/office/drawing/2010/main">
-          <mc:Choice Requires="a14">
+        <mc:AlternateContent xmlns:mc="http://schemas.openxmlformats.org/markup-compatibility/2006">
+          <mc:Choice xmlns:a14="http://schemas.microsoft.com/office/drawing/2010/main" Requires="a14">
             <p:sp>
               <p:nvSpPr>
                 <p:cNvPr id="17" name="CaixaDeTexto 16">
@@ -10941,26 +11238,26 @@
                       </m:oMathParaPr>
                       <m:oMath xmlns:m="http://schemas.openxmlformats.org/officeDocument/2006/math">
                         <m:r>
-                          <a:rPr lang="pt-BR" sz="2400" i="1" smtClean="0">
+                          <a:rPr lang="pt-BR" sz="2400" b="1" i="1" smtClean="0">
                             <a:latin typeface="Cambria Math" panose="02040503050406030204" pitchFamily="18" charset="0"/>
                           </a:rPr>
-                          <m:t>𝑥</m:t>
+                          <m:t>𝒙</m:t>
                         </m:r>
                       </m:oMath>
                     </m:oMathPara>
                   </a14:m>
-                  <a:endParaRPr lang="pt-BR" sz="2400" dirty="0"/>
+                  <a:endParaRPr lang="pt-BR" sz="2400" b="1" dirty="0"/>
                 </a:p>
               </p:txBody>
             </p:sp>
           </mc:Choice>
-          <mc:Fallback xmlns="">
+          <mc:Fallback>
             <p:sp>
               <p:nvSpPr>
-                <p:cNvPr id="11" name="CaixaDeTexto 10">
+                <p:cNvPr id="17" name="CaixaDeTexto 16">
                   <a:extLst>
                     <a:ext uri="{FF2B5EF4-FFF2-40B4-BE49-F238E27FC236}">
-                      <a16:creationId xmlns:a16="http://schemas.microsoft.com/office/drawing/2014/main" id="{5288BD09-DF15-9DAC-F0A9-2A5E8A55D030}"/>
+                      <a16:creationId xmlns:a16="http://schemas.microsoft.com/office/drawing/2014/main" id="{B64F947A-777F-0D6C-5417-FC876FD98B07}"/>
                     </a:ext>
                   </a:extLst>
                 </p:cNvPr>
@@ -11370,64 +11667,6 @@
         </p:sp>
         <p:sp>
           <p:nvSpPr>
-            <p:cNvPr id="30" name="Retângulo 29">
-              <a:extLst>
-                <a:ext uri="{FF2B5EF4-FFF2-40B4-BE49-F238E27FC236}">
-                  <a16:creationId xmlns:a16="http://schemas.microsoft.com/office/drawing/2014/main" id="{5457C6EE-71F9-1CB7-6E0E-F9D95D6A2340}"/>
-                </a:ext>
-              </a:extLst>
-            </p:cNvPr>
-            <p:cNvSpPr/>
-            <p:nvPr/>
-          </p:nvSpPr>
-          <p:spPr>
-            <a:xfrm>
-              <a:off x="425788" y="3029858"/>
-              <a:ext cx="463575" cy="1935842"/>
-            </a:xfrm>
-            <a:prstGeom prst="rect">
-              <a:avLst/>
-            </a:prstGeom>
-            <a:solidFill>
-              <a:schemeClr val="accent1">
-                <a:alpha val="41000"/>
-              </a:schemeClr>
-            </a:solidFill>
-            <a:ln>
-              <a:solidFill>
-                <a:schemeClr val="accent1">
-                  <a:shade val="15000"/>
-                </a:schemeClr>
-              </a:solidFill>
-            </a:ln>
-          </p:spPr>
-          <p:style>
-            <a:lnRef idx="2">
-              <a:schemeClr val="accent1">
-                <a:shade val="15000"/>
-              </a:schemeClr>
-            </a:lnRef>
-            <a:fillRef idx="1">
-              <a:schemeClr val="accent1"/>
-            </a:fillRef>
-            <a:effectRef idx="0">
-              <a:schemeClr val="accent1"/>
-            </a:effectRef>
-            <a:fontRef idx="minor">
-              <a:schemeClr val="lt1"/>
-            </a:fontRef>
-          </p:style>
-          <p:txBody>
-            <a:bodyPr rtlCol="0" anchor="ctr"/>
-            <a:lstStyle/>
-            <a:p>
-              <a:pPr algn="ctr"/>
-              <a:endParaRPr lang="pt-BR" dirty="0"/>
-            </a:p>
-          </p:txBody>
-        </p:sp>
-        <p:sp>
-          <p:nvSpPr>
             <p:cNvPr id="31" name="CaixaDeTexto 30">
               <a:extLst>
                 <a:ext uri="{FF2B5EF4-FFF2-40B4-BE49-F238E27FC236}">
@@ -11653,8 +11892,8 @@
         </p:nvSpPr>
         <p:spPr>
           <a:xfrm>
-            <a:off x="6626830" y="1825624"/>
-            <a:ext cx="5407981" cy="5032376"/>
+            <a:off x="6431622" y="1825624"/>
+            <a:ext cx="5603189" cy="5032376"/>
           </a:xfrm>
         </p:spPr>
         <p:txBody>
@@ -11665,7 +11904,7 @@
           <a:p>
             <a:r>
               <a:rPr lang="pt-BR" dirty="0"/>
-              <a:t>Na sequência, o modelo usa os </a:t>
+              <a:t>Na sequência, o </a:t>
             </a:r>
             <a:r>
               <a:rPr lang="pt-BR" b="1" i="1" dirty="0">
@@ -11673,11 +11912,11 @@
                   <a:srgbClr val="00B050"/>
                 </a:solidFill>
               </a:rPr>
-              <a:t>resultados do erro </a:t>
+              <a:t>erro </a:t>
             </a:r>
             <a:r>
               <a:rPr lang="pt-BR" dirty="0"/>
-              <a:t>(ou perda) para </a:t>
+              <a:t>é usado para </a:t>
             </a:r>
             <a:r>
               <a:rPr lang="pt-BR" b="1" i="1" dirty="0">
@@ -11705,9 +11944,43 @@
             </a:r>
           </a:p>
           <a:p>
+            <a:pPr lvl="1">
+              <a:buFont typeface="Wingdings" panose="05000000000000000000" pitchFamily="2" charset="2"/>
+              <a:buChar char="§"/>
+            </a:pPr>
             <a:r>
               <a:rPr lang="pt-BR" dirty="0"/>
-              <a:t>Como veremos, a informação fornecida pelo erro é de suma importância para o aprendizado dos modelos de ML.</a:t>
+              <a:t>Por exemplo, em uma rede neural, atualizar seus pesos.</a:t>
+            </a:r>
+          </a:p>
+          <a:p>
+            <a:r>
+              <a:rPr lang="pt-BR" dirty="0"/>
+              <a:t>Como veremos, a informação fornecida pelo </a:t>
+            </a:r>
+            <a:r>
+              <a:rPr lang="pt-BR" b="1" i="1" dirty="0">
+                <a:solidFill>
+                  <a:srgbClr val="00B050"/>
+                </a:solidFill>
+              </a:rPr>
+              <a:t>erro</a:t>
+            </a:r>
+            <a:r>
+              <a:rPr lang="pt-BR" dirty="0"/>
+              <a:t> é de </a:t>
+            </a:r>
+            <a:r>
+              <a:rPr lang="pt-BR" b="1" i="1" dirty="0">
+                <a:solidFill>
+                  <a:srgbClr val="00B050"/>
+                </a:solidFill>
+              </a:rPr>
+              <a:t>suma importância para o treinamento de modelos de aprendizado supervisionados</a:t>
+            </a:r>
+            <a:r>
+              <a:rPr lang="pt-BR" dirty="0"/>
+              <a:t>.</a:t>
             </a:r>
           </a:p>
         </p:txBody>
@@ -11774,6 +12047,64 @@
             <a:chExt cx="4730868" cy="3031571"/>
           </a:xfrm>
         </p:grpSpPr>
+        <p:sp>
+          <p:nvSpPr>
+            <p:cNvPr id="32" name="Retângulo 31">
+              <a:extLst>
+                <a:ext uri="{FF2B5EF4-FFF2-40B4-BE49-F238E27FC236}">
+                  <a16:creationId xmlns:a16="http://schemas.microsoft.com/office/drawing/2014/main" id="{456BCF4E-986B-3014-D06E-2DA7A8B197A2}"/>
+                </a:ext>
+              </a:extLst>
+            </p:cNvPr>
+            <p:cNvSpPr/>
+            <p:nvPr/>
+          </p:nvSpPr>
+          <p:spPr>
+            <a:xfrm>
+              <a:off x="425788" y="3029858"/>
+              <a:ext cx="463575" cy="1935842"/>
+            </a:xfrm>
+            <a:prstGeom prst="rect">
+              <a:avLst/>
+            </a:prstGeom>
+            <a:solidFill>
+              <a:schemeClr val="accent1">
+                <a:alpha val="41000"/>
+              </a:schemeClr>
+            </a:solidFill>
+            <a:ln>
+              <a:solidFill>
+                <a:schemeClr val="accent1">
+                  <a:shade val="15000"/>
+                </a:schemeClr>
+              </a:solidFill>
+            </a:ln>
+          </p:spPr>
+          <p:style>
+            <a:lnRef idx="2">
+              <a:schemeClr val="accent1">
+                <a:shade val="15000"/>
+              </a:schemeClr>
+            </a:lnRef>
+            <a:fillRef idx="1">
+              <a:schemeClr val="accent1"/>
+            </a:fillRef>
+            <a:effectRef idx="0">
+              <a:schemeClr val="accent1"/>
+            </a:effectRef>
+            <a:fontRef idx="minor">
+              <a:schemeClr val="lt1"/>
+            </a:fontRef>
+          </p:style>
+          <p:txBody>
+            <a:bodyPr rtlCol="0" anchor="ctr"/>
+            <a:lstStyle/>
+            <a:p>
+              <a:pPr algn="ctr"/>
+              <a:endParaRPr lang="pt-BR" dirty="0"/>
+            </a:p>
+          </p:txBody>
+        </p:sp>
         <p:sp>
           <p:nvSpPr>
             <p:cNvPr id="14" name="Rectangle 12">
@@ -11976,8 +12307,8 @@
             </a:p>
           </p:txBody>
         </p:sp>
-        <mc:AlternateContent xmlns:mc="http://schemas.openxmlformats.org/markup-compatibility/2006" xmlns:a14="http://schemas.microsoft.com/office/drawing/2010/main">
-          <mc:Choice Requires="a14">
+        <mc:AlternateContent xmlns:mc="http://schemas.openxmlformats.org/markup-compatibility/2006">
+          <mc:Choice xmlns:a14="http://schemas.microsoft.com/office/drawing/2010/main" Requires="a14">
             <p:sp>
               <p:nvSpPr>
                 <p:cNvPr id="19" name="CaixaDeTexto 18">
@@ -12014,26 +12345,26 @@
                       </m:oMathParaPr>
                       <m:oMath xmlns:m="http://schemas.openxmlformats.org/officeDocument/2006/math">
                         <m:r>
-                          <a:rPr lang="pt-BR" sz="2400" i="1" smtClean="0">
+                          <a:rPr lang="pt-BR" sz="2400" b="1" i="1" smtClean="0">
                             <a:latin typeface="Cambria Math" panose="02040503050406030204" pitchFamily="18" charset="0"/>
                           </a:rPr>
-                          <m:t>𝑥</m:t>
+                          <m:t>𝒙</m:t>
                         </m:r>
                       </m:oMath>
                     </m:oMathPara>
                   </a14:m>
-                  <a:endParaRPr lang="pt-BR" sz="2400" dirty="0"/>
+                  <a:endParaRPr lang="pt-BR" sz="2400" b="1" dirty="0"/>
                 </a:p>
               </p:txBody>
             </p:sp>
           </mc:Choice>
-          <mc:Fallback xmlns="">
+          <mc:Fallback>
             <p:sp>
               <p:nvSpPr>
-                <p:cNvPr id="11" name="CaixaDeTexto 10">
+                <p:cNvPr id="19" name="CaixaDeTexto 18">
                   <a:extLst>
                     <a:ext uri="{FF2B5EF4-FFF2-40B4-BE49-F238E27FC236}">
-                      <a16:creationId xmlns:a16="http://schemas.microsoft.com/office/drawing/2014/main" id="{5288BD09-DF15-9DAC-F0A9-2A5E8A55D030}"/>
+                      <a16:creationId xmlns:a16="http://schemas.microsoft.com/office/drawing/2014/main" id="{C78060AE-A702-AF60-DFA2-2E7F62790D30}"/>
                     </a:ext>
                   </a:extLst>
                 </p:cNvPr>
@@ -12051,7 +12382,7 @@
                   <a:avLst/>
                 </a:prstGeom>
                 <a:blipFill>
-                  <a:blip r:embed="rId4"/>
+                  <a:blip r:embed="rId3"/>
                   <a:stretch>
                     <a:fillRect/>
                   </a:stretch>
@@ -12443,64 +12774,6 @@
         </p:sp>
         <p:sp>
           <p:nvSpPr>
-            <p:cNvPr id="32" name="Retângulo 31">
-              <a:extLst>
-                <a:ext uri="{FF2B5EF4-FFF2-40B4-BE49-F238E27FC236}">
-                  <a16:creationId xmlns:a16="http://schemas.microsoft.com/office/drawing/2014/main" id="{456BCF4E-986B-3014-D06E-2DA7A8B197A2}"/>
-                </a:ext>
-              </a:extLst>
-            </p:cNvPr>
-            <p:cNvSpPr/>
-            <p:nvPr/>
-          </p:nvSpPr>
-          <p:spPr>
-            <a:xfrm>
-              <a:off x="425788" y="3029858"/>
-              <a:ext cx="463575" cy="1935842"/>
-            </a:xfrm>
-            <a:prstGeom prst="rect">
-              <a:avLst/>
-            </a:prstGeom>
-            <a:solidFill>
-              <a:schemeClr val="accent1">
-                <a:alpha val="41000"/>
-              </a:schemeClr>
-            </a:solidFill>
-            <a:ln>
-              <a:solidFill>
-                <a:schemeClr val="accent1">
-                  <a:shade val="15000"/>
-                </a:schemeClr>
-              </a:solidFill>
-            </a:ln>
-          </p:spPr>
-          <p:style>
-            <a:lnRef idx="2">
-              <a:schemeClr val="accent1">
-                <a:shade val="15000"/>
-              </a:schemeClr>
-            </a:lnRef>
-            <a:fillRef idx="1">
-              <a:schemeClr val="accent1"/>
-            </a:fillRef>
-            <a:effectRef idx="0">
-              <a:schemeClr val="accent1"/>
-            </a:effectRef>
-            <a:fontRef idx="minor">
-              <a:schemeClr val="lt1"/>
-            </a:fontRef>
-          </p:style>
-          <p:txBody>
-            <a:bodyPr rtlCol="0" anchor="ctr"/>
-            <a:lstStyle/>
-            <a:p>
-              <a:pPr algn="ctr"/>
-              <a:endParaRPr lang="pt-BR" dirty="0"/>
-            </a:p>
-          </p:txBody>
-        </p:sp>
-        <p:sp>
-          <p:nvSpPr>
             <p:cNvPr id="35" name="CaixaDeTexto 34">
               <a:extLst>
                 <a:ext uri="{FF2B5EF4-FFF2-40B4-BE49-F238E27FC236}">
@@ -12696,7 +12969,19 @@
           <a:p>
             <a:r>
               <a:rPr lang="pt-BR" dirty="0"/>
-              <a:t>Esse processo é repetido até que o erro/perda seja minimizado.</a:t>
+              <a:t>Esse processo é repetido até que o erro seja </a:t>
+            </a:r>
+            <a:r>
+              <a:rPr lang="pt-BR" b="1" i="1" dirty="0">
+                <a:solidFill>
+                  <a:srgbClr val="00B050"/>
+                </a:solidFill>
+              </a:rPr>
+              <a:t>minimizado</a:t>
+            </a:r>
+            <a:r>
+              <a:rPr lang="pt-BR" dirty="0"/>
+              <a:t>.</a:t>
             </a:r>
           </a:p>
           <a:p>
@@ -12739,6 +13024,18 @@
             <a:r>
               <a:rPr lang="pt-BR" dirty="0"/>
               <a:t>), o </a:t>
+            </a:r>
+            <a:r>
+              <a:rPr lang="pt-BR" b="1" i="1" dirty="0">
+                <a:solidFill>
+                  <a:srgbClr val="00B050"/>
+                </a:solidFill>
+              </a:rPr>
+              <a:t>novo</a:t>
+            </a:r>
+            <a:r>
+              <a:rPr lang="pt-BR" dirty="0"/>
+              <a:t> </a:t>
             </a:r>
             <a:r>
               <a:rPr lang="pt-BR" b="1" i="1" dirty="0">
@@ -12811,6 +13108,64 @@
             <a:chExt cx="4730868" cy="3031571"/>
           </a:xfrm>
         </p:grpSpPr>
+        <p:sp>
+          <p:nvSpPr>
+            <p:cNvPr id="31" name="Retângulo 30">
+              <a:extLst>
+                <a:ext uri="{FF2B5EF4-FFF2-40B4-BE49-F238E27FC236}">
+                  <a16:creationId xmlns:a16="http://schemas.microsoft.com/office/drawing/2014/main" id="{1627BF27-8FE5-01DD-D401-828FF6A562C4}"/>
+                </a:ext>
+              </a:extLst>
+            </p:cNvPr>
+            <p:cNvSpPr/>
+            <p:nvPr/>
+          </p:nvSpPr>
+          <p:spPr>
+            <a:xfrm>
+              <a:off x="425788" y="3029858"/>
+              <a:ext cx="463575" cy="1935842"/>
+            </a:xfrm>
+            <a:prstGeom prst="rect">
+              <a:avLst/>
+            </a:prstGeom>
+            <a:solidFill>
+              <a:schemeClr val="accent1">
+                <a:alpha val="41000"/>
+              </a:schemeClr>
+            </a:solidFill>
+            <a:ln>
+              <a:solidFill>
+                <a:schemeClr val="accent1">
+                  <a:shade val="15000"/>
+                </a:schemeClr>
+              </a:solidFill>
+            </a:ln>
+          </p:spPr>
+          <p:style>
+            <a:lnRef idx="2">
+              <a:schemeClr val="accent1">
+                <a:shade val="15000"/>
+              </a:schemeClr>
+            </a:lnRef>
+            <a:fillRef idx="1">
+              <a:schemeClr val="accent1"/>
+            </a:fillRef>
+            <a:effectRef idx="0">
+              <a:schemeClr val="accent1"/>
+            </a:effectRef>
+            <a:fontRef idx="minor">
+              <a:schemeClr val="lt1"/>
+            </a:fontRef>
+          </p:style>
+          <p:txBody>
+            <a:bodyPr rtlCol="0" anchor="ctr"/>
+            <a:lstStyle/>
+            <a:p>
+              <a:pPr algn="ctr"/>
+              <a:endParaRPr lang="pt-BR" dirty="0"/>
+            </a:p>
+          </p:txBody>
+        </p:sp>
         <p:sp>
           <p:nvSpPr>
             <p:cNvPr id="10" name="Rectangle 12">
@@ -13013,8 +13368,8 @@
             </a:p>
           </p:txBody>
         </p:sp>
-        <mc:AlternateContent xmlns:mc="http://schemas.openxmlformats.org/markup-compatibility/2006" xmlns:a14="http://schemas.microsoft.com/office/drawing/2010/main">
-          <mc:Choice Requires="a14">
+        <mc:AlternateContent xmlns:mc="http://schemas.openxmlformats.org/markup-compatibility/2006">
+          <mc:Choice xmlns:a14="http://schemas.microsoft.com/office/drawing/2010/main" Requires="a14">
             <p:sp>
               <p:nvSpPr>
                 <p:cNvPr id="18" name="CaixaDeTexto 17">
@@ -13051,26 +13406,26 @@
                       </m:oMathParaPr>
                       <m:oMath xmlns:m="http://schemas.openxmlformats.org/officeDocument/2006/math">
                         <m:r>
-                          <a:rPr lang="pt-BR" sz="2400" i="1" smtClean="0">
+                          <a:rPr lang="pt-BR" sz="2400" b="1" i="1" smtClean="0">
                             <a:latin typeface="Cambria Math" panose="02040503050406030204" pitchFamily="18" charset="0"/>
                           </a:rPr>
-                          <m:t>𝑥</m:t>
+                          <m:t>𝒙</m:t>
                         </m:r>
                       </m:oMath>
                     </m:oMathPara>
                   </a14:m>
-                  <a:endParaRPr lang="pt-BR" sz="2400" dirty="0"/>
+                  <a:endParaRPr lang="pt-BR" sz="2400" b="1" dirty="0"/>
                 </a:p>
               </p:txBody>
             </p:sp>
           </mc:Choice>
-          <mc:Fallback xmlns="">
+          <mc:Fallback>
             <p:sp>
               <p:nvSpPr>
-                <p:cNvPr id="11" name="CaixaDeTexto 10">
+                <p:cNvPr id="18" name="CaixaDeTexto 17">
                   <a:extLst>
                     <a:ext uri="{FF2B5EF4-FFF2-40B4-BE49-F238E27FC236}">
-                      <a16:creationId xmlns:a16="http://schemas.microsoft.com/office/drawing/2014/main" id="{5288BD09-DF15-9DAC-F0A9-2A5E8A55D030}"/>
+                      <a16:creationId xmlns:a16="http://schemas.microsoft.com/office/drawing/2014/main" id="{D0DE47C6-364E-3AB5-3488-3271B39399D6}"/>
                     </a:ext>
                   </a:extLst>
                 </p:cNvPr>
@@ -13088,7 +13443,7 @@
                   <a:avLst/>
                 </a:prstGeom>
                 <a:blipFill>
-                  <a:blip r:embed="rId4"/>
+                  <a:blip r:embed="rId3"/>
                   <a:stretch>
                     <a:fillRect/>
                   </a:stretch>
@@ -13480,64 +13835,6 @@
         </p:sp>
         <p:sp>
           <p:nvSpPr>
-            <p:cNvPr id="31" name="Retângulo 30">
-              <a:extLst>
-                <a:ext uri="{FF2B5EF4-FFF2-40B4-BE49-F238E27FC236}">
-                  <a16:creationId xmlns:a16="http://schemas.microsoft.com/office/drawing/2014/main" id="{1627BF27-8FE5-01DD-D401-828FF6A562C4}"/>
-                </a:ext>
-              </a:extLst>
-            </p:cNvPr>
-            <p:cNvSpPr/>
-            <p:nvPr/>
-          </p:nvSpPr>
-          <p:spPr>
-            <a:xfrm>
-              <a:off x="425788" y="3029858"/>
-              <a:ext cx="463575" cy="1935842"/>
-            </a:xfrm>
-            <a:prstGeom prst="rect">
-              <a:avLst/>
-            </a:prstGeom>
-            <a:solidFill>
-              <a:schemeClr val="accent1">
-                <a:alpha val="41000"/>
-              </a:schemeClr>
-            </a:solidFill>
-            <a:ln>
-              <a:solidFill>
-                <a:schemeClr val="accent1">
-                  <a:shade val="15000"/>
-                </a:schemeClr>
-              </a:solidFill>
-            </a:ln>
-          </p:spPr>
-          <p:style>
-            <a:lnRef idx="2">
-              <a:schemeClr val="accent1">
-                <a:shade val="15000"/>
-              </a:schemeClr>
-            </a:lnRef>
-            <a:fillRef idx="1">
-              <a:schemeClr val="accent1"/>
-            </a:fillRef>
-            <a:effectRef idx="0">
-              <a:schemeClr val="accent1"/>
-            </a:effectRef>
-            <a:fontRef idx="minor">
-              <a:schemeClr val="lt1"/>
-            </a:fontRef>
-          </p:style>
-          <p:txBody>
-            <a:bodyPr rtlCol="0" anchor="ctr"/>
-            <a:lstStyle/>
-            <a:p>
-              <a:pPr algn="ctr"/>
-              <a:endParaRPr lang="pt-BR" dirty="0"/>
-            </a:p>
-          </p:txBody>
-        </p:sp>
-        <p:sp>
-          <p:nvSpPr>
             <p:cNvPr id="32" name="CaixaDeTexto 31">
               <a:extLst>
                 <a:ext uri="{FF2B5EF4-FFF2-40B4-BE49-F238E27FC236}">
@@ -13703,144 +14000,183 @@
           </a:p>
         </p:txBody>
       </p:sp>
-      <p:sp>
-        <p:nvSpPr>
-          <p:cNvPr id="3" name="Espaço Reservado para Conteúdo 2">
-            <a:extLst>
-              <a:ext uri="{FF2B5EF4-FFF2-40B4-BE49-F238E27FC236}">
-                <a16:creationId xmlns:a16="http://schemas.microsoft.com/office/drawing/2014/main" id="{62A3C305-4461-D25D-82D9-0C9F42995D65}"/>
-              </a:ext>
-            </a:extLst>
-          </p:cNvPr>
-          <p:cNvSpPr>
-            <a:spLocks noGrp="1"/>
-          </p:cNvSpPr>
-          <p:nvPr>
-            <p:ph idx="1"/>
-          </p:nvPr>
-        </p:nvSpPr>
-        <p:spPr>
-          <a:xfrm>
-            <a:off x="6225308" y="1825624"/>
-            <a:ext cx="5809504" cy="5032376"/>
-          </a:xfrm>
-        </p:spPr>
-        <p:txBody>
-          <a:bodyPr>
-            <a:normAutofit/>
-          </a:bodyPr>
-          <a:lstStyle/>
-          <a:p>
-            <a:r>
-              <a:rPr lang="pt-BR" dirty="0"/>
-              <a:t>Percebam que a </a:t>
-            </a:r>
-            <a:r>
-              <a:rPr lang="pt-BR" b="1" i="1" dirty="0">
-                <a:solidFill>
-                  <a:srgbClr val="00B050"/>
-                </a:solidFill>
-              </a:rPr>
-              <a:t>solução</a:t>
-            </a:r>
-            <a:r>
-              <a:rPr lang="pt-BR" dirty="0"/>
-              <a:t> para o problema é </a:t>
-            </a:r>
-            <a:r>
-              <a:rPr lang="pt-BR" b="1" i="1" dirty="0">
-                <a:solidFill>
-                  <a:srgbClr val="00B050"/>
-                </a:solidFill>
-              </a:rPr>
-              <a:t>encontrada com base em experiências prévias</a:t>
-            </a:r>
-            <a:r>
-              <a:rPr lang="pt-BR" dirty="0"/>
-              <a:t>, ou seja, com o conjunto de treinamento (i.e., entradas e saídas esperadas).</a:t>
-            </a:r>
-          </a:p>
-          <a:p>
-            <a:r>
-              <a:rPr lang="pt-BR" dirty="0"/>
-              <a:t>Isso é chamado de </a:t>
-            </a:r>
-            <a:r>
-              <a:rPr lang="pt-BR" b="1" i="1" dirty="0">
-                <a:effectLst/>
-              </a:rPr>
-              <a:t>raciocínio indutivo</a:t>
-            </a:r>
-            <a:r>
-              <a:rPr lang="pt-BR" b="0" i="0" dirty="0">
-                <a:effectLst/>
-              </a:rPr>
-              <a:t>, que é um processo pelo qual chega-se a </a:t>
-            </a:r>
-            <a:r>
-              <a:rPr lang="pt-BR" b="1" i="1" dirty="0">
-                <a:effectLst/>
-              </a:rPr>
-              <a:t>conclusões gerais </a:t>
-            </a:r>
-            <a:r>
-              <a:rPr lang="pt-BR" b="0" i="0" dirty="0">
-                <a:effectLst/>
-              </a:rPr>
-              <a:t>a partir de </a:t>
-            </a:r>
-            <a:r>
-              <a:rPr lang="pt-BR" b="1" i="1" dirty="0">
-                <a:effectLst/>
-              </a:rPr>
-              <a:t>experiências passadas</a:t>
-            </a:r>
-            <a:r>
-              <a:rPr lang="pt-BR" b="0" i="0" dirty="0">
-                <a:effectLst/>
-              </a:rPr>
-              <a:t>.</a:t>
-            </a:r>
-            <a:endParaRPr lang="pt-BR" dirty="0"/>
-          </a:p>
-        </p:txBody>
-      </p:sp>
-      <p:sp>
-        <p:nvSpPr>
-          <p:cNvPr id="4" name="CaixaDeTexto 3">
-            <a:extLst>
-              <a:ext uri="{FF2B5EF4-FFF2-40B4-BE49-F238E27FC236}">
-                <a16:creationId xmlns:a16="http://schemas.microsoft.com/office/drawing/2014/main" id="{A40705AC-BA10-BAD9-4B7C-DA6A82890074}"/>
-              </a:ext>
-            </a:extLst>
-          </p:cNvPr>
-          <p:cNvSpPr txBox="1"/>
-          <p:nvPr/>
-        </p:nvSpPr>
-        <p:spPr>
-          <a:xfrm>
-            <a:off x="1729083" y="5178813"/>
-            <a:ext cx="2791776" cy="1077218"/>
-          </a:xfrm>
-          <a:prstGeom prst="rect">
-            <a:avLst/>
-          </a:prstGeom>
-          <a:noFill/>
-        </p:spPr>
-        <p:txBody>
-          <a:bodyPr wrap="square" rtlCol="0">
-            <a:spAutoFit/>
-          </a:bodyPr>
-          <a:lstStyle/>
-          <a:p>
-            <a:pPr algn="ctr"/>
-            <a:r>
-              <a:rPr lang="pt-BR" sz="1600" dirty="0"/>
-              <a:t>O modelo pode ser uma rede neural onde o processo de treinamento otimiza os seus pesos para minimizar o erro.</a:t>
-            </a:r>
-          </a:p>
-        </p:txBody>
-      </p:sp>
+      <mc:AlternateContent xmlns:mc="http://schemas.openxmlformats.org/markup-compatibility/2006">
+        <mc:Choice xmlns:a14="http://schemas.microsoft.com/office/drawing/2010/main" Requires="a14">
+          <p:sp>
+            <p:nvSpPr>
+              <p:cNvPr id="3" name="Espaço Reservado para Conteúdo 2">
+                <a:extLst>
+                  <a:ext uri="{FF2B5EF4-FFF2-40B4-BE49-F238E27FC236}">
+                    <a16:creationId xmlns:a16="http://schemas.microsoft.com/office/drawing/2014/main" id="{62A3C305-4461-D25D-82D9-0C9F42995D65}"/>
+                  </a:ext>
+                </a:extLst>
+              </p:cNvPr>
+              <p:cNvSpPr>
+                <a:spLocks noGrp="1"/>
+              </p:cNvSpPr>
+              <p:nvPr>
+                <p:ph idx="1"/>
+              </p:nvPr>
+            </p:nvSpPr>
+            <p:spPr>
+              <a:xfrm>
+                <a:off x="5959011" y="1825624"/>
+                <a:ext cx="6075801" cy="5032376"/>
+              </a:xfrm>
+            </p:spPr>
+            <p:txBody>
+              <a:bodyPr>
+                <a:normAutofit/>
+              </a:bodyPr>
+              <a:lstStyle/>
+              <a:p>
+                <a:r>
+                  <a:rPr lang="pt-BR" dirty="0"/>
+                  <a:t>Percebam que a </a:t>
+                </a:r>
+                <a:r>
+                  <a:rPr lang="pt-BR" b="1" i="1" dirty="0">
+                    <a:solidFill>
+                      <a:srgbClr val="00B050"/>
+                    </a:solidFill>
+                  </a:rPr>
+                  <a:t>solução</a:t>
+                </a:r>
+                <a:r>
+                  <a:rPr lang="pt-BR" dirty="0"/>
+                  <a:t> para o problema é </a:t>
+                </a:r>
+                <a:r>
+                  <a:rPr lang="pt-BR" b="1" i="1" dirty="0">
+                    <a:solidFill>
+                      <a:srgbClr val="00B050"/>
+                    </a:solidFill>
+                  </a:rPr>
+                  <a:t>encontrada com base em experiências prévias</a:t>
+                </a:r>
+                <a:r>
+                  <a:rPr lang="pt-BR" dirty="0"/>
+                  <a:t>, ou seja, com o conjunto de treinamento (i.e., entradas, </a:t>
+                </a:r>
+                <a14:m>
+                  <m:oMath xmlns:m="http://schemas.openxmlformats.org/officeDocument/2006/math">
+                    <m:r>
+                      <a:rPr lang="pt-BR" sz="2800" b="1" i="1" smtClean="0">
+                        <a:latin typeface="Cambria Math" panose="02040503050406030204" pitchFamily="18" charset="0"/>
+                      </a:rPr>
+                      <m:t>𝒙</m:t>
+                    </m:r>
+                  </m:oMath>
+                </a14:m>
+                <a:r>
+                  <a:rPr lang="pt-BR" dirty="0"/>
+                  <a:t>, e saídas esperadas, </a:t>
+                </a:r>
+                <a14:m>
+                  <m:oMath xmlns:m="http://schemas.openxmlformats.org/officeDocument/2006/math">
+                    <m:r>
+                      <a:rPr lang="pt-BR" i="1">
+                        <a:latin typeface="Cambria Math" panose="02040503050406030204" pitchFamily="18" charset="0"/>
+                      </a:rPr>
+                      <m:t>𝑦</m:t>
+                    </m:r>
+                  </m:oMath>
+                </a14:m>
+                <a:r>
+                  <a:rPr lang="pt-BR" dirty="0"/>
+                  <a:t>).</a:t>
+                </a:r>
+              </a:p>
+              <a:p>
+                <a:r>
+                  <a:rPr lang="pt-BR" dirty="0"/>
+                  <a:t>Isso é chamado de </a:t>
+                </a:r>
+                <a:r>
+                  <a:rPr lang="pt-BR" b="1" i="1" dirty="0">
+                    <a:effectLst/>
+                  </a:rPr>
+                  <a:t>raciocínio indutivo</a:t>
+                </a:r>
+                <a:r>
+                  <a:rPr lang="pt-BR" b="0" i="0" dirty="0">
+                    <a:effectLst/>
+                  </a:rPr>
+                  <a:t>, que é um processo pelo qual chega-se a </a:t>
+                </a:r>
+                <a:r>
+                  <a:rPr lang="pt-BR" b="1" i="1" dirty="0">
+                    <a:effectLst/>
+                  </a:rPr>
+                  <a:t>conclusões gerais </a:t>
+                </a:r>
+                <a:r>
+                  <a:rPr lang="pt-BR" b="0" i="0" dirty="0">
+                    <a:effectLst/>
+                  </a:rPr>
+                  <a:t>a partir de </a:t>
+                </a:r>
+                <a:r>
+                  <a:rPr lang="pt-BR" b="1" i="1" dirty="0">
+                    <a:effectLst/>
+                  </a:rPr>
+                  <a:t>experiências passadas</a:t>
+                </a:r>
+                <a:r>
+                  <a:rPr lang="pt-BR" b="0" i="0" dirty="0">
+                    <a:effectLst/>
+                  </a:rPr>
+                  <a:t>.</a:t>
+                </a:r>
+                <a:endParaRPr lang="pt-BR" dirty="0"/>
+              </a:p>
+            </p:txBody>
+          </p:sp>
+        </mc:Choice>
+        <mc:Fallback>
+          <p:sp>
+            <p:nvSpPr>
+              <p:cNvPr id="3" name="Espaço Reservado para Conteúdo 2">
+                <a:extLst>
+                  <a:ext uri="{FF2B5EF4-FFF2-40B4-BE49-F238E27FC236}">
+                    <a16:creationId xmlns:a16="http://schemas.microsoft.com/office/drawing/2014/main" id="{62A3C305-4461-D25D-82D9-0C9F42995D65}"/>
+                  </a:ext>
+                </a:extLst>
+              </p:cNvPr>
+              <p:cNvSpPr>
+                <a:spLocks noGrp="1" noRot="1" noChangeAspect="1" noMove="1" noResize="1" noEditPoints="1" noAdjustHandles="1" noChangeArrowheads="1" noChangeShapeType="1" noTextEdit="1"/>
+              </p:cNvSpPr>
+              <p:nvPr>
+                <p:ph idx="1"/>
+              </p:nvPr>
+            </p:nvSpPr>
+            <p:spPr>
+              <a:xfrm>
+                <a:off x="5959011" y="1825624"/>
+                <a:ext cx="6075801" cy="5032376"/>
+              </a:xfrm>
+              <a:blipFill>
+                <a:blip r:embed="rId3"/>
+                <a:stretch>
+                  <a:fillRect l="-1807" t="-1937" r="-1908"/>
+                </a:stretch>
+              </a:blipFill>
+            </p:spPr>
+            <p:txBody>
+              <a:bodyPr/>
+              <a:lstStyle/>
+              <a:p>
+                <a:r>
+                  <a:rPr lang="pt-BR">
+                    <a:noFill/>
+                  </a:rPr>
+                  <a:t> </a:t>
+                </a:r>
+              </a:p>
+            </p:txBody>
+          </p:sp>
+        </mc:Fallback>
+      </mc:AlternateContent>
       <p:grpSp>
         <p:nvGrpSpPr>
           <p:cNvPr id="5" name="Agrupar 4">
@@ -13861,6 +14197,64 @@
             <a:chExt cx="4730868" cy="3031571"/>
           </a:xfrm>
         </p:grpSpPr>
+        <p:sp>
+          <p:nvSpPr>
+            <p:cNvPr id="31" name="Retângulo 30">
+              <a:extLst>
+                <a:ext uri="{FF2B5EF4-FFF2-40B4-BE49-F238E27FC236}">
+                  <a16:creationId xmlns:a16="http://schemas.microsoft.com/office/drawing/2014/main" id="{F133C84A-8387-EE4F-F53D-C92AFD1C05C3}"/>
+                </a:ext>
+              </a:extLst>
+            </p:cNvPr>
+            <p:cNvSpPr/>
+            <p:nvPr/>
+          </p:nvSpPr>
+          <p:spPr>
+            <a:xfrm>
+              <a:off x="425788" y="3029858"/>
+              <a:ext cx="463575" cy="1935842"/>
+            </a:xfrm>
+            <a:prstGeom prst="rect">
+              <a:avLst/>
+            </a:prstGeom>
+            <a:solidFill>
+              <a:schemeClr val="accent1">
+                <a:alpha val="41000"/>
+              </a:schemeClr>
+            </a:solidFill>
+            <a:ln>
+              <a:solidFill>
+                <a:schemeClr val="accent1">
+                  <a:shade val="15000"/>
+                </a:schemeClr>
+              </a:solidFill>
+            </a:ln>
+          </p:spPr>
+          <p:style>
+            <a:lnRef idx="2">
+              <a:schemeClr val="accent1">
+                <a:shade val="15000"/>
+              </a:schemeClr>
+            </a:lnRef>
+            <a:fillRef idx="1">
+              <a:schemeClr val="accent1"/>
+            </a:fillRef>
+            <a:effectRef idx="0">
+              <a:schemeClr val="accent1"/>
+            </a:effectRef>
+            <a:fontRef idx="minor">
+              <a:schemeClr val="lt1"/>
+            </a:fontRef>
+          </p:style>
+          <p:txBody>
+            <a:bodyPr rtlCol="0" anchor="ctr"/>
+            <a:lstStyle/>
+            <a:p>
+              <a:pPr algn="ctr"/>
+              <a:endParaRPr lang="pt-BR" dirty="0"/>
+            </a:p>
+          </p:txBody>
+        </p:sp>
         <p:sp>
           <p:nvSpPr>
             <p:cNvPr id="10" name="Rectangle 12">
@@ -14063,8 +14457,8 @@
             </a:p>
           </p:txBody>
         </p:sp>
-        <mc:AlternateContent xmlns:mc="http://schemas.openxmlformats.org/markup-compatibility/2006" xmlns:a14="http://schemas.microsoft.com/office/drawing/2010/main">
-          <mc:Choice Requires="a14">
+        <mc:AlternateContent xmlns:mc="http://schemas.openxmlformats.org/markup-compatibility/2006">
+          <mc:Choice xmlns:a14="http://schemas.microsoft.com/office/drawing/2010/main" Requires="a14">
             <p:sp>
               <p:nvSpPr>
                 <p:cNvPr id="18" name="CaixaDeTexto 17">
@@ -14101,26 +14495,26 @@
                       </m:oMathParaPr>
                       <m:oMath xmlns:m="http://schemas.openxmlformats.org/officeDocument/2006/math">
                         <m:r>
-                          <a:rPr lang="pt-BR" sz="2400" i="1" smtClean="0">
+                          <a:rPr lang="pt-BR" sz="2400" b="1" i="1" smtClean="0">
                             <a:latin typeface="Cambria Math" panose="02040503050406030204" pitchFamily="18" charset="0"/>
                           </a:rPr>
-                          <m:t>𝑥</m:t>
+                          <m:t>𝒙</m:t>
                         </m:r>
                       </m:oMath>
                     </m:oMathPara>
                   </a14:m>
-                  <a:endParaRPr lang="pt-BR" sz="2400" dirty="0"/>
+                  <a:endParaRPr lang="pt-BR" sz="2400" b="1" dirty="0"/>
                 </a:p>
               </p:txBody>
             </p:sp>
           </mc:Choice>
-          <mc:Fallback xmlns="">
+          <mc:Fallback>
             <p:sp>
               <p:nvSpPr>
-                <p:cNvPr id="11" name="CaixaDeTexto 10">
+                <p:cNvPr id="18" name="CaixaDeTexto 17">
                   <a:extLst>
                     <a:ext uri="{FF2B5EF4-FFF2-40B4-BE49-F238E27FC236}">
-                      <a16:creationId xmlns:a16="http://schemas.microsoft.com/office/drawing/2014/main" id="{5288BD09-DF15-9DAC-F0A9-2A5E8A55D030}"/>
+                      <a16:creationId xmlns:a16="http://schemas.microsoft.com/office/drawing/2014/main" id="{A0D91F04-C137-4CBB-E93C-31FF777761C1}"/>
                     </a:ext>
                   </a:extLst>
                 </p:cNvPr>
@@ -14530,64 +14924,6 @@
         </p:sp>
         <p:sp>
           <p:nvSpPr>
-            <p:cNvPr id="31" name="Retângulo 30">
-              <a:extLst>
-                <a:ext uri="{FF2B5EF4-FFF2-40B4-BE49-F238E27FC236}">
-                  <a16:creationId xmlns:a16="http://schemas.microsoft.com/office/drawing/2014/main" id="{F133C84A-8387-EE4F-F53D-C92AFD1C05C3}"/>
-                </a:ext>
-              </a:extLst>
-            </p:cNvPr>
-            <p:cNvSpPr/>
-            <p:nvPr/>
-          </p:nvSpPr>
-          <p:spPr>
-            <a:xfrm>
-              <a:off x="425788" y="3029858"/>
-              <a:ext cx="463575" cy="1935842"/>
-            </a:xfrm>
-            <a:prstGeom prst="rect">
-              <a:avLst/>
-            </a:prstGeom>
-            <a:solidFill>
-              <a:schemeClr val="accent1">
-                <a:alpha val="41000"/>
-              </a:schemeClr>
-            </a:solidFill>
-            <a:ln>
-              <a:solidFill>
-                <a:schemeClr val="accent1">
-                  <a:shade val="15000"/>
-                </a:schemeClr>
-              </a:solidFill>
-            </a:ln>
-          </p:spPr>
-          <p:style>
-            <a:lnRef idx="2">
-              <a:schemeClr val="accent1">
-                <a:shade val="15000"/>
-              </a:schemeClr>
-            </a:lnRef>
-            <a:fillRef idx="1">
-              <a:schemeClr val="accent1"/>
-            </a:fillRef>
-            <a:effectRef idx="0">
-              <a:schemeClr val="accent1"/>
-            </a:effectRef>
-            <a:fontRef idx="minor">
-              <a:schemeClr val="lt1"/>
-            </a:fontRef>
-          </p:style>
-          <p:txBody>
-            <a:bodyPr rtlCol="0" anchor="ctr"/>
-            <a:lstStyle/>
-            <a:p>
-              <a:pPr algn="ctr"/>
-              <a:endParaRPr lang="pt-BR" dirty="0"/>
-            </a:p>
-          </p:txBody>
-        </p:sp>
-        <p:sp>
-          <p:nvSpPr>
             <p:cNvPr id="32" name="CaixaDeTexto 31">
               <a:extLst>
                 <a:ext uri="{FF2B5EF4-FFF2-40B4-BE49-F238E27FC236}">
@@ -14771,8 +15107,8 @@
         </p:nvSpPr>
         <p:spPr>
           <a:xfrm>
-            <a:off x="6225308" y="1825624"/>
-            <a:ext cx="5809504" cy="5032376"/>
+            <a:off x="838199" y="5024063"/>
+            <a:ext cx="11236287" cy="1833937"/>
           </a:xfrm>
         </p:spPr>
         <p:txBody>
@@ -14783,7 +15119,7 @@
           <a:p>
             <a:r>
               <a:rPr lang="pt-BR" sz="2800" dirty="0"/>
-              <a:t>O modelo de ML pode, por exemplo, ser uma </a:t>
+              <a:t>Por exemplo, o modelo de ML pode ser uma </a:t>
             </a:r>
             <a:r>
               <a:rPr lang="pt-BR" sz="2800" b="1" i="1" dirty="0">
@@ -14811,7 +15147,7 @@
                   <a:srgbClr val="00B050"/>
                 </a:solidFill>
               </a:rPr>
-              <a:t>otimiza</a:t>
+              <a:t>atualiza</a:t>
             </a:r>
             <a:r>
               <a:rPr lang="pt-BR" sz="2800" dirty="0"/>
@@ -14827,7 +15163,7 @@
             </a:r>
             <a:r>
               <a:rPr lang="pt-BR" sz="2800" dirty="0"/>
-              <a:t> (sinápticos e de bias) para </a:t>
+              <a:t> (sinápticos e de bias) a fim de </a:t>
             </a:r>
             <a:r>
               <a:rPr lang="pt-BR" sz="2800" b="1" i="1" dirty="0">
@@ -14839,869 +15175,75 @@
             </a:r>
             <a:r>
               <a:rPr lang="pt-BR" sz="2800" dirty="0"/>
-              <a:t>.</a:t>
+              <a:t> e, consequentemente, </a:t>
+            </a:r>
+            <a:r>
+              <a:rPr lang="pt-BR" sz="2800" b="1" i="1" dirty="0">
+                <a:solidFill>
+                  <a:srgbClr val="00B050"/>
+                </a:solidFill>
+              </a:rPr>
+              <a:t>resolver problemas classificação</a:t>
+            </a:r>
+            <a:r>
+              <a:rPr lang="pt-BR" sz="2800" dirty="0"/>
+              <a:t> (e.g., de imagens), </a:t>
+            </a:r>
+            <a:r>
+              <a:rPr lang="pt-BR" sz="2800" b="1" i="1" dirty="0">
+                <a:solidFill>
+                  <a:srgbClr val="00B050"/>
+                </a:solidFill>
+              </a:rPr>
+              <a:t>regressão</a:t>
+            </a:r>
+            <a:r>
+              <a:rPr lang="pt-BR" sz="2800" dirty="0"/>
+              <a:t> (i.e., aproximação de curvas), etc.</a:t>
             </a:r>
           </a:p>
         </p:txBody>
       </p:sp>
-      <p:grpSp>
-        <p:nvGrpSpPr>
-          <p:cNvPr id="5" name="Agrupar 4">
+      <p:pic>
+        <p:nvPicPr>
+          <p:cNvPr id="5" name="Imagem 4">
             <a:extLst>
               <a:ext uri="{FF2B5EF4-FFF2-40B4-BE49-F238E27FC236}">
-                <a16:creationId xmlns:a16="http://schemas.microsoft.com/office/drawing/2014/main" id="{3190850C-5195-B1C6-65F2-9517F7561131}"/>
+                <a16:creationId xmlns:a16="http://schemas.microsoft.com/office/drawing/2014/main" id="{517BF33B-96BE-DF95-42A6-EBDD6330CACA}"/>
               </a:ext>
             </a:extLst>
           </p:cNvPr>
-          <p:cNvGrpSpPr/>
+          <p:cNvPicPr>
+            <a:picLocks noChangeAspect="1"/>
+          </p:cNvPicPr>
           <p:nvPr/>
-        </p:nvGrpSpPr>
-        <p:grpSpPr>
+        </p:nvPicPr>
+        <p:blipFill>
+          <a:blip r:embed="rId3">
+            <a:extLst>
+              <a:ext uri="{28A0092B-C50C-407E-A947-70E740481C1C}">
+                <a14:useLocalDpi xmlns:a14="http://schemas.microsoft.com/office/drawing/2010/main" val="0"/>
+              </a:ext>
+            </a:extLst>
+          </a:blip>
+          <a:stretch>
+            <a:fillRect/>
+          </a:stretch>
+        </p:blipFill>
+        <p:spPr>
           <a:xfrm>
-            <a:off x="732540" y="2398623"/>
-            <a:ext cx="4730868" cy="3031571"/>
-            <a:chOff x="157187" y="2378075"/>
-            <a:chExt cx="4730868" cy="3031571"/>
+            <a:off x="3712591" y="1690688"/>
+            <a:ext cx="4766818" cy="3102481"/>
           </a:xfrm>
-        </p:grpSpPr>
-        <p:sp>
-          <p:nvSpPr>
-            <p:cNvPr id="10" name="Rectangle 12">
-              <a:extLst>
-                <a:ext uri="{FF2B5EF4-FFF2-40B4-BE49-F238E27FC236}">
-                  <a16:creationId xmlns:a16="http://schemas.microsoft.com/office/drawing/2014/main" id="{4FC2EFF0-948C-F34E-1DF1-15226E334CB7}"/>
-                </a:ext>
-              </a:extLst>
-            </p:cNvPr>
-            <p:cNvSpPr/>
-            <p:nvPr/>
-          </p:nvSpPr>
-          <p:spPr>
-            <a:xfrm>
-              <a:off x="1361788" y="3029857"/>
-              <a:ext cx="1216819" cy="849086"/>
-            </a:xfrm>
-            <a:prstGeom prst="rect">
-              <a:avLst/>
-            </a:prstGeom>
-            <a:noFill/>
-            <a:ln>
-              <a:solidFill>
-                <a:schemeClr val="tx1"/>
-              </a:solidFill>
-            </a:ln>
-          </p:spPr>
-          <p:style>
-            <a:lnRef idx="2">
-              <a:schemeClr val="accent1">
-                <a:shade val="50000"/>
-              </a:schemeClr>
-            </a:lnRef>
-            <a:fillRef idx="1">
-              <a:schemeClr val="accent1"/>
-            </a:fillRef>
-            <a:effectRef idx="0">
-              <a:schemeClr val="accent1"/>
-            </a:effectRef>
-            <a:fontRef idx="minor">
-              <a:schemeClr val="lt1"/>
-            </a:fontRef>
-          </p:style>
-          <p:txBody>
-            <a:bodyPr rtlCol="0" anchor="ctr"/>
-            <a:lstStyle/>
-            <a:p>
-              <a:pPr algn="ctr"/>
-              <a:r>
-                <a:rPr lang="pt-BR" dirty="0">
-                  <a:solidFill>
-                    <a:schemeClr val="tx1"/>
-                  </a:solidFill>
-                </a:rPr>
-                <a:t>Modelo de ML</a:t>
-              </a:r>
-            </a:p>
-          </p:txBody>
-        </p:sp>
-        <p:cxnSp>
-          <p:nvCxnSpPr>
-            <p:cNvPr id="14" name="Straight Arrow Connector 14">
-              <a:extLst>
-                <a:ext uri="{FF2B5EF4-FFF2-40B4-BE49-F238E27FC236}">
-                  <a16:creationId xmlns:a16="http://schemas.microsoft.com/office/drawing/2014/main" id="{15BFDC83-191A-59D7-B72B-D503773217A6}"/>
-                </a:ext>
-              </a:extLst>
-            </p:cNvPr>
-            <p:cNvCxnSpPr>
-              <a:cxnSpLocks/>
-            </p:cNvCxnSpPr>
-            <p:nvPr/>
-          </p:nvCxnSpPr>
-          <p:spPr>
-            <a:xfrm>
-              <a:off x="893787" y="3471233"/>
-              <a:ext cx="468000" cy="0"/>
-            </a:xfrm>
-            <a:prstGeom prst="straightConnector1">
-              <a:avLst/>
-            </a:prstGeom>
-            <a:ln w="19050">
-              <a:tailEnd type="triangle"/>
-            </a:ln>
-          </p:spPr>
-          <p:style>
-            <a:lnRef idx="1">
-              <a:schemeClr val="accent1"/>
-            </a:lnRef>
-            <a:fillRef idx="0">
-              <a:schemeClr val="accent1"/>
-            </a:fillRef>
-            <a:effectRef idx="0">
-              <a:schemeClr val="accent1"/>
-            </a:effectRef>
-            <a:fontRef idx="minor">
-              <a:schemeClr val="tx1"/>
-            </a:fontRef>
-          </p:style>
-        </p:cxnSp>
-        <p:cxnSp>
-          <p:nvCxnSpPr>
-            <p:cNvPr id="15" name="Straight Arrow Connector 14">
-              <a:extLst>
-                <a:ext uri="{FF2B5EF4-FFF2-40B4-BE49-F238E27FC236}">
-                  <a16:creationId xmlns:a16="http://schemas.microsoft.com/office/drawing/2014/main" id="{E3CA61AB-4734-01E1-A923-3EB55C8089B8}"/>
-                </a:ext>
-              </a:extLst>
-            </p:cNvPr>
-            <p:cNvCxnSpPr>
-              <a:cxnSpLocks/>
-              <a:stCxn id="10" idx="3"/>
-              <a:endCxn id="17" idx="1"/>
-            </p:cNvCxnSpPr>
-            <p:nvPr/>
-          </p:nvCxnSpPr>
-          <p:spPr>
-            <a:xfrm>
-              <a:off x="2578607" y="3454400"/>
-              <a:ext cx="692886" cy="0"/>
-            </a:xfrm>
-            <a:prstGeom prst="straightConnector1">
-              <a:avLst/>
-            </a:prstGeom>
-            <a:ln w="19050">
-              <a:tailEnd type="triangle"/>
-            </a:ln>
-          </p:spPr>
-          <p:style>
-            <a:lnRef idx="1">
-              <a:schemeClr val="accent1"/>
-            </a:lnRef>
-            <a:fillRef idx="0">
-              <a:schemeClr val="accent1"/>
-            </a:fillRef>
-            <a:effectRef idx="0">
-              <a:schemeClr val="accent1"/>
-            </a:effectRef>
-            <a:fontRef idx="minor">
-              <a:schemeClr val="tx1"/>
-            </a:fontRef>
-          </p:style>
-        </p:cxnSp>
-        <p:sp>
-          <p:nvSpPr>
-            <p:cNvPr id="17" name="Rectangle 12">
-              <a:extLst>
-                <a:ext uri="{FF2B5EF4-FFF2-40B4-BE49-F238E27FC236}">
-                  <a16:creationId xmlns:a16="http://schemas.microsoft.com/office/drawing/2014/main" id="{91A27CB4-F763-0B14-E319-AD3ADC3308D8}"/>
-                </a:ext>
-              </a:extLst>
-            </p:cNvPr>
-            <p:cNvSpPr/>
-            <p:nvPr/>
-          </p:nvSpPr>
-          <p:spPr>
-            <a:xfrm>
-              <a:off x="3271493" y="3029857"/>
-              <a:ext cx="1216818" cy="849086"/>
-            </a:xfrm>
-            <a:prstGeom prst="rect">
-              <a:avLst/>
-            </a:prstGeom>
-            <a:noFill/>
-            <a:ln>
-              <a:solidFill>
-                <a:schemeClr val="tx1"/>
-              </a:solidFill>
-            </a:ln>
-          </p:spPr>
-          <p:style>
-            <a:lnRef idx="2">
-              <a:schemeClr val="accent1">
-                <a:shade val="50000"/>
-              </a:schemeClr>
-            </a:lnRef>
-            <a:fillRef idx="1">
-              <a:schemeClr val="accent1"/>
-            </a:fillRef>
-            <a:effectRef idx="0">
-              <a:schemeClr val="accent1"/>
-            </a:effectRef>
-            <a:fontRef idx="minor">
-              <a:schemeClr val="lt1"/>
-            </a:fontRef>
-          </p:style>
-          <p:txBody>
-            <a:bodyPr rtlCol="0" anchor="ctr"/>
-            <a:lstStyle/>
-            <a:p>
-              <a:pPr algn="ctr"/>
-              <a:r>
-                <a:rPr lang="pt-BR" dirty="0">
-                  <a:solidFill>
-                    <a:schemeClr val="tx1"/>
-                  </a:solidFill>
-                </a:rPr>
-                <a:t>Função de erro</a:t>
-              </a:r>
-            </a:p>
-          </p:txBody>
-        </p:sp>
-        <mc:AlternateContent xmlns:mc="http://schemas.openxmlformats.org/markup-compatibility/2006" xmlns:a14="http://schemas.microsoft.com/office/drawing/2010/main">
-          <mc:Choice Requires="a14">
-            <p:sp>
-              <p:nvSpPr>
-                <p:cNvPr id="18" name="CaixaDeTexto 17">
-                  <a:extLst>
-                    <a:ext uri="{FF2B5EF4-FFF2-40B4-BE49-F238E27FC236}">
-                      <a16:creationId xmlns:a16="http://schemas.microsoft.com/office/drawing/2014/main" id="{A0D91F04-C137-4CBB-E93C-31FF777761C1}"/>
-                    </a:ext>
-                  </a:extLst>
-                </p:cNvPr>
-                <p:cNvSpPr txBox="1"/>
-                <p:nvPr/>
-              </p:nvSpPr>
-              <p:spPr>
-                <a:xfrm flipH="1">
-                  <a:off x="436587" y="3162012"/>
-                  <a:ext cx="467999" cy="461665"/>
-                </a:xfrm>
-                <a:prstGeom prst="rect">
-                  <a:avLst/>
-                </a:prstGeom>
-                <a:noFill/>
-              </p:spPr>
-              <p:txBody>
-                <a:bodyPr wrap="square">
-                  <a:spAutoFit/>
-                </a:bodyPr>
-                <a:lstStyle/>
-                <a:p>
-                  <a:pPr/>
-                  <a14:m>
-                    <m:oMathPara xmlns:m="http://schemas.openxmlformats.org/officeDocument/2006/math">
-                      <m:oMathParaPr>
-                        <m:jc m:val="center"/>
-                      </m:oMathParaPr>
-                      <m:oMath xmlns:m="http://schemas.openxmlformats.org/officeDocument/2006/math">
-                        <m:r>
-                          <a:rPr lang="pt-BR" sz="2400" i="1" smtClean="0">
-                            <a:latin typeface="Cambria Math" panose="02040503050406030204" pitchFamily="18" charset="0"/>
-                          </a:rPr>
-                          <m:t>𝑥</m:t>
-                        </m:r>
-                      </m:oMath>
-                    </m:oMathPara>
-                  </a14:m>
-                  <a:endParaRPr lang="pt-BR" sz="2400" dirty="0"/>
-                </a:p>
-              </p:txBody>
-            </p:sp>
-          </mc:Choice>
-          <mc:Fallback xmlns="">
-            <p:sp>
-              <p:nvSpPr>
-                <p:cNvPr id="11" name="CaixaDeTexto 10">
-                  <a:extLst>
-                    <a:ext uri="{FF2B5EF4-FFF2-40B4-BE49-F238E27FC236}">
-                      <a16:creationId xmlns:a16="http://schemas.microsoft.com/office/drawing/2014/main" id="{5288BD09-DF15-9DAC-F0A9-2A5E8A55D030}"/>
-                    </a:ext>
-                  </a:extLst>
-                </p:cNvPr>
-                <p:cNvSpPr txBox="1">
-                  <a:spLocks noRot="1" noChangeAspect="1" noMove="1" noResize="1" noEditPoints="1" noAdjustHandles="1" noChangeArrowheads="1" noChangeShapeType="1" noTextEdit="1"/>
-                </p:cNvSpPr>
-                <p:nvPr/>
-              </p:nvSpPr>
-              <p:spPr>
-                <a:xfrm flipH="1">
-                  <a:off x="436587" y="3162012"/>
-                  <a:ext cx="467999" cy="461665"/>
-                </a:xfrm>
-                <a:prstGeom prst="rect">
-                  <a:avLst/>
-                </a:prstGeom>
-                <a:blipFill>
-                  <a:blip r:embed="rId4"/>
-                  <a:stretch>
-                    <a:fillRect/>
-                  </a:stretch>
-                </a:blipFill>
-              </p:spPr>
-              <p:txBody>
-                <a:bodyPr/>
-                <a:lstStyle/>
-                <a:p>
-                  <a:r>
-                    <a:rPr lang="pt-BR">
-                      <a:noFill/>
-                    </a:rPr>
-                    <a:t> </a:t>
-                  </a:r>
-                </a:p>
-              </p:txBody>
-            </p:sp>
-          </mc:Fallback>
-        </mc:AlternateContent>
-        <mc:AlternateContent xmlns:mc="http://schemas.openxmlformats.org/markup-compatibility/2006" xmlns:a14="http://schemas.microsoft.com/office/drawing/2010/main">
-          <mc:Choice Requires="a14">
-            <p:sp>
-              <p:nvSpPr>
-                <p:cNvPr id="19" name="CaixaDeTexto 18">
-                  <a:extLst>
-                    <a:ext uri="{FF2B5EF4-FFF2-40B4-BE49-F238E27FC236}">
-                      <a16:creationId xmlns:a16="http://schemas.microsoft.com/office/drawing/2014/main" id="{EC39E661-CCDA-70CF-2A43-635F75FA58BD}"/>
-                    </a:ext>
-                  </a:extLst>
-                </p:cNvPr>
-                <p:cNvSpPr txBox="1"/>
-                <p:nvPr/>
-              </p:nvSpPr>
-              <p:spPr>
-                <a:xfrm flipH="1">
-                  <a:off x="425788" y="4367212"/>
-                  <a:ext cx="467999" cy="461665"/>
-                </a:xfrm>
-                <a:prstGeom prst="rect">
-                  <a:avLst/>
-                </a:prstGeom>
-                <a:noFill/>
-              </p:spPr>
-              <p:txBody>
-                <a:bodyPr wrap="square">
-                  <a:spAutoFit/>
-                </a:bodyPr>
-                <a:lstStyle/>
-                <a:p>
-                  <a:pPr/>
-                  <a14:m>
-                    <m:oMathPara xmlns:m="http://schemas.openxmlformats.org/officeDocument/2006/math">
-                      <m:oMathParaPr>
-                        <m:jc m:val="center"/>
-                      </m:oMathParaPr>
-                      <m:oMath xmlns:m="http://schemas.openxmlformats.org/officeDocument/2006/math">
-                        <m:r>
-                          <a:rPr lang="pt-BR" sz="2400" b="0" i="1" smtClean="0">
-                            <a:latin typeface="Cambria Math" panose="02040503050406030204" pitchFamily="18" charset="0"/>
-                          </a:rPr>
-                          <m:t>𝑦</m:t>
-                        </m:r>
-                      </m:oMath>
-                    </m:oMathPara>
-                  </a14:m>
-                  <a:endParaRPr lang="pt-BR" sz="2400" dirty="0"/>
-                </a:p>
-              </p:txBody>
-            </p:sp>
-          </mc:Choice>
-          <mc:Fallback xmlns="">
-            <p:sp>
-              <p:nvSpPr>
-                <p:cNvPr id="12" name="CaixaDeTexto 11">
-                  <a:extLst>
-                    <a:ext uri="{FF2B5EF4-FFF2-40B4-BE49-F238E27FC236}">
-                      <a16:creationId xmlns:a16="http://schemas.microsoft.com/office/drawing/2014/main" id="{120EB5AF-A158-F20A-7D5F-DC34312E5153}"/>
-                    </a:ext>
-                  </a:extLst>
-                </p:cNvPr>
-                <p:cNvSpPr txBox="1">
-                  <a:spLocks noRot="1" noChangeAspect="1" noMove="1" noResize="1" noEditPoints="1" noAdjustHandles="1" noChangeArrowheads="1" noChangeShapeType="1" noTextEdit="1"/>
-                </p:cNvSpPr>
-                <p:nvPr/>
-              </p:nvSpPr>
-              <p:spPr>
-                <a:xfrm flipH="1">
-                  <a:off x="425788" y="4367212"/>
-                  <a:ext cx="467999" cy="461665"/>
-                </a:xfrm>
-                <a:prstGeom prst="rect">
-                  <a:avLst/>
-                </a:prstGeom>
-                <a:blipFill>
-                  <a:blip r:embed="rId5"/>
-                  <a:stretch>
-                    <a:fillRect b="-10526"/>
-                  </a:stretch>
-                </a:blipFill>
-              </p:spPr>
-              <p:txBody>
-                <a:bodyPr/>
-                <a:lstStyle/>
-                <a:p>
-                  <a:r>
-                    <a:rPr lang="pt-BR">
-                      <a:noFill/>
-                    </a:rPr>
-                    <a:t> </a:t>
-                  </a:r>
-                </a:p>
-              </p:txBody>
-            </p:sp>
-          </mc:Fallback>
-        </mc:AlternateContent>
-        <mc:AlternateContent xmlns:mc="http://schemas.openxmlformats.org/markup-compatibility/2006" xmlns:a14="http://schemas.microsoft.com/office/drawing/2010/main">
-          <mc:Choice Requires="a14">
-            <p:sp>
-              <p:nvSpPr>
-                <p:cNvPr id="20" name="CaixaDeTexto 19">
-                  <a:extLst>
-                    <a:ext uri="{FF2B5EF4-FFF2-40B4-BE49-F238E27FC236}">
-                      <a16:creationId xmlns:a16="http://schemas.microsoft.com/office/drawing/2014/main" id="{D10A722F-36E6-806C-439B-802573D30B46}"/>
-                    </a:ext>
-                  </a:extLst>
-                </p:cNvPr>
-                <p:cNvSpPr txBox="1"/>
-                <p:nvPr/>
-              </p:nvSpPr>
-              <p:spPr>
-                <a:xfrm flipH="1">
-                  <a:off x="2656972" y="3008452"/>
-                  <a:ext cx="467999" cy="461665"/>
-                </a:xfrm>
-                <a:prstGeom prst="rect">
-                  <a:avLst/>
-                </a:prstGeom>
-                <a:noFill/>
-              </p:spPr>
-              <p:txBody>
-                <a:bodyPr wrap="square">
-                  <a:spAutoFit/>
-                </a:bodyPr>
-                <a:lstStyle/>
-                <a:p>
-                  <a:pPr/>
-                  <a14:m>
-                    <m:oMathPara xmlns:m="http://schemas.openxmlformats.org/officeDocument/2006/math">
-                      <m:oMathParaPr>
-                        <m:jc m:val="center"/>
-                      </m:oMathParaPr>
-                      <m:oMath xmlns:m="http://schemas.openxmlformats.org/officeDocument/2006/math">
-                        <m:acc>
-                          <m:accPr>
-                            <m:chr m:val="̂"/>
-                            <m:ctrlPr>
-                              <a:rPr lang="pt-BR" sz="2400" b="0" i="1" smtClean="0">
-                                <a:latin typeface="Cambria Math" panose="02040503050406030204" pitchFamily="18" charset="0"/>
-                              </a:rPr>
-                            </m:ctrlPr>
-                          </m:accPr>
-                          <m:e>
-                            <m:r>
-                              <a:rPr lang="pt-BR" sz="2400" b="0" i="1" smtClean="0">
-                                <a:latin typeface="Cambria Math" panose="02040503050406030204" pitchFamily="18" charset="0"/>
-                              </a:rPr>
-                              <m:t>𝑦</m:t>
-                            </m:r>
-                          </m:e>
-                        </m:acc>
-                      </m:oMath>
-                    </m:oMathPara>
-                  </a14:m>
-                  <a:endParaRPr lang="pt-BR" sz="2400" dirty="0"/>
-                </a:p>
-              </p:txBody>
-            </p:sp>
-          </mc:Choice>
-          <mc:Fallback xmlns="">
-            <p:sp>
-              <p:nvSpPr>
-                <p:cNvPr id="13" name="CaixaDeTexto 12">
-                  <a:extLst>
-                    <a:ext uri="{FF2B5EF4-FFF2-40B4-BE49-F238E27FC236}">
-                      <a16:creationId xmlns:a16="http://schemas.microsoft.com/office/drawing/2014/main" id="{0DD5471C-A64B-2523-03B6-5429998A9CAA}"/>
-                    </a:ext>
-                  </a:extLst>
-                </p:cNvPr>
-                <p:cNvSpPr txBox="1">
-                  <a:spLocks noRot="1" noChangeAspect="1" noMove="1" noResize="1" noEditPoints="1" noAdjustHandles="1" noChangeArrowheads="1" noChangeShapeType="1" noTextEdit="1"/>
-                </p:cNvSpPr>
-                <p:nvPr/>
-              </p:nvSpPr>
-              <p:spPr>
-                <a:xfrm flipH="1">
-                  <a:off x="2656972" y="3008452"/>
-                  <a:ext cx="467999" cy="461665"/>
-                </a:xfrm>
-                <a:prstGeom prst="rect">
-                  <a:avLst/>
-                </a:prstGeom>
-                <a:blipFill>
-                  <a:blip r:embed="rId6"/>
-                  <a:stretch>
-                    <a:fillRect t="-4000" r="-24675" b="-10667"/>
-                  </a:stretch>
-                </a:blipFill>
-              </p:spPr>
-              <p:txBody>
-                <a:bodyPr/>
-                <a:lstStyle/>
-                <a:p>
-                  <a:r>
-                    <a:rPr lang="pt-BR">
-                      <a:noFill/>
-                    </a:rPr>
-                    <a:t> </a:t>
-                  </a:r>
-                </a:p>
-              </p:txBody>
-            </p:sp>
-          </mc:Fallback>
-        </mc:AlternateContent>
-        <p:cxnSp>
-          <p:nvCxnSpPr>
-            <p:cNvPr id="22" name="Conector: Angulado 21">
-              <a:extLst>
-                <a:ext uri="{FF2B5EF4-FFF2-40B4-BE49-F238E27FC236}">
-                  <a16:creationId xmlns:a16="http://schemas.microsoft.com/office/drawing/2014/main" id="{84B9DBA0-0DD2-CAFC-5554-C72E9D3F6A1D}"/>
-                </a:ext>
-              </a:extLst>
-            </p:cNvPr>
-            <p:cNvCxnSpPr>
-              <a:cxnSpLocks/>
-              <a:stCxn id="19" idx="1"/>
-              <a:endCxn id="17" idx="2"/>
-            </p:cNvCxnSpPr>
-            <p:nvPr/>
-          </p:nvCxnSpPr>
-          <p:spPr>
-            <a:xfrm flipV="1">
-              <a:off x="893787" y="3878943"/>
-              <a:ext cx="2986115" cy="719102"/>
-            </a:xfrm>
-            <a:prstGeom prst="bentConnector2">
-              <a:avLst/>
-            </a:prstGeom>
-            <a:ln>
-              <a:tailEnd type="triangle"/>
-            </a:ln>
-          </p:spPr>
-          <p:style>
-            <a:lnRef idx="1">
-              <a:schemeClr val="accent1"/>
-            </a:lnRef>
-            <a:fillRef idx="0">
-              <a:schemeClr val="accent1"/>
-            </a:fillRef>
-            <a:effectRef idx="0">
-              <a:schemeClr val="accent1"/>
-            </a:effectRef>
-            <a:fontRef idx="minor">
-              <a:schemeClr val="tx1"/>
-            </a:fontRef>
-          </p:style>
-        </p:cxnSp>
-        <p:cxnSp>
-          <p:nvCxnSpPr>
-            <p:cNvPr id="28" name="Conector: Angulado 27">
-              <a:extLst>
-                <a:ext uri="{FF2B5EF4-FFF2-40B4-BE49-F238E27FC236}">
-                  <a16:creationId xmlns:a16="http://schemas.microsoft.com/office/drawing/2014/main" id="{58CEE1C0-9EEB-B458-78E1-14EA3427B498}"/>
-                </a:ext>
-              </a:extLst>
-            </p:cNvPr>
-            <p:cNvCxnSpPr>
-              <a:stCxn id="17" idx="3"/>
-            </p:cNvCxnSpPr>
-            <p:nvPr/>
-          </p:nvCxnSpPr>
-          <p:spPr>
-            <a:xfrm flipH="1" flipV="1">
-              <a:off x="2663083" y="2378075"/>
-              <a:ext cx="1825228" cy="1076325"/>
-            </a:xfrm>
-            <a:prstGeom prst="bentConnector3">
-              <a:avLst>
-                <a:gd name="adj1" fmla="val -12524"/>
-              </a:avLst>
-            </a:prstGeom>
-            <a:ln>
-              <a:prstDash val="dash"/>
-              <a:headEnd type="none" w="med" len="med"/>
-              <a:tailEnd type="none" w="med" len="med"/>
-            </a:ln>
-          </p:spPr>
-          <p:style>
-            <a:lnRef idx="1">
-              <a:schemeClr val="accent1"/>
-            </a:lnRef>
-            <a:fillRef idx="0">
-              <a:schemeClr val="accent1"/>
-            </a:fillRef>
-            <a:effectRef idx="0">
-              <a:schemeClr val="accent1"/>
-            </a:effectRef>
-            <a:fontRef idx="minor">
-              <a:schemeClr val="tx1"/>
-            </a:fontRef>
-          </p:style>
-        </p:cxnSp>
-        <p:cxnSp>
-          <p:nvCxnSpPr>
-            <p:cNvPr id="29" name="Conector reto 28">
-              <a:extLst>
-                <a:ext uri="{FF2B5EF4-FFF2-40B4-BE49-F238E27FC236}">
-                  <a16:creationId xmlns:a16="http://schemas.microsoft.com/office/drawing/2014/main" id="{CF9E77D4-782A-CF0F-6988-3744515D8463}"/>
-                </a:ext>
-              </a:extLst>
-            </p:cNvPr>
-            <p:cNvCxnSpPr/>
-            <p:nvPr/>
-          </p:nvCxnSpPr>
-          <p:spPr>
-            <a:xfrm flipH="1">
-              <a:off x="1450107" y="2378075"/>
-              <a:ext cx="1212396" cy="1743075"/>
-            </a:xfrm>
-            <a:prstGeom prst="line">
-              <a:avLst/>
-            </a:prstGeom>
-            <a:ln>
-              <a:prstDash val="dash"/>
-              <a:headEnd type="none" w="med" len="med"/>
-              <a:tailEnd type="triangle" w="med" len="med"/>
-            </a:ln>
-          </p:spPr>
-          <p:style>
-            <a:lnRef idx="1">
-              <a:schemeClr val="accent1"/>
-            </a:lnRef>
-            <a:fillRef idx="0">
-              <a:schemeClr val="accent1"/>
-            </a:fillRef>
-            <a:effectRef idx="0">
-              <a:schemeClr val="accent1"/>
-            </a:effectRef>
-            <a:fontRef idx="minor">
-              <a:schemeClr val="tx1"/>
-            </a:fontRef>
-          </p:style>
-        </p:cxnSp>
-        <p:sp>
-          <p:nvSpPr>
-            <p:cNvPr id="30" name="CaixaDeTexto 29">
-              <a:extLst>
-                <a:ext uri="{FF2B5EF4-FFF2-40B4-BE49-F238E27FC236}">
-                  <a16:creationId xmlns:a16="http://schemas.microsoft.com/office/drawing/2014/main" id="{D905E230-1DA8-E072-11BE-1474444DED72}"/>
-                </a:ext>
-              </a:extLst>
-            </p:cNvPr>
-            <p:cNvSpPr txBox="1"/>
-            <p:nvPr/>
-          </p:nvSpPr>
-          <p:spPr>
-            <a:xfrm>
-              <a:off x="893787" y="4074825"/>
-              <a:ext cx="1309262" cy="276999"/>
-            </a:xfrm>
-            <a:prstGeom prst="rect">
-              <a:avLst/>
-            </a:prstGeom>
-            <a:noFill/>
-          </p:spPr>
-          <p:txBody>
-            <a:bodyPr wrap="square" rtlCol="0">
-              <a:spAutoFit/>
-            </a:bodyPr>
-            <a:lstStyle/>
-            <a:p>
-              <a:pPr algn="ctr"/>
-              <a:r>
-                <a:rPr lang="pt-BR" sz="1200" dirty="0"/>
-                <a:t>Ajuste do modelo</a:t>
-              </a:r>
-            </a:p>
-          </p:txBody>
-        </p:sp>
-        <p:sp>
-          <p:nvSpPr>
-            <p:cNvPr id="31" name="Retângulo 30">
-              <a:extLst>
-                <a:ext uri="{FF2B5EF4-FFF2-40B4-BE49-F238E27FC236}">
-                  <a16:creationId xmlns:a16="http://schemas.microsoft.com/office/drawing/2014/main" id="{F133C84A-8387-EE4F-F53D-C92AFD1C05C3}"/>
-                </a:ext>
-              </a:extLst>
-            </p:cNvPr>
-            <p:cNvSpPr/>
-            <p:nvPr/>
-          </p:nvSpPr>
-          <p:spPr>
-            <a:xfrm>
-              <a:off x="425788" y="3029858"/>
-              <a:ext cx="463575" cy="1935842"/>
-            </a:xfrm>
-            <a:prstGeom prst="rect">
-              <a:avLst/>
-            </a:prstGeom>
-            <a:solidFill>
-              <a:schemeClr val="accent1">
-                <a:alpha val="41000"/>
-              </a:schemeClr>
-            </a:solidFill>
-            <a:ln>
-              <a:solidFill>
-                <a:schemeClr val="accent1">
-                  <a:shade val="15000"/>
-                </a:schemeClr>
-              </a:solidFill>
-            </a:ln>
-          </p:spPr>
-          <p:style>
-            <a:lnRef idx="2">
-              <a:schemeClr val="accent1">
-                <a:shade val="15000"/>
-              </a:schemeClr>
-            </a:lnRef>
-            <a:fillRef idx="1">
-              <a:schemeClr val="accent1"/>
-            </a:fillRef>
-            <a:effectRef idx="0">
-              <a:schemeClr val="accent1"/>
-            </a:effectRef>
-            <a:fontRef idx="minor">
-              <a:schemeClr val="lt1"/>
-            </a:fontRef>
-          </p:style>
-          <p:txBody>
-            <a:bodyPr rtlCol="0" anchor="ctr"/>
-            <a:lstStyle/>
-            <a:p>
-              <a:pPr algn="ctr"/>
-              <a:endParaRPr lang="pt-BR" dirty="0"/>
-            </a:p>
-          </p:txBody>
-        </p:sp>
-        <p:sp>
-          <p:nvSpPr>
-            <p:cNvPr id="32" name="CaixaDeTexto 31">
-              <a:extLst>
-                <a:ext uri="{FF2B5EF4-FFF2-40B4-BE49-F238E27FC236}">
-                  <a16:creationId xmlns:a16="http://schemas.microsoft.com/office/drawing/2014/main" id="{2BD1F0FE-08E1-D86E-7C95-243A334275BD}"/>
-                </a:ext>
-              </a:extLst>
-            </p:cNvPr>
-            <p:cNvSpPr txBox="1"/>
-            <p:nvPr/>
-          </p:nvSpPr>
-          <p:spPr>
-            <a:xfrm>
-              <a:off x="157187" y="4947981"/>
-              <a:ext cx="1047413" cy="461665"/>
-            </a:xfrm>
-            <a:prstGeom prst="rect">
-              <a:avLst/>
-            </a:prstGeom>
-            <a:noFill/>
-          </p:spPr>
-          <p:txBody>
-            <a:bodyPr wrap="square" rtlCol="0">
-              <a:spAutoFit/>
-            </a:bodyPr>
-            <a:lstStyle/>
-            <a:p>
-              <a:pPr algn="ctr"/>
-              <a:r>
-                <a:rPr lang="pt-BR" sz="1200" dirty="0"/>
-                <a:t>Conjunto de treinamento</a:t>
-              </a:r>
-            </a:p>
-          </p:txBody>
-        </p:sp>
-        <p:sp>
-          <p:nvSpPr>
-            <p:cNvPr id="35" name="CaixaDeTexto 34">
-              <a:extLst>
-                <a:ext uri="{FF2B5EF4-FFF2-40B4-BE49-F238E27FC236}">
-                  <a16:creationId xmlns:a16="http://schemas.microsoft.com/office/drawing/2014/main" id="{1FDF62CF-7501-8844-5A2B-9851C5D32B6A}"/>
-                </a:ext>
-              </a:extLst>
-            </p:cNvPr>
-            <p:cNvSpPr txBox="1"/>
-            <p:nvPr/>
-          </p:nvSpPr>
-          <p:spPr>
-            <a:xfrm>
-              <a:off x="2578608" y="3490140"/>
-              <a:ext cx="692886" cy="276999"/>
-            </a:xfrm>
-            <a:prstGeom prst="rect">
-              <a:avLst/>
-            </a:prstGeom>
-            <a:noFill/>
-          </p:spPr>
-          <p:txBody>
-            <a:bodyPr wrap="square" rtlCol="0">
-              <a:spAutoFit/>
-            </a:bodyPr>
-            <a:lstStyle/>
-            <a:p>
-              <a:pPr algn="ctr"/>
-              <a:r>
-                <a:rPr lang="pt-BR" sz="1200" dirty="0"/>
-                <a:t>palpite</a:t>
-              </a:r>
-            </a:p>
-          </p:txBody>
-        </p:sp>
-        <p:sp>
-          <p:nvSpPr>
-            <p:cNvPr id="36" name="CaixaDeTexto 35">
-              <a:extLst>
-                <a:ext uri="{FF2B5EF4-FFF2-40B4-BE49-F238E27FC236}">
-                  <a16:creationId xmlns:a16="http://schemas.microsoft.com/office/drawing/2014/main" id="{AF130E62-B744-315E-7E3B-82FC25CEDCEC}"/>
-                </a:ext>
-              </a:extLst>
-            </p:cNvPr>
-            <p:cNvSpPr txBox="1"/>
-            <p:nvPr/>
-          </p:nvSpPr>
-          <p:spPr>
-            <a:xfrm>
-              <a:off x="4433138" y="3443383"/>
-              <a:ext cx="454917" cy="276999"/>
-            </a:xfrm>
-            <a:prstGeom prst="rect">
-              <a:avLst/>
-            </a:prstGeom>
-            <a:noFill/>
-          </p:spPr>
-          <p:txBody>
-            <a:bodyPr wrap="square" rtlCol="0">
-              <a:spAutoFit/>
-            </a:bodyPr>
-            <a:lstStyle/>
-            <a:p>
-              <a:pPr algn="ctr"/>
-              <a:r>
-                <a:rPr lang="pt-BR" sz="1200" dirty="0"/>
-                <a:t>erro</a:t>
-              </a:r>
-            </a:p>
-          </p:txBody>
-        </p:sp>
-      </p:grpSp>
+          <a:prstGeom prst="rect">
+            <a:avLst/>
+          </a:prstGeom>
+        </p:spPr>
+      </p:pic>
     </p:spTree>
     <p:extLst>
       <p:ext uri="{BB962C8B-B14F-4D97-AF65-F5344CB8AC3E}">
-        <p14:creationId xmlns:p14="http://schemas.microsoft.com/office/powerpoint/2010/main" val="1168495408"/>
+        <p14:creationId xmlns:p14="http://schemas.microsoft.com/office/powerpoint/2010/main" val="2737780147"/>
       </p:ext>
     </p:extLst>
   </p:cSld>
@@ -15873,215 +15415,6 @@
 </file>
 
 <file path=ppt/slides/slide20.xml><?xml version="1.0" encoding="utf-8"?>
-<p:sld xmlns:a="http://schemas.openxmlformats.org/drawingml/2006/main" xmlns:r="http://schemas.openxmlformats.org/officeDocument/2006/relationships" xmlns:p="http://schemas.openxmlformats.org/presentationml/2006/main">
-  <p:cSld>
-    <p:spTree>
-      <p:nvGrpSpPr>
-        <p:cNvPr id="1" name=""/>
-        <p:cNvGrpSpPr/>
-        <p:nvPr/>
-      </p:nvGrpSpPr>
-      <p:grpSpPr>
-        <a:xfrm>
-          <a:off x="0" y="0"/>
-          <a:ext cx="0" cy="0"/>
-          <a:chOff x="0" y="0"/>
-          <a:chExt cx="0" cy="0"/>
-        </a:xfrm>
-      </p:grpSpPr>
-      <p:sp>
-        <p:nvSpPr>
-          <p:cNvPr id="2" name="Título 1">
-            <a:extLst>
-              <a:ext uri="{FF2B5EF4-FFF2-40B4-BE49-F238E27FC236}">
-                <a16:creationId xmlns:a16="http://schemas.microsoft.com/office/drawing/2014/main" id="{BEAAC63C-303B-CC7F-1D4F-8D765EB8B09B}"/>
-              </a:ext>
-            </a:extLst>
-          </p:cNvPr>
-          <p:cNvSpPr>
-            <a:spLocks noGrp="1"/>
-          </p:cNvSpPr>
-          <p:nvPr>
-            <p:ph type="title"/>
-          </p:nvPr>
-        </p:nvSpPr>
-        <p:spPr/>
-        <p:txBody>
-          <a:bodyPr/>
-          <a:lstStyle/>
-          <a:p>
-            <a:r>
-              <a:rPr lang="pt-BR" dirty="0"/>
-              <a:t>Treinamento da máquina (ou modelo de ML)</a:t>
-            </a:r>
-          </a:p>
-        </p:txBody>
-      </p:sp>
-      <p:sp>
-        <p:nvSpPr>
-          <p:cNvPr id="3" name="Espaço Reservado para Conteúdo 2">
-            <a:extLst>
-              <a:ext uri="{FF2B5EF4-FFF2-40B4-BE49-F238E27FC236}">
-                <a16:creationId xmlns:a16="http://schemas.microsoft.com/office/drawing/2014/main" id="{62A3C305-4461-D25D-82D9-0C9F42995D65}"/>
-              </a:ext>
-            </a:extLst>
-          </p:cNvPr>
-          <p:cNvSpPr>
-            <a:spLocks noGrp="1"/>
-          </p:cNvSpPr>
-          <p:nvPr>
-            <p:ph idx="1"/>
-          </p:nvPr>
-        </p:nvSpPr>
-        <p:spPr>
-          <a:xfrm>
-            <a:off x="838199" y="5024063"/>
-            <a:ext cx="11236287" cy="1833937"/>
-          </a:xfrm>
-        </p:spPr>
-        <p:txBody>
-          <a:bodyPr>
-            <a:normAutofit lnSpcReduction="10000"/>
-          </a:bodyPr>
-          <a:lstStyle/>
-          <a:p>
-            <a:r>
-              <a:rPr lang="pt-BR" sz="2800" dirty="0"/>
-              <a:t>Por exemplo, o modelo de ML pode ser uma </a:t>
-            </a:r>
-            <a:r>
-              <a:rPr lang="pt-BR" sz="2800" b="1" i="1" dirty="0">
-                <a:solidFill>
-                  <a:srgbClr val="00B050"/>
-                </a:solidFill>
-              </a:rPr>
-              <a:t>rede neural </a:t>
-            </a:r>
-            <a:r>
-              <a:rPr lang="pt-BR" sz="2800" dirty="0"/>
-              <a:t>onde o </a:t>
-            </a:r>
-            <a:r>
-              <a:rPr lang="pt-BR" sz="2800" b="1" i="1" dirty="0"/>
-              <a:t>processo de treinamento</a:t>
-            </a:r>
-            <a:r>
-              <a:rPr lang="pt-BR" sz="2800" dirty="0"/>
-              <a:t> </a:t>
-            </a:r>
-            <a:r>
-              <a:rPr lang="pt-BR" sz="2800" b="1" i="1" dirty="0">
-                <a:solidFill>
-                  <a:srgbClr val="00B050"/>
-                </a:solidFill>
-              </a:rPr>
-              <a:t>otimiza</a:t>
-            </a:r>
-            <a:r>
-              <a:rPr lang="pt-BR" sz="2800" dirty="0"/>
-              <a:t> os seus </a:t>
-            </a:r>
-            <a:r>
-              <a:rPr lang="pt-BR" sz="2800" b="1" i="1" dirty="0">
-                <a:solidFill>
-                  <a:srgbClr val="00B050"/>
-                </a:solidFill>
-              </a:rPr>
-              <a:t>pesos</a:t>
-            </a:r>
-            <a:r>
-              <a:rPr lang="pt-BR" sz="2800" dirty="0"/>
-              <a:t> (sinápticos e de bias) a fim de </a:t>
-            </a:r>
-            <a:r>
-              <a:rPr lang="pt-BR" sz="2800" b="1" i="1" dirty="0">
-                <a:solidFill>
-                  <a:srgbClr val="00B050"/>
-                </a:solidFill>
-              </a:rPr>
-              <a:t>minimizar o erro</a:t>
-            </a:r>
-            <a:r>
-              <a:rPr lang="pt-BR" sz="2800" dirty="0"/>
-              <a:t> e, consequentemente, </a:t>
-            </a:r>
-            <a:r>
-              <a:rPr lang="pt-BR" sz="2800" b="1" i="1" dirty="0">
-                <a:solidFill>
-                  <a:srgbClr val="00B050"/>
-                </a:solidFill>
-              </a:rPr>
-              <a:t>resolver um problema classificação</a:t>
-            </a:r>
-            <a:r>
-              <a:rPr lang="pt-BR" sz="2800" dirty="0"/>
-              <a:t> (e.g., de imagens), </a:t>
-            </a:r>
-            <a:r>
-              <a:rPr lang="pt-BR" sz="2800" b="1" i="1" dirty="0">
-                <a:solidFill>
-                  <a:srgbClr val="00B050"/>
-                </a:solidFill>
-              </a:rPr>
-              <a:t>regressão</a:t>
-            </a:r>
-            <a:r>
-              <a:rPr lang="pt-BR" sz="2800" dirty="0"/>
-              <a:t> (i.e., aproximação de curvas), etc.</a:t>
-            </a:r>
-          </a:p>
-        </p:txBody>
-      </p:sp>
-      <p:pic>
-        <p:nvPicPr>
-          <p:cNvPr id="18" name="Imagem 17">
-            <a:extLst>
-              <a:ext uri="{FF2B5EF4-FFF2-40B4-BE49-F238E27FC236}">
-                <a16:creationId xmlns:a16="http://schemas.microsoft.com/office/drawing/2014/main" id="{E01FE6B2-D89F-72D9-7C0C-5F28F7882F70}"/>
-              </a:ext>
-            </a:extLst>
-          </p:cNvPr>
-          <p:cNvPicPr>
-            <a:picLocks noChangeAspect="1"/>
-          </p:cNvPicPr>
-          <p:nvPr/>
-        </p:nvPicPr>
-        <p:blipFill>
-          <a:blip r:embed="rId3">
-            <a:extLst>
-              <a:ext uri="{28A0092B-C50C-407E-A947-70E740481C1C}">
-                <a14:useLocalDpi xmlns:a14="http://schemas.microsoft.com/office/drawing/2010/main" val="0"/>
-              </a:ext>
-            </a:extLst>
-          </a:blip>
-          <a:stretch>
-            <a:fillRect/>
-          </a:stretch>
-        </p:blipFill>
-        <p:spPr>
-          <a:xfrm>
-            <a:off x="3570909" y="1532660"/>
-            <a:ext cx="5050181" cy="3286908"/>
-          </a:xfrm>
-          <a:prstGeom prst="rect">
-            <a:avLst/>
-          </a:prstGeom>
-        </p:spPr>
-      </p:pic>
-    </p:spTree>
-    <p:extLst>
-      <p:ext uri="{BB962C8B-B14F-4D97-AF65-F5344CB8AC3E}">
-        <p14:creationId xmlns:p14="http://schemas.microsoft.com/office/powerpoint/2010/main" val="2737780147"/>
-      </p:ext>
-    </p:extLst>
-  </p:cSld>
-  <p:clrMapOvr>
-    <a:masterClrMapping/>
-  </p:clrMapOvr>
-</p:sld>
-</file>
-
-<file path=ppt/slides/slide21.xml><?xml version="1.0" encoding="utf-8"?>
 <p:sld xmlns:a="http://schemas.openxmlformats.org/drawingml/2006/main" xmlns:r="http://schemas.openxmlformats.org/officeDocument/2006/relationships" xmlns:p="http://schemas.openxmlformats.org/presentationml/2006/main">
   <p:cSld>
     <p:spTree>
@@ -16808,7 +16141,31 @@
           <a:p>
             <a:r>
               <a:rPr lang="pt-BR" dirty="0"/>
-              <a:t>Ou seja, o usamos para fazer predições (i.e., valores de saídas) para entradas inéditas.</a:t>
+              <a:t>Ou seja, o usamos para fazer </a:t>
+            </a:r>
+            <a:r>
+              <a:rPr lang="pt-BR" b="1" i="1" dirty="0">
+                <a:solidFill>
+                  <a:srgbClr val="00B050"/>
+                </a:solidFill>
+              </a:rPr>
+              <a:t>predições</a:t>
+            </a:r>
+            <a:r>
+              <a:rPr lang="pt-BR" dirty="0"/>
+              <a:t> (i.e., valores de saídas) </a:t>
+            </a:r>
+            <a:r>
+              <a:rPr lang="pt-BR" b="1" i="1" dirty="0">
+                <a:solidFill>
+                  <a:srgbClr val="00B050"/>
+                </a:solidFill>
+              </a:rPr>
+              <a:t>para entradas inéditas</a:t>
+            </a:r>
+            <a:r>
+              <a:rPr lang="pt-BR" dirty="0"/>
+              <a:t>.</a:t>
             </a:r>
           </a:p>
         </p:txBody>
@@ -16826,7 +16183,7 @@
 </p:sld>
 </file>
 
-<file path=ppt/slides/slide22.xml><?xml version="1.0" encoding="utf-8"?>
+<file path=ppt/slides/slide21.xml><?xml version="1.0" encoding="utf-8"?>
 <p:sld xmlns:a="http://schemas.openxmlformats.org/drawingml/2006/main" xmlns:r="http://schemas.openxmlformats.org/officeDocument/2006/relationships" xmlns:p="http://schemas.openxmlformats.org/presentationml/2006/main">
   <p:cSld>
     <p:spTree>
@@ -16879,18 +16236,18 @@
         <p:spPr>
           <a:xfrm>
             <a:off x="838199" y="1825624"/>
-            <a:ext cx="11127659" cy="2401967"/>
+            <a:ext cx="11127659" cy="3074186"/>
           </a:xfrm>
         </p:spPr>
         <p:txBody>
           <a:bodyPr>
-            <a:normAutofit lnSpcReduction="10000"/>
+            <a:normAutofit/>
           </a:bodyPr>
           <a:lstStyle/>
           <a:p>
             <a:r>
               <a:rPr lang="pt-BR" dirty="0"/>
-              <a:t>Porém, não basta que o algoritmo de ML aprenda um modelo que faça um bom mapeamento </a:t>
+              <a:t>Porém, não basta que o algoritmo de ML treine um modelo que faça um bom mapeamento </a:t>
             </a:r>
             <a:r>
               <a:rPr lang="pt-BR" b="1" i="1" dirty="0"/>
@@ -16948,7 +16305,7 @@
             </a:r>
             <a:r>
               <a:rPr lang="pt-BR" dirty="0"/>
-              <a:t>, ou seja, que </a:t>
+              <a:t>, ou seja, um modelo que </a:t>
             </a:r>
             <a:r>
               <a:rPr lang="pt-BR" b="1" i="1" dirty="0">
@@ -16956,7 +16313,25 @@
                   <a:srgbClr val="00B050"/>
                 </a:solidFill>
               </a:rPr>
-              <a:t>generalize bem para entradas não vistas durante o treinamento</a:t>
+              <a:t>faça predições precisas para entradas não vistas durante o treinamento</a:t>
+            </a:r>
+            <a:r>
+              <a:rPr lang="pt-BR" dirty="0"/>
+              <a:t>.</a:t>
+            </a:r>
+          </a:p>
+          <a:p>
+            <a:r>
+              <a:rPr lang="pt-BR" dirty="0"/>
+              <a:t>Essa extrapolação do conhecimento adquirido durante o treinamento é chamado de </a:t>
+            </a:r>
+            <a:r>
+              <a:rPr lang="pt-BR" b="1" i="1" dirty="0">
+                <a:solidFill>
+                  <a:srgbClr val="00B050"/>
+                </a:solidFill>
+              </a:rPr>
+              <a:t>generalização</a:t>
             </a:r>
             <a:r>
               <a:rPr lang="pt-BR" dirty="0"/>
@@ -16973,7 +16348,7 @@
         </p:nvSpPr>
         <p:spPr>
           <a:xfrm>
-            <a:off x="4967359" y="4894113"/>
+            <a:off x="5016127" y="5643789"/>
             <a:ext cx="1910443" cy="849086"/>
           </a:xfrm>
           <a:prstGeom prst="rect">
@@ -17034,7 +16409,7 @@
         </p:nvSpPr>
         <p:spPr>
           <a:xfrm>
-            <a:off x="4139360" y="4362527"/>
+            <a:off x="4188128" y="5112203"/>
             <a:ext cx="3524518" cy="461665"/>
           </a:xfrm>
           <a:prstGeom prst="rect">
@@ -17064,7 +16439,7 @@
         </p:nvCxnSpPr>
         <p:spPr>
           <a:xfrm>
-            <a:off x="4139359" y="5318656"/>
+            <a:off x="4188127" y="6068332"/>
             <a:ext cx="828000" cy="0"/>
           </a:xfrm>
           <a:prstGeom prst="straightConnector1">
@@ -17097,7 +16472,7 @@
         </p:nvSpPr>
         <p:spPr>
           <a:xfrm>
-            <a:off x="3179610" y="4995490"/>
+            <a:off x="3228378" y="5745166"/>
             <a:ext cx="999567" cy="646331"/>
           </a:xfrm>
           <a:prstGeom prst="rect">
@@ -17127,7 +16502,7 @@
         </p:nvCxnSpPr>
         <p:spPr>
           <a:xfrm>
-            <a:off x="6877802" y="5318656"/>
+            <a:off x="6926570" y="6068332"/>
             <a:ext cx="828000" cy="0"/>
           </a:xfrm>
           <a:prstGeom prst="straightConnector1">
@@ -17160,7 +16535,7 @@
         </p:nvSpPr>
         <p:spPr>
           <a:xfrm>
-            <a:off x="7561520" y="5036585"/>
+            <a:off x="7610288" y="5786261"/>
             <a:ext cx="1226725" cy="646331"/>
           </a:xfrm>
           <a:prstGeom prst="rect">
@@ -17187,329 +16562,6 @@
           </a:p>
         </p:txBody>
       </p:sp>
-      <p:sp>
-        <p:nvSpPr>
-          <p:cNvPr id="34" name="CaixaDeTexto 33">
-            <a:extLst>
-              <a:ext uri="{FF2B5EF4-FFF2-40B4-BE49-F238E27FC236}">
-                <a16:creationId xmlns:a16="http://schemas.microsoft.com/office/drawing/2014/main" id="{91C4D063-7664-1260-F4EF-0FF568DA02AA}"/>
-              </a:ext>
-            </a:extLst>
-          </p:cNvPr>
-          <p:cNvSpPr txBox="1"/>
-          <p:nvPr/>
-        </p:nvSpPr>
-        <p:spPr>
-          <a:xfrm>
-            <a:off x="4179177" y="5860700"/>
-            <a:ext cx="3484701" cy="523220"/>
-          </a:xfrm>
-          <a:prstGeom prst="rect">
-            <a:avLst/>
-          </a:prstGeom>
-          <a:noFill/>
-        </p:spPr>
-        <p:txBody>
-          <a:bodyPr wrap="square" rtlCol="0">
-            <a:spAutoFit/>
-          </a:bodyPr>
-          <a:lstStyle/>
-          <a:p>
-            <a:pPr algn="ctr"/>
-            <a:r>
-              <a:rPr lang="pt-BR" sz="1400" b="1" i="1" dirty="0">
-                <a:solidFill>
-                  <a:srgbClr val="00B050"/>
-                </a:solidFill>
-              </a:rPr>
-              <a:t>O modelo aprendeu que uma reta é um </a:t>
-            </a:r>
-            <a:r>
-              <a:rPr lang="pt-BR" sz="1400" b="1" i="1" dirty="0">
-                <a:solidFill>
-                  <a:srgbClr val="7030A0"/>
-                </a:solidFill>
-              </a:rPr>
-              <a:t>bom</a:t>
-            </a:r>
-            <a:r>
-              <a:rPr lang="pt-BR" sz="1400" b="1" i="1" dirty="0">
-                <a:solidFill>
-                  <a:srgbClr val="00B050"/>
-                </a:solidFill>
-              </a:rPr>
-              <a:t> mapeamento.</a:t>
-            </a:r>
-          </a:p>
-        </p:txBody>
-      </p:sp>
-      <p:sp>
-        <p:nvSpPr>
-          <p:cNvPr id="5" name="CaixaDeTexto 4">
-            <a:extLst>
-              <a:ext uri="{FF2B5EF4-FFF2-40B4-BE49-F238E27FC236}">
-                <a16:creationId xmlns:a16="http://schemas.microsoft.com/office/drawing/2014/main" id="{BE692C9F-10A0-DE7D-EABF-57124C2B58A7}"/>
-              </a:ext>
-            </a:extLst>
-          </p:cNvPr>
-          <p:cNvSpPr txBox="1"/>
-          <p:nvPr/>
-        </p:nvSpPr>
-        <p:spPr>
-          <a:xfrm>
-            <a:off x="8568648" y="5964987"/>
-            <a:ext cx="1530850" cy="461665"/>
-          </a:xfrm>
-          <a:prstGeom prst="rect">
-            <a:avLst/>
-          </a:prstGeom>
-          <a:noFill/>
-        </p:spPr>
-        <p:txBody>
-          <a:bodyPr wrap="square" rtlCol="0">
-            <a:spAutoFit/>
-          </a:bodyPr>
-          <a:lstStyle/>
-          <a:p>
-            <a:pPr algn="ctr"/>
-            <a:r>
-              <a:rPr lang="pt-BR" sz="1200" dirty="0"/>
-              <a:t>No sentido da minimização do erro.</a:t>
-            </a:r>
-          </a:p>
-        </p:txBody>
-      </p:sp>
-      <p:cxnSp>
-        <p:nvCxnSpPr>
-          <p:cNvPr id="13" name="Conector de Seta Reta 12">
-            <a:extLst>
-              <a:ext uri="{FF2B5EF4-FFF2-40B4-BE49-F238E27FC236}">
-                <a16:creationId xmlns:a16="http://schemas.microsoft.com/office/drawing/2014/main" id="{DF182E31-404A-D72A-7218-8A0CF988ACAB}"/>
-              </a:ext>
-            </a:extLst>
-          </p:cNvPr>
-          <p:cNvCxnSpPr>
-            <a:cxnSpLocks/>
-            <a:stCxn id="5" idx="1"/>
-            <a:endCxn id="14" idx="6"/>
-          </p:cNvCxnSpPr>
-          <p:nvPr/>
-        </p:nvCxnSpPr>
-        <p:spPr>
-          <a:xfrm flipH="1" flipV="1">
-            <a:off x="7612507" y="6019039"/>
-            <a:ext cx="956141" cy="176781"/>
-          </a:xfrm>
-          <a:prstGeom prst="straightConnector1">
-            <a:avLst/>
-          </a:prstGeom>
-          <a:ln>
-            <a:solidFill>
-              <a:srgbClr val="FF0000"/>
-            </a:solidFill>
-            <a:tailEnd type="triangle"/>
-          </a:ln>
-        </p:spPr>
-        <p:style>
-          <a:lnRef idx="1">
-            <a:schemeClr val="accent1"/>
-          </a:lnRef>
-          <a:fillRef idx="0">
-            <a:schemeClr val="accent1"/>
-          </a:fillRef>
-          <a:effectRef idx="0">
-            <a:schemeClr val="accent1"/>
-          </a:effectRef>
-          <a:fontRef idx="minor">
-            <a:schemeClr val="tx1"/>
-          </a:fontRef>
-        </p:style>
-      </p:cxnSp>
-      <p:sp>
-        <p:nvSpPr>
-          <p:cNvPr id="14" name="Elipse 13">
-            <a:extLst>
-              <a:ext uri="{FF2B5EF4-FFF2-40B4-BE49-F238E27FC236}">
-                <a16:creationId xmlns:a16="http://schemas.microsoft.com/office/drawing/2014/main" id="{EB05E42E-1D76-9E9E-D9D1-6C5FE51AF256}"/>
-              </a:ext>
-            </a:extLst>
-          </p:cNvPr>
-          <p:cNvSpPr/>
-          <p:nvPr/>
-        </p:nvSpPr>
-        <p:spPr>
-          <a:xfrm>
-            <a:off x="7181636" y="5860700"/>
-            <a:ext cx="430871" cy="316677"/>
-          </a:xfrm>
-          <a:prstGeom prst="ellipse">
-            <a:avLst/>
-          </a:prstGeom>
-          <a:noFill/>
-          <a:ln w="28575">
-            <a:solidFill>
-              <a:srgbClr val="FF0000"/>
-            </a:solidFill>
-          </a:ln>
-        </p:spPr>
-        <p:style>
-          <a:lnRef idx="2">
-            <a:schemeClr val="accent1">
-              <a:shade val="15000"/>
-            </a:schemeClr>
-          </a:lnRef>
-          <a:fillRef idx="1">
-            <a:schemeClr val="accent1"/>
-          </a:fillRef>
-          <a:effectRef idx="0">
-            <a:schemeClr val="accent1"/>
-          </a:effectRef>
-          <a:fontRef idx="minor">
-            <a:schemeClr val="lt1"/>
-          </a:fontRef>
-        </p:style>
-        <p:txBody>
-          <a:bodyPr rtlCol="0" anchor="ctr"/>
-          <a:lstStyle/>
-          <a:p>
-            <a:pPr algn="ctr"/>
-            <a:endParaRPr lang="pt-BR"/>
-          </a:p>
-        </p:txBody>
-      </p:sp>
-      <p:sp>
-        <p:nvSpPr>
-          <p:cNvPr id="24" name="CaixaDeTexto 23">
-            <a:extLst>
-              <a:ext uri="{FF2B5EF4-FFF2-40B4-BE49-F238E27FC236}">
-                <a16:creationId xmlns:a16="http://schemas.microsoft.com/office/drawing/2014/main" id="{A522115F-E235-7D72-21C5-5D59EC881D9C}"/>
-              </a:ext>
-            </a:extLst>
-          </p:cNvPr>
-          <p:cNvSpPr txBox="1"/>
-          <p:nvPr/>
-        </p:nvSpPr>
-        <p:spPr>
-          <a:xfrm>
-            <a:off x="8568648" y="3833394"/>
-            <a:ext cx="2589088" cy="461665"/>
-          </a:xfrm>
-          <a:prstGeom prst="rect">
-            <a:avLst/>
-          </a:prstGeom>
-          <a:noFill/>
-        </p:spPr>
-        <p:txBody>
-          <a:bodyPr wrap="square">
-            <a:spAutoFit/>
-          </a:bodyPr>
-          <a:lstStyle/>
-          <a:p>
-            <a:r>
-              <a:rPr lang="pt-BR" sz="1200" dirty="0"/>
-              <a:t>No sentido em que as predições sejam coerentes com o que é conhecido.</a:t>
-            </a:r>
-          </a:p>
-        </p:txBody>
-      </p:sp>
-      <p:sp>
-        <p:nvSpPr>
-          <p:cNvPr id="26" name="Elipse 25">
-            <a:extLst>
-              <a:ext uri="{FF2B5EF4-FFF2-40B4-BE49-F238E27FC236}">
-                <a16:creationId xmlns:a16="http://schemas.microsoft.com/office/drawing/2014/main" id="{CB1AEA7C-6EB4-81AE-033A-CA1FC6FC9558}"/>
-              </a:ext>
-            </a:extLst>
-          </p:cNvPr>
-          <p:cNvSpPr/>
-          <p:nvPr/>
-        </p:nvSpPr>
-        <p:spPr>
-          <a:xfrm>
-            <a:off x="5415952" y="3308279"/>
-            <a:ext cx="810187" cy="410966"/>
-          </a:xfrm>
-          <a:prstGeom prst="ellipse">
-            <a:avLst/>
-          </a:prstGeom>
-          <a:noFill/>
-          <a:ln w="28575">
-            <a:solidFill>
-              <a:srgbClr val="FF0000"/>
-            </a:solidFill>
-          </a:ln>
-        </p:spPr>
-        <p:style>
-          <a:lnRef idx="2">
-            <a:schemeClr val="accent1">
-              <a:shade val="15000"/>
-            </a:schemeClr>
-          </a:lnRef>
-          <a:fillRef idx="1">
-            <a:schemeClr val="accent1"/>
-          </a:fillRef>
-          <a:effectRef idx="0">
-            <a:schemeClr val="accent1"/>
-          </a:effectRef>
-          <a:fontRef idx="minor">
-            <a:schemeClr val="lt1"/>
-          </a:fontRef>
-        </p:style>
-        <p:txBody>
-          <a:bodyPr rtlCol="0" anchor="ctr"/>
-          <a:lstStyle/>
-          <a:p>
-            <a:pPr algn="ctr"/>
-            <a:endParaRPr lang="pt-BR"/>
-          </a:p>
-        </p:txBody>
-      </p:sp>
-      <p:cxnSp>
-        <p:nvCxnSpPr>
-          <p:cNvPr id="28" name="Conector de Seta Reta 27">
-            <a:extLst>
-              <a:ext uri="{FF2B5EF4-FFF2-40B4-BE49-F238E27FC236}">
-                <a16:creationId xmlns:a16="http://schemas.microsoft.com/office/drawing/2014/main" id="{79E8F9E6-4C8F-9957-67F1-AB4C33DFF119}"/>
-              </a:ext>
-            </a:extLst>
-          </p:cNvPr>
-          <p:cNvCxnSpPr>
-            <a:cxnSpLocks/>
-            <a:stCxn id="24" idx="1"/>
-            <a:endCxn id="26" idx="5"/>
-          </p:cNvCxnSpPr>
-          <p:nvPr/>
-        </p:nvCxnSpPr>
-        <p:spPr>
-          <a:xfrm flipH="1" flipV="1">
-            <a:off x="6107490" y="3659060"/>
-            <a:ext cx="2461158" cy="405167"/>
-          </a:xfrm>
-          <a:prstGeom prst="straightConnector1">
-            <a:avLst/>
-          </a:prstGeom>
-          <a:ln>
-            <a:solidFill>
-              <a:srgbClr val="FF0000"/>
-            </a:solidFill>
-            <a:tailEnd type="triangle"/>
-          </a:ln>
-        </p:spPr>
-        <p:style>
-          <a:lnRef idx="1">
-            <a:schemeClr val="accent1"/>
-          </a:lnRef>
-          <a:fillRef idx="0">
-            <a:schemeClr val="accent1"/>
-          </a:fillRef>
-          <a:effectRef idx="0">
-            <a:schemeClr val="accent1"/>
-          </a:effectRef>
-          <a:fontRef idx="minor">
-            <a:schemeClr val="tx1"/>
-          </a:fontRef>
-        </p:style>
-      </p:cxnSp>
     </p:spTree>
     <p:extLst>
       <p:ext uri="{BB962C8B-B14F-4D97-AF65-F5344CB8AC3E}">
@@ -17523,7 +16575,7 @@
 </p:sld>
 </file>
 
-<file path=ppt/slides/slide23.xml><?xml version="1.0" encoding="utf-8"?>
+<file path=ppt/slides/slide22.xml><?xml version="1.0" encoding="utf-8"?>
 <p:sld xmlns:a="http://schemas.openxmlformats.org/drawingml/2006/main" xmlns:r="http://schemas.openxmlformats.org/officeDocument/2006/relationships" xmlns:p="http://schemas.openxmlformats.org/presentationml/2006/main">
   <p:cSld>
     <p:spTree>
@@ -18626,6 +17678,1262 @@
 </p:sld>
 </file>
 
+<file path=ppt/slides/slide23.xml><?xml version="1.0" encoding="utf-8"?>
+<p:sld xmlns:a="http://schemas.openxmlformats.org/drawingml/2006/main" xmlns:r="http://schemas.openxmlformats.org/officeDocument/2006/relationships" xmlns:p="http://schemas.openxmlformats.org/presentationml/2006/main">
+  <p:cSld>
+    <p:spTree>
+      <p:nvGrpSpPr>
+        <p:cNvPr id="1" name=""/>
+        <p:cNvGrpSpPr/>
+        <p:nvPr/>
+      </p:nvGrpSpPr>
+      <p:grpSpPr>
+        <a:xfrm>
+          <a:off x="0" y="0"/>
+          <a:ext cx="0" cy="0"/>
+          <a:chOff x="0" y="0"/>
+          <a:chExt cx="0" cy="0"/>
+        </a:xfrm>
+      </p:grpSpPr>
+      <p:sp>
+        <p:nvSpPr>
+          <p:cNvPr id="2" name="Título 1"/>
+          <p:cNvSpPr>
+            <a:spLocks noGrp="1"/>
+          </p:cNvSpPr>
+          <p:nvPr>
+            <p:ph type="title"/>
+          </p:nvPr>
+        </p:nvSpPr>
+        <p:spPr/>
+        <p:txBody>
+          <a:bodyPr/>
+          <a:lstStyle/>
+          <a:p>
+            <a:r>
+              <a:rPr lang="pt-BR" dirty="0"/>
+              <a:t>Generalização: </a:t>
+            </a:r>
+            <a:r>
+              <a:rPr lang="pt-BR" dirty="0" err="1"/>
+              <a:t>Paleteria</a:t>
+            </a:r>
+            <a:r>
+              <a:rPr lang="pt-BR" dirty="0"/>
+              <a:t> Mexicana</a:t>
+            </a:r>
+            <a:endParaRPr lang="en-US" dirty="0"/>
+          </a:p>
+        </p:txBody>
+      </p:sp>
+      <p:grpSp>
+        <p:nvGrpSpPr>
+          <p:cNvPr id="25" name="Agrupar 24">
+            <a:extLst>
+              <a:ext uri="{FF2B5EF4-FFF2-40B4-BE49-F238E27FC236}">
+                <a16:creationId xmlns:a16="http://schemas.microsoft.com/office/drawing/2014/main" id="{747CBF5F-F2D1-3A8F-F528-AFC261175F5F}"/>
+              </a:ext>
+            </a:extLst>
+          </p:cNvPr>
+          <p:cNvGrpSpPr/>
+          <p:nvPr/>
+        </p:nvGrpSpPr>
+        <p:grpSpPr>
+          <a:xfrm>
+            <a:off x="129538" y="2530784"/>
+            <a:ext cx="11939174" cy="2760057"/>
+            <a:chOff x="129538" y="2530784"/>
+            <a:chExt cx="11939174" cy="2760057"/>
+          </a:xfrm>
+        </p:grpSpPr>
+        <p:sp>
+          <p:nvSpPr>
+            <p:cNvPr id="15" name="Rectangle 12"/>
+            <p:cNvSpPr/>
+            <p:nvPr/>
+          </p:nvSpPr>
+          <p:spPr>
+            <a:xfrm>
+              <a:off x="4871676" y="3062370"/>
+              <a:ext cx="1910443" cy="849086"/>
+            </a:xfrm>
+            <a:prstGeom prst="rect">
+              <a:avLst/>
+            </a:prstGeom>
+            <a:noFill/>
+            <a:ln>
+              <a:solidFill>
+                <a:schemeClr val="tx1"/>
+              </a:solidFill>
+            </a:ln>
+          </p:spPr>
+          <p:style>
+            <a:lnRef idx="2">
+              <a:schemeClr val="accent1">
+                <a:shade val="50000"/>
+              </a:schemeClr>
+            </a:lnRef>
+            <a:fillRef idx="1">
+              <a:schemeClr val="accent1"/>
+            </a:fillRef>
+            <a:effectRef idx="0">
+              <a:schemeClr val="accent1"/>
+            </a:effectRef>
+            <a:fontRef idx="minor">
+              <a:schemeClr val="lt1"/>
+            </a:fontRef>
+          </p:style>
+          <p:txBody>
+            <a:bodyPr rtlCol="0" anchor="ctr"/>
+            <a:lstStyle/>
+            <a:p>
+              <a:pPr algn="ctr"/>
+              <a:r>
+                <a:rPr lang="pt-BR" dirty="0">
+                  <a:solidFill>
+                    <a:schemeClr val="tx1"/>
+                  </a:solidFill>
+                </a:rPr>
+                <a:t>Computador com modelo de ML </a:t>
+              </a:r>
+              <a:r>
+                <a:rPr lang="pt-BR" b="1" i="1" dirty="0">
+                  <a:solidFill>
+                    <a:srgbClr val="00B0F0"/>
+                  </a:solidFill>
+                </a:rPr>
+                <a:t>treinado</a:t>
+              </a:r>
+            </a:p>
+          </p:txBody>
+        </p:sp>
+        <p:sp>
+          <p:nvSpPr>
+            <p:cNvPr id="16" name="TextBox 13"/>
+            <p:cNvSpPr txBox="1"/>
+            <p:nvPr/>
+          </p:nvSpPr>
+          <p:spPr>
+            <a:xfrm>
+              <a:off x="4043677" y="2530784"/>
+              <a:ext cx="3524518" cy="461665"/>
+            </a:xfrm>
+            <a:prstGeom prst="rect">
+              <a:avLst/>
+            </a:prstGeom>
+            <a:noFill/>
+          </p:spPr>
+          <p:txBody>
+            <a:bodyPr wrap="square" rtlCol="0">
+              <a:spAutoFit/>
+            </a:bodyPr>
+            <a:lstStyle/>
+            <a:p>
+              <a:pPr algn="ctr"/>
+              <a:r>
+                <a:rPr lang="pt-BR" sz="2400" b="1" dirty="0"/>
+                <a:t>Aprendizado de Máquina</a:t>
+              </a:r>
+            </a:p>
+          </p:txBody>
+        </p:sp>
+        <p:cxnSp>
+          <p:nvCxnSpPr>
+            <p:cNvPr id="17" name="Straight Arrow Connector 14"/>
+            <p:cNvCxnSpPr/>
+            <p:nvPr/>
+          </p:nvCxnSpPr>
+          <p:spPr>
+            <a:xfrm>
+              <a:off x="4043676" y="3486913"/>
+              <a:ext cx="828000" cy="0"/>
+            </a:xfrm>
+            <a:prstGeom prst="straightConnector1">
+              <a:avLst/>
+            </a:prstGeom>
+            <a:ln w="19050">
+              <a:tailEnd type="triangle"/>
+            </a:ln>
+          </p:spPr>
+          <p:style>
+            <a:lnRef idx="1">
+              <a:schemeClr val="accent1"/>
+            </a:lnRef>
+            <a:fillRef idx="0">
+              <a:schemeClr val="accent1"/>
+            </a:fillRef>
+            <a:effectRef idx="0">
+              <a:schemeClr val="accent1"/>
+            </a:effectRef>
+            <a:fontRef idx="minor">
+              <a:schemeClr val="tx1"/>
+            </a:fontRef>
+          </p:style>
+        </p:cxnSp>
+        <p:sp>
+          <p:nvSpPr>
+            <p:cNvPr id="19" name="TextBox 16"/>
+            <p:cNvSpPr txBox="1"/>
+            <p:nvPr/>
+          </p:nvSpPr>
+          <p:spPr>
+            <a:xfrm>
+              <a:off x="3083927" y="3163747"/>
+              <a:ext cx="999567" cy="646331"/>
+            </a:xfrm>
+            <a:prstGeom prst="rect">
+              <a:avLst/>
+            </a:prstGeom>
+            <a:noFill/>
+          </p:spPr>
+          <p:txBody>
+            <a:bodyPr wrap="square" rtlCol="0">
+              <a:spAutoFit/>
+            </a:bodyPr>
+            <a:lstStyle/>
+            <a:p>
+              <a:pPr algn="ctr"/>
+              <a:r>
+                <a:rPr lang="pt-BR" dirty="0"/>
+                <a:t>Entradas inéditas</a:t>
+              </a:r>
+            </a:p>
+          </p:txBody>
+        </p:sp>
+        <p:cxnSp>
+          <p:nvCxnSpPr>
+            <p:cNvPr id="21" name="Straight Arrow Connector 18"/>
+            <p:cNvCxnSpPr/>
+            <p:nvPr/>
+          </p:nvCxnSpPr>
+          <p:spPr>
+            <a:xfrm>
+              <a:off x="6782119" y="3486913"/>
+              <a:ext cx="828000" cy="0"/>
+            </a:xfrm>
+            <a:prstGeom prst="straightConnector1">
+              <a:avLst/>
+            </a:prstGeom>
+            <a:ln w="19050">
+              <a:tailEnd type="triangle"/>
+            </a:ln>
+          </p:spPr>
+          <p:style>
+            <a:lnRef idx="1">
+              <a:schemeClr val="accent1"/>
+            </a:lnRef>
+            <a:fillRef idx="0">
+              <a:schemeClr val="accent1"/>
+            </a:fillRef>
+            <a:effectRef idx="0">
+              <a:schemeClr val="accent1"/>
+            </a:effectRef>
+            <a:fontRef idx="minor">
+              <a:schemeClr val="tx1"/>
+            </a:fontRef>
+          </p:style>
+        </p:cxnSp>
+        <p:sp>
+          <p:nvSpPr>
+            <p:cNvPr id="22" name="TextBox 19"/>
+            <p:cNvSpPr txBox="1"/>
+            <p:nvPr/>
+          </p:nvSpPr>
+          <p:spPr>
+            <a:xfrm>
+              <a:off x="7465837" y="3204842"/>
+              <a:ext cx="1226725" cy="646331"/>
+            </a:xfrm>
+            <a:prstGeom prst="rect">
+              <a:avLst/>
+            </a:prstGeom>
+            <a:noFill/>
+          </p:spPr>
+          <p:txBody>
+            <a:bodyPr wrap="square" rtlCol="0">
+              <a:spAutoFit/>
+            </a:bodyPr>
+            <a:lstStyle/>
+            <a:p>
+              <a:pPr algn="ctr"/>
+              <a:r>
+                <a:rPr lang="pt-BR" dirty="0"/>
+                <a:t>Saída ou inferência</a:t>
+              </a:r>
+              <a:endParaRPr lang="pt-BR" b="1" dirty="0">
+                <a:solidFill>
+                  <a:srgbClr val="FF0000"/>
+                </a:solidFill>
+              </a:endParaRPr>
+            </a:p>
+          </p:txBody>
+        </p:sp>
+        <mc:AlternateContent xmlns:mc="http://schemas.openxmlformats.org/markup-compatibility/2006" xmlns:a14="http://schemas.microsoft.com/office/drawing/2010/main">
+          <mc:Choice Requires="a14">
+            <p:sp>
+              <p:nvSpPr>
+                <p:cNvPr id="27" name="CaixaDeTexto 26">
+                  <a:extLst>
+                    <a:ext uri="{FF2B5EF4-FFF2-40B4-BE49-F238E27FC236}">
+                      <a16:creationId xmlns:a16="http://schemas.microsoft.com/office/drawing/2014/main" id="{33FC6AED-12D8-69D4-01FE-7857F2F70EC0}"/>
+                    </a:ext>
+                  </a:extLst>
+                </p:cNvPr>
+                <p:cNvSpPr txBox="1"/>
+                <p:nvPr/>
+              </p:nvSpPr>
+              <p:spPr>
+                <a:xfrm>
+                  <a:off x="129538" y="4548939"/>
+                  <a:ext cx="3304095" cy="738664"/>
+                </a:xfrm>
+                <a:prstGeom prst="rect">
+                  <a:avLst/>
+                </a:prstGeom>
+                <a:noFill/>
+              </p:spPr>
+              <p:txBody>
+                <a:bodyPr wrap="square" rtlCol="0">
+                  <a:spAutoFit/>
+                </a:bodyPr>
+                <a:lstStyle/>
+                <a:p>
+                  <a:pPr algn="ctr"/>
+                  <a:r>
+                    <a:rPr lang="pt-BR" sz="1400" b="1" i="1" dirty="0">
+                      <a:solidFill>
+                        <a:srgbClr val="00B050"/>
+                      </a:solidFill>
+                    </a:rPr>
+                    <a:t>Qual é a estimativa de paletas vendidas quando a temperatura é de </a:t>
+                  </a:r>
+                  <a14:m>
+                    <m:oMath xmlns:m="http://schemas.openxmlformats.org/officeDocument/2006/math">
+                      <m:r>
+                        <a:rPr lang="pt-BR" sz="1400" b="1" i="1" smtClean="0">
+                          <a:solidFill>
+                            <a:srgbClr val="00B050"/>
+                          </a:solidFill>
+                          <a:latin typeface="Cambria Math" panose="02040503050406030204" pitchFamily="18" charset="0"/>
+                          <a:ea typeface="Cambria Math" panose="02040503050406030204" pitchFamily="18" charset="0"/>
+                        </a:rPr>
+                        <m:t>≈</m:t>
+                      </m:r>
+                    </m:oMath>
+                  </a14:m>
+                  <a:r>
+                    <a:rPr lang="pt-BR" sz="1400" b="1" i="1" dirty="0">
+                      <a:solidFill>
+                        <a:srgbClr val="00B050"/>
+                      </a:solidFill>
+                    </a:rPr>
+                    <a:t> 6 graus (valor não visto durante o treinamento)?</a:t>
+                  </a:r>
+                </a:p>
+              </p:txBody>
+            </p:sp>
+          </mc:Choice>
+          <mc:Fallback xmlns="">
+            <p:sp>
+              <p:nvSpPr>
+                <p:cNvPr id="27" name="CaixaDeTexto 26">
+                  <a:extLst>
+                    <a:ext uri="{FF2B5EF4-FFF2-40B4-BE49-F238E27FC236}">
+                      <a16:creationId xmlns:a16="http://schemas.microsoft.com/office/drawing/2014/main" id="{33FC6AED-12D8-69D4-01FE-7857F2F70EC0}"/>
+                    </a:ext>
+                  </a:extLst>
+                </p:cNvPr>
+                <p:cNvSpPr txBox="1">
+                  <a:spLocks noRot="1" noChangeAspect="1" noMove="1" noResize="1" noEditPoints="1" noAdjustHandles="1" noChangeArrowheads="1" noChangeShapeType="1" noTextEdit="1"/>
+                </p:cNvSpPr>
+                <p:nvPr/>
+              </p:nvSpPr>
+              <p:spPr>
+                <a:xfrm>
+                  <a:off x="129538" y="4548939"/>
+                  <a:ext cx="3304095" cy="738664"/>
+                </a:xfrm>
+                <a:prstGeom prst="rect">
+                  <a:avLst/>
+                </a:prstGeom>
+                <a:blipFill>
+                  <a:blip r:embed="rId3"/>
+                  <a:stretch>
+                    <a:fillRect t="-1653" b="-8264"/>
+                  </a:stretch>
+                </a:blipFill>
+              </p:spPr>
+              <p:txBody>
+                <a:bodyPr/>
+                <a:lstStyle/>
+                <a:p>
+                  <a:r>
+                    <a:rPr lang="pt-BR">
+                      <a:noFill/>
+                    </a:rPr>
+                    <a:t> </a:t>
+                  </a:r>
+                </a:p>
+              </p:txBody>
+            </p:sp>
+          </mc:Fallback>
+        </mc:AlternateContent>
+        <p:sp>
+          <p:nvSpPr>
+            <p:cNvPr id="29" name="CaixaDeTexto 28">
+              <a:extLst>
+                <a:ext uri="{FF2B5EF4-FFF2-40B4-BE49-F238E27FC236}">
+                  <a16:creationId xmlns:a16="http://schemas.microsoft.com/office/drawing/2014/main" id="{6330BD9E-096B-426F-F26D-E85D0A9C38E6}"/>
+                </a:ext>
+              </a:extLst>
+            </p:cNvPr>
+            <p:cNvSpPr txBox="1"/>
+            <p:nvPr/>
+          </p:nvSpPr>
+          <p:spPr>
+            <a:xfrm>
+              <a:off x="4043676" y="3109950"/>
+              <a:ext cx="827999" cy="369332"/>
+            </a:xfrm>
+            <a:prstGeom prst="rect">
+              <a:avLst/>
+            </a:prstGeom>
+            <a:noFill/>
+          </p:spPr>
+          <p:txBody>
+            <a:bodyPr wrap="square">
+              <a:spAutoFit/>
+            </a:bodyPr>
+            <a:lstStyle/>
+            <a:p>
+              <a:pPr algn="ctr"/>
+              <a:r>
+                <a:rPr lang="pt-BR" sz="1800" dirty="0">
+                  <a:solidFill>
+                    <a:srgbClr val="FF0000"/>
+                  </a:solidFill>
+                </a:rPr>
+                <a:t>6</a:t>
+              </a:r>
+              <a:endParaRPr lang="pt-BR" dirty="0">
+                <a:solidFill>
+                  <a:srgbClr val="FF0000"/>
+                </a:solidFill>
+              </a:endParaRPr>
+            </a:p>
+          </p:txBody>
+        </p:sp>
+        <p:sp>
+          <p:nvSpPr>
+            <p:cNvPr id="30" name="CaixaDeTexto 29">
+              <a:extLst>
+                <a:ext uri="{FF2B5EF4-FFF2-40B4-BE49-F238E27FC236}">
+                  <a16:creationId xmlns:a16="http://schemas.microsoft.com/office/drawing/2014/main" id="{539D4C0F-5A25-B1AE-77C4-1387B2C44B76}"/>
+                </a:ext>
+              </a:extLst>
+            </p:cNvPr>
+            <p:cNvSpPr txBox="1"/>
+            <p:nvPr/>
+          </p:nvSpPr>
+          <p:spPr>
+            <a:xfrm>
+              <a:off x="6782118" y="3117580"/>
+              <a:ext cx="828001" cy="369332"/>
+            </a:xfrm>
+            <a:prstGeom prst="rect">
+              <a:avLst/>
+            </a:prstGeom>
+            <a:noFill/>
+          </p:spPr>
+          <p:txBody>
+            <a:bodyPr wrap="square">
+              <a:spAutoFit/>
+            </a:bodyPr>
+            <a:lstStyle/>
+            <a:p>
+              <a:pPr algn="ctr"/>
+              <a:r>
+                <a:rPr lang="pt-BR" dirty="0">
+                  <a:solidFill>
+                    <a:srgbClr val="FF0000"/>
+                  </a:solidFill>
+                </a:rPr>
+                <a:t>21</a:t>
+              </a:r>
+            </a:p>
+          </p:txBody>
+        </p:sp>
+        <p:grpSp>
+          <p:nvGrpSpPr>
+            <p:cNvPr id="36" name="Agrupar 35">
+              <a:extLst>
+                <a:ext uri="{FF2B5EF4-FFF2-40B4-BE49-F238E27FC236}">
+                  <a16:creationId xmlns:a16="http://schemas.microsoft.com/office/drawing/2014/main" id="{1A6A15E3-E326-F525-832C-F40AEF35FD53}"/>
+                </a:ext>
+              </a:extLst>
+            </p:cNvPr>
+            <p:cNvGrpSpPr/>
+            <p:nvPr/>
+          </p:nvGrpSpPr>
+          <p:grpSpPr>
+            <a:xfrm>
+              <a:off x="186025" y="2574959"/>
+              <a:ext cx="2861802" cy="2013028"/>
+              <a:chOff x="126016" y="4182282"/>
+              <a:chExt cx="2861802" cy="2013028"/>
+            </a:xfrm>
+          </p:grpSpPr>
+          <p:pic>
+            <p:nvPicPr>
+              <p:cNvPr id="35" name="Picture 2">
+                <a:extLst>
+                  <a:ext uri="{FF2B5EF4-FFF2-40B4-BE49-F238E27FC236}">
+                    <a16:creationId xmlns:a16="http://schemas.microsoft.com/office/drawing/2014/main" id="{2A0CE568-3641-CBBF-E5AE-0F7516F77289}"/>
+                  </a:ext>
+                </a:extLst>
+              </p:cNvPr>
+              <p:cNvPicPr>
+                <a:picLocks noChangeAspect="1" noChangeArrowheads="1"/>
+              </p:cNvPicPr>
+              <p:nvPr/>
+            </p:nvPicPr>
+            <p:blipFill rotWithShape="1">
+              <a:blip r:embed="rId4">
+                <a:extLst>
+                  <a:ext uri="{28A0092B-C50C-407E-A947-70E740481C1C}">
+                    <a14:useLocalDpi xmlns:a14="http://schemas.microsoft.com/office/drawing/2010/main" val="0"/>
+                  </a:ext>
+                </a:extLst>
+              </a:blip>
+              <a:srcRect l="616" r="1714"/>
+              <a:stretch/>
+            </p:blipFill>
+            <p:spPr bwMode="auto">
+              <a:xfrm>
+                <a:off x="126016" y="4182282"/>
+                <a:ext cx="2861802" cy="2013028"/>
+              </a:xfrm>
+              <a:prstGeom prst="rect">
+                <a:avLst/>
+              </a:prstGeom>
+              <a:noFill/>
+              <a:extLst>
+                <a:ext uri="{909E8E84-426E-40DD-AFC4-6F175D3DCCD1}">
+                  <a14:hiddenFill xmlns:a14="http://schemas.microsoft.com/office/drawing/2010/main">
+                    <a:solidFill>
+                      <a:srgbClr val="FFFFFF"/>
+                    </a:solidFill>
+                  </a14:hiddenFill>
+                </a:ext>
+              </a:extLst>
+            </p:spPr>
+          </p:pic>
+          <p:cxnSp>
+            <p:nvCxnSpPr>
+              <p:cNvPr id="9" name="Conector reto 8">
+                <a:extLst>
+                  <a:ext uri="{FF2B5EF4-FFF2-40B4-BE49-F238E27FC236}">
+                    <a16:creationId xmlns:a16="http://schemas.microsoft.com/office/drawing/2014/main" id="{5CDDCA79-6D29-DCE9-D80C-8C4EF91FD287}"/>
+                  </a:ext>
+                </a:extLst>
+              </p:cNvPr>
+              <p:cNvCxnSpPr>
+                <a:cxnSpLocks/>
+              </p:cNvCxnSpPr>
+              <p:nvPr/>
+            </p:nvCxnSpPr>
+            <p:spPr>
+              <a:xfrm>
+                <a:off x="921532" y="4434654"/>
+                <a:ext cx="0" cy="1476000"/>
+              </a:xfrm>
+              <a:prstGeom prst="line">
+                <a:avLst/>
+              </a:prstGeom>
+              <a:ln w="12700">
+                <a:solidFill>
+                  <a:srgbClr val="FF0000"/>
+                </a:solidFill>
+                <a:prstDash val="sysDash"/>
+              </a:ln>
+            </p:spPr>
+            <p:style>
+              <a:lnRef idx="1">
+                <a:schemeClr val="accent1"/>
+              </a:lnRef>
+              <a:fillRef idx="0">
+                <a:schemeClr val="accent1"/>
+              </a:fillRef>
+              <a:effectRef idx="0">
+                <a:schemeClr val="accent1"/>
+              </a:effectRef>
+              <a:fontRef idx="minor">
+                <a:schemeClr val="tx1"/>
+              </a:fontRef>
+            </p:style>
+          </p:cxnSp>
+          <p:sp>
+            <p:nvSpPr>
+              <p:cNvPr id="31" name="CaixaDeTexto 30">
+                <a:extLst>
+                  <a:ext uri="{FF2B5EF4-FFF2-40B4-BE49-F238E27FC236}">
+                    <a16:creationId xmlns:a16="http://schemas.microsoft.com/office/drawing/2014/main" id="{F5E30D89-E0D0-71E5-687B-CCB6FD038244}"/>
+                  </a:ext>
+                </a:extLst>
+              </p:cNvPr>
+              <p:cNvSpPr txBox="1"/>
+              <p:nvPr/>
+            </p:nvSpPr>
+            <p:spPr>
+              <a:xfrm>
+                <a:off x="814753" y="5869491"/>
+                <a:ext cx="213557" cy="261610"/>
+              </a:xfrm>
+              <a:prstGeom prst="rect">
+                <a:avLst/>
+              </a:prstGeom>
+              <a:noFill/>
+            </p:spPr>
+            <p:txBody>
+              <a:bodyPr wrap="square">
+                <a:spAutoFit/>
+              </a:bodyPr>
+              <a:lstStyle/>
+              <a:p>
+                <a:pPr algn="ctr"/>
+                <a:r>
+                  <a:rPr lang="pt-BR" sz="1050" dirty="0">
+                    <a:solidFill>
+                      <a:srgbClr val="FF0000"/>
+                    </a:solidFill>
+                  </a:rPr>
+                  <a:t>6</a:t>
+                </a:r>
+              </a:p>
+            </p:txBody>
+          </p:sp>
+        </p:grpSp>
+        <p:sp>
+          <p:nvSpPr>
+            <p:cNvPr id="34" name="CaixaDeTexto 33">
+              <a:extLst>
+                <a:ext uri="{FF2B5EF4-FFF2-40B4-BE49-F238E27FC236}">
+                  <a16:creationId xmlns:a16="http://schemas.microsoft.com/office/drawing/2014/main" id="{91C4D063-7664-1260-F4EF-0FF568DA02AA}"/>
+                </a:ext>
+              </a:extLst>
+            </p:cNvPr>
+            <p:cNvSpPr txBox="1"/>
+            <p:nvPr/>
+          </p:nvSpPr>
+          <p:spPr>
+            <a:xfrm>
+              <a:off x="4083494" y="4028957"/>
+              <a:ext cx="3484701" cy="523220"/>
+            </a:xfrm>
+            <a:prstGeom prst="rect">
+              <a:avLst/>
+            </a:prstGeom>
+            <a:noFill/>
+          </p:spPr>
+          <p:txBody>
+            <a:bodyPr wrap="square" rtlCol="0">
+              <a:spAutoFit/>
+            </a:bodyPr>
+            <a:lstStyle/>
+            <a:p>
+              <a:pPr algn="ctr"/>
+              <a:r>
+                <a:rPr lang="pt-BR" sz="1400" b="1" i="1" dirty="0">
+                  <a:solidFill>
+                    <a:srgbClr val="00B050"/>
+                  </a:solidFill>
+                </a:rPr>
+                <a:t>O modelo aprendeu que uma reta é um </a:t>
+              </a:r>
+              <a:r>
+                <a:rPr lang="pt-BR" sz="1400" b="1" i="1" dirty="0">
+                  <a:solidFill>
+                    <a:srgbClr val="7030A0"/>
+                  </a:solidFill>
+                </a:rPr>
+                <a:t>bom</a:t>
+              </a:r>
+              <a:r>
+                <a:rPr lang="pt-BR" sz="1400" b="1" i="1" dirty="0">
+                  <a:solidFill>
+                    <a:srgbClr val="00B050"/>
+                  </a:solidFill>
+                </a:rPr>
+                <a:t> mapeamento.</a:t>
+              </a:r>
+            </a:p>
+          </p:txBody>
+        </p:sp>
+        <p:sp>
+          <p:nvSpPr>
+            <p:cNvPr id="59" name="CaixaDeTexto 58">
+              <a:extLst>
+                <a:ext uri="{FF2B5EF4-FFF2-40B4-BE49-F238E27FC236}">
+                  <a16:creationId xmlns:a16="http://schemas.microsoft.com/office/drawing/2014/main" id="{7A0CE6F8-0566-7F88-89AF-A69DC4F872DC}"/>
+                </a:ext>
+              </a:extLst>
+            </p:cNvPr>
+            <p:cNvSpPr txBox="1"/>
+            <p:nvPr/>
+          </p:nvSpPr>
+          <p:spPr>
+            <a:xfrm>
+              <a:off x="8275020" y="4552177"/>
+              <a:ext cx="3793692" cy="738664"/>
+            </a:xfrm>
+            <a:prstGeom prst="rect">
+              <a:avLst/>
+            </a:prstGeom>
+            <a:noFill/>
+          </p:spPr>
+          <p:txBody>
+            <a:bodyPr wrap="square" rtlCol="0">
+              <a:spAutoFit/>
+            </a:bodyPr>
+            <a:lstStyle/>
+            <a:p>
+              <a:pPr algn="ctr"/>
+              <a:r>
+                <a:rPr lang="pt-BR" sz="1400" b="1" i="1" dirty="0">
+                  <a:solidFill>
+                    <a:srgbClr val="00B050"/>
+                  </a:solidFill>
+                </a:rPr>
+                <a:t>A partir do mapeamento aprendido (reta), o modelo gera como saída o valor 21, que é coerente com o restante dos dados.</a:t>
+              </a:r>
+            </a:p>
+          </p:txBody>
+        </p:sp>
+        <p:grpSp>
+          <p:nvGrpSpPr>
+            <p:cNvPr id="11" name="Agrupar 10">
+              <a:extLst>
+                <a:ext uri="{FF2B5EF4-FFF2-40B4-BE49-F238E27FC236}">
+                  <a16:creationId xmlns:a16="http://schemas.microsoft.com/office/drawing/2014/main" id="{CD8A6BB2-4890-A94B-9877-E9C973A58567}"/>
+                </a:ext>
+              </a:extLst>
+            </p:cNvPr>
+            <p:cNvGrpSpPr/>
+            <p:nvPr/>
+          </p:nvGrpSpPr>
+          <p:grpSpPr>
+            <a:xfrm>
+              <a:off x="8617979" y="2559857"/>
+              <a:ext cx="2948745" cy="2010947"/>
+              <a:chOff x="8950873" y="2545355"/>
+              <a:chExt cx="2948745" cy="2010947"/>
+            </a:xfrm>
+          </p:grpSpPr>
+          <p:grpSp>
+            <p:nvGrpSpPr>
+              <p:cNvPr id="6" name="Agrupar 5">
+                <a:extLst>
+                  <a:ext uri="{FF2B5EF4-FFF2-40B4-BE49-F238E27FC236}">
+                    <a16:creationId xmlns:a16="http://schemas.microsoft.com/office/drawing/2014/main" id="{52BF4D7F-2CA2-62F8-9BE4-DD9F2B339365}"/>
+                  </a:ext>
+                </a:extLst>
+              </p:cNvPr>
+              <p:cNvGrpSpPr/>
+              <p:nvPr/>
+            </p:nvGrpSpPr>
+            <p:grpSpPr>
+              <a:xfrm>
+                <a:off x="8950873" y="2545355"/>
+                <a:ext cx="2948745" cy="2010947"/>
+                <a:chOff x="8367252" y="3883682"/>
+                <a:chExt cx="2948745" cy="2010947"/>
+              </a:xfrm>
+            </p:grpSpPr>
+            <p:pic>
+              <p:nvPicPr>
+                <p:cNvPr id="7" name="Imagem 6">
+                  <a:extLst>
+                    <a:ext uri="{FF2B5EF4-FFF2-40B4-BE49-F238E27FC236}">
+                      <a16:creationId xmlns:a16="http://schemas.microsoft.com/office/drawing/2014/main" id="{101C69F6-520F-96EC-5E9F-BCAF39C84B33}"/>
+                    </a:ext>
+                  </a:extLst>
+                </p:cNvPr>
+                <p:cNvPicPr>
+                  <a:picLocks noChangeAspect="1"/>
+                </p:cNvPicPr>
+                <p:nvPr/>
+              </p:nvPicPr>
+              <p:blipFill rotWithShape="1">
+                <a:blip r:embed="rId5" cstate="print">
+                  <a:extLst>
+                    <a:ext uri="{28A0092B-C50C-407E-A947-70E740481C1C}">
+                      <a14:useLocalDpi xmlns:a14="http://schemas.microsoft.com/office/drawing/2010/main" val="0"/>
+                    </a:ext>
+                  </a:extLst>
+                </a:blip>
+                <a:srcRect l="3463" t="9957" r="8514"/>
+                <a:stretch/>
+              </p:blipFill>
+              <p:spPr>
+                <a:xfrm>
+                  <a:off x="8367252" y="3883682"/>
+                  <a:ext cx="2948745" cy="2010947"/>
+                </a:xfrm>
+                <a:prstGeom prst="rect">
+                  <a:avLst/>
+                </a:prstGeom>
+              </p:spPr>
+            </p:pic>
+            <p:cxnSp>
+              <p:nvCxnSpPr>
+                <p:cNvPr id="8" name="Conector reto 7">
+                  <a:extLst>
+                    <a:ext uri="{FF2B5EF4-FFF2-40B4-BE49-F238E27FC236}">
+                      <a16:creationId xmlns:a16="http://schemas.microsoft.com/office/drawing/2014/main" id="{293481F6-7067-7574-5F3C-3820E58598AB}"/>
+                    </a:ext>
+                  </a:extLst>
+                </p:cNvPr>
+                <p:cNvCxnSpPr>
+                  <a:cxnSpLocks/>
+                </p:cNvCxnSpPr>
+                <p:nvPr/>
+              </p:nvCxnSpPr>
+              <p:spPr>
+                <a:xfrm>
+                  <a:off x="9162852" y="5293244"/>
+                  <a:ext cx="0" cy="360000"/>
+                </a:xfrm>
+                <a:prstGeom prst="line">
+                  <a:avLst/>
+                </a:prstGeom>
+                <a:ln w="12700">
+                  <a:solidFill>
+                    <a:srgbClr val="FF0000"/>
+                  </a:solidFill>
+                  <a:prstDash val="sysDash"/>
+                </a:ln>
+              </p:spPr>
+              <p:style>
+                <a:lnRef idx="1">
+                  <a:schemeClr val="accent1"/>
+                </a:lnRef>
+                <a:fillRef idx="0">
+                  <a:schemeClr val="accent1"/>
+                </a:fillRef>
+                <a:effectRef idx="0">
+                  <a:schemeClr val="accent1"/>
+                </a:effectRef>
+                <a:fontRef idx="minor">
+                  <a:schemeClr val="tx1"/>
+                </a:fontRef>
+              </p:style>
+            </p:cxnSp>
+            <p:sp>
+              <p:nvSpPr>
+                <p:cNvPr id="10" name="CaixaDeTexto 9">
+                  <a:extLst>
+                    <a:ext uri="{FF2B5EF4-FFF2-40B4-BE49-F238E27FC236}">
+                      <a16:creationId xmlns:a16="http://schemas.microsoft.com/office/drawing/2014/main" id="{662738E1-6CDB-7CA5-31F9-5BCD2D5A2DD8}"/>
+                    </a:ext>
+                  </a:extLst>
+                </p:cNvPr>
+                <p:cNvSpPr txBox="1"/>
+                <p:nvPr/>
+              </p:nvSpPr>
+              <p:spPr>
+                <a:xfrm>
+                  <a:off x="9056073" y="5606014"/>
+                  <a:ext cx="213557" cy="261610"/>
+                </a:xfrm>
+                <a:prstGeom prst="rect">
+                  <a:avLst/>
+                </a:prstGeom>
+                <a:noFill/>
+              </p:spPr>
+              <p:txBody>
+                <a:bodyPr wrap="square">
+                  <a:spAutoFit/>
+                </a:bodyPr>
+                <a:lstStyle/>
+                <a:p>
+                  <a:pPr algn="ctr"/>
+                  <a:r>
+                    <a:rPr lang="pt-BR" sz="1050" dirty="0">
+                      <a:solidFill>
+                        <a:srgbClr val="FF0000"/>
+                      </a:solidFill>
+                    </a:rPr>
+                    <a:t>6</a:t>
+                  </a:r>
+                </a:p>
+              </p:txBody>
+            </p:sp>
+          </p:grpSp>
+          <p:grpSp>
+            <p:nvGrpSpPr>
+              <p:cNvPr id="55" name="Agrupar 54">
+                <a:extLst>
+                  <a:ext uri="{FF2B5EF4-FFF2-40B4-BE49-F238E27FC236}">
+                    <a16:creationId xmlns:a16="http://schemas.microsoft.com/office/drawing/2014/main" id="{6DFD4159-05F0-AA5F-E5AF-8812ADBB7F4D}"/>
+                  </a:ext>
+                </a:extLst>
+              </p:cNvPr>
+              <p:cNvGrpSpPr>
+                <a:grpSpLocks noChangeAspect="1"/>
+              </p:cNvGrpSpPr>
+              <p:nvPr/>
+            </p:nvGrpSpPr>
+            <p:grpSpPr>
+              <a:xfrm>
+                <a:off x="9729806" y="3933640"/>
+                <a:ext cx="36000" cy="36000"/>
+                <a:chOff x="11557842" y="4567654"/>
+                <a:chExt cx="280014" cy="280014"/>
+              </a:xfrm>
+            </p:grpSpPr>
+            <p:cxnSp>
+              <p:nvCxnSpPr>
+                <p:cNvPr id="47" name="Conector reto 46">
+                  <a:extLst>
+                    <a:ext uri="{FF2B5EF4-FFF2-40B4-BE49-F238E27FC236}">
+                      <a16:creationId xmlns:a16="http://schemas.microsoft.com/office/drawing/2014/main" id="{F93A44DD-0490-076B-C58B-66975D7F66F3}"/>
+                    </a:ext>
+                  </a:extLst>
+                </p:cNvPr>
+                <p:cNvCxnSpPr>
+                  <a:cxnSpLocks/>
+                </p:cNvCxnSpPr>
+                <p:nvPr/>
+              </p:nvCxnSpPr>
+              <p:spPr>
+                <a:xfrm>
+                  <a:off x="11557842" y="4567654"/>
+                  <a:ext cx="280014" cy="280014"/>
+                </a:xfrm>
+                <a:prstGeom prst="line">
+                  <a:avLst/>
+                </a:prstGeom>
+                <a:ln w="12700">
+                  <a:solidFill>
+                    <a:srgbClr val="FF0000"/>
+                  </a:solidFill>
+                </a:ln>
+              </p:spPr>
+              <p:style>
+                <a:lnRef idx="1">
+                  <a:schemeClr val="accent1"/>
+                </a:lnRef>
+                <a:fillRef idx="0">
+                  <a:schemeClr val="accent1"/>
+                </a:fillRef>
+                <a:effectRef idx="0">
+                  <a:schemeClr val="accent1"/>
+                </a:effectRef>
+                <a:fontRef idx="minor">
+                  <a:schemeClr val="tx1"/>
+                </a:fontRef>
+              </p:style>
+            </p:cxnSp>
+            <p:cxnSp>
+              <p:nvCxnSpPr>
+                <p:cNvPr id="54" name="Conector reto 53">
+                  <a:extLst>
+                    <a:ext uri="{FF2B5EF4-FFF2-40B4-BE49-F238E27FC236}">
+                      <a16:creationId xmlns:a16="http://schemas.microsoft.com/office/drawing/2014/main" id="{ADD05E9C-618B-C77C-3016-1E8B72CCE174}"/>
+                    </a:ext>
+                  </a:extLst>
+                </p:cNvPr>
+                <p:cNvCxnSpPr>
+                  <a:cxnSpLocks/>
+                </p:cNvCxnSpPr>
+                <p:nvPr/>
+              </p:nvCxnSpPr>
+              <p:spPr>
+                <a:xfrm flipH="1">
+                  <a:off x="11557842" y="4567654"/>
+                  <a:ext cx="280014" cy="280014"/>
+                </a:xfrm>
+                <a:prstGeom prst="line">
+                  <a:avLst/>
+                </a:prstGeom>
+                <a:ln w="12700">
+                  <a:solidFill>
+                    <a:srgbClr val="FF0000"/>
+                  </a:solidFill>
+                </a:ln>
+              </p:spPr>
+              <p:style>
+                <a:lnRef idx="1">
+                  <a:schemeClr val="accent1"/>
+                </a:lnRef>
+                <a:fillRef idx="0">
+                  <a:schemeClr val="accent1"/>
+                </a:fillRef>
+                <a:effectRef idx="0">
+                  <a:schemeClr val="accent1"/>
+                </a:effectRef>
+                <a:fontRef idx="minor">
+                  <a:schemeClr val="tx1"/>
+                </a:fontRef>
+              </p:style>
+            </p:cxnSp>
+          </p:grpSp>
+        </p:grpSp>
+        <p:cxnSp>
+          <p:nvCxnSpPr>
+            <p:cNvPr id="33" name="Conector de Seta Reta 32">
+              <a:extLst>
+                <a:ext uri="{FF2B5EF4-FFF2-40B4-BE49-F238E27FC236}">
+                  <a16:creationId xmlns:a16="http://schemas.microsoft.com/office/drawing/2014/main" id="{5F1A6BC8-8443-4FA2-7696-1587BF08972D}"/>
+                </a:ext>
+              </a:extLst>
+            </p:cNvPr>
+            <p:cNvCxnSpPr>
+              <a:cxnSpLocks/>
+            </p:cNvCxnSpPr>
+            <p:nvPr/>
+          </p:nvCxnSpPr>
+          <p:spPr>
+            <a:xfrm>
+              <a:off x="7251838" y="3524703"/>
+              <a:ext cx="2046365" cy="422627"/>
+            </a:xfrm>
+            <a:prstGeom prst="straightConnector1">
+              <a:avLst/>
+            </a:prstGeom>
+            <a:ln>
+              <a:solidFill>
+                <a:srgbClr val="FF0000"/>
+              </a:solidFill>
+              <a:tailEnd type="triangle"/>
+            </a:ln>
+          </p:spPr>
+          <p:style>
+            <a:lnRef idx="1">
+              <a:schemeClr val="accent1"/>
+            </a:lnRef>
+            <a:fillRef idx="0">
+              <a:schemeClr val="accent1"/>
+            </a:fillRef>
+            <a:effectRef idx="0">
+              <a:schemeClr val="accent1"/>
+            </a:effectRef>
+            <a:fontRef idx="minor">
+              <a:schemeClr val="tx1"/>
+            </a:fontRef>
+          </p:style>
+        </p:cxnSp>
+        <p:cxnSp>
+          <p:nvCxnSpPr>
+            <p:cNvPr id="14" name="Conector reto 13">
+              <a:extLst>
+                <a:ext uri="{FF2B5EF4-FFF2-40B4-BE49-F238E27FC236}">
+                  <a16:creationId xmlns:a16="http://schemas.microsoft.com/office/drawing/2014/main" id="{5E9B5479-FF18-4E4A-C4C3-F667BA554379}"/>
+                </a:ext>
+              </a:extLst>
+            </p:cNvPr>
+            <p:cNvCxnSpPr>
+              <a:cxnSpLocks/>
+            </p:cNvCxnSpPr>
+            <p:nvPr/>
+          </p:nvCxnSpPr>
+          <p:spPr>
+            <a:xfrm flipH="1" flipV="1">
+              <a:off x="8918575" y="3966142"/>
+              <a:ext cx="495003" cy="2833"/>
+            </a:xfrm>
+            <a:prstGeom prst="line">
+              <a:avLst/>
+            </a:prstGeom>
+            <a:ln w="12700">
+              <a:solidFill>
+                <a:srgbClr val="FF0000"/>
+              </a:solidFill>
+              <a:prstDash val="sysDash"/>
+            </a:ln>
+          </p:spPr>
+          <p:style>
+            <a:lnRef idx="1">
+              <a:schemeClr val="accent1"/>
+            </a:lnRef>
+            <a:fillRef idx="0">
+              <a:schemeClr val="accent1"/>
+            </a:fillRef>
+            <a:effectRef idx="0">
+              <a:schemeClr val="accent1"/>
+            </a:effectRef>
+            <a:fontRef idx="minor">
+              <a:schemeClr val="tx1"/>
+            </a:fontRef>
+          </p:style>
+        </p:cxnSp>
+      </p:grpSp>
+      <p:sp>
+        <p:nvSpPr>
+          <p:cNvPr id="3" name="Elipse 2">
+            <a:extLst>
+              <a:ext uri="{FF2B5EF4-FFF2-40B4-BE49-F238E27FC236}">
+                <a16:creationId xmlns:a16="http://schemas.microsoft.com/office/drawing/2014/main" id="{6900A132-5DF0-BAC9-8C73-5E6414020F81}"/>
+              </a:ext>
+            </a:extLst>
+          </p:cNvPr>
+          <p:cNvSpPr/>
+          <p:nvPr/>
+        </p:nvSpPr>
+        <p:spPr>
+          <a:xfrm>
+            <a:off x="7086599" y="4041657"/>
+            <a:ext cx="425451" cy="274373"/>
+          </a:xfrm>
+          <a:prstGeom prst="ellipse">
+            <a:avLst/>
+          </a:prstGeom>
+          <a:noFill/>
+          <a:ln w="19050">
+            <a:solidFill>
+              <a:srgbClr val="FF0000"/>
+            </a:solidFill>
+          </a:ln>
+        </p:spPr>
+        <p:style>
+          <a:lnRef idx="2">
+            <a:schemeClr val="accent1">
+              <a:shade val="15000"/>
+            </a:schemeClr>
+          </a:lnRef>
+          <a:fillRef idx="1">
+            <a:schemeClr val="accent1"/>
+          </a:fillRef>
+          <a:effectRef idx="0">
+            <a:schemeClr val="accent1"/>
+          </a:effectRef>
+          <a:fontRef idx="minor">
+            <a:schemeClr val="lt1"/>
+          </a:fontRef>
+        </p:style>
+        <p:txBody>
+          <a:bodyPr rtlCol="0" anchor="ctr"/>
+          <a:lstStyle/>
+          <a:p>
+            <a:pPr algn="ctr"/>
+            <a:endParaRPr lang="pt-BR"/>
+          </a:p>
+        </p:txBody>
+      </p:sp>
+      <p:sp>
+        <p:nvSpPr>
+          <p:cNvPr id="4" name="CaixaDeTexto 3">
+            <a:extLst>
+              <a:ext uri="{FF2B5EF4-FFF2-40B4-BE49-F238E27FC236}">
+                <a16:creationId xmlns:a16="http://schemas.microsoft.com/office/drawing/2014/main" id="{90664F4E-5D5B-E670-5362-74C1E9BDB412}"/>
+              </a:ext>
+            </a:extLst>
+          </p:cNvPr>
+          <p:cNvSpPr txBox="1"/>
+          <p:nvPr/>
+        </p:nvSpPr>
+        <p:spPr>
+          <a:xfrm>
+            <a:off x="3840480" y="5616484"/>
+            <a:ext cx="4511040" cy="800219"/>
+          </a:xfrm>
+          <a:prstGeom prst="rect">
+            <a:avLst/>
+          </a:prstGeom>
+          <a:noFill/>
+        </p:spPr>
+        <p:txBody>
+          <a:bodyPr wrap="square" rtlCol="0">
+            <a:spAutoFit/>
+          </a:bodyPr>
+          <a:lstStyle/>
+          <a:p>
+            <a:pPr algn="ctr"/>
+            <a:r>
+              <a:rPr lang="pt-BR" b="1" dirty="0">
+                <a:solidFill>
+                  <a:srgbClr val="7030A0"/>
+                </a:solidFill>
+              </a:rPr>
+              <a:t>No sentido da minimização do erro </a:t>
+            </a:r>
+            <a:r>
+              <a:rPr lang="pt-BR" sz="2800" b="1" dirty="0">
+                <a:solidFill>
+                  <a:srgbClr val="FF0000"/>
+                </a:solidFill>
+              </a:rPr>
+              <a:t>E </a:t>
+            </a:r>
+            <a:r>
+              <a:rPr lang="pt-BR" b="1" dirty="0">
+                <a:solidFill>
+                  <a:srgbClr val="7030A0"/>
+                </a:solidFill>
+              </a:rPr>
+              <a:t>de ter uma boa capacidade de generalização.</a:t>
+            </a:r>
+          </a:p>
+        </p:txBody>
+      </p:sp>
+      <p:cxnSp>
+        <p:nvCxnSpPr>
+          <p:cNvPr id="12" name="Conector de Seta Reta 11">
+            <a:extLst>
+              <a:ext uri="{FF2B5EF4-FFF2-40B4-BE49-F238E27FC236}">
+                <a16:creationId xmlns:a16="http://schemas.microsoft.com/office/drawing/2014/main" id="{1BFC2765-B519-77A4-84F6-6A57F1B2DACE}"/>
+              </a:ext>
+            </a:extLst>
+          </p:cNvPr>
+          <p:cNvCxnSpPr>
+            <a:stCxn id="3" idx="4"/>
+            <a:endCxn id="4" idx="0"/>
+          </p:cNvCxnSpPr>
+          <p:nvPr/>
+        </p:nvCxnSpPr>
+        <p:spPr>
+          <a:xfrm flipH="1">
+            <a:off x="6096000" y="4316030"/>
+            <a:ext cx="1203325" cy="1300454"/>
+          </a:xfrm>
+          <a:prstGeom prst="straightConnector1">
+            <a:avLst/>
+          </a:prstGeom>
+          <a:ln>
+            <a:solidFill>
+              <a:srgbClr val="FF0000"/>
+            </a:solidFill>
+            <a:tailEnd type="triangle"/>
+          </a:ln>
+        </p:spPr>
+        <p:style>
+          <a:lnRef idx="1">
+            <a:schemeClr val="accent1"/>
+          </a:lnRef>
+          <a:fillRef idx="0">
+            <a:schemeClr val="accent1"/>
+          </a:fillRef>
+          <a:effectRef idx="0">
+            <a:schemeClr val="accent1"/>
+          </a:effectRef>
+          <a:fontRef idx="minor">
+            <a:schemeClr val="tx1"/>
+          </a:fontRef>
+        </p:style>
+      </p:cxnSp>
+    </p:spTree>
+    <p:extLst>
+      <p:ext uri="{BB962C8B-B14F-4D97-AF65-F5344CB8AC3E}">
+        <p14:creationId xmlns:p14="http://schemas.microsoft.com/office/powerpoint/2010/main" val="4267192150"/>
+      </p:ext>
+    </p:extLst>
+  </p:cSld>
+  <p:clrMapOvr>
+    <a:masterClrMapping/>
+  </p:clrMapOvr>
+</p:sld>
+</file>
+
 <file path=ppt/slides/slide24.xml><?xml version="1.0" encoding="utf-8"?>
 <p:sld xmlns:a="http://schemas.openxmlformats.org/drawingml/2006/main" xmlns:r="http://schemas.openxmlformats.org/officeDocument/2006/relationships" xmlns:p="http://schemas.openxmlformats.org/presentationml/2006/main">
   <p:cSld>
@@ -18931,6 +19239,64 @@
             <a:chExt cx="4730868" cy="3031571"/>
           </a:xfrm>
         </p:grpSpPr>
+        <p:sp>
+          <p:nvSpPr>
+            <p:cNvPr id="15" name="Retângulo 14">
+              <a:extLst>
+                <a:ext uri="{FF2B5EF4-FFF2-40B4-BE49-F238E27FC236}">
+                  <a16:creationId xmlns:a16="http://schemas.microsoft.com/office/drawing/2014/main" id="{757D62A8-E829-B2D0-D5BA-C249B2A0B3DA}"/>
+                </a:ext>
+              </a:extLst>
+            </p:cNvPr>
+            <p:cNvSpPr/>
+            <p:nvPr/>
+          </p:nvSpPr>
+          <p:spPr>
+            <a:xfrm>
+              <a:off x="3708815" y="2686164"/>
+              <a:ext cx="463575" cy="1935842"/>
+            </a:xfrm>
+            <a:prstGeom prst="rect">
+              <a:avLst/>
+            </a:prstGeom>
+            <a:solidFill>
+              <a:schemeClr val="accent1">
+                <a:alpha val="41000"/>
+              </a:schemeClr>
+            </a:solidFill>
+            <a:ln>
+              <a:solidFill>
+                <a:schemeClr val="accent1">
+                  <a:shade val="15000"/>
+                </a:schemeClr>
+              </a:solidFill>
+            </a:ln>
+          </p:spPr>
+          <p:style>
+            <a:lnRef idx="2">
+              <a:schemeClr val="accent1">
+                <a:shade val="15000"/>
+              </a:schemeClr>
+            </a:lnRef>
+            <a:fillRef idx="1">
+              <a:schemeClr val="accent1"/>
+            </a:fillRef>
+            <a:effectRef idx="0">
+              <a:schemeClr val="accent1"/>
+            </a:effectRef>
+            <a:fontRef idx="minor">
+              <a:schemeClr val="lt1"/>
+            </a:fontRef>
+          </p:style>
+          <p:txBody>
+            <a:bodyPr rtlCol="0" anchor="ctr"/>
+            <a:lstStyle/>
+            <a:p>
+              <a:pPr algn="ctr"/>
+              <a:endParaRPr lang="pt-BR"/>
+            </a:p>
+          </p:txBody>
+        </p:sp>
         <p:pic>
           <p:nvPicPr>
             <p:cNvPr id="5" name="Imagem 4">
@@ -19110,8 +19476,8 @@
             </a:p>
           </p:txBody>
         </p:sp>
-        <mc:AlternateContent xmlns:mc="http://schemas.openxmlformats.org/markup-compatibility/2006" xmlns:a14="http://schemas.microsoft.com/office/drawing/2010/main">
-          <mc:Choice Requires="a14">
+        <mc:AlternateContent xmlns:mc="http://schemas.openxmlformats.org/markup-compatibility/2006">
+          <mc:Choice xmlns:a14="http://schemas.microsoft.com/office/drawing/2010/main" Requires="a14">
             <p:sp>
               <p:nvSpPr>
                 <p:cNvPr id="9" name="CaixaDeTexto 8">
@@ -19148,20 +19514,20 @@
                       </m:oMathParaPr>
                       <m:oMath xmlns:m="http://schemas.openxmlformats.org/officeDocument/2006/math">
                         <m:r>
-                          <a:rPr lang="pt-BR" sz="2400" i="1" smtClean="0">
+                          <a:rPr lang="pt-BR" sz="2400" b="1" i="1" smtClean="0">
                             <a:latin typeface="Cambria Math" panose="02040503050406030204" pitchFamily="18" charset="0"/>
                           </a:rPr>
-                          <m:t>𝑥</m:t>
+                          <m:t>𝒙</m:t>
                         </m:r>
                       </m:oMath>
                     </m:oMathPara>
                   </a14:m>
-                  <a:endParaRPr lang="pt-BR" sz="2400" dirty="0"/>
+                  <a:endParaRPr lang="pt-BR" sz="2400" b="1" dirty="0"/>
                 </a:p>
               </p:txBody>
             </p:sp>
           </mc:Choice>
-          <mc:Fallback xmlns="">
+          <mc:Fallback>
             <p:sp>
               <p:nvSpPr>
                 <p:cNvPr id="9" name="CaixaDeTexto 8">
@@ -19531,64 +19897,6 @@
                 <a:rPr lang="pt-BR" sz="1200" dirty="0"/>
                 <a:t>Ajuste do modelo</a:t>
               </a:r>
-            </a:p>
-          </p:txBody>
-        </p:sp>
-        <p:sp>
-          <p:nvSpPr>
-            <p:cNvPr id="15" name="Retângulo 14">
-              <a:extLst>
-                <a:ext uri="{FF2B5EF4-FFF2-40B4-BE49-F238E27FC236}">
-                  <a16:creationId xmlns:a16="http://schemas.microsoft.com/office/drawing/2014/main" id="{757D62A8-E829-B2D0-D5BA-C249B2A0B3DA}"/>
-                </a:ext>
-              </a:extLst>
-            </p:cNvPr>
-            <p:cNvSpPr/>
-            <p:nvPr/>
-          </p:nvSpPr>
-          <p:spPr>
-            <a:xfrm>
-              <a:off x="3708815" y="2686164"/>
-              <a:ext cx="463575" cy="1935842"/>
-            </a:xfrm>
-            <a:prstGeom prst="rect">
-              <a:avLst/>
-            </a:prstGeom>
-            <a:solidFill>
-              <a:schemeClr val="accent1">
-                <a:alpha val="41000"/>
-              </a:schemeClr>
-            </a:solidFill>
-            <a:ln>
-              <a:solidFill>
-                <a:schemeClr val="accent1">
-                  <a:shade val="15000"/>
-                </a:schemeClr>
-              </a:solidFill>
-            </a:ln>
-          </p:spPr>
-          <p:style>
-            <a:lnRef idx="2">
-              <a:schemeClr val="accent1">
-                <a:shade val="15000"/>
-              </a:schemeClr>
-            </a:lnRef>
-            <a:fillRef idx="1">
-              <a:schemeClr val="accent1"/>
-            </a:fillRef>
-            <a:effectRef idx="0">
-              <a:schemeClr val="accent1"/>
-            </a:effectRef>
-            <a:fontRef idx="minor">
-              <a:schemeClr val="lt1"/>
-            </a:fontRef>
-          </p:style>
-          <p:txBody>
-            <a:bodyPr rtlCol="0" anchor="ctr"/>
-            <a:lstStyle/>
-            <a:p>
-              <a:pPr algn="ctr"/>
-              <a:endParaRPr lang="pt-BR"/>
             </a:p>
           </p:txBody>
         </p:sp>
